--- a/Лекция 2 23_09_2020.pptx
+++ b/Лекция 2 23_09_2020.pptx
@@ -5,7 +5,7 @@
     <p:sldMasterId id="2147483648" r:id="rId1"/>
   </p:sldMasterIdLst>
   <p:notesMasterIdLst>
-    <p:notesMasterId r:id="rId21"/>
+    <p:notesMasterId r:id="rId32"/>
   </p:notesMasterIdLst>
   <p:sldIdLst>
     <p:sldId id="256" r:id="rId2"/>
@@ -19,14 +19,25 @@
     <p:sldId id="284" r:id="rId10"/>
     <p:sldId id="285" r:id="rId11"/>
     <p:sldId id="267" r:id="rId12"/>
-    <p:sldId id="261" r:id="rId13"/>
-    <p:sldId id="279" r:id="rId14"/>
-    <p:sldId id="280" r:id="rId15"/>
-    <p:sldId id="278" r:id="rId16"/>
-    <p:sldId id="262" r:id="rId17"/>
-    <p:sldId id="286" r:id="rId18"/>
-    <p:sldId id="259" r:id="rId19"/>
-    <p:sldId id="260" r:id="rId20"/>
+    <p:sldId id="287" r:id="rId13"/>
+    <p:sldId id="288" r:id="rId14"/>
+    <p:sldId id="261" r:id="rId15"/>
+    <p:sldId id="279" r:id="rId16"/>
+    <p:sldId id="289" r:id="rId17"/>
+    <p:sldId id="290" r:id="rId18"/>
+    <p:sldId id="278" r:id="rId19"/>
+    <p:sldId id="262" r:id="rId20"/>
+    <p:sldId id="292" r:id="rId21"/>
+    <p:sldId id="295" r:id="rId22"/>
+    <p:sldId id="291" r:id="rId23"/>
+    <p:sldId id="293" r:id="rId24"/>
+    <p:sldId id="296" r:id="rId25"/>
+    <p:sldId id="297" r:id="rId26"/>
+    <p:sldId id="286" r:id="rId27"/>
+    <p:sldId id="294" r:id="rId28"/>
+    <p:sldId id="298" r:id="rId29"/>
+    <p:sldId id="259" r:id="rId30"/>
+    <p:sldId id="260" r:id="rId31"/>
   </p:sldIdLst>
   <p:sldSz cx="12192000" cy="6858000"/>
   <p:notesSz cx="6858000" cy="9144000"/>
@@ -227,7 +238,7 @@
           <a:p>
             <a:fld id="{44DBC884-B382-4302-8488-D4E467EB670D}" type="datetimeFigureOut">
               <a:rPr lang="ru-RU" smtClean="0"/>
-              <a:t>14.09.2020</a:t>
+              <a:t>15.09.2020</a:t>
             </a:fld>
             <a:endParaRPr lang="ru-RU"/>
           </a:p>
@@ -626,7 +637,7 @@
           <a:p>
             <a:fld id="{9F4DF3D0-C105-404D-A43B-7CBA1B97B744}" type="datetimeFigureOut">
               <a:rPr lang="ru-RU" smtClean="0"/>
-              <a:t>14.09.2020</a:t>
+              <a:t>15.09.2020</a:t>
             </a:fld>
             <a:endParaRPr lang="ru-RU"/>
           </a:p>
@@ -796,7 +807,7 @@
           <a:p>
             <a:fld id="{9F4DF3D0-C105-404D-A43B-7CBA1B97B744}" type="datetimeFigureOut">
               <a:rPr lang="ru-RU" smtClean="0"/>
-              <a:t>14.09.2020</a:t>
+              <a:t>15.09.2020</a:t>
             </a:fld>
             <a:endParaRPr lang="ru-RU"/>
           </a:p>
@@ -976,7 +987,7 @@
           <a:p>
             <a:fld id="{9F4DF3D0-C105-404D-A43B-7CBA1B97B744}" type="datetimeFigureOut">
               <a:rPr lang="ru-RU" smtClean="0"/>
-              <a:t>14.09.2020</a:t>
+              <a:t>15.09.2020</a:t>
             </a:fld>
             <a:endParaRPr lang="ru-RU"/>
           </a:p>
@@ -1146,7 +1157,7 @@
           <a:p>
             <a:fld id="{9F4DF3D0-C105-404D-A43B-7CBA1B97B744}" type="datetimeFigureOut">
               <a:rPr lang="ru-RU" smtClean="0"/>
-              <a:t>14.09.2020</a:t>
+              <a:t>15.09.2020</a:t>
             </a:fld>
             <a:endParaRPr lang="ru-RU"/>
           </a:p>
@@ -1392,7 +1403,7 @@
           <a:p>
             <a:fld id="{9F4DF3D0-C105-404D-A43B-7CBA1B97B744}" type="datetimeFigureOut">
               <a:rPr lang="ru-RU" smtClean="0"/>
-              <a:t>14.09.2020</a:t>
+              <a:t>15.09.2020</a:t>
             </a:fld>
             <a:endParaRPr lang="ru-RU"/>
           </a:p>
@@ -1624,7 +1635,7 @@
           <a:p>
             <a:fld id="{9F4DF3D0-C105-404D-A43B-7CBA1B97B744}" type="datetimeFigureOut">
               <a:rPr lang="ru-RU" smtClean="0"/>
-              <a:t>14.09.2020</a:t>
+              <a:t>15.09.2020</a:t>
             </a:fld>
             <a:endParaRPr lang="ru-RU"/>
           </a:p>
@@ -1991,7 +2002,7 @@
           <a:p>
             <a:fld id="{9F4DF3D0-C105-404D-A43B-7CBA1B97B744}" type="datetimeFigureOut">
               <a:rPr lang="ru-RU" smtClean="0"/>
-              <a:t>14.09.2020</a:t>
+              <a:t>15.09.2020</a:t>
             </a:fld>
             <a:endParaRPr lang="ru-RU"/>
           </a:p>
@@ -2109,7 +2120,7 @@
           <a:p>
             <a:fld id="{9F4DF3D0-C105-404D-A43B-7CBA1B97B744}" type="datetimeFigureOut">
               <a:rPr lang="ru-RU" smtClean="0"/>
-              <a:t>14.09.2020</a:t>
+              <a:t>15.09.2020</a:t>
             </a:fld>
             <a:endParaRPr lang="ru-RU"/>
           </a:p>
@@ -2204,7 +2215,7 @@
           <a:p>
             <a:fld id="{9F4DF3D0-C105-404D-A43B-7CBA1B97B744}" type="datetimeFigureOut">
               <a:rPr lang="ru-RU" smtClean="0"/>
-              <a:t>14.09.2020</a:t>
+              <a:t>15.09.2020</a:t>
             </a:fld>
             <a:endParaRPr lang="ru-RU"/>
           </a:p>
@@ -2481,7 +2492,7 @@
           <a:p>
             <a:fld id="{9F4DF3D0-C105-404D-A43B-7CBA1B97B744}" type="datetimeFigureOut">
               <a:rPr lang="ru-RU" smtClean="0"/>
-              <a:t>14.09.2020</a:t>
+              <a:t>15.09.2020</a:t>
             </a:fld>
             <a:endParaRPr lang="ru-RU"/>
           </a:p>
@@ -2734,7 +2745,7 @@
           <a:p>
             <a:fld id="{9F4DF3D0-C105-404D-A43B-7CBA1B97B744}" type="datetimeFigureOut">
               <a:rPr lang="ru-RU" smtClean="0"/>
-              <a:t>14.09.2020</a:t>
+              <a:t>15.09.2020</a:t>
             </a:fld>
             <a:endParaRPr lang="ru-RU"/>
           </a:p>
@@ -2947,7 +2958,7 @@
           <a:p>
             <a:fld id="{9F4DF3D0-C105-404D-A43B-7CBA1B97B744}" type="datetimeFigureOut">
               <a:rPr lang="ru-RU" smtClean="0"/>
-              <a:t>14.09.2020</a:t>
+              <a:t>15.09.2020</a:t>
             </a:fld>
             <a:endParaRPr lang="ru-RU"/>
           </a:p>
@@ -3374,11 +3385,7 @@
           <a:p>
             <a:r>
               <a:rPr lang="ru-RU" dirty="0" smtClean="0"/>
-              <a:t>Лекция </a:t>
-            </a:r>
-            <a:r>
-              <a:rPr lang="ru-RU" dirty="0" smtClean="0"/>
-              <a:t>№2</a:t>
+              <a:t>Лекция №2</a:t>
             </a:r>
             <a:endParaRPr lang="ru-RU" dirty="0"/>
           </a:p>
@@ -3430,7 +3437,6 @@
               <a:rPr lang="ru-RU" sz="4000" dirty="0" smtClean="0"/>
               <a:t>Метрики производительности.</a:t>
             </a:r>
-            <a:endParaRPr lang="ru-RU" sz="4000" dirty="0" smtClean="0"/>
           </a:p>
           <a:p>
             <a:endParaRPr lang="ru-RU" dirty="0" smtClean="0"/>
@@ -3516,7 +3522,7 @@
           <a:p>
             <a:r>
               <a:rPr lang="ru-RU" sz="4000" dirty="0"/>
-              <a:t>Что такое машинное обучение?</a:t>
+              <a:t>Обучение с учителем</a:t>
             </a:r>
             <a:endParaRPr lang="ru-RU" sz="4000" dirty="0"/>
           </a:p>
@@ -3811,7 +3817,11 @@
           <a:p>
             <a:r>
               <a:rPr lang="ru-RU" dirty="0" smtClean="0"/>
-              <a:t>Обучение без учителя</a:t>
+              <a:t>Обучение без </a:t>
+            </a:r>
+            <a:r>
+              <a:rPr lang="ru-RU" dirty="0" smtClean="0"/>
+              <a:t>учителя. Определение</a:t>
             </a:r>
             <a:endParaRPr lang="ru-RU" dirty="0"/>
           </a:p>
@@ -3956,8 +3966,28 @@
               <a:buNone/>
             </a:pPr>
             <a:r>
-              <a:rPr lang="ru-RU" smtClean="0"/>
-              <a:t>Обнаружить зависимости</a:t>
+              <a:rPr lang="ru-RU" dirty="0" smtClean="0"/>
+              <a:t>Обнаружить </a:t>
+            </a:r>
+            <a:r>
+              <a:rPr lang="ru-RU" dirty="0" smtClean="0"/>
+              <a:t>зависимости</a:t>
+            </a:r>
+            <a:r>
+              <a:rPr lang="en-US" dirty="0" smtClean="0"/>
+              <a:t> </a:t>
+            </a:r>
+            <a:r>
+              <a:rPr lang="ru-RU" dirty="0" smtClean="0"/>
+              <a:t>между элементами множества </a:t>
+            </a:r>
+            <a:r>
+              <a:rPr lang="en-US" i="1" dirty="0" smtClean="0"/>
+              <a:t>D</a:t>
+            </a:r>
+            <a:r>
+              <a:rPr lang="en-US" dirty="0" smtClean="0"/>
+              <a:t>:</a:t>
             </a:r>
           </a:p>
           <a:p>
@@ -3965,21 +3995,8 @@
               <a:buNone/>
             </a:pPr>
             <a:r>
-              <a:rPr lang="ru-RU" dirty="0" smtClean="0"/>
-              <a:t>Построить </a:t>
-            </a:r>
-            <a:r>
-              <a:rPr lang="ru-RU" dirty="0"/>
-              <a:t>модель, которая по описанию объекта возвращает ответ.</a:t>
-            </a:r>
-          </a:p>
-          <a:p>
-            <a:pPr marL="0" indent="0">
-              <a:buNone/>
-            </a:pPr>
-            <a:r>
               <a:rPr lang="en-US" i="1" dirty="0"/>
-              <a:t>F</a:t>
+              <a:t>G</a:t>
             </a:r>
             <a:r>
               <a:rPr lang="en-US" dirty="0"/>
@@ -3995,84 +4012,62 @@
             </a:r>
             <a:r>
               <a:rPr lang="en-US" dirty="0"/>
-              <a:t>) = </a:t>
-            </a:r>
-            <a:r>
-              <a:rPr lang="en-US" i="1" dirty="0" err="1">
+              <a:t>, </a:t>
+            </a:r>
+            <a:r>
+              <a:rPr lang="en-US" i="1" dirty="0" err="1"/>
+              <a:t>x</a:t>
+            </a:r>
+            <a:r>
+              <a:rPr lang="en-US" i="1" baseline="-25000" dirty="0" err="1"/>
+              <a:t>j</a:t>
+            </a:r>
+            <a:r>
+              <a:rPr lang="en-US" dirty="0" smtClean="0"/>
+              <a:t>),</a:t>
+            </a:r>
+            <a:r>
+              <a:rPr lang="ru-RU" dirty="0" smtClean="0"/>
+              <a:t> где </a:t>
+            </a:r>
+            <a:r>
+              <a:rPr lang="en-US" i="1" dirty="0" smtClean="0"/>
+              <a:t>x</a:t>
+            </a:r>
+            <a:r>
+              <a:rPr lang="en-US" i="1" baseline="-25000" dirty="0" smtClean="0"/>
+              <a:t>i</a:t>
+            </a:r>
+            <a:r>
+              <a:rPr lang="en-US" dirty="0" smtClean="0"/>
+              <a:t>, </a:t>
+            </a:r>
+            <a:r>
+              <a:rPr lang="en-US" i="1" dirty="0" err="1" smtClean="0"/>
+              <a:t>x</a:t>
+            </a:r>
+            <a:r>
+              <a:rPr lang="en-US" i="1" baseline="-25000" dirty="0" err="1" smtClean="0"/>
+              <a:t>ij</a:t>
+            </a:r>
+            <a:r>
+              <a:rPr lang="en-US" dirty="0" smtClean="0"/>
+              <a:t> </a:t>
+            </a:r>
+            <a:r>
+              <a:rPr lang="en-US" dirty="0" smtClean="0">
                 <a:sym typeface="Symbol" panose="05050102010706020507" pitchFamily="18" charset="2"/>
               </a:rPr>
-              <a:t>y</a:t>
-            </a:r>
-            <a:r>
-              <a:rPr lang="en-US" i="1" baseline="-25000" dirty="0" err="1">
+              <a:t> </a:t>
+            </a:r>
+            <a:r>
+              <a:rPr lang="en-US" i="1" dirty="0" smtClean="0">
                 <a:sym typeface="Symbol" panose="05050102010706020507" pitchFamily="18" charset="2"/>
               </a:rPr>
-              <a:t>i</a:t>
-            </a:r>
-            <a:r>
-              <a:rPr lang="en-US" dirty="0"/>
-              <a:t>, </a:t>
-            </a:r>
-            <a:r>
-              <a:rPr lang="ru-RU" dirty="0"/>
-              <a:t>где </a:t>
-            </a:r>
-            <a:r>
-              <a:rPr lang="en-US" i="1" dirty="0"/>
-              <a:t>x</a:t>
-            </a:r>
-            <a:r>
-              <a:rPr lang="en-US" i="1" baseline="-25000" dirty="0"/>
-              <a:t>i</a:t>
-            </a:r>
-            <a:r>
-              <a:rPr lang="en-US" dirty="0"/>
-              <a:t> </a:t>
-            </a:r>
-            <a:r>
-              <a:rPr lang="en-US" dirty="0">
-                <a:sym typeface="Symbol" panose="05050102010706020507" pitchFamily="18" charset="2"/>
-              </a:rPr>
-              <a:t> </a:t>
-            </a:r>
-            <a:r>
-              <a:rPr lang="en-US" i="1" dirty="0">
-                <a:sym typeface="Symbol" panose="05050102010706020507" pitchFamily="18" charset="2"/>
-              </a:rPr>
               <a:t>X</a:t>
             </a:r>
             <a:r>
-              <a:rPr lang="en-US" dirty="0">
-                <a:sym typeface="Symbol" panose="05050102010706020507" pitchFamily="18" charset="2"/>
-              </a:rPr>
-              <a:t>, </a:t>
-            </a:r>
-            <a:r>
-              <a:rPr lang="en-US" i="1" dirty="0" err="1">
-                <a:sym typeface="Symbol" panose="05050102010706020507" pitchFamily="18" charset="2"/>
-              </a:rPr>
-              <a:t>y</a:t>
-            </a:r>
-            <a:r>
-              <a:rPr lang="en-US" i="1" baseline="-25000" dirty="0" err="1">
-                <a:sym typeface="Symbol" panose="05050102010706020507" pitchFamily="18" charset="2"/>
-              </a:rPr>
-              <a:t>i</a:t>
-            </a:r>
-            <a:r>
-              <a:rPr lang="en-US" dirty="0">
-                <a:sym typeface="Symbol" panose="05050102010706020507" pitchFamily="18" charset="2"/>
-              </a:rPr>
-              <a:t>  </a:t>
-            </a:r>
-            <a:r>
-              <a:rPr lang="en-US" i="1" dirty="0">
-                <a:sym typeface="Symbol" panose="05050102010706020507" pitchFamily="18" charset="2"/>
-              </a:rPr>
-              <a:t>Y</a:t>
-            </a:r>
-            <a:r>
-              <a:rPr lang="en-US" dirty="0">
+              <a:rPr lang="en-US" dirty="0" smtClean="0">
                 <a:sym typeface="Symbol" panose="05050102010706020507" pitchFamily="18" charset="2"/>
               </a:rPr>
               <a:t>.</a:t>
@@ -4166,8 +4161,675 @@
           <a:lstStyle/>
           <a:p>
             <a:r>
+              <a:rPr lang="ru-RU" dirty="0"/>
+              <a:t>Обучение без учителя.</a:t>
+            </a:r>
+            <a:r>
+              <a:rPr lang="en-US" dirty="0" smtClean="0"/>
+              <a:t> </a:t>
+            </a:r>
+            <a:r>
               <a:rPr lang="ru-RU" dirty="0" smtClean="0"/>
-              <a:t>Обучение с подкреплением</a:t>
+              <a:t>Варианты данных</a:t>
+            </a:r>
+            <a:endParaRPr lang="ru-RU" dirty="0"/>
+          </a:p>
+        </p:txBody>
+      </p:sp>
+      <p:sp>
+        <p:nvSpPr>
+          <p:cNvPr id="3" name="Объект 2"/>
+          <p:cNvSpPr>
+            <a:spLocks noGrp="1"/>
+          </p:cNvSpPr>
+          <p:nvPr>
+            <p:ph idx="1"/>
+          </p:nvPr>
+        </p:nvSpPr>
+        <p:spPr/>
+        <p:txBody>
+          <a:bodyPr>
+            <a:normAutofit/>
+          </a:bodyPr>
+          <a:lstStyle/>
+          <a:p>
+            <a:pPr marL="0" indent="0">
+              <a:buNone/>
+            </a:pPr>
+            <a:r>
+              <a:rPr lang="ru-RU" dirty="0" smtClean="0"/>
+              <a:t>Основные варианты задания </a:t>
+            </a:r>
+            <a:r>
+              <a:rPr lang="en-US" i="1" dirty="0"/>
+              <a:t>x</a:t>
+            </a:r>
+            <a:r>
+              <a:rPr lang="en-US" i="1" baseline="-25000" dirty="0"/>
+              <a:t>i</a:t>
+            </a:r>
+            <a:r>
+              <a:rPr lang="en-US" dirty="0"/>
+              <a:t> </a:t>
+            </a:r>
+            <a:r>
+              <a:rPr lang="en-US" dirty="0">
+                <a:sym typeface="Symbol" panose="05050102010706020507" pitchFamily="18" charset="2"/>
+              </a:rPr>
+              <a:t> </a:t>
+            </a:r>
+            <a:r>
+              <a:rPr lang="en-US" i="1" dirty="0" smtClean="0">
+                <a:sym typeface="Symbol" panose="05050102010706020507" pitchFamily="18" charset="2"/>
+              </a:rPr>
+              <a:t>X</a:t>
+            </a:r>
+            <a:r>
+              <a:rPr lang="en-US" dirty="0" smtClean="0">
+                <a:sym typeface="Symbol" panose="05050102010706020507" pitchFamily="18" charset="2"/>
+              </a:rPr>
+              <a:t>:</a:t>
+            </a:r>
+          </a:p>
+          <a:p>
+            <a:r>
+              <a:rPr lang="ru-RU" dirty="0" smtClean="0"/>
+              <a:t>Вектор характеристик</a:t>
+            </a:r>
+            <a:r>
+              <a:rPr lang="en-US" dirty="0" smtClean="0"/>
+              <a:t> </a:t>
+            </a:r>
+            <a:r>
+              <a:rPr lang="ru-RU" dirty="0" smtClean="0"/>
+              <a:t>объекта: </a:t>
+            </a:r>
+            <a:r>
+              <a:rPr lang="en-US" i="1" dirty="0" smtClean="0"/>
+              <a:t>x</a:t>
+            </a:r>
+            <a:r>
+              <a:rPr lang="en-US" i="1" baseline="-25000" dirty="0" smtClean="0"/>
+              <a:t>i</a:t>
+            </a:r>
+            <a:r>
+              <a:rPr lang="en-US" dirty="0" smtClean="0"/>
+              <a:t> </a:t>
+            </a:r>
+            <a:r>
+              <a:rPr lang="ru-RU" dirty="0" smtClean="0">
+                <a:sym typeface="Symbol" panose="05050102010706020507" pitchFamily="18" charset="2"/>
+              </a:rPr>
+              <a:t>= </a:t>
+            </a:r>
+            <a:r>
+              <a:rPr lang="en-US" dirty="0" smtClean="0">
+                <a:sym typeface="Symbol" panose="05050102010706020507" pitchFamily="18" charset="2"/>
+              </a:rPr>
+              <a:t>{</a:t>
+            </a:r>
+            <a:r>
+              <a:rPr lang="en-US" i="1" dirty="0" smtClean="0">
+                <a:sym typeface="Symbol" panose="05050102010706020507" pitchFamily="18" charset="2"/>
+              </a:rPr>
+              <a:t>a</a:t>
+            </a:r>
+            <a:r>
+              <a:rPr lang="en-US" i="1" baseline="-25000" dirty="0" smtClean="0"/>
+              <a:t>i</a:t>
+            </a:r>
+            <a:r>
+              <a:rPr lang="en-US" baseline="-25000" dirty="0" smtClean="0"/>
+              <a:t>1</a:t>
+            </a:r>
+            <a:r>
+              <a:rPr lang="en-US" dirty="0" smtClean="0">
+                <a:sym typeface="Symbol" panose="05050102010706020507" pitchFamily="18" charset="2"/>
+              </a:rPr>
+              <a:t>, …, </a:t>
+            </a:r>
+            <a:r>
+              <a:rPr lang="en-US" i="1" dirty="0" err="1" smtClean="0"/>
+              <a:t>a</a:t>
+            </a:r>
+            <a:r>
+              <a:rPr lang="en-US" i="1" baseline="-25000" dirty="0" err="1" smtClean="0"/>
+              <a:t>iM</a:t>
+            </a:r>
+            <a:r>
+              <a:rPr lang="en-US" dirty="0" smtClean="0">
+                <a:sym typeface="Symbol" panose="05050102010706020507" pitchFamily="18" charset="2"/>
+              </a:rPr>
+              <a:t>},</a:t>
+            </a:r>
+            <a:endParaRPr lang="ru-RU" dirty="0">
+              <a:sym typeface="Symbol" panose="05050102010706020507" pitchFamily="18" charset="2"/>
+            </a:endParaRPr>
+          </a:p>
+          <a:p>
+            <a:pPr marL="0" indent="0">
+              <a:buNone/>
+            </a:pPr>
+            <a:r>
+              <a:rPr lang="ru-RU" dirty="0" smtClean="0">
+                <a:sym typeface="Symbol" panose="05050102010706020507" pitchFamily="18" charset="2"/>
+              </a:rPr>
+              <a:t>где </a:t>
+            </a:r>
+            <a:r>
+              <a:rPr lang="en-US" i="1" dirty="0" smtClean="0">
+                <a:sym typeface="Symbol" panose="05050102010706020507" pitchFamily="18" charset="2"/>
+              </a:rPr>
+              <a:t>M</a:t>
+            </a:r>
+            <a:r>
+              <a:rPr lang="en-US" dirty="0" smtClean="0">
+                <a:sym typeface="Symbol" panose="05050102010706020507" pitchFamily="18" charset="2"/>
+              </a:rPr>
+              <a:t> –</a:t>
+            </a:r>
+            <a:r>
+              <a:rPr lang="ru-RU" dirty="0" smtClean="0">
+                <a:sym typeface="Symbol" panose="05050102010706020507" pitchFamily="18" charset="2"/>
+              </a:rPr>
+              <a:t>длина вектора, </a:t>
+            </a:r>
+            <a:r>
+              <a:rPr lang="en-US" i="1" dirty="0" err="1" smtClean="0"/>
+              <a:t>a</a:t>
+            </a:r>
+            <a:r>
+              <a:rPr lang="en-US" i="1" baseline="-25000" dirty="0" err="1" smtClean="0"/>
+              <a:t>ij</a:t>
+            </a:r>
+            <a:r>
+              <a:rPr lang="en-US" dirty="0" smtClean="0">
+                <a:sym typeface="Symbol" panose="05050102010706020507" pitchFamily="18" charset="2"/>
+              </a:rPr>
+              <a:t> – </a:t>
+            </a:r>
+            <a:r>
+              <a:rPr lang="ru-RU" dirty="0" smtClean="0">
+                <a:sym typeface="Symbol" panose="05050102010706020507" pitchFamily="18" charset="2"/>
+              </a:rPr>
+              <a:t>значение </a:t>
+            </a:r>
+            <a:r>
+              <a:rPr lang="en-US" i="1" dirty="0" smtClean="0">
+                <a:sym typeface="Symbol" panose="05050102010706020507" pitchFamily="18" charset="2"/>
+              </a:rPr>
+              <a:t>j</a:t>
+            </a:r>
+            <a:r>
+              <a:rPr lang="en-US" dirty="0" smtClean="0">
+                <a:sym typeface="Symbol" panose="05050102010706020507" pitchFamily="18" charset="2"/>
+              </a:rPr>
+              <a:t>-</a:t>
+            </a:r>
+            <a:r>
+              <a:rPr lang="ru-RU" dirty="0" smtClean="0">
+                <a:sym typeface="Symbol" panose="05050102010706020507" pitchFamily="18" charset="2"/>
+              </a:rPr>
+              <a:t>й характеристики.</a:t>
+            </a:r>
+          </a:p>
+          <a:p>
+            <a:endParaRPr lang="ru-RU" dirty="0" smtClean="0"/>
+          </a:p>
+          <a:p>
+            <a:r>
+              <a:rPr lang="ru-RU" dirty="0" smtClean="0"/>
+              <a:t>Матрица расстояний: </a:t>
+            </a:r>
+            <a:r>
+              <a:rPr lang="en-US" i="1" dirty="0" smtClean="0"/>
+              <a:t>R</a:t>
+            </a:r>
+            <a:r>
+              <a:rPr lang="en-US" dirty="0" smtClean="0"/>
+              <a:t> = {</a:t>
+            </a:r>
+            <a:r>
+              <a:rPr lang="en-US" i="1" dirty="0" err="1" smtClean="0"/>
+              <a:t>r</a:t>
+            </a:r>
+            <a:r>
+              <a:rPr lang="en-US" i="1" baseline="-25000" dirty="0" err="1"/>
+              <a:t>ij</a:t>
+            </a:r>
+            <a:r>
+              <a:rPr lang="en-US" dirty="0" smtClean="0"/>
+              <a:t>},</a:t>
+            </a:r>
+          </a:p>
+          <a:p>
+            <a:pPr marL="0" indent="0">
+              <a:buNone/>
+            </a:pPr>
+            <a:r>
+              <a:rPr lang="ru-RU" dirty="0" smtClean="0"/>
+              <a:t>где </a:t>
+            </a:r>
+            <a:r>
+              <a:rPr lang="en-US" i="1" dirty="0" err="1" smtClean="0"/>
+              <a:t>r</a:t>
+            </a:r>
+            <a:r>
+              <a:rPr lang="en-US" i="1" baseline="-25000" dirty="0" err="1" smtClean="0"/>
+              <a:t>ij</a:t>
+            </a:r>
+            <a:r>
+              <a:rPr lang="en-US" dirty="0" smtClean="0"/>
+              <a:t> – </a:t>
+            </a:r>
+            <a:r>
+              <a:rPr lang="ru-RU" dirty="0" smtClean="0"/>
+              <a:t>расстояние между </a:t>
+            </a:r>
+            <a:r>
+              <a:rPr lang="en-US" i="1" dirty="0" smtClean="0"/>
+              <a:t>x</a:t>
+            </a:r>
+            <a:r>
+              <a:rPr lang="en-US" i="1" baseline="-25000" dirty="0" smtClean="0"/>
+              <a:t>i</a:t>
+            </a:r>
+            <a:r>
+              <a:rPr lang="ru-RU" dirty="0" smtClean="0">
+                <a:sym typeface="Symbol" panose="05050102010706020507" pitchFamily="18" charset="2"/>
+              </a:rPr>
+              <a:t> </a:t>
+            </a:r>
+            <a:r>
+              <a:rPr lang="ru-RU" dirty="0">
+                <a:sym typeface="Symbol" panose="05050102010706020507" pitchFamily="18" charset="2"/>
+              </a:rPr>
+              <a:t>и</a:t>
+            </a:r>
+            <a:r>
+              <a:rPr lang="ru-RU" dirty="0" smtClean="0">
+                <a:sym typeface="Symbol" panose="05050102010706020507" pitchFamily="18" charset="2"/>
+              </a:rPr>
+              <a:t> </a:t>
+            </a:r>
+            <a:r>
+              <a:rPr lang="en-US" i="1" dirty="0" err="1" smtClean="0"/>
+              <a:t>x</a:t>
+            </a:r>
+            <a:r>
+              <a:rPr lang="en-US" i="1" baseline="-25000" dirty="0" err="1"/>
+              <a:t>j</a:t>
+            </a:r>
+            <a:r>
+              <a:rPr lang="en-US" dirty="0" smtClean="0">
+                <a:sym typeface="Symbol" panose="05050102010706020507" pitchFamily="18" charset="2"/>
+              </a:rPr>
+              <a:t>.</a:t>
+            </a:r>
+            <a:endParaRPr lang="en-US" dirty="0" smtClean="0">
+              <a:sym typeface="Symbol" panose="05050102010706020507" pitchFamily="18" charset="2"/>
+            </a:endParaRPr>
+          </a:p>
+        </p:txBody>
+      </p:sp>
+    </p:spTree>
+    <p:extLst>
+      <p:ext uri="{BB962C8B-B14F-4D97-AF65-F5344CB8AC3E}">
+        <p14:creationId xmlns:p14="http://schemas.microsoft.com/office/powerpoint/2010/main" val="1938806333"/>
+      </p:ext>
+    </p:extLst>
+  </p:cSld>
+  <p:clrMapOvr>
+    <a:masterClrMapping/>
+  </p:clrMapOvr>
+  <p:timing>
+    <p:tnLst>
+      <p:par>
+        <p:cTn id="1" dur="indefinite" restart="never" nodeType="tmRoot"/>
+      </p:par>
+    </p:tnLst>
+  </p:timing>
+</p:sld>
+</file>
+
+<file path=ppt/slides/slide13.xml><?xml version="1.0" encoding="utf-8"?>
+<p:sld xmlns:a="http://schemas.openxmlformats.org/drawingml/2006/main" xmlns:r="http://schemas.openxmlformats.org/officeDocument/2006/relationships" xmlns:p="http://schemas.openxmlformats.org/presentationml/2006/main">
+  <p:cSld>
+    <p:spTree>
+      <p:nvGrpSpPr>
+        <p:cNvPr id="1" name=""/>
+        <p:cNvGrpSpPr/>
+        <p:nvPr/>
+      </p:nvGrpSpPr>
+      <p:grpSpPr>
+        <a:xfrm>
+          <a:off x="0" y="0"/>
+          <a:ext cx="0" cy="0"/>
+          <a:chOff x="0" y="0"/>
+          <a:chExt cx="0" cy="0"/>
+        </a:xfrm>
+      </p:grpSpPr>
+      <p:sp>
+        <p:nvSpPr>
+          <p:cNvPr id="2" name="Заголовок 1"/>
+          <p:cNvSpPr>
+            <a:spLocks noGrp="1"/>
+          </p:cNvSpPr>
+          <p:nvPr>
+            <p:ph type="title"/>
+          </p:nvPr>
+        </p:nvSpPr>
+        <p:spPr/>
+        <p:txBody>
+          <a:bodyPr>
+            <a:normAutofit/>
+          </a:bodyPr>
+          <a:lstStyle/>
+          <a:p>
+            <a:r>
+              <a:rPr lang="ru-RU" sz="4000" dirty="0"/>
+              <a:t>Обучение </a:t>
+            </a:r>
+            <a:r>
+              <a:rPr lang="ru-RU" sz="4000" dirty="0" smtClean="0"/>
+              <a:t>без учителя</a:t>
+            </a:r>
+            <a:endParaRPr lang="ru-RU" sz="4000" dirty="0"/>
+          </a:p>
+        </p:txBody>
+      </p:sp>
+      <p:grpSp>
+        <p:nvGrpSpPr>
+          <p:cNvPr id="6" name="Группа 5"/>
+          <p:cNvGrpSpPr/>
+          <p:nvPr/>
+        </p:nvGrpSpPr>
+        <p:grpSpPr>
+          <a:xfrm>
+            <a:off x="2503716" y="2681842"/>
+            <a:ext cx="7030192" cy="2347358"/>
+            <a:chOff x="2503716" y="4035631"/>
+            <a:chExt cx="7030192" cy="1571622"/>
+          </a:xfrm>
+        </p:grpSpPr>
+        <p:sp>
+          <p:nvSpPr>
+            <p:cNvPr id="7" name="Прямоугольник 6"/>
+            <p:cNvSpPr/>
+            <p:nvPr/>
+          </p:nvSpPr>
+          <p:spPr>
+            <a:xfrm>
+              <a:off x="4522522" y="4130636"/>
+              <a:ext cx="2956956" cy="1377538"/>
+            </a:xfrm>
+            <a:prstGeom prst="rect">
+              <a:avLst/>
+            </a:prstGeom>
+          </p:spPr>
+          <p:style>
+            <a:lnRef idx="2">
+              <a:schemeClr val="accent1">
+                <a:shade val="50000"/>
+              </a:schemeClr>
+            </a:lnRef>
+            <a:fillRef idx="1">
+              <a:schemeClr val="accent1"/>
+            </a:fillRef>
+            <a:effectRef idx="0">
+              <a:schemeClr val="accent1"/>
+            </a:effectRef>
+            <a:fontRef idx="minor">
+              <a:schemeClr val="lt1"/>
+            </a:fontRef>
+          </p:style>
+          <p:txBody>
+            <a:bodyPr rtlCol="0" anchor="ctr"/>
+            <a:lstStyle/>
+            <a:p>
+              <a:pPr algn="ctr"/>
+              <a:r>
+                <a:rPr lang="ru-RU" dirty="0" smtClean="0"/>
+                <a:t>Обучение </a:t>
+              </a:r>
+              <a:r>
+                <a:rPr lang="ru-RU" dirty="0" smtClean="0"/>
+                <a:t>без учителя</a:t>
+              </a:r>
+              <a:endParaRPr lang="ru-RU" dirty="0"/>
+            </a:p>
+          </p:txBody>
+        </p:sp>
+        <p:sp>
+          <p:nvSpPr>
+            <p:cNvPr id="8" name="Стрелка вправо 7"/>
+            <p:cNvSpPr/>
+            <p:nvPr/>
+          </p:nvSpPr>
+          <p:spPr>
+            <a:xfrm>
+              <a:off x="2503716" y="4035631"/>
+              <a:ext cx="1828800" cy="676894"/>
+            </a:xfrm>
+            <a:prstGeom prst="rightArrow">
+              <a:avLst/>
+            </a:prstGeom>
+          </p:spPr>
+          <p:style>
+            <a:lnRef idx="2">
+              <a:schemeClr val="accent2">
+                <a:shade val="50000"/>
+              </a:schemeClr>
+            </a:lnRef>
+            <a:fillRef idx="1">
+              <a:schemeClr val="accent2"/>
+            </a:fillRef>
+            <a:effectRef idx="0">
+              <a:schemeClr val="accent2"/>
+            </a:effectRef>
+            <a:fontRef idx="minor">
+              <a:schemeClr val="lt1"/>
+            </a:fontRef>
+          </p:style>
+          <p:txBody>
+            <a:bodyPr rtlCol="0" anchor="ctr"/>
+            <a:lstStyle/>
+            <a:p>
+              <a:pPr algn="ctr"/>
+              <a:r>
+                <a:rPr lang="en-US" i="1" dirty="0"/>
+                <a:t>x</a:t>
+              </a:r>
+              <a:r>
+                <a:rPr lang="en-US" i="1" baseline="-25000" dirty="0"/>
+                <a:t>i</a:t>
+              </a:r>
+              <a:r>
+                <a:rPr lang="en-US" dirty="0"/>
+                <a:t> </a:t>
+              </a:r>
+              <a:r>
+                <a:rPr lang="en-US" dirty="0">
+                  <a:sym typeface="Symbol" panose="05050102010706020507" pitchFamily="18" charset="2"/>
+                </a:rPr>
+                <a:t> </a:t>
+              </a:r>
+              <a:r>
+                <a:rPr lang="en-US" i="1" dirty="0">
+                  <a:sym typeface="Symbol" panose="05050102010706020507" pitchFamily="18" charset="2"/>
+                </a:rPr>
+                <a:t>X</a:t>
+              </a:r>
+              <a:endParaRPr lang="ru-RU" dirty="0"/>
+            </a:p>
+          </p:txBody>
+        </p:sp>
+        <p:sp>
+          <p:nvSpPr>
+            <p:cNvPr id="9" name="Стрелка вправо 8"/>
+            <p:cNvSpPr/>
+            <p:nvPr/>
+          </p:nvSpPr>
+          <p:spPr>
+            <a:xfrm>
+              <a:off x="2503716" y="4930359"/>
+              <a:ext cx="1828800" cy="676894"/>
+            </a:xfrm>
+            <a:prstGeom prst="rightArrow">
+              <a:avLst/>
+            </a:prstGeom>
+          </p:spPr>
+          <p:style>
+            <a:lnRef idx="2">
+              <a:schemeClr val="accent4">
+                <a:shade val="50000"/>
+              </a:schemeClr>
+            </a:lnRef>
+            <a:fillRef idx="1">
+              <a:schemeClr val="accent4"/>
+            </a:fillRef>
+            <a:effectRef idx="0">
+              <a:schemeClr val="accent4"/>
+            </a:effectRef>
+            <a:fontRef idx="minor">
+              <a:schemeClr val="lt1"/>
+            </a:fontRef>
+          </p:style>
+          <p:txBody>
+            <a:bodyPr rtlCol="0" anchor="ctr"/>
+            <a:lstStyle/>
+            <a:p>
+              <a:pPr algn="ctr"/>
+              <a:r>
+                <a:rPr lang="ru-RU" dirty="0" smtClean="0">
+                  <a:sym typeface="Symbol" panose="05050102010706020507" pitchFamily="18" charset="2"/>
+                </a:rPr>
+                <a:t>Тип </a:t>
+              </a:r>
+              <a:r>
+                <a:rPr lang="en-US" i="1" dirty="0" smtClean="0">
+                  <a:sym typeface="Symbol" panose="05050102010706020507" pitchFamily="18" charset="2"/>
+                </a:rPr>
+                <a:t>G</a:t>
+              </a:r>
+              <a:r>
+                <a:rPr lang="en-US" dirty="0" smtClean="0">
+                  <a:sym typeface="Symbol" panose="05050102010706020507" pitchFamily="18" charset="2"/>
+                </a:rPr>
+                <a:t>()</a:t>
+              </a:r>
+              <a:endParaRPr lang="ru-RU" dirty="0"/>
+            </a:p>
+          </p:txBody>
+        </p:sp>
+        <p:sp>
+          <p:nvSpPr>
+            <p:cNvPr id="10" name="Стрелка вправо 9"/>
+            <p:cNvSpPr/>
+            <p:nvPr/>
+          </p:nvSpPr>
+          <p:spPr>
+            <a:xfrm>
+              <a:off x="7705108" y="4480958"/>
+              <a:ext cx="1828800" cy="676894"/>
+            </a:xfrm>
+            <a:prstGeom prst="rightArrow">
+              <a:avLst/>
+            </a:prstGeom>
+          </p:spPr>
+          <p:style>
+            <a:lnRef idx="2">
+              <a:schemeClr val="accent6">
+                <a:shade val="50000"/>
+              </a:schemeClr>
+            </a:lnRef>
+            <a:fillRef idx="1">
+              <a:schemeClr val="accent6"/>
+            </a:fillRef>
+            <a:effectRef idx="0">
+              <a:schemeClr val="accent6"/>
+            </a:effectRef>
+            <a:fontRef idx="minor">
+              <a:schemeClr val="lt1"/>
+            </a:fontRef>
+          </p:style>
+          <p:txBody>
+            <a:bodyPr rtlCol="0" anchor="ctr"/>
+            <a:lstStyle/>
+            <a:p>
+              <a:pPr algn="ctr"/>
+              <a:r>
+                <a:rPr lang="en-US" i="1" dirty="0" smtClean="0"/>
+                <a:t>G</a:t>
+              </a:r>
+              <a:r>
+                <a:rPr lang="en-US" dirty="0" smtClean="0"/>
+                <a:t>()</a:t>
+              </a:r>
+              <a:endParaRPr lang="ru-RU" dirty="0"/>
+            </a:p>
+          </p:txBody>
+        </p:sp>
+      </p:grpSp>
+    </p:spTree>
+    <p:extLst>
+      <p:ext uri="{BB962C8B-B14F-4D97-AF65-F5344CB8AC3E}">
+        <p14:creationId xmlns:p14="http://schemas.microsoft.com/office/powerpoint/2010/main" val="3707059724"/>
+      </p:ext>
+    </p:extLst>
+  </p:cSld>
+  <p:clrMapOvr>
+    <a:masterClrMapping/>
+  </p:clrMapOvr>
+  <p:timing>
+    <p:tnLst>
+      <p:par>
+        <p:cTn id="1" dur="indefinite" restart="never" nodeType="tmRoot"/>
+      </p:par>
+    </p:tnLst>
+  </p:timing>
+</p:sld>
+</file>
+
+<file path=ppt/slides/slide14.xml><?xml version="1.0" encoding="utf-8"?>
+<p:sld xmlns:a="http://schemas.openxmlformats.org/drawingml/2006/main" xmlns:r="http://schemas.openxmlformats.org/officeDocument/2006/relationships" xmlns:p="http://schemas.openxmlformats.org/presentationml/2006/main">
+  <p:cSld>
+    <p:spTree>
+      <p:nvGrpSpPr>
+        <p:cNvPr id="1" name=""/>
+        <p:cNvGrpSpPr/>
+        <p:nvPr/>
+      </p:nvGrpSpPr>
+      <p:grpSpPr>
+        <a:xfrm>
+          <a:off x="0" y="0"/>
+          <a:ext cx="0" cy="0"/>
+          <a:chOff x="0" y="0"/>
+          <a:chExt cx="0" cy="0"/>
+        </a:xfrm>
+      </p:grpSpPr>
+      <p:sp>
+        <p:nvSpPr>
+          <p:cNvPr id="2" name="Заголовок 1"/>
+          <p:cNvSpPr>
+            <a:spLocks noGrp="1"/>
+          </p:cNvSpPr>
+          <p:nvPr>
+            <p:ph type="title"/>
+          </p:nvPr>
+        </p:nvSpPr>
+        <p:spPr/>
+        <p:txBody>
+          <a:bodyPr/>
+          <a:lstStyle/>
+          <a:p>
+            <a:r>
+              <a:rPr lang="ru-RU" dirty="0" smtClean="0"/>
+              <a:t>Обучение с </a:t>
+            </a:r>
+            <a:r>
+              <a:rPr lang="ru-RU" dirty="0" smtClean="0"/>
+              <a:t>подкреплением. Описание</a:t>
             </a:r>
             <a:endParaRPr lang="ru-RU" dirty="0"/>
           </a:p>
@@ -4467,7 +5129,7 @@
 </p:sld>
 </file>
 
-<file path=ppt/slides/slide13.xml><?xml version="1.0" encoding="utf-8"?>
+<file path=ppt/slides/slide15.xml><?xml version="1.0" encoding="utf-8"?>
 <p:sld xmlns:a="http://schemas.openxmlformats.org/drawingml/2006/main" xmlns:r="http://schemas.openxmlformats.org/officeDocument/2006/relationships" xmlns:p="http://schemas.openxmlformats.org/presentationml/2006/main">
   <p:cSld>
     <p:spTree>
@@ -4501,11 +5163,11 @@
           <a:p>
             <a:r>
               <a:rPr lang="ru-RU" dirty="0" smtClean="0"/>
-              <a:t>Обучение с подкреплением. Метод </a:t>
-            </a:r>
-            <a:r>
-              <a:rPr lang="ru-RU" altLang="ru-RU" dirty="0"/>
-              <a:t>SARSA</a:t>
+              <a:t>Обучение с подкреплением. </a:t>
+            </a:r>
+            <a:r>
+              <a:rPr lang="ru-RU" dirty="0" smtClean="0"/>
+              <a:t>Описание</a:t>
             </a:r>
             <a:endParaRPr lang="ru-RU" dirty="0"/>
           </a:p>
@@ -4761,7 +5423,7 @@
 </p:sld>
 </file>
 
-<file path=ppt/slides/slide14.xml><?xml version="1.0" encoding="utf-8"?>
+<file path=ppt/slides/slide16.xml><?xml version="1.0" encoding="utf-8"?>
 <p:sld xmlns:a="http://schemas.openxmlformats.org/drawingml/2006/main" xmlns:r="http://schemas.openxmlformats.org/officeDocument/2006/relationships" xmlns:p="http://schemas.openxmlformats.org/presentationml/2006/main">
   <p:cSld>
     <p:spTree>
@@ -4795,15 +5457,15 @@
           <a:p>
             <a:r>
               <a:rPr lang="ru-RU" dirty="0" smtClean="0"/>
-              <a:t>Обучение </a:t>
+              <a:t>Обучение с </a:t>
             </a:r>
             <a:r>
               <a:rPr lang="ru-RU" dirty="0"/>
-              <a:t>с подкреплением . Метод </a:t>
-            </a:r>
-            <a:r>
-              <a:rPr lang="ru-RU" altLang="ru-RU" dirty="0"/>
-              <a:t>SARSA</a:t>
+              <a:t>подкреплением. </a:t>
+            </a:r>
+            <a:r>
+              <a:rPr lang="ru-RU" dirty="0" smtClean="0"/>
+              <a:t>Определение</a:t>
             </a:r>
             <a:endParaRPr lang="ru-RU" dirty="0"/>
           </a:p>
@@ -4821,339 +5483,206 @@
         </p:nvSpPr>
         <p:spPr>
           <a:xfrm>
-            <a:off x="838200" y="1825625"/>
-            <a:ext cx="10515600" cy="908949"/>
+            <a:off x="838200" y="1825624"/>
+            <a:ext cx="10515600" cy="3910157"/>
           </a:xfrm>
         </p:spPr>
         <p:txBody>
-          <a:bodyPr/>
-          <a:lstStyle/>
-          <a:p>
-            <a:pPr marL="0" indent="0">
-              <a:spcAft>
-                <a:spcPct val="0"/>
-              </a:spcAft>
-              <a:buSzPct val="45000"/>
-              <a:buNone/>
-              <a:tabLst>
-                <a:tab pos="0" algn="l"/>
-                <a:tab pos="104775" algn="l"/>
-                <a:tab pos="554038" algn="l"/>
-                <a:tab pos="1003300" algn="l"/>
-                <a:tab pos="1452563" algn="l"/>
-                <a:tab pos="1901825" algn="l"/>
-                <a:tab pos="2351088" algn="l"/>
-                <a:tab pos="2800350" algn="l"/>
-                <a:tab pos="3249613" algn="l"/>
-                <a:tab pos="3698875" algn="l"/>
-                <a:tab pos="4148138" algn="l"/>
-                <a:tab pos="4597400" algn="l"/>
-                <a:tab pos="5046663" algn="l"/>
-                <a:tab pos="5495925" algn="l"/>
-                <a:tab pos="5945188" algn="l"/>
-                <a:tab pos="6394450" algn="l"/>
-                <a:tab pos="6843713" algn="l"/>
-                <a:tab pos="7292975" algn="l"/>
-                <a:tab pos="7742238" algn="l"/>
-                <a:tab pos="8191500" algn="l"/>
-                <a:tab pos="8640763" algn="l"/>
-                <a:tab pos="8686800" algn="l"/>
-              </a:tabLst>
-            </a:pPr>
-            <a:r>
-              <a:rPr lang="ru-RU" altLang="ru-RU" dirty="0">
-                <a:latin typeface="Calibri" panose="020F0502020204030204" pitchFamily="34" charset="0"/>
-              </a:rPr>
-              <a:t>Глобальная цель агента – максимизировать суммарную награду (сумму подкреплений на каждом шаге</a:t>
-            </a:r>
-            <a:r>
-              <a:rPr lang="ru-RU" altLang="ru-RU" dirty="0" smtClean="0">
-                <a:latin typeface="Calibri" panose="020F0502020204030204" pitchFamily="34" charset="0"/>
-              </a:rPr>
-              <a:t>):</a:t>
-            </a:r>
-            <a:endParaRPr lang="ru-RU" altLang="ru-RU" dirty="0">
-              <a:latin typeface="Calibri" panose="020F0502020204030204" pitchFamily="34" charset="0"/>
-            </a:endParaRPr>
-          </a:p>
-        </p:txBody>
-      </p:sp>
-      <p:sp>
-        <p:nvSpPr>
-          <p:cNvPr id="4" name="Объект 2"/>
-          <p:cNvSpPr txBox="1">
-            <a:spLocks/>
-          </p:cNvSpPr>
-          <p:nvPr/>
-        </p:nvSpPr>
-        <p:spPr>
-          <a:xfrm>
-            <a:off x="838200" y="4284155"/>
-            <a:ext cx="10515600" cy="908949"/>
-          </a:xfrm>
-          <a:prstGeom prst="rect">
-            <a:avLst/>
-          </a:prstGeom>
-        </p:spPr>
-        <p:txBody>
-          <a:bodyPr vert="horz" lIns="91440" tIns="45720" rIns="91440" bIns="45720" rtlCol="0">
+          <a:bodyPr>
             <a:normAutofit lnSpcReduction="10000"/>
           </a:bodyPr>
-          <a:lstStyle>
-            <a:lvl1pPr marL="228600" indent="-228600" algn="l" defTabSz="914400" rtl="0" eaLnBrk="1" latinLnBrk="0" hangingPunct="1">
-              <a:lnSpc>
-                <a:spcPct val="90000"/>
-              </a:lnSpc>
-              <a:spcBef>
-                <a:spcPts val="1000"/>
-              </a:spcBef>
-              <a:buFont typeface="Arial" panose="020B0604020202020204" pitchFamily="34" charset="0"/>
-              <a:buChar char="•"/>
-              <a:defRPr sz="2800" kern="1200">
-                <a:solidFill>
-                  <a:schemeClr val="tx1"/>
-                </a:solidFill>
-                <a:latin typeface="+mn-lt"/>
-                <a:ea typeface="+mn-ea"/>
-                <a:cs typeface="+mn-cs"/>
-              </a:defRPr>
-            </a:lvl1pPr>
-            <a:lvl2pPr marL="685800" indent="-228600" algn="l" defTabSz="914400" rtl="0" eaLnBrk="1" latinLnBrk="0" hangingPunct="1">
-              <a:lnSpc>
-                <a:spcPct val="90000"/>
-              </a:lnSpc>
-              <a:spcBef>
-                <a:spcPts val="500"/>
-              </a:spcBef>
-              <a:buFont typeface="Arial" panose="020B0604020202020204" pitchFamily="34" charset="0"/>
-              <a:buChar char="•"/>
-              <a:defRPr sz="2400" kern="1200">
-                <a:solidFill>
-                  <a:schemeClr val="tx1"/>
-                </a:solidFill>
-                <a:latin typeface="+mn-lt"/>
-                <a:ea typeface="+mn-ea"/>
-                <a:cs typeface="+mn-cs"/>
-              </a:defRPr>
-            </a:lvl2pPr>
-            <a:lvl3pPr marL="1143000" indent="-228600" algn="l" defTabSz="914400" rtl="0" eaLnBrk="1" latinLnBrk="0" hangingPunct="1">
-              <a:lnSpc>
-                <a:spcPct val="90000"/>
-              </a:lnSpc>
-              <a:spcBef>
-                <a:spcPts val="500"/>
-              </a:spcBef>
-              <a:buFont typeface="Arial" panose="020B0604020202020204" pitchFamily="34" charset="0"/>
-              <a:buChar char="•"/>
-              <a:defRPr sz="2000" kern="1200">
-                <a:solidFill>
-                  <a:schemeClr val="tx1"/>
-                </a:solidFill>
-                <a:latin typeface="+mn-lt"/>
-                <a:ea typeface="+mn-ea"/>
-                <a:cs typeface="+mn-cs"/>
-              </a:defRPr>
-            </a:lvl3pPr>
-            <a:lvl4pPr marL="1600200" indent="-228600" algn="l" defTabSz="914400" rtl="0" eaLnBrk="1" latinLnBrk="0" hangingPunct="1">
-              <a:lnSpc>
-                <a:spcPct val="90000"/>
-              </a:lnSpc>
-              <a:spcBef>
-                <a:spcPts val="500"/>
-              </a:spcBef>
-              <a:buFont typeface="Arial" panose="020B0604020202020204" pitchFamily="34" charset="0"/>
-              <a:buChar char="•"/>
-              <a:defRPr sz="1800" kern="1200">
-                <a:solidFill>
-                  <a:schemeClr val="tx1"/>
-                </a:solidFill>
-                <a:latin typeface="+mn-lt"/>
-                <a:ea typeface="+mn-ea"/>
-                <a:cs typeface="+mn-cs"/>
-              </a:defRPr>
-            </a:lvl4pPr>
-            <a:lvl5pPr marL="2057400" indent="-228600" algn="l" defTabSz="914400" rtl="0" eaLnBrk="1" latinLnBrk="0" hangingPunct="1">
-              <a:lnSpc>
-                <a:spcPct val="90000"/>
-              </a:lnSpc>
-              <a:spcBef>
-                <a:spcPts val="500"/>
-              </a:spcBef>
-              <a:buFont typeface="Arial" panose="020B0604020202020204" pitchFamily="34" charset="0"/>
-              <a:buChar char="•"/>
-              <a:defRPr sz="1800" kern="1200">
-                <a:solidFill>
-                  <a:schemeClr val="tx1"/>
-                </a:solidFill>
-                <a:latin typeface="+mn-lt"/>
-                <a:ea typeface="+mn-ea"/>
-                <a:cs typeface="+mn-cs"/>
-              </a:defRPr>
-            </a:lvl5pPr>
-            <a:lvl6pPr marL="2514600" indent="-228600" algn="l" defTabSz="914400" rtl="0" eaLnBrk="1" latinLnBrk="0" hangingPunct="1">
-              <a:lnSpc>
-                <a:spcPct val="90000"/>
-              </a:lnSpc>
-              <a:spcBef>
-                <a:spcPts val="500"/>
-              </a:spcBef>
-              <a:buFont typeface="Arial" panose="020B0604020202020204" pitchFamily="34" charset="0"/>
-              <a:buChar char="•"/>
-              <a:defRPr sz="1800" kern="1200">
-                <a:solidFill>
-                  <a:schemeClr val="tx1"/>
-                </a:solidFill>
-                <a:latin typeface="+mn-lt"/>
-                <a:ea typeface="+mn-ea"/>
-                <a:cs typeface="+mn-cs"/>
-              </a:defRPr>
-            </a:lvl6pPr>
-            <a:lvl7pPr marL="2971800" indent="-228600" algn="l" defTabSz="914400" rtl="0" eaLnBrk="1" latinLnBrk="0" hangingPunct="1">
-              <a:lnSpc>
-                <a:spcPct val="90000"/>
-              </a:lnSpc>
-              <a:spcBef>
-                <a:spcPts val="500"/>
-              </a:spcBef>
-              <a:buFont typeface="Arial" panose="020B0604020202020204" pitchFamily="34" charset="0"/>
-              <a:buChar char="•"/>
-              <a:defRPr sz="1800" kern="1200">
-                <a:solidFill>
-                  <a:schemeClr val="tx1"/>
-                </a:solidFill>
-                <a:latin typeface="+mn-lt"/>
-                <a:ea typeface="+mn-ea"/>
-                <a:cs typeface="+mn-cs"/>
-              </a:defRPr>
-            </a:lvl7pPr>
-            <a:lvl8pPr marL="3429000" indent="-228600" algn="l" defTabSz="914400" rtl="0" eaLnBrk="1" latinLnBrk="0" hangingPunct="1">
-              <a:lnSpc>
-                <a:spcPct val="90000"/>
-              </a:lnSpc>
-              <a:spcBef>
-                <a:spcPts val="500"/>
-              </a:spcBef>
-              <a:buFont typeface="Arial" panose="020B0604020202020204" pitchFamily="34" charset="0"/>
-              <a:buChar char="•"/>
-              <a:defRPr sz="1800" kern="1200">
-                <a:solidFill>
-                  <a:schemeClr val="tx1"/>
-                </a:solidFill>
-                <a:latin typeface="+mn-lt"/>
-                <a:ea typeface="+mn-ea"/>
-                <a:cs typeface="+mn-cs"/>
-              </a:defRPr>
-            </a:lvl8pPr>
-            <a:lvl9pPr marL="3886200" indent="-228600" algn="l" defTabSz="914400" rtl="0" eaLnBrk="1" latinLnBrk="0" hangingPunct="1">
-              <a:lnSpc>
-                <a:spcPct val="90000"/>
-              </a:lnSpc>
-              <a:spcBef>
-                <a:spcPts val="500"/>
-              </a:spcBef>
-              <a:buFont typeface="Arial" panose="020B0604020202020204" pitchFamily="34" charset="0"/>
-              <a:buChar char="•"/>
-              <a:defRPr sz="1800" kern="1200">
-                <a:solidFill>
-                  <a:schemeClr val="tx1"/>
-                </a:solidFill>
-                <a:latin typeface="+mn-lt"/>
-                <a:ea typeface="+mn-ea"/>
-                <a:cs typeface="+mn-cs"/>
-              </a:defRPr>
-            </a:lvl9pPr>
-          </a:lstStyle>
-          <a:p>
-            <a:pPr>
-              <a:spcAft>
-                <a:spcPct val="0"/>
-              </a:spcAft>
-              <a:buSzPct val="45000"/>
+          <a:lstStyle/>
+          <a:p>
+            <a:pPr marL="0" indent="0">
               <a:buNone/>
             </a:pPr>
             <a:r>
-              <a:rPr lang="ru-RU" altLang="ru-RU" dirty="0">
-                <a:latin typeface="Calibri" panose="020F0502020204030204" pitchFamily="34" charset="0"/>
-              </a:rPr>
-              <a:t>где </a:t>
-            </a:r>
-            <a:r>
-              <a:rPr lang="ru-RU" altLang="ru-RU" i="1" dirty="0">
-                <a:latin typeface="Calibri" panose="020F0502020204030204" pitchFamily="34" charset="0"/>
-              </a:rPr>
+              <a:rPr lang="ru-RU" dirty="0" smtClean="0"/>
+              <a:t>Данные:</a:t>
+            </a:r>
+          </a:p>
+          <a:p>
+            <a:pPr marL="0" indent="0">
+              <a:buNone/>
+            </a:pPr>
+            <a:r>
+              <a:rPr lang="ru-RU" dirty="0" smtClean="0"/>
+              <a:t>Множество состояний среды </a:t>
+            </a:r>
+            <a:r>
+              <a:rPr lang="en-US" i="1" dirty="0" smtClean="0"/>
+              <a:t>S</a:t>
+            </a:r>
+            <a:r>
+              <a:rPr lang="en-US" dirty="0" smtClean="0"/>
+              <a:t> = {</a:t>
+            </a:r>
+            <a:r>
+              <a:rPr lang="en-US" i="1" dirty="0" err="1" smtClean="0"/>
+              <a:t>s</a:t>
+            </a:r>
+            <a:r>
+              <a:rPr lang="en-US" i="1" baseline="-25000" dirty="0" err="1"/>
+              <a:t>i</a:t>
+            </a:r>
+            <a:r>
+              <a:rPr lang="en-US" dirty="0" smtClean="0"/>
+              <a:t>},</a:t>
+            </a:r>
+          </a:p>
+          <a:p>
+            <a:pPr marL="0" indent="0">
+              <a:buNone/>
+            </a:pPr>
+            <a:r>
+              <a:rPr lang="ru-RU" dirty="0" smtClean="0"/>
+              <a:t>Множество действий </a:t>
+            </a:r>
+            <a:r>
+              <a:rPr lang="en-US" i="1" dirty="0" smtClean="0"/>
+              <a:t>A</a:t>
+            </a:r>
+            <a:r>
+              <a:rPr lang="en-US" dirty="0" smtClean="0"/>
+              <a:t> = {</a:t>
+            </a:r>
+            <a:r>
+              <a:rPr lang="en-US" i="1" dirty="0" err="1" smtClean="0"/>
+              <a:t>a</a:t>
+            </a:r>
+            <a:r>
+              <a:rPr lang="en-US" i="1" baseline="-25000" dirty="0" err="1"/>
+              <a:t>i</a:t>
+            </a:r>
+            <a:r>
+              <a:rPr lang="en-US" dirty="0" smtClean="0"/>
+              <a:t>},</a:t>
+            </a:r>
+          </a:p>
+          <a:p>
+            <a:pPr marL="0" indent="0">
+              <a:buNone/>
+            </a:pPr>
+            <a:r>
+              <a:rPr lang="ru-RU" dirty="0" smtClean="0"/>
+              <a:t>Функция подкрепления </a:t>
+            </a:r>
+            <a:r>
+              <a:rPr lang="en-US" i="1" dirty="0" smtClean="0"/>
               <a:t>r</a:t>
             </a:r>
             <a:r>
-              <a:rPr lang="ru-RU" altLang="ru-RU" dirty="0">
-                <a:latin typeface="Calibri" panose="020F0502020204030204" pitchFamily="34" charset="0"/>
-              </a:rPr>
+              <a:rPr lang="en-US" dirty="0" smtClean="0"/>
               <a:t>(</a:t>
             </a:r>
             <a:r>
-              <a:rPr lang="ru-RU" altLang="ru-RU" i="1" dirty="0">
-                <a:latin typeface="Calibri" panose="020F0502020204030204" pitchFamily="34" charset="0"/>
-              </a:rPr>
-              <a:t>t</a:t>
-            </a:r>
-            <a:r>
-              <a:rPr lang="ru-RU" altLang="ru-RU" dirty="0">
-                <a:latin typeface="Calibri" panose="020F0502020204030204" pitchFamily="34" charset="0"/>
-              </a:rPr>
-              <a:t>) – подкрепление на шаге </a:t>
-            </a:r>
-            <a:r>
-              <a:rPr lang="ru-RU" altLang="ru-RU" i="1" dirty="0">
-                <a:latin typeface="Calibri" panose="020F0502020204030204" pitchFamily="34" charset="0"/>
-              </a:rPr>
-              <a:t>t</a:t>
-            </a:r>
-            <a:r>
-              <a:rPr lang="ru-RU" altLang="ru-RU" dirty="0">
-                <a:latin typeface="Calibri" panose="020F0502020204030204" pitchFamily="34" charset="0"/>
-              </a:rPr>
-              <a:t>,</a:t>
-            </a:r>
-          </a:p>
-          <a:p>
-            <a:pPr>
-              <a:spcAft>
-                <a:spcPct val="0"/>
-              </a:spcAft>
+              <a:rPr lang="en-US" i="1" dirty="0" err="1" smtClean="0"/>
+              <a:t>s</a:t>
+            </a:r>
+            <a:r>
+              <a:rPr lang="en-US" i="1" baseline="-25000" dirty="0" err="1"/>
+              <a:t>i</a:t>
+            </a:r>
+            <a:r>
+              <a:rPr lang="en-US" dirty="0" smtClean="0"/>
+              <a:t>, </a:t>
+            </a:r>
+            <a:r>
+              <a:rPr lang="en-US" i="1" dirty="0" err="1" smtClean="0"/>
+              <a:t>a</a:t>
+            </a:r>
+            <a:r>
+              <a:rPr lang="en-US" i="1" baseline="-25000" dirty="0" err="1"/>
+              <a:t>i</a:t>
+            </a:r>
+            <a:r>
+              <a:rPr lang="en-US" dirty="0" smtClean="0"/>
+              <a:t>).</a:t>
+            </a:r>
+            <a:endParaRPr lang="ru-RU" dirty="0" smtClean="0"/>
+          </a:p>
+          <a:p>
+            <a:pPr marL="0" indent="0">
               <a:buNone/>
             </a:pPr>
-            <a:r>
-              <a:rPr lang="ru-RU" altLang="ru-RU" i="1" dirty="0">
-                <a:latin typeface="Calibri" panose="020F0502020204030204" pitchFamily="34" charset="0"/>
-              </a:rPr>
-              <a:t>γ</a:t>
-            </a:r>
-            <a:r>
-              <a:rPr lang="ru-RU" altLang="ru-RU" dirty="0">
-                <a:latin typeface="Calibri" panose="020F0502020204030204" pitchFamily="34" charset="0"/>
-              </a:rPr>
-              <a:t> – коэффициент дисконтирования, </a:t>
-            </a:r>
-            <a:r>
-              <a:rPr lang="ru-RU" altLang="ru-RU" i="1" dirty="0">
-                <a:latin typeface="Calibri" panose="020F0502020204030204" pitchFamily="34" charset="0"/>
-              </a:rPr>
-              <a:t>γ</a:t>
-            </a:r>
-            <a:r>
-              <a:rPr lang="ru-RU" altLang="ru-RU" dirty="0">
-                <a:latin typeface="Calibri" panose="020F0502020204030204" pitchFamily="34" charset="0"/>
-              </a:rPr>
-              <a:t> ϵ [0,1].</a:t>
-            </a:r>
-            <a:endParaRPr lang="ru-RU" altLang="ru-RU" dirty="0">
-              <a:latin typeface="Calibri" panose="020F0502020204030204" pitchFamily="34" charset="0"/>
+            <a:endParaRPr lang="ru-RU" dirty="0"/>
+          </a:p>
+          <a:p>
+            <a:pPr marL="0" indent="0">
+              <a:buNone/>
+            </a:pPr>
+            <a:r>
+              <a:rPr lang="ru-RU" dirty="0" smtClean="0"/>
+              <a:t>Задача:</a:t>
+            </a:r>
+          </a:p>
+          <a:p>
+            <a:pPr marL="0" indent="0">
+              <a:buNone/>
+            </a:pPr>
+            <a:r>
+              <a:rPr lang="ru-RU" dirty="0" smtClean="0"/>
+              <a:t>Построить стратегию выбора действия в данной ситуации </a:t>
+            </a:r>
+            <a:r>
+              <a:rPr lang="ru-RU" i="1" dirty="0" smtClean="0">
+                <a:sym typeface="Symbol" panose="05050102010706020507" pitchFamily="18" charset="2"/>
+              </a:rPr>
+              <a:t></a:t>
+            </a:r>
+            <a:r>
+              <a:rPr lang="ru-RU" dirty="0" smtClean="0">
+                <a:sym typeface="Symbol" panose="05050102010706020507" pitchFamily="18" charset="2"/>
+              </a:rPr>
+              <a:t>(</a:t>
+            </a:r>
+            <a:r>
+              <a:rPr lang="en-US" i="1" dirty="0" err="1"/>
+              <a:t>s</a:t>
+            </a:r>
+            <a:r>
+              <a:rPr lang="en-US" i="1" baseline="-25000" dirty="0" err="1"/>
+              <a:t>i</a:t>
+            </a:r>
+            <a:r>
+              <a:rPr lang="en-US" dirty="0" smtClean="0">
+                <a:sym typeface="Symbol" panose="05050102010706020507" pitchFamily="18" charset="2"/>
+              </a:rPr>
+              <a:t>, </a:t>
+            </a:r>
+            <a:r>
+              <a:rPr lang="en-US" i="1" dirty="0" err="1"/>
+              <a:t>a</a:t>
+            </a:r>
+            <a:r>
+              <a:rPr lang="en-US" i="1" baseline="-25000" dirty="0" err="1"/>
+              <a:t>i</a:t>
+            </a:r>
+            <a:r>
+              <a:rPr lang="ru-RU" dirty="0" smtClean="0">
+                <a:sym typeface="Symbol" panose="05050102010706020507" pitchFamily="18" charset="2"/>
+              </a:rPr>
+              <a:t>)</a:t>
+            </a:r>
+            <a:r>
+              <a:rPr lang="ru-RU" dirty="0" smtClean="0"/>
+              <a:t> так, чтобы суммарное подкрепление агента росло</a:t>
+            </a:r>
+            <a:r>
+              <a:rPr lang="ru-RU" dirty="0">
+                <a:sym typeface="Symbol" panose="05050102010706020507" pitchFamily="18" charset="2"/>
+              </a:rPr>
+              <a:t>:</a:t>
+            </a:r>
+            <a:endParaRPr lang="ru-RU" dirty="0" smtClean="0">
+              <a:sym typeface="Symbol" panose="05050102010706020507" pitchFamily="18" charset="2"/>
             </a:endParaRPr>
           </a:p>
         </p:txBody>
       </p:sp>
       <p:pic>
         <p:nvPicPr>
-          <p:cNvPr id="5" name="Picture 3"/>
+          <p:cNvPr id="4" name="Picture 3"/>
           <p:cNvPicPr>
             <a:picLocks noChangeAspect="1" noChangeArrowheads="1"/>
           </p:cNvPicPr>
@@ -5174,8 +5703,8 @@
         </p:blipFill>
         <p:spPr bwMode="auto">
           <a:xfrm>
-            <a:off x="4360069" y="2734574"/>
-            <a:ext cx="3471862" cy="1152525"/>
+            <a:off x="968825" y="5533757"/>
+            <a:ext cx="2819404" cy="935934"/>
           </a:xfrm>
           <a:prstGeom prst="rect">
             <a:avLst/>
@@ -5222,205 +5751,7 @@
     </p:spTree>
     <p:extLst>
       <p:ext uri="{BB962C8B-B14F-4D97-AF65-F5344CB8AC3E}">
-        <p14:creationId xmlns:p14="http://schemas.microsoft.com/office/powerpoint/2010/main" val="1524532811"/>
-      </p:ext>
-    </p:extLst>
-  </p:cSld>
-  <p:clrMapOvr>
-    <a:masterClrMapping/>
-  </p:clrMapOvr>
-  <p:timing>
-    <p:tnLst>
-      <p:par>
-        <p:cTn id="1" dur="indefinite" restart="never" nodeType="tmRoot"/>
-      </p:par>
-    </p:tnLst>
-  </p:timing>
-</p:sld>
-</file>
-
-<file path=ppt/slides/slide15.xml><?xml version="1.0" encoding="utf-8"?>
-<p:sld xmlns:a="http://schemas.openxmlformats.org/drawingml/2006/main" xmlns:r="http://schemas.openxmlformats.org/officeDocument/2006/relationships" xmlns:p="http://schemas.openxmlformats.org/presentationml/2006/main">
-  <p:cSld>
-    <p:spTree>
-      <p:nvGrpSpPr>
-        <p:cNvPr id="1" name=""/>
-        <p:cNvGrpSpPr/>
-        <p:nvPr/>
-      </p:nvGrpSpPr>
-      <p:grpSpPr>
-        <a:xfrm>
-          <a:off x="0" y="0"/>
-          <a:ext cx="0" cy="0"/>
-          <a:chOff x="0" y="0"/>
-          <a:chExt cx="0" cy="0"/>
-        </a:xfrm>
-      </p:grpSpPr>
-      <p:sp>
-        <p:nvSpPr>
-          <p:cNvPr id="2" name="Заголовок 1"/>
-          <p:cNvSpPr>
-            <a:spLocks noGrp="1"/>
-          </p:cNvSpPr>
-          <p:nvPr>
-            <p:ph type="title"/>
-          </p:nvPr>
-        </p:nvSpPr>
-        <p:spPr/>
-        <p:txBody>
-          <a:bodyPr/>
-          <a:lstStyle/>
-          <a:p>
-            <a:r>
-              <a:rPr lang="ru-RU" dirty="0" smtClean="0"/>
-              <a:t>Типы задач машинного обучения</a:t>
-            </a:r>
-            <a:endParaRPr lang="ru-RU" dirty="0"/>
-          </a:p>
-        </p:txBody>
-      </p:sp>
-      <p:sp>
-        <p:nvSpPr>
-          <p:cNvPr id="3" name="Объект 2"/>
-          <p:cNvSpPr>
-            <a:spLocks noGrp="1"/>
-          </p:cNvSpPr>
-          <p:nvPr>
-            <p:ph idx="1"/>
-          </p:nvPr>
-        </p:nvSpPr>
-        <p:spPr/>
-        <p:txBody>
-          <a:bodyPr/>
-          <a:lstStyle/>
-          <a:p>
-            <a:pPr marL="514350" indent="-514350">
-              <a:buAutoNum type="arabicPeriod"/>
-            </a:pPr>
-            <a:r>
-              <a:rPr lang="ru-RU" dirty="0" smtClean="0"/>
-              <a:t>Регрессия.</a:t>
-            </a:r>
-          </a:p>
-          <a:p>
-            <a:pPr marL="514350" indent="-514350">
-              <a:buAutoNum type="arabicPeriod"/>
-            </a:pPr>
-            <a:r>
-              <a:rPr lang="ru-RU" dirty="0" smtClean="0"/>
-              <a:t>Классификация.</a:t>
-            </a:r>
-          </a:p>
-          <a:p>
-            <a:pPr marL="514350" indent="-514350">
-              <a:buAutoNum type="arabicPeriod"/>
-            </a:pPr>
-            <a:r>
-              <a:rPr lang="ru-RU" dirty="0" smtClean="0"/>
-              <a:t>Кластеризация.</a:t>
-            </a:r>
-          </a:p>
-          <a:p>
-            <a:pPr marL="514350" indent="-514350">
-              <a:buAutoNum type="arabicPeriod"/>
-            </a:pPr>
-            <a:r>
-              <a:rPr lang="ru-RU" dirty="0" smtClean="0"/>
-              <a:t>Понижение размерности.</a:t>
-            </a:r>
-            <a:endParaRPr lang="ru-RU" dirty="0"/>
-          </a:p>
-        </p:txBody>
-      </p:sp>
-    </p:spTree>
-    <p:extLst>
-      <p:ext uri="{BB962C8B-B14F-4D97-AF65-F5344CB8AC3E}">
-        <p14:creationId xmlns:p14="http://schemas.microsoft.com/office/powerpoint/2010/main" val="1846912744"/>
-      </p:ext>
-    </p:extLst>
-  </p:cSld>
-  <p:clrMapOvr>
-    <a:masterClrMapping/>
-  </p:clrMapOvr>
-  <p:timing>
-    <p:tnLst>
-      <p:par>
-        <p:cTn id="1" dur="indefinite" restart="never" nodeType="tmRoot"/>
-      </p:par>
-    </p:tnLst>
-  </p:timing>
-</p:sld>
-</file>
-
-<file path=ppt/slides/slide16.xml><?xml version="1.0" encoding="utf-8"?>
-<p:sld xmlns:a="http://schemas.openxmlformats.org/drawingml/2006/main" xmlns:r="http://schemas.openxmlformats.org/officeDocument/2006/relationships" xmlns:p="http://schemas.openxmlformats.org/presentationml/2006/main">
-  <p:cSld>
-    <p:spTree>
-      <p:nvGrpSpPr>
-        <p:cNvPr id="1" name=""/>
-        <p:cNvGrpSpPr/>
-        <p:nvPr/>
-      </p:nvGrpSpPr>
-      <p:grpSpPr>
-        <a:xfrm>
-          <a:off x="0" y="0"/>
-          <a:ext cx="0" cy="0"/>
-          <a:chOff x="0" y="0"/>
-          <a:chExt cx="0" cy="0"/>
-        </a:xfrm>
-      </p:grpSpPr>
-      <p:sp>
-        <p:nvSpPr>
-          <p:cNvPr id="2" name="Заголовок 1"/>
-          <p:cNvSpPr>
-            <a:spLocks noGrp="1"/>
-          </p:cNvSpPr>
-          <p:nvPr>
-            <p:ph type="title"/>
-          </p:nvPr>
-        </p:nvSpPr>
-        <p:spPr/>
-        <p:txBody>
-          <a:bodyPr/>
-          <a:lstStyle/>
-          <a:p>
-            <a:r>
-              <a:rPr lang="ru-RU" dirty="0"/>
-              <a:t>Типы задач машинного обучения</a:t>
-            </a:r>
-            <a:endParaRPr lang="ru-RU" dirty="0"/>
-          </a:p>
-        </p:txBody>
-      </p:sp>
-      <p:sp>
-        <p:nvSpPr>
-          <p:cNvPr id="3" name="Объект 2"/>
-          <p:cNvSpPr>
-            <a:spLocks noGrp="1"/>
-          </p:cNvSpPr>
-          <p:nvPr>
-            <p:ph idx="1"/>
-          </p:nvPr>
-        </p:nvSpPr>
-        <p:spPr/>
-        <p:txBody>
-          <a:bodyPr>
-            <a:normAutofit/>
-          </a:bodyPr>
-          <a:lstStyle/>
-          <a:p>
-            <a:r>
-              <a:rPr lang="ru-RU" dirty="0" smtClean="0"/>
-              <a:t>Текст</a:t>
-            </a:r>
-            <a:endParaRPr lang="ru-RU" dirty="0" smtClean="0"/>
-          </a:p>
-        </p:txBody>
-      </p:sp>
-    </p:spTree>
-    <p:extLst>
-      <p:ext uri="{BB962C8B-B14F-4D97-AF65-F5344CB8AC3E}">
-        <p14:creationId xmlns:p14="http://schemas.microsoft.com/office/powerpoint/2010/main" val="1087335680"/>
+        <p14:creationId xmlns:p14="http://schemas.microsoft.com/office/powerpoint/2010/main" val="3999301136"/>
       </p:ext>
     </p:extLst>
   </p:cSld>
@@ -5466,356 +5797,328 @@
         </p:nvSpPr>
         <p:spPr/>
         <p:txBody>
-          <a:bodyPr/>
-          <a:lstStyle/>
-          <a:p>
-            <a:r>
-              <a:rPr lang="ru-RU" dirty="0"/>
-              <a:t>Типы задач машинного обучения</a:t>
-            </a:r>
-            <a:endParaRPr lang="ru-RU" dirty="0"/>
-          </a:p>
-        </p:txBody>
-      </p:sp>
-      <p:sp>
-        <p:nvSpPr>
-          <p:cNvPr id="3" name="Объект 2"/>
-          <p:cNvSpPr>
-            <a:spLocks noGrp="1"/>
-          </p:cNvSpPr>
-          <p:nvPr>
-            <p:ph idx="1"/>
-          </p:nvPr>
-        </p:nvSpPr>
-        <p:spPr/>
-        <p:txBody>
           <a:bodyPr>
-            <a:normAutofit lnSpcReduction="10000"/>
+            <a:normAutofit/>
           </a:bodyPr>
           <a:lstStyle/>
           <a:p>
-            <a:pPr marL="558800" indent="-552450">
-              <a:buClrTx/>
-              <a:buSzPct val="45000"/>
-              <a:buFontTx/>
-              <a:buNone/>
-              <a:tabLst>
-                <a:tab pos="558800" algn="l"/>
-                <a:tab pos="663575" algn="l"/>
-                <a:tab pos="1112838" algn="l"/>
-                <a:tab pos="1562100" algn="l"/>
-                <a:tab pos="2011363" algn="l"/>
-                <a:tab pos="2460625" algn="l"/>
-                <a:tab pos="2909888" algn="l"/>
-                <a:tab pos="3359150" algn="l"/>
-                <a:tab pos="3808413" algn="l"/>
-                <a:tab pos="4257675" algn="l"/>
-                <a:tab pos="4706938" algn="l"/>
-                <a:tab pos="5156200" algn="l"/>
-                <a:tab pos="5605463" algn="l"/>
-                <a:tab pos="6054725" algn="l"/>
-                <a:tab pos="6503988" algn="l"/>
-                <a:tab pos="6953250" algn="l"/>
-                <a:tab pos="7402513" algn="l"/>
-                <a:tab pos="7851775" algn="l"/>
-                <a:tab pos="8301038" algn="l"/>
-                <a:tab pos="8750300" algn="l"/>
-                <a:tab pos="9199563" algn="l"/>
-              </a:tabLst>
-            </a:pPr>
-            <a:r>
-              <a:rPr lang="ru-RU" dirty="0"/>
-              <a:t>Кластеризация:</a:t>
-            </a:r>
-          </a:p>
-          <a:p>
-            <a:pPr marL="558800" indent="-552450">
-              <a:buClrTx/>
-              <a:buSzPct val="45000"/>
-              <a:buFontTx/>
-              <a:buNone/>
-              <a:tabLst>
-                <a:tab pos="558800" algn="l"/>
-                <a:tab pos="663575" algn="l"/>
-                <a:tab pos="1112838" algn="l"/>
-                <a:tab pos="1562100" algn="l"/>
-                <a:tab pos="2011363" algn="l"/>
-                <a:tab pos="2460625" algn="l"/>
-                <a:tab pos="2909888" algn="l"/>
-                <a:tab pos="3359150" algn="l"/>
-                <a:tab pos="3808413" algn="l"/>
-                <a:tab pos="4257675" algn="l"/>
-                <a:tab pos="4706938" algn="l"/>
-                <a:tab pos="5156200" algn="l"/>
-                <a:tab pos="5605463" algn="l"/>
-                <a:tab pos="6054725" algn="l"/>
-                <a:tab pos="6503988" algn="l"/>
-                <a:tab pos="6953250" algn="l"/>
-                <a:tab pos="7402513" algn="l"/>
-                <a:tab pos="7851775" algn="l"/>
-                <a:tab pos="8301038" algn="l"/>
-                <a:tab pos="8750300" algn="l"/>
-                <a:tab pos="9199563" algn="l"/>
-              </a:tabLst>
-            </a:pPr>
-            <a:r>
-              <a:rPr lang="ru-RU" dirty="0"/>
-              <a:t>разбивка данных на кластеры, в которых:</a:t>
-            </a:r>
-          </a:p>
-          <a:p>
-            <a:pPr marL="554038" indent="-547688">
-              <a:buSzPct val="45000"/>
-              <a:buFont typeface="Wingdings" panose="05000000000000000000" pitchFamily="2" charset="2"/>
-              <a:buChar char=""/>
-              <a:tabLst>
-                <a:tab pos="558800" algn="l"/>
-                <a:tab pos="663575" algn="l"/>
-                <a:tab pos="1112838" algn="l"/>
-                <a:tab pos="1562100" algn="l"/>
-                <a:tab pos="2011363" algn="l"/>
-                <a:tab pos="2460625" algn="l"/>
-                <a:tab pos="2909888" algn="l"/>
-                <a:tab pos="3359150" algn="l"/>
-                <a:tab pos="3808413" algn="l"/>
-                <a:tab pos="4257675" algn="l"/>
-                <a:tab pos="4706938" algn="l"/>
-                <a:tab pos="5156200" algn="l"/>
-                <a:tab pos="5605463" algn="l"/>
-                <a:tab pos="6054725" algn="l"/>
-                <a:tab pos="6503988" algn="l"/>
-                <a:tab pos="6953250" algn="l"/>
-                <a:tab pos="7402513" algn="l"/>
-                <a:tab pos="7851775" algn="l"/>
-                <a:tab pos="8301038" algn="l"/>
-                <a:tab pos="8750300" algn="l"/>
-                <a:tab pos="9199563" algn="l"/>
-              </a:tabLst>
-            </a:pPr>
-            <a:r>
-              <a:rPr lang="ru-RU" dirty="0"/>
-              <a:t>элементы внутри кластера похожи,</a:t>
-            </a:r>
-          </a:p>
-          <a:p>
-            <a:pPr marL="554038" indent="-547688">
-              <a:buSzPct val="45000"/>
-              <a:buFont typeface="Wingdings" panose="05000000000000000000" pitchFamily="2" charset="2"/>
-              <a:buChar char=""/>
-              <a:tabLst>
-                <a:tab pos="558800" algn="l"/>
-                <a:tab pos="663575" algn="l"/>
-                <a:tab pos="1112838" algn="l"/>
-                <a:tab pos="1562100" algn="l"/>
-                <a:tab pos="2011363" algn="l"/>
-                <a:tab pos="2460625" algn="l"/>
-                <a:tab pos="2909888" algn="l"/>
-                <a:tab pos="3359150" algn="l"/>
-                <a:tab pos="3808413" algn="l"/>
-                <a:tab pos="4257675" algn="l"/>
-                <a:tab pos="4706938" algn="l"/>
-                <a:tab pos="5156200" algn="l"/>
-                <a:tab pos="5605463" algn="l"/>
-                <a:tab pos="6054725" algn="l"/>
-                <a:tab pos="6503988" algn="l"/>
-                <a:tab pos="6953250" algn="l"/>
-                <a:tab pos="7402513" algn="l"/>
-                <a:tab pos="7851775" algn="l"/>
-                <a:tab pos="8301038" algn="l"/>
-                <a:tab pos="8750300" algn="l"/>
-                <a:tab pos="9199563" algn="l"/>
-              </a:tabLst>
-            </a:pPr>
-            <a:r>
-              <a:rPr lang="ru-RU" dirty="0"/>
-              <a:t>элементы в разных кластерах отличаются.</a:t>
-            </a:r>
-          </a:p>
-          <a:p>
-            <a:pPr marL="558800" indent="-552450">
-              <a:buClrTx/>
-              <a:buSzPct val="45000"/>
-              <a:buFontTx/>
-              <a:buNone/>
-              <a:tabLst>
-                <a:tab pos="558800" algn="l"/>
-                <a:tab pos="663575" algn="l"/>
-                <a:tab pos="1112838" algn="l"/>
-                <a:tab pos="1562100" algn="l"/>
-                <a:tab pos="2011363" algn="l"/>
-                <a:tab pos="2460625" algn="l"/>
-                <a:tab pos="2909888" algn="l"/>
-                <a:tab pos="3359150" algn="l"/>
-                <a:tab pos="3808413" algn="l"/>
-                <a:tab pos="4257675" algn="l"/>
-                <a:tab pos="4706938" algn="l"/>
-                <a:tab pos="5156200" algn="l"/>
-                <a:tab pos="5605463" algn="l"/>
-                <a:tab pos="6054725" algn="l"/>
-                <a:tab pos="6503988" algn="l"/>
-                <a:tab pos="6953250" algn="l"/>
-                <a:tab pos="7402513" algn="l"/>
-                <a:tab pos="7851775" algn="l"/>
-                <a:tab pos="8301038" algn="l"/>
-                <a:tab pos="8750300" algn="l"/>
-                <a:tab pos="9199563" algn="l"/>
-              </a:tabLst>
-            </a:pPr>
-            <a:endParaRPr lang="ru-RU" dirty="0"/>
-          </a:p>
-          <a:p>
-            <a:pPr marL="558800" indent="-552450">
-              <a:buClrTx/>
-              <a:buSzPct val="45000"/>
-              <a:buFontTx/>
-              <a:buNone/>
-              <a:tabLst>
-                <a:tab pos="558800" algn="l"/>
-                <a:tab pos="663575" algn="l"/>
-                <a:tab pos="1112838" algn="l"/>
-                <a:tab pos="1562100" algn="l"/>
-                <a:tab pos="2011363" algn="l"/>
-                <a:tab pos="2460625" algn="l"/>
-                <a:tab pos="2909888" algn="l"/>
-                <a:tab pos="3359150" algn="l"/>
-                <a:tab pos="3808413" algn="l"/>
-                <a:tab pos="4257675" algn="l"/>
-                <a:tab pos="4706938" algn="l"/>
-                <a:tab pos="5156200" algn="l"/>
-                <a:tab pos="5605463" algn="l"/>
-                <a:tab pos="6054725" algn="l"/>
-                <a:tab pos="6503988" algn="l"/>
-                <a:tab pos="6953250" algn="l"/>
-                <a:tab pos="7402513" algn="l"/>
-                <a:tab pos="7851775" algn="l"/>
-                <a:tab pos="8301038" algn="l"/>
-                <a:tab pos="8750300" algn="l"/>
-                <a:tab pos="9199563" algn="l"/>
-              </a:tabLst>
-            </a:pPr>
-            <a:r>
-              <a:rPr lang="ru-RU" dirty="0" err="1"/>
-              <a:t>Автокодирование</a:t>
-            </a:r>
-            <a:r>
-              <a:rPr lang="ru-RU" dirty="0"/>
-              <a:t>:</a:t>
-            </a:r>
-          </a:p>
-          <a:p>
-            <a:pPr marL="554038" indent="-547688">
-              <a:buSzPct val="45000"/>
-              <a:buFont typeface="Wingdings" panose="05000000000000000000" pitchFamily="2" charset="2"/>
-              <a:buChar char=""/>
-              <a:tabLst>
-                <a:tab pos="558800" algn="l"/>
-                <a:tab pos="663575" algn="l"/>
-                <a:tab pos="1112838" algn="l"/>
-                <a:tab pos="1562100" algn="l"/>
-                <a:tab pos="2011363" algn="l"/>
-                <a:tab pos="2460625" algn="l"/>
-                <a:tab pos="2909888" algn="l"/>
-                <a:tab pos="3359150" algn="l"/>
-                <a:tab pos="3808413" algn="l"/>
-                <a:tab pos="4257675" algn="l"/>
-                <a:tab pos="4706938" algn="l"/>
-                <a:tab pos="5156200" algn="l"/>
-                <a:tab pos="5605463" algn="l"/>
-                <a:tab pos="6054725" algn="l"/>
-                <a:tab pos="6503988" algn="l"/>
-                <a:tab pos="6953250" algn="l"/>
-                <a:tab pos="7402513" algn="l"/>
-                <a:tab pos="7851775" algn="l"/>
-                <a:tab pos="8301038" algn="l"/>
-                <a:tab pos="8750300" algn="l"/>
-                <a:tab pos="9199563" algn="l"/>
-              </a:tabLst>
-            </a:pPr>
-            <a:r>
-              <a:rPr lang="ru-RU" dirty="0"/>
-              <a:t>обобщение данных,</a:t>
-            </a:r>
-          </a:p>
-          <a:p>
-            <a:pPr marL="554038" indent="-547688">
-              <a:buSzPct val="45000"/>
-              <a:buFont typeface="Wingdings" panose="05000000000000000000" pitchFamily="2" charset="2"/>
-              <a:buChar char=""/>
-              <a:tabLst>
-                <a:tab pos="558800" algn="l"/>
-                <a:tab pos="663575" algn="l"/>
-                <a:tab pos="1112838" algn="l"/>
-                <a:tab pos="1562100" algn="l"/>
-                <a:tab pos="2011363" algn="l"/>
-                <a:tab pos="2460625" algn="l"/>
-                <a:tab pos="2909888" algn="l"/>
-                <a:tab pos="3359150" algn="l"/>
-                <a:tab pos="3808413" algn="l"/>
-                <a:tab pos="4257675" algn="l"/>
-                <a:tab pos="4706938" algn="l"/>
-                <a:tab pos="5156200" algn="l"/>
-                <a:tab pos="5605463" algn="l"/>
-                <a:tab pos="6054725" algn="l"/>
-                <a:tab pos="6503988" algn="l"/>
-                <a:tab pos="6953250" algn="l"/>
-                <a:tab pos="7402513" algn="l"/>
-                <a:tab pos="7851775" algn="l"/>
-                <a:tab pos="8301038" algn="l"/>
-                <a:tab pos="8750300" algn="l"/>
-                <a:tab pos="9199563" algn="l"/>
-              </a:tabLst>
-            </a:pPr>
-            <a:r>
-              <a:rPr lang="ru-RU" dirty="0"/>
-              <a:t>поиск корреляций,</a:t>
-            </a:r>
-          </a:p>
-          <a:p>
-            <a:pPr marL="554038" indent="-547688">
-              <a:buSzPct val="45000"/>
-              <a:buFont typeface="Wingdings" panose="05000000000000000000" pitchFamily="2" charset="2"/>
-              <a:buChar char=""/>
-              <a:tabLst>
-                <a:tab pos="558800" algn="l"/>
-                <a:tab pos="663575" algn="l"/>
-                <a:tab pos="1112838" algn="l"/>
-                <a:tab pos="1562100" algn="l"/>
-                <a:tab pos="2011363" algn="l"/>
-                <a:tab pos="2460625" algn="l"/>
-                <a:tab pos="2909888" algn="l"/>
-                <a:tab pos="3359150" algn="l"/>
-                <a:tab pos="3808413" algn="l"/>
-                <a:tab pos="4257675" algn="l"/>
-                <a:tab pos="4706938" algn="l"/>
-                <a:tab pos="5156200" algn="l"/>
-                <a:tab pos="5605463" algn="l"/>
-                <a:tab pos="6054725" algn="l"/>
-                <a:tab pos="6503988" algn="l"/>
-                <a:tab pos="6953250" algn="l"/>
-                <a:tab pos="7402513" algn="l"/>
-                <a:tab pos="7851775" algn="l"/>
-                <a:tab pos="8301038" algn="l"/>
-                <a:tab pos="8750300" algn="l"/>
-                <a:tab pos="9199563" algn="l"/>
-              </a:tabLst>
-            </a:pPr>
-            <a:r>
-              <a:rPr lang="ru-RU" dirty="0"/>
-              <a:t>сжатие информации.</a:t>
-            </a:r>
-          </a:p>
-          <a:p>
-            <a:pPr marL="0" indent="0">
-              <a:buNone/>
-            </a:pPr>
-            <a:endParaRPr lang="ru-RU" dirty="0" smtClean="0"/>
-          </a:p>
-        </p:txBody>
-      </p:sp>
+            <a:r>
+              <a:rPr lang="ru-RU" sz="4000" dirty="0"/>
+              <a:t>Обучение с подкреплением</a:t>
+            </a:r>
+            <a:endParaRPr lang="ru-RU" sz="4000" dirty="0"/>
+          </a:p>
+        </p:txBody>
+      </p:sp>
+      <p:grpSp>
+        <p:nvGrpSpPr>
+          <p:cNvPr id="6" name="Группа 5"/>
+          <p:cNvGrpSpPr/>
+          <p:nvPr/>
+        </p:nvGrpSpPr>
+        <p:grpSpPr>
+          <a:xfrm>
+            <a:off x="2503716" y="2681842"/>
+            <a:ext cx="7030192" cy="2347358"/>
+            <a:chOff x="2503716" y="4035631"/>
+            <a:chExt cx="7030192" cy="1571622"/>
+          </a:xfrm>
+        </p:grpSpPr>
+        <p:sp>
+          <p:nvSpPr>
+            <p:cNvPr id="7" name="Прямоугольник 6"/>
+            <p:cNvSpPr/>
+            <p:nvPr/>
+          </p:nvSpPr>
+          <p:spPr>
+            <a:xfrm>
+              <a:off x="4522522" y="4130636"/>
+              <a:ext cx="2956956" cy="1377538"/>
+            </a:xfrm>
+            <a:prstGeom prst="rect">
+              <a:avLst/>
+            </a:prstGeom>
+          </p:spPr>
+          <p:style>
+            <a:lnRef idx="2">
+              <a:schemeClr val="accent1">
+                <a:shade val="50000"/>
+              </a:schemeClr>
+            </a:lnRef>
+            <a:fillRef idx="1">
+              <a:schemeClr val="accent1"/>
+            </a:fillRef>
+            <a:effectRef idx="0">
+              <a:schemeClr val="accent1"/>
+            </a:effectRef>
+            <a:fontRef idx="minor">
+              <a:schemeClr val="lt1"/>
+            </a:fontRef>
+          </p:style>
+          <p:txBody>
+            <a:bodyPr rtlCol="0" anchor="ctr"/>
+            <a:lstStyle/>
+            <a:p>
+              <a:pPr algn="ctr"/>
+              <a:r>
+                <a:rPr lang="ru-RU" dirty="0" smtClean="0"/>
+                <a:t>Обучение </a:t>
+              </a:r>
+              <a:r>
+                <a:rPr lang="ru-RU" dirty="0" smtClean="0"/>
+                <a:t>с подкреплением</a:t>
+              </a:r>
+              <a:endParaRPr lang="ru-RU" dirty="0"/>
+            </a:p>
+          </p:txBody>
+        </p:sp>
+        <p:sp>
+          <p:nvSpPr>
+            <p:cNvPr id="8" name="Стрелка вправо 7"/>
+            <p:cNvSpPr/>
+            <p:nvPr/>
+          </p:nvSpPr>
+          <p:spPr>
+            <a:xfrm>
+              <a:off x="2503716" y="4035631"/>
+              <a:ext cx="1828800" cy="676894"/>
+            </a:xfrm>
+            <a:prstGeom prst="rightArrow">
+              <a:avLst/>
+            </a:prstGeom>
+          </p:spPr>
+          <p:style>
+            <a:lnRef idx="2">
+              <a:schemeClr val="accent2">
+                <a:shade val="50000"/>
+              </a:schemeClr>
+            </a:lnRef>
+            <a:fillRef idx="1">
+              <a:schemeClr val="accent2"/>
+            </a:fillRef>
+            <a:effectRef idx="0">
+              <a:schemeClr val="accent2"/>
+            </a:effectRef>
+            <a:fontRef idx="minor">
+              <a:schemeClr val="lt1"/>
+            </a:fontRef>
+          </p:style>
+          <p:txBody>
+            <a:bodyPr rtlCol="0" anchor="ctr"/>
+            <a:lstStyle/>
+            <a:p>
+              <a:pPr algn="ctr"/>
+              <a:r>
+                <a:rPr lang="en-US" i="1" dirty="0" err="1"/>
+                <a:t>s</a:t>
+              </a:r>
+              <a:r>
+                <a:rPr lang="en-US" i="1" baseline="-25000" dirty="0" err="1" smtClean="0"/>
+                <a:t>i</a:t>
+              </a:r>
+              <a:r>
+                <a:rPr lang="en-US" dirty="0" smtClean="0"/>
+                <a:t> </a:t>
+              </a:r>
+              <a:r>
+                <a:rPr lang="en-US" dirty="0">
+                  <a:sym typeface="Symbol" panose="05050102010706020507" pitchFamily="18" charset="2"/>
+                </a:rPr>
+                <a:t> </a:t>
+              </a:r>
+              <a:r>
+                <a:rPr lang="en-US" i="1" dirty="0" smtClean="0">
+                  <a:sym typeface="Symbol" panose="05050102010706020507" pitchFamily="18" charset="2"/>
+                </a:rPr>
+                <a:t>S, </a:t>
+              </a:r>
+              <a:r>
+                <a:rPr lang="en-US" i="1" dirty="0" err="1" smtClean="0">
+                  <a:sym typeface="Symbol" panose="05050102010706020507" pitchFamily="18" charset="2"/>
+                </a:rPr>
+                <a:t>a</a:t>
+              </a:r>
+              <a:r>
+                <a:rPr lang="en-US" i="1" baseline="-25000" dirty="0" err="1" smtClean="0"/>
+                <a:t>i</a:t>
+              </a:r>
+              <a:r>
+                <a:rPr lang="en-US" dirty="0" smtClean="0"/>
+                <a:t> </a:t>
+              </a:r>
+              <a:r>
+                <a:rPr lang="en-US" dirty="0">
+                  <a:sym typeface="Symbol" panose="05050102010706020507" pitchFamily="18" charset="2"/>
+                </a:rPr>
+                <a:t> </a:t>
+              </a:r>
+              <a:r>
+                <a:rPr lang="en-US" i="1" dirty="0" smtClean="0">
+                  <a:sym typeface="Symbol" panose="05050102010706020507" pitchFamily="18" charset="2"/>
+                </a:rPr>
+                <a:t>A</a:t>
+              </a:r>
+              <a:endParaRPr lang="ru-RU" i="1" dirty="0"/>
+            </a:p>
+          </p:txBody>
+        </p:sp>
+        <p:sp>
+          <p:nvSpPr>
+            <p:cNvPr id="9" name="Стрелка вправо 8"/>
+            <p:cNvSpPr/>
+            <p:nvPr/>
+          </p:nvSpPr>
+          <p:spPr>
+            <a:xfrm>
+              <a:off x="2503716" y="4930359"/>
+              <a:ext cx="1828800" cy="676894"/>
+            </a:xfrm>
+            <a:prstGeom prst="rightArrow">
+              <a:avLst/>
+            </a:prstGeom>
+          </p:spPr>
+          <p:style>
+            <a:lnRef idx="2">
+              <a:schemeClr val="accent4">
+                <a:shade val="50000"/>
+              </a:schemeClr>
+            </a:lnRef>
+            <a:fillRef idx="1">
+              <a:schemeClr val="accent4"/>
+            </a:fillRef>
+            <a:effectRef idx="0">
+              <a:schemeClr val="accent4"/>
+            </a:effectRef>
+            <a:fontRef idx="minor">
+              <a:schemeClr val="lt1"/>
+            </a:fontRef>
+          </p:style>
+          <p:txBody>
+            <a:bodyPr rtlCol="0" anchor="ctr"/>
+            <a:lstStyle/>
+            <a:p>
+              <a:pPr algn="ctr"/>
+              <a:r>
+                <a:rPr lang="en-US" i="1" dirty="0"/>
+                <a:t>r</a:t>
+              </a:r>
+              <a:r>
+                <a:rPr lang="en-US" dirty="0"/>
+                <a:t>(</a:t>
+              </a:r>
+              <a:r>
+                <a:rPr lang="en-US" i="1" dirty="0" err="1"/>
+                <a:t>s</a:t>
+              </a:r>
+              <a:r>
+                <a:rPr lang="en-US" i="1" baseline="-25000" dirty="0" err="1"/>
+                <a:t>i</a:t>
+              </a:r>
+              <a:r>
+                <a:rPr lang="en-US" dirty="0"/>
+                <a:t>, </a:t>
+              </a:r>
+              <a:r>
+                <a:rPr lang="en-US" i="1" dirty="0" err="1"/>
+                <a:t>a</a:t>
+              </a:r>
+              <a:r>
+                <a:rPr lang="en-US" i="1" baseline="-25000" dirty="0" err="1"/>
+                <a:t>i</a:t>
+              </a:r>
+              <a:r>
+                <a:rPr lang="en-US" dirty="0"/>
+                <a:t>)</a:t>
+              </a:r>
+              <a:endParaRPr lang="ru-RU" dirty="0"/>
+            </a:p>
+          </p:txBody>
+        </p:sp>
+        <p:sp>
+          <p:nvSpPr>
+            <p:cNvPr id="10" name="Стрелка вправо 9"/>
+            <p:cNvSpPr/>
+            <p:nvPr/>
+          </p:nvSpPr>
+          <p:spPr>
+            <a:xfrm>
+              <a:off x="7705108" y="4480958"/>
+              <a:ext cx="1828800" cy="676894"/>
+            </a:xfrm>
+            <a:prstGeom prst="rightArrow">
+              <a:avLst/>
+            </a:prstGeom>
+          </p:spPr>
+          <p:style>
+            <a:lnRef idx="2">
+              <a:schemeClr val="accent6">
+                <a:shade val="50000"/>
+              </a:schemeClr>
+            </a:lnRef>
+            <a:fillRef idx="1">
+              <a:schemeClr val="accent6"/>
+            </a:fillRef>
+            <a:effectRef idx="0">
+              <a:schemeClr val="accent6"/>
+            </a:effectRef>
+            <a:fontRef idx="minor">
+              <a:schemeClr val="lt1"/>
+            </a:fontRef>
+          </p:style>
+          <p:txBody>
+            <a:bodyPr rtlCol="0" anchor="ctr"/>
+            <a:lstStyle/>
+            <a:p>
+              <a:pPr algn="ctr"/>
+              <a:r>
+                <a:rPr lang="ru-RU" i="1" dirty="0">
+                  <a:sym typeface="Symbol" panose="05050102010706020507" pitchFamily="18" charset="2"/>
+                </a:rPr>
+                <a:t></a:t>
+              </a:r>
+              <a:r>
+                <a:rPr lang="ru-RU" dirty="0">
+                  <a:sym typeface="Symbol" panose="05050102010706020507" pitchFamily="18" charset="2"/>
+                </a:rPr>
+                <a:t>(</a:t>
+              </a:r>
+              <a:r>
+                <a:rPr lang="en-US" i="1" dirty="0" err="1"/>
+                <a:t>s</a:t>
+              </a:r>
+              <a:r>
+                <a:rPr lang="en-US" i="1" baseline="-25000" dirty="0" err="1"/>
+                <a:t>i</a:t>
+              </a:r>
+              <a:r>
+                <a:rPr lang="en-US" dirty="0">
+                  <a:sym typeface="Symbol" panose="05050102010706020507" pitchFamily="18" charset="2"/>
+                </a:rPr>
+                <a:t>, </a:t>
+              </a:r>
+              <a:r>
+                <a:rPr lang="en-US" i="1" dirty="0" err="1"/>
+                <a:t>a</a:t>
+              </a:r>
+              <a:r>
+                <a:rPr lang="en-US" i="1" baseline="-25000" dirty="0" err="1"/>
+                <a:t>i</a:t>
+              </a:r>
+              <a:r>
+                <a:rPr lang="ru-RU" dirty="0">
+                  <a:sym typeface="Symbol" panose="05050102010706020507" pitchFamily="18" charset="2"/>
+                </a:rPr>
+                <a:t>)</a:t>
+              </a:r>
+              <a:endParaRPr lang="ru-RU" dirty="0"/>
+            </a:p>
+          </p:txBody>
+        </p:sp>
+      </p:grpSp>
     </p:spTree>
     <p:extLst>
       <p:ext uri="{BB962C8B-B14F-4D97-AF65-F5344CB8AC3E}">
-        <p14:creationId xmlns:p14="http://schemas.microsoft.com/office/powerpoint/2010/main" val="1822232268"/>
+        <p14:creationId xmlns:p14="http://schemas.microsoft.com/office/powerpoint/2010/main" val="68630210"/>
       </p:ext>
     </p:extLst>
   </p:cSld>
@@ -5866,7 +6169,7 @@
           <a:p>
             <a:r>
               <a:rPr lang="ru-RU" dirty="0" smtClean="0"/>
-              <a:t>Ссылки</a:t>
+              <a:t>Типы задач машинного обучения</a:t>
             </a:r>
             <a:endParaRPr lang="ru-RU" dirty="0"/>
           </a:p>
@@ -5884,107 +6187,73 @@
         </p:nvSpPr>
         <p:spPr/>
         <p:txBody>
-          <a:bodyPr/>
+          <a:bodyPr>
+            <a:normAutofit/>
+          </a:bodyPr>
           <a:lstStyle/>
           <a:p>
-            <a:r>
-              <a:rPr lang="en-US" dirty="0" smtClean="0">
-                <a:hlinkClick r:id="rId2"/>
-              </a:rPr>
-              <a:t>https://ru.wikipedia.org/wiki/</a:t>
-            </a:r>
-            <a:r>
-              <a:rPr lang="ru-RU" dirty="0" err="1" smtClean="0">
-                <a:hlinkClick r:id="rId2"/>
-              </a:rPr>
-              <a:t>Машинное_обучение</a:t>
+            <a:pPr marL="0" indent="0">
+              <a:buNone/>
+            </a:pPr>
+            <a:r>
+              <a:rPr lang="ru-RU" dirty="0" smtClean="0"/>
+              <a:t>Обучение с учителем:</a:t>
+            </a:r>
+          </a:p>
+          <a:p>
+            <a:pPr marL="514350" indent="-514350">
+              <a:buAutoNum type="arabicPeriod"/>
+            </a:pPr>
+            <a:r>
+              <a:rPr lang="ru-RU" dirty="0" smtClean="0"/>
+              <a:t>Регрессия.</a:t>
             </a:r>
             <a:endParaRPr lang="ru-RU" dirty="0" smtClean="0"/>
           </a:p>
           <a:p>
-            <a:r>
-              <a:rPr lang="en-US" dirty="0">
-                <a:hlinkClick r:id="rId3"/>
-              </a:rPr>
-              <a:t>https://</a:t>
-            </a:r>
-            <a:r>
-              <a:rPr lang="en-US" dirty="0" smtClean="0">
-                <a:hlinkClick r:id="rId3"/>
-              </a:rPr>
-              <a:t>neerc.ifmo.ru/wiki/index.php?title=</a:t>
-            </a:r>
-            <a:r>
-              <a:rPr lang="ru-RU" dirty="0" smtClean="0">
-                <a:hlinkClick r:id="rId3"/>
-              </a:rPr>
-              <a:t>Переобучение</a:t>
-            </a:r>
+            <a:pPr marL="514350" indent="-514350">
+              <a:buAutoNum type="arabicPeriod"/>
+            </a:pPr>
+            <a:r>
+              <a:rPr lang="ru-RU" dirty="0" smtClean="0"/>
+              <a:t>Классификация.</a:t>
+            </a:r>
+          </a:p>
+          <a:p>
+            <a:pPr marL="0" indent="0">
+              <a:buNone/>
+            </a:pPr>
             <a:endParaRPr lang="ru-RU" dirty="0" smtClean="0"/>
           </a:p>
           <a:p>
-            <a:r>
-              <a:rPr lang="en-US" dirty="0" smtClean="0">
-                <a:hlinkClick r:id="rId4"/>
-              </a:rPr>
-              <a:t>https</a:t>
-            </a:r>
-            <a:r>
-              <a:rPr lang="en-US" dirty="0">
-                <a:hlinkClick r:id="rId4"/>
-              </a:rPr>
-              <a:t>://neerc.ifmo.ru/wiki/index.php?title=</a:t>
-            </a:r>
-            <a:r>
-              <a:rPr lang="ru-RU" dirty="0" smtClean="0">
-                <a:hlinkClick r:id="rId4"/>
-              </a:rPr>
-              <a:t>Кросс-</a:t>
-            </a:r>
-            <a:r>
-              <a:rPr lang="ru-RU" dirty="0" err="1" smtClean="0">
-                <a:hlinkClick r:id="rId4"/>
-              </a:rPr>
-              <a:t>валидация</a:t>
-            </a:r>
-            <a:endParaRPr lang="en-US" dirty="0" smtClean="0"/>
-          </a:p>
-          <a:p>
-            <a:r>
-              <a:rPr lang="en-US" dirty="0">
-                <a:hlinkClick r:id="rId5"/>
-              </a:rPr>
-              <a:t>http://www.machinelearning.ru/wiki/index.php?title=</a:t>
-            </a:r>
-            <a:r>
-              <a:rPr lang="ru-RU" dirty="0" err="1" smtClean="0">
-                <a:hlinkClick r:id="rId5"/>
-              </a:rPr>
-              <a:t>Интерпретируемая_модель_машинного_обучения</a:t>
+            <a:pPr marL="0" indent="0">
+              <a:buNone/>
+            </a:pPr>
+            <a:r>
+              <a:rPr lang="ru-RU" dirty="0" smtClean="0"/>
+              <a:t>Обучение без учителя:</a:t>
             </a:r>
             <a:endParaRPr lang="ru-RU" dirty="0" smtClean="0"/>
           </a:p>
           <a:p>
-            <a:r>
-              <a:rPr lang="en-US" dirty="0">
-                <a:hlinkClick r:id="rId6"/>
-              </a:rPr>
-              <a:t>https://habr.com/ru/company/otus/blog/464695</a:t>
-            </a:r>
-            <a:r>
-              <a:rPr lang="en-US" dirty="0" smtClean="0">
-                <a:hlinkClick r:id="rId6"/>
-              </a:rPr>
-              <a:t>/</a:t>
-            </a:r>
-            <a:endParaRPr lang="ru-RU" dirty="0" smtClean="0"/>
+            <a:pPr marL="514350" indent="-514350">
+              <a:buAutoNum type="arabicPeriod"/>
+            </a:pPr>
+            <a:r>
+              <a:rPr lang="ru-RU" dirty="0"/>
+              <a:t>Кластеризация</a:t>
+            </a:r>
+            <a:r>
+              <a:rPr lang="ru-RU" dirty="0" smtClean="0"/>
+              <a:t>.</a:t>
+            </a:r>
           </a:p>
         </p:txBody>
       </p:sp>
     </p:spTree>
     <p:extLst>
       <p:ext uri="{BB962C8B-B14F-4D97-AF65-F5344CB8AC3E}">
-        <p14:creationId xmlns:p14="http://schemas.microsoft.com/office/powerpoint/2010/main" val="2236621087"/>
+        <p14:creationId xmlns:p14="http://schemas.microsoft.com/office/powerpoint/2010/main" val="1846912744"/>
       </p:ext>
     </p:extLst>
   </p:cSld>
@@ -6028,31 +6297,342 @@
             <p:ph type="title"/>
           </p:nvPr>
         </p:nvSpPr>
-        <p:spPr>
-          <a:xfrm>
-            <a:off x="838200" y="2585810"/>
-            <a:ext cx="10515600" cy="1325563"/>
-          </a:xfrm>
-        </p:spPr>
+        <p:spPr/>
+        <p:txBody>
+          <a:bodyPr/>
+          <a:lstStyle/>
+          <a:p>
+            <a:r>
+              <a:rPr lang="ru-RU" dirty="0"/>
+              <a:t>Регрессия</a:t>
+            </a:r>
+            <a:endParaRPr lang="ru-RU" dirty="0"/>
+          </a:p>
+        </p:txBody>
+      </p:sp>
+      <p:sp>
+        <p:nvSpPr>
+          <p:cNvPr id="3" name="Объект 2"/>
+          <p:cNvSpPr>
+            <a:spLocks noGrp="1"/>
+          </p:cNvSpPr>
+          <p:nvPr>
+            <p:ph idx="1"/>
+          </p:nvPr>
+        </p:nvSpPr>
+        <p:spPr/>
         <p:txBody>
           <a:bodyPr>
             <a:normAutofit/>
           </a:bodyPr>
           <a:lstStyle/>
           <a:p>
-            <a:pPr algn="ctr"/>
-            <a:r>
-              <a:rPr lang="ru-RU" sz="6000" dirty="0" smtClean="0"/>
-              <a:t>Спасибо за внимание</a:t>
-            </a:r>
-            <a:endParaRPr lang="ru-RU" sz="6000" dirty="0"/>
+            <a:pPr marL="0" indent="0">
+              <a:buNone/>
+            </a:pPr>
+            <a:r>
+              <a:rPr lang="en-US" i="1" dirty="0"/>
+              <a:t>D</a:t>
+            </a:r>
+            <a:r>
+              <a:rPr lang="en-US" dirty="0"/>
+              <a:t> = {(</a:t>
+            </a:r>
+            <a:r>
+              <a:rPr lang="en-US" i="1" dirty="0"/>
+              <a:t>x</a:t>
+            </a:r>
+            <a:r>
+              <a:rPr lang="en-US" baseline="-25000" dirty="0"/>
+              <a:t>1</a:t>
+            </a:r>
+            <a:r>
+              <a:rPr lang="en-US" dirty="0"/>
+              <a:t>, </a:t>
+            </a:r>
+            <a:r>
+              <a:rPr lang="en-US" i="1" dirty="0"/>
+              <a:t>y</a:t>
+            </a:r>
+            <a:r>
+              <a:rPr lang="en-US" baseline="-25000" dirty="0"/>
+              <a:t>1</a:t>
+            </a:r>
+            <a:r>
+              <a:rPr lang="en-US" dirty="0"/>
+              <a:t>), …, (</a:t>
+            </a:r>
+            <a:r>
+              <a:rPr lang="en-US" i="1" dirty="0" err="1"/>
+              <a:t>x</a:t>
+            </a:r>
+            <a:r>
+              <a:rPr lang="en-US" i="1" baseline="-25000" dirty="0" err="1"/>
+              <a:t>N</a:t>
+            </a:r>
+            <a:r>
+              <a:rPr lang="en-US" dirty="0"/>
+              <a:t>, </a:t>
+            </a:r>
+            <a:r>
+              <a:rPr lang="en-US" i="1" dirty="0" err="1"/>
+              <a:t>y</a:t>
+            </a:r>
+            <a:r>
+              <a:rPr lang="en-US" i="1" baseline="-25000" dirty="0" err="1"/>
+              <a:t>N</a:t>
+            </a:r>
+            <a:r>
+              <a:rPr lang="en-US" dirty="0"/>
+              <a:t>)}, </a:t>
+            </a:r>
+            <a:r>
+              <a:rPr lang="ru-RU" dirty="0"/>
+              <a:t>где </a:t>
+            </a:r>
+            <a:r>
+              <a:rPr lang="en-US" i="1" dirty="0"/>
+              <a:t>x</a:t>
+            </a:r>
+            <a:r>
+              <a:rPr lang="en-US" i="1" baseline="-25000" dirty="0"/>
+              <a:t>i</a:t>
+            </a:r>
+            <a:r>
+              <a:rPr lang="en-US" dirty="0"/>
+              <a:t> </a:t>
+            </a:r>
+            <a:r>
+              <a:rPr lang="en-US" dirty="0">
+                <a:sym typeface="Symbol" panose="05050102010706020507" pitchFamily="18" charset="2"/>
+              </a:rPr>
+              <a:t> </a:t>
+            </a:r>
+            <a:r>
+              <a:rPr lang="en-US" i="1" dirty="0">
+                <a:sym typeface="Symbol" panose="05050102010706020507" pitchFamily="18" charset="2"/>
+              </a:rPr>
+              <a:t>X</a:t>
+            </a:r>
+            <a:r>
+              <a:rPr lang="en-US" dirty="0">
+                <a:sym typeface="Symbol" panose="05050102010706020507" pitchFamily="18" charset="2"/>
+              </a:rPr>
+              <a:t>, </a:t>
+            </a:r>
+            <a:r>
+              <a:rPr lang="en-US" i="1" dirty="0" err="1">
+                <a:sym typeface="Symbol" panose="05050102010706020507" pitchFamily="18" charset="2"/>
+              </a:rPr>
+              <a:t>y</a:t>
+            </a:r>
+            <a:r>
+              <a:rPr lang="en-US" i="1" baseline="-25000" dirty="0" err="1">
+                <a:sym typeface="Symbol" panose="05050102010706020507" pitchFamily="18" charset="2"/>
+              </a:rPr>
+              <a:t>i</a:t>
+            </a:r>
+            <a:r>
+              <a:rPr lang="en-US" dirty="0">
+                <a:sym typeface="Symbol" panose="05050102010706020507" pitchFamily="18" charset="2"/>
+              </a:rPr>
+              <a:t>  </a:t>
+            </a:r>
+            <a:r>
+              <a:rPr lang="en-US" i="1" dirty="0">
+                <a:sym typeface="Symbol" panose="05050102010706020507" pitchFamily="18" charset="2"/>
+              </a:rPr>
+              <a:t>Y</a:t>
+            </a:r>
+            <a:r>
+              <a:rPr lang="en-US" dirty="0" smtClean="0">
+                <a:sym typeface="Symbol" panose="05050102010706020507" pitchFamily="18" charset="2"/>
+              </a:rPr>
+              <a:t>.</a:t>
+            </a:r>
+            <a:endParaRPr lang="ru-RU" dirty="0" smtClean="0">
+              <a:sym typeface="Symbol" panose="05050102010706020507" pitchFamily="18" charset="2"/>
+            </a:endParaRPr>
+          </a:p>
+          <a:p>
+            <a:pPr marL="0" indent="0">
+              <a:buNone/>
+            </a:pPr>
+            <a:r>
+              <a:rPr lang="en-US" i="1" dirty="0"/>
+              <a:t>F</a:t>
+            </a:r>
+            <a:r>
+              <a:rPr lang="en-US" dirty="0"/>
+              <a:t>(</a:t>
+            </a:r>
+            <a:r>
+              <a:rPr lang="en-US" i="1" dirty="0"/>
+              <a:t>x</a:t>
+            </a:r>
+            <a:r>
+              <a:rPr lang="en-US" i="1" baseline="-25000" dirty="0"/>
+              <a:t>i</a:t>
+            </a:r>
+            <a:r>
+              <a:rPr lang="en-US" dirty="0"/>
+              <a:t>) = </a:t>
+            </a:r>
+            <a:r>
+              <a:rPr lang="en-US" i="1" dirty="0" err="1">
+                <a:sym typeface="Symbol" panose="05050102010706020507" pitchFamily="18" charset="2"/>
+              </a:rPr>
+              <a:t>y</a:t>
+            </a:r>
+            <a:r>
+              <a:rPr lang="en-US" i="1" baseline="-25000" dirty="0" err="1">
+                <a:sym typeface="Symbol" panose="05050102010706020507" pitchFamily="18" charset="2"/>
+              </a:rPr>
+              <a:t>i</a:t>
+            </a:r>
+            <a:r>
+              <a:rPr lang="en-US" dirty="0"/>
+              <a:t>, </a:t>
+            </a:r>
+            <a:r>
+              <a:rPr lang="ru-RU" dirty="0"/>
+              <a:t>где </a:t>
+            </a:r>
+            <a:r>
+              <a:rPr lang="en-US" i="1" dirty="0"/>
+              <a:t>x</a:t>
+            </a:r>
+            <a:r>
+              <a:rPr lang="en-US" i="1" baseline="-25000" dirty="0"/>
+              <a:t>i</a:t>
+            </a:r>
+            <a:r>
+              <a:rPr lang="en-US" dirty="0"/>
+              <a:t> </a:t>
+            </a:r>
+            <a:r>
+              <a:rPr lang="en-US" dirty="0">
+                <a:sym typeface="Symbol" panose="05050102010706020507" pitchFamily="18" charset="2"/>
+              </a:rPr>
+              <a:t> </a:t>
+            </a:r>
+            <a:r>
+              <a:rPr lang="en-US" i="1" dirty="0">
+                <a:sym typeface="Symbol" panose="05050102010706020507" pitchFamily="18" charset="2"/>
+              </a:rPr>
+              <a:t>X</a:t>
+            </a:r>
+            <a:r>
+              <a:rPr lang="en-US" dirty="0">
+                <a:sym typeface="Symbol" panose="05050102010706020507" pitchFamily="18" charset="2"/>
+              </a:rPr>
+              <a:t>, </a:t>
+            </a:r>
+            <a:r>
+              <a:rPr lang="en-US" i="1" dirty="0" err="1">
+                <a:sym typeface="Symbol" panose="05050102010706020507" pitchFamily="18" charset="2"/>
+              </a:rPr>
+              <a:t>y</a:t>
+            </a:r>
+            <a:r>
+              <a:rPr lang="en-US" i="1" baseline="-25000" dirty="0" err="1">
+                <a:sym typeface="Symbol" panose="05050102010706020507" pitchFamily="18" charset="2"/>
+              </a:rPr>
+              <a:t>i</a:t>
+            </a:r>
+            <a:r>
+              <a:rPr lang="en-US" dirty="0">
+                <a:sym typeface="Symbol" panose="05050102010706020507" pitchFamily="18" charset="2"/>
+              </a:rPr>
+              <a:t>  </a:t>
+            </a:r>
+            <a:r>
+              <a:rPr lang="en-US" i="1" dirty="0">
+                <a:sym typeface="Symbol" panose="05050102010706020507" pitchFamily="18" charset="2"/>
+              </a:rPr>
+              <a:t>Y</a:t>
+            </a:r>
+            <a:r>
+              <a:rPr lang="en-US" dirty="0" smtClean="0">
+                <a:sym typeface="Symbol" panose="05050102010706020507" pitchFamily="18" charset="2"/>
+              </a:rPr>
+              <a:t>.</a:t>
+            </a:r>
+            <a:endParaRPr lang="ru-RU" dirty="0" smtClean="0">
+              <a:sym typeface="Symbol" panose="05050102010706020507" pitchFamily="18" charset="2"/>
+            </a:endParaRPr>
+          </a:p>
+          <a:p>
+            <a:pPr marL="0" indent="0">
+              <a:buNone/>
+            </a:pPr>
+            <a:endParaRPr lang="ru-RU" dirty="0">
+              <a:sym typeface="Symbol" panose="05050102010706020507" pitchFamily="18" charset="2"/>
+            </a:endParaRPr>
+          </a:p>
+          <a:p>
+            <a:pPr marL="0" indent="0">
+              <a:buNone/>
+            </a:pPr>
+            <a:r>
+              <a:rPr lang="en-US" i="1" dirty="0" err="1">
+                <a:sym typeface="Symbol" panose="05050102010706020507" pitchFamily="18" charset="2"/>
+              </a:rPr>
+              <a:t>y</a:t>
+            </a:r>
+            <a:r>
+              <a:rPr lang="en-US" i="1" baseline="-25000" dirty="0" err="1">
+                <a:sym typeface="Symbol" panose="05050102010706020507" pitchFamily="18" charset="2"/>
+              </a:rPr>
+              <a:t>i</a:t>
+            </a:r>
+            <a:r>
+              <a:rPr lang="ru-RU" dirty="0" smtClean="0"/>
+              <a:t> - </a:t>
+            </a:r>
+            <a:r>
+              <a:rPr lang="ru-RU" dirty="0"/>
+              <a:t>ч</a:t>
+            </a:r>
+            <a:r>
+              <a:rPr lang="ru-RU" dirty="0" smtClean="0"/>
+              <a:t>исло или вектор, состоящий из чисел.</a:t>
+            </a:r>
+          </a:p>
+          <a:p>
+            <a:pPr marL="0" indent="0">
+              <a:buNone/>
+            </a:pPr>
+            <a:endParaRPr lang="ru-RU" dirty="0"/>
+          </a:p>
+          <a:p>
+            <a:pPr marL="0" indent="0">
+              <a:buNone/>
+            </a:pPr>
+            <a:r>
+              <a:rPr lang="ru-RU" dirty="0" smtClean="0"/>
+              <a:t>Предполагаем, что существует зависимость, задаваемая </a:t>
+            </a:r>
+            <a:r>
+              <a:rPr lang="en-US" i="1" dirty="0" smtClean="0"/>
+              <a:t>F</a:t>
+            </a:r>
+            <a:r>
+              <a:rPr lang="en-US" dirty="0" smtClean="0"/>
+              <a:t>()</a:t>
+            </a:r>
+            <a:r>
+              <a:rPr lang="ru-RU" dirty="0" smtClean="0"/>
+              <a:t>, и пытаемся найти эту зависимость.</a:t>
+            </a:r>
+            <a:endParaRPr lang="ru-RU" dirty="0" smtClean="0"/>
           </a:p>
         </p:txBody>
       </p:sp>
     </p:spTree>
     <p:extLst>
       <p:ext uri="{BB962C8B-B14F-4D97-AF65-F5344CB8AC3E}">
-        <p14:creationId xmlns:p14="http://schemas.microsoft.com/office/powerpoint/2010/main" val="3287438502"/>
+        <p14:creationId xmlns:p14="http://schemas.microsoft.com/office/powerpoint/2010/main" val="1087335680"/>
       </p:ext>
     </p:extLst>
   </p:cSld>
@@ -6130,7 +6710,6 @@
               <a:rPr lang="ru-RU" dirty="0" smtClean="0"/>
               <a:t>Способы машинного обучения.</a:t>
             </a:r>
-            <a:endParaRPr lang="ru-RU" dirty="0" smtClean="0"/>
           </a:p>
           <a:p>
             <a:r>
@@ -6143,7 +6722,6 @@
               <a:rPr lang="ru-RU" dirty="0" smtClean="0"/>
               <a:t>Метрики производительности.</a:t>
             </a:r>
-            <a:endParaRPr lang="ru-RU" dirty="0" smtClean="0"/>
           </a:p>
         </p:txBody>
       </p:sp>
@@ -6151,6 +6729,3347 @@
     <p:extLst>
       <p:ext uri="{BB962C8B-B14F-4D97-AF65-F5344CB8AC3E}">
         <p14:creationId xmlns:p14="http://schemas.microsoft.com/office/powerpoint/2010/main" val="3341153424"/>
+      </p:ext>
+    </p:extLst>
+  </p:cSld>
+  <p:clrMapOvr>
+    <a:masterClrMapping/>
+  </p:clrMapOvr>
+  <p:timing>
+    <p:tnLst>
+      <p:par>
+        <p:cTn id="1" dur="indefinite" restart="never" nodeType="tmRoot"/>
+      </p:par>
+    </p:tnLst>
+  </p:timing>
+</p:sld>
+</file>
+
+<file path=ppt/slides/slide20.xml><?xml version="1.0" encoding="utf-8"?>
+<p:sld xmlns:a="http://schemas.openxmlformats.org/drawingml/2006/main" xmlns:r="http://schemas.openxmlformats.org/officeDocument/2006/relationships" xmlns:p="http://schemas.openxmlformats.org/presentationml/2006/main">
+  <p:cSld>
+    <p:spTree>
+      <p:nvGrpSpPr>
+        <p:cNvPr id="1" name=""/>
+        <p:cNvGrpSpPr/>
+        <p:nvPr/>
+      </p:nvGrpSpPr>
+      <p:grpSpPr>
+        <a:xfrm>
+          <a:off x="0" y="0"/>
+          <a:ext cx="0" cy="0"/>
+          <a:chOff x="0" y="0"/>
+          <a:chExt cx="0" cy="0"/>
+        </a:xfrm>
+      </p:grpSpPr>
+      <p:sp>
+        <p:nvSpPr>
+          <p:cNvPr id="2" name="Заголовок 1"/>
+          <p:cNvSpPr>
+            <a:spLocks noGrp="1"/>
+          </p:cNvSpPr>
+          <p:nvPr>
+            <p:ph type="title"/>
+          </p:nvPr>
+        </p:nvSpPr>
+        <p:spPr/>
+        <p:txBody>
+          <a:bodyPr/>
+          <a:lstStyle/>
+          <a:p>
+            <a:r>
+              <a:rPr lang="ru-RU" dirty="0" smtClean="0"/>
+              <a:t>Регрессия. Метрики производительности.</a:t>
+            </a:r>
+            <a:endParaRPr lang="ru-RU" dirty="0"/>
+          </a:p>
+        </p:txBody>
+      </p:sp>
+      <mc:AlternateContent xmlns:mc="http://schemas.openxmlformats.org/markup-compatibility/2006">
+        <mc:Choice xmlns:a14="http://schemas.microsoft.com/office/drawing/2010/main" Requires="a14">
+          <p:sp>
+            <p:nvSpPr>
+              <p:cNvPr id="3" name="Объект 2"/>
+              <p:cNvSpPr>
+                <a:spLocks noGrp="1"/>
+              </p:cNvSpPr>
+              <p:nvPr>
+                <p:ph idx="1"/>
+              </p:nvPr>
+            </p:nvSpPr>
+            <p:spPr/>
+            <p:txBody>
+              <a:bodyPr>
+                <a:normAutofit/>
+              </a:bodyPr>
+              <a:lstStyle/>
+              <a:p>
+                <a:pPr marL="0" indent="0">
+                  <a:buNone/>
+                </a:pPr>
+                <a:r>
+                  <a:rPr lang="ru-RU" dirty="0" smtClean="0"/>
+                  <a:t>Среднеквадратичная ошибка:</a:t>
+                </a:r>
+                <a:endParaRPr lang="en-US" dirty="0" smtClean="0"/>
+              </a:p>
+              <a:p>
+                <a:pPr marL="0" indent="0">
+                  <a:buNone/>
+                </a:pPr>
+                <a:endParaRPr lang="ru-RU" dirty="0" smtClean="0"/>
+              </a:p>
+              <a:p>
+                <a:pPr marL="0" indent="0">
+                  <a:buNone/>
+                </a:pPr>
+                <a14:m>
+                  <m:oMathPara xmlns:m="http://schemas.openxmlformats.org/officeDocument/2006/math">
+                    <m:oMathParaPr>
+                      <m:jc m:val="left"/>
+                    </m:oMathParaPr>
+                    <m:oMath xmlns:m="http://schemas.openxmlformats.org/officeDocument/2006/math">
+                      <m:r>
+                        <m:rPr>
+                          <m:sty m:val="p"/>
+                        </m:rPr>
+                        <a:rPr lang="en-US" i="0">
+                          <a:latin typeface="Cambria Math" panose="02040503050406030204" pitchFamily="18" charset="0"/>
+                        </a:rPr>
+                        <m:t>M</m:t>
+                      </m:r>
+                      <m:r>
+                        <m:rPr>
+                          <m:sty m:val="p"/>
+                        </m:rPr>
+                        <a:rPr lang="en-US" b="0" i="0" smtClean="0">
+                          <a:latin typeface="Cambria Math" panose="02040503050406030204" pitchFamily="18" charset="0"/>
+                        </a:rPr>
+                        <m:t>SE</m:t>
+                      </m:r>
+                      <m:r>
+                        <a:rPr lang="pt-BR" i="1" smtClean="0">
+                          <a:latin typeface="Cambria Math" panose="02040503050406030204" pitchFamily="18" charset="0"/>
+                        </a:rPr>
+                        <m:t>=</m:t>
+                      </m:r>
+                      <m:f>
+                        <m:fPr>
+                          <m:ctrlPr>
+                            <a:rPr lang="pt-BR" i="1" smtClean="0">
+                              <a:latin typeface="Cambria Math" panose="02040503050406030204" pitchFamily="18" charset="0"/>
+                            </a:rPr>
+                          </m:ctrlPr>
+                        </m:fPr>
+                        <m:num>
+                          <m:r>
+                            <a:rPr lang="en-US" b="0" i="1" smtClean="0">
+                              <a:latin typeface="Cambria Math" panose="02040503050406030204" pitchFamily="18" charset="0"/>
+                            </a:rPr>
+                            <m:t>1</m:t>
+                          </m:r>
+                        </m:num>
+                        <m:den>
+                          <m:r>
+                            <a:rPr lang="en-US" b="0" i="1" smtClean="0">
+                              <a:latin typeface="Cambria Math" panose="02040503050406030204" pitchFamily="18" charset="0"/>
+                            </a:rPr>
+                            <m:t>𝑁</m:t>
+                          </m:r>
+                        </m:den>
+                      </m:f>
+                      <m:nary>
+                        <m:naryPr>
+                          <m:chr m:val="∑"/>
+                          <m:ctrlPr>
+                            <a:rPr lang="pt-BR" i="1" smtClean="0">
+                              <a:latin typeface="Cambria Math" panose="02040503050406030204" pitchFamily="18" charset="0"/>
+                            </a:rPr>
+                          </m:ctrlPr>
+                        </m:naryPr>
+                        <m:sub>
+                          <m:r>
+                            <m:rPr>
+                              <m:brk m:alnAt="23"/>
+                            </m:rPr>
+                            <a:rPr lang="en-US" b="0" i="1" smtClean="0">
+                              <a:latin typeface="Cambria Math" panose="02040503050406030204" pitchFamily="18" charset="0"/>
+                            </a:rPr>
+                            <m:t>𝑖</m:t>
+                          </m:r>
+                          <m:r>
+                            <a:rPr lang="pt-BR" i="1" smtClean="0">
+                              <a:latin typeface="Cambria Math" panose="02040503050406030204" pitchFamily="18" charset="0"/>
+                            </a:rPr>
+                            <m:t>=</m:t>
+                          </m:r>
+                          <m:r>
+                            <a:rPr lang="en-US" b="0" i="1" smtClean="0">
+                              <a:latin typeface="Cambria Math" panose="02040503050406030204" pitchFamily="18" charset="0"/>
+                            </a:rPr>
+                            <m:t>1</m:t>
+                          </m:r>
+                        </m:sub>
+                        <m:sup>
+                          <m:r>
+                            <a:rPr lang="en-US" b="0" i="1" smtClean="0">
+                              <a:latin typeface="Cambria Math" panose="02040503050406030204" pitchFamily="18" charset="0"/>
+                            </a:rPr>
+                            <m:t>𝑁</m:t>
+                          </m:r>
+                        </m:sup>
+                        <m:e>
+                          <m:sSup>
+                            <m:sSupPr>
+                              <m:ctrlPr>
+                                <a:rPr lang="pt-BR" i="1" smtClean="0">
+                                  <a:latin typeface="Cambria Math" panose="02040503050406030204" pitchFamily="18" charset="0"/>
+                                </a:rPr>
+                              </m:ctrlPr>
+                            </m:sSupPr>
+                            <m:e>
+                              <m:d>
+                                <m:dPr>
+                                  <m:ctrlPr>
+                                    <a:rPr lang="pt-BR" i="1" smtClean="0">
+                                      <a:latin typeface="Cambria Math" panose="02040503050406030204" pitchFamily="18" charset="0"/>
+                                    </a:rPr>
+                                  </m:ctrlPr>
+                                </m:dPr>
+                                <m:e>
+                                  <m:sSub>
+                                    <m:sSubPr>
+                                      <m:ctrlPr>
+                                        <a:rPr lang="pt-BR" i="1" smtClean="0">
+                                          <a:latin typeface="Cambria Math" panose="02040503050406030204" pitchFamily="18" charset="0"/>
+                                        </a:rPr>
+                                      </m:ctrlPr>
+                                    </m:sSubPr>
+                                    <m:e>
+                                      <m:r>
+                                        <a:rPr lang="en-US" b="0" i="1" smtClean="0">
+                                          <a:latin typeface="Cambria Math" panose="02040503050406030204" pitchFamily="18" charset="0"/>
+                                        </a:rPr>
+                                        <m:t>𝑦</m:t>
+                                      </m:r>
+                                    </m:e>
+                                    <m:sub>
+                                      <m:r>
+                                        <a:rPr lang="en-US" b="0" i="1" smtClean="0">
+                                          <a:latin typeface="Cambria Math" panose="02040503050406030204" pitchFamily="18" charset="0"/>
+                                        </a:rPr>
+                                        <m:t>𝑖</m:t>
+                                      </m:r>
+                                    </m:sub>
+                                  </m:sSub>
+                                  <m:r>
+                                    <a:rPr lang="en-US" b="0" i="1" smtClean="0">
+                                      <a:latin typeface="Cambria Math" panose="02040503050406030204" pitchFamily="18" charset="0"/>
+                                    </a:rPr>
+                                    <m:t>−</m:t>
+                                  </m:r>
+                                  <m:sSub>
+                                    <m:sSubPr>
+                                      <m:ctrlPr>
+                                        <a:rPr lang="en-US" b="0" i="1" smtClean="0">
+                                          <a:latin typeface="Cambria Math" panose="02040503050406030204" pitchFamily="18" charset="0"/>
+                                        </a:rPr>
+                                      </m:ctrlPr>
+                                    </m:sSubPr>
+                                    <m:e>
+                                      <m:acc>
+                                        <m:accPr>
+                                          <m:chr m:val="̂"/>
+                                          <m:ctrlPr>
+                                            <a:rPr lang="en-US" b="0" i="1" smtClean="0">
+                                              <a:latin typeface="Cambria Math" panose="02040503050406030204" pitchFamily="18" charset="0"/>
+                                            </a:rPr>
+                                          </m:ctrlPr>
+                                        </m:accPr>
+                                        <m:e>
+                                          <m:r>
+                                            <a:rPr lang="en-US" b="0" i="1" smtClean="0">
+                                              <a:latin typeface="Cambria Math" panose="02040503050406030204" pitchFamily="18" charset="0"/>
+                                            </a:rPr>
+                                            <m:t>𝑦</m:t>
+                                          </m:r>
+                                        </m:e>
+                                      </m:acc>
+                                    </m:e>
+                                    <m:sub>
+                                      <m:r>
+                                        <a:rPr lang="en-US" b="0" i="1" smtClean="0">
+                                          <a:latin typeface="Cambria Math" panose="02040503050406030204" pitchFamily="18" charset="0"/>
+                                        </a:rPr>
+                                        <m:t>𝑖</m:t>
+                                      </m:r>
+                                    </m:sub>
+                                  </m:sSub>
+                                </m:e>
+                              </m:d>
+                            </m:e>
+                            <m:sup>
+                              <m:r>
+                                <a:rPr lang="en-US" b="0" i="1" smtClean="0">
+                                  <a:latin typeface="Cambria Math" panose="02040503050406030204" pitchFamily="18" charset="0"/>
+                                </a:rPr>
+                                <m:t>2</m:t>
+                              </m:r>
+                            </m:sup>
+                          </m:sSup>
+                        </m:e>
+                      </m:nary>
+                    </m:oMath>
+                  </m:oMathPara>
+                </a14:m>
+                <a:endParaRPr lang="en-US" dirty="0" smtClean="0"/>
+              </a:p>
+              <a:p>
+                <a:pPr marL="0" indent="0">
+                  <a:buNone/>
+                </a:pPr>
+                <a:endParaRPr lang="en-US" dirty="0" smtClean="0"/>
+              </a:p>
+              <a:p>
+                <a:pPr marL="0" indent="0">
+                  <a:buNone/>
+                </a:pPr>
+                <a:r>
+                  <a:rPr lang="ru-RU" dirty="0" smtClean="0"/>
+                  <a:t>где </a:t>
+                </a:r>
+                <a14:m>
+                  <m:oMath xmlns:m="http://schemas.openxmlformats.org/officeDocument/2006/math">
+                    <m:sSub>
+                      <m:sSubPr>
+                        <m:ctrlPr>
+                          <a:rPr lang="ru-RU" i="1" smtClean="0">
+                            <a:latin typeface="Cambria Math" panose="02040503050406030204" pitchFamily="18" charset="0"/>
+                          </a:rPr>
+                        </m:ctrlPr>
+                      </m:sSubPr>
+                      <m:e>
+                        <m:r>
+                          <a:rPr lang="en-US" b="0" i="1" smtClean="0">
+                            <a:latin typeface="Cambria Math" panose="02040503050406030204" pitchFamily="18" charset="0"/>
+                          </a:rPr>
+                          <m:t>𝑦</m:t>
+                        </m:r>
+                      </m:e>
+                      <m:sub>
+                        <m:r>
+                          <a:rPr lang="en-US" b="0" i="1" smtClean="0">
+                            <a:latin typeface="Cambria Math" panose="02040503050406030204" pitchFamily="18" charset="0"/>
+                          </a:rPr>
+                          <m:t>𝑖</m:t>
+                        </m:r>
+                      </m:sub>
+                    </m:sSub>
+                  </m:oMath>
+                </a14:m>
+                <a:r>
+                  <a:rPr lang="en-US" dirty="0" smtClean="0"/>
+                  <a:t> - </a:t>
+                </a:r>
+                <a:r>
+                  <a:rPr lang="ru-RU" dirty="0" smtClean="0"/>
+                  <a:t>значение из данных, </a:t>
+                </a:r>
+                <a14:m>
+                  <m:oMath xmlns:m="http://schemas.openxmlformats.org/officeDocument/2006/math">
+                    <m:sSub>
+                      <m:sSubPr>
+                        <m:ctrlPr>
+                          <a:rPr lang="ru-RU" i="1" smtClean="0">
+                            <a:latin typeface="Cambria Math" panose="02040503050406030204" pitchFamily="18" charset="0"/>
+                          </a:rPr>
+                        </m:ctrlPr>
+                      </m:sSubPr>
+                      <m:e>
+                        <m:acc>
+                          <m:accPr>
+                            <m:chr m:val="̂"/>
+                            <m:ctrlPr>
+                              <a:rPr lang="ru-RU" i="1" smtClean="0">
+                                <a:latin typeface="Cambria Math" panose="02040503050406030204" pitchFamily="18" charset="0"/>
+                              </a:rPr>
+                            </m:ctrlPr>
+                          </m:accPr>
+                          <m:e>
+                            <m:r>
+                              <a:rPr lang="en-US" b="0" i="1" smtClean="0">
+                                <a:latin typeface="Cambria Math" panose="02040503050406030204" pitchFamily="18" charset="0"/>
+                              </a:rPr>
+                              <m:t>𝑦</m:t>
+                            </m:r>
+                          </m:e>
+                        </m:acc>
+                      </m:e>
+                      <m:sub>
+                        <m:r>
+                          <a:rPr lang="en-US" b="0" i="1" smtClean="0">
+                            <a:latin typeface="Cambria Math" panose="02040503050406030204" pitchFamily="18" charset="0"/>
+                          </a:rPr>
+                          <m:t>𝑖</m:t>
+                        </m:r>
+                      </m:sub>
+                    </m:sSub>
+                  </m:oMath>
+                </a14:m>
+                <a:r>
+                  <a:rPr lang="ru-RU" dirty="0" smtClean="0"/>
+                  <a:t> - результат работы модели.</a:t>
+                </a:r>
+              </a:p>
+            </p:txBody>
+          </p:sp>
+        </mc:Choice>
+        <mc:Fallback>
+          <p:sp>
+            <p:nvSpPr>
+              <p:cNvPr id="3" name="Объект 2"/>
+              <p:cNvSpPr>
+                <a:spLocks noGrp="1" noRot="1" noChangeAspect="1" noMove="1" noResize="1" noEditPoints="1" noAdjustHandles="1" noChangeArrowheads="1" noChangeShapeType="1" noTextEdit="1"/>
+              </p:cNvSpPr>
+              <p:nvPr>
+                <p:ph idx="1"/>
+              </p:nvPr>
+            </p:nvSpPr>
+            <p:spPr>
+              <a:blipFill rotWithShape="0">
+                <a:blip r:embed="rId2"/>
+                <a:stretch>
+                  <a:fillRect l="-1217" t="-2241"/>
+                </a:stretch>
+              </a:blipFill>
+            </p:spPr>
+            <p:txBody>
+              <a:bodyPr/>
+              <a:lstStyle/>
+              <a:p>
+                <a:r>
+                  <a:rPr lang="ru-RU">
+                    <a:noFill/>
+                  </a:rPr>
+                  <a:t> </a:t>
+                </a:r>
+              </a:p>
+            </p:txBody>
+          </p:sp>
+        </mc:Fallback>
+      </mc:AlternateContent>
+    </p:spTree>
+    <p:extLst>
+      <p:ext uri="{BB962C8B-B14F-4D97-AF65-F5344CB8AC3E}">
+        <p14:creationId xmlns:p14="http://schemas.microsoft.com/office/powerpoint/2010/main" val="742337641"/>
+      </p:ext>
+    </p:extLst>
+  </p:cSld>
+  <p:clrMapOvr>
+    <a:masterClrMapping/>
+  </p:clrMapOvr>
+  <p:timing>
+    <p:tnLst>
+      <p:par>
+        <p:cTn id="1" dur="indefinite" restart="never" nodeType="tmRoot"/>
+      </p:par>
+    </p:tnLst>
+  </p:timing>
+</p:sld>
+</file>
+
+<file path=ppt/slides/slide21.xml><?xml version="1.0" encoding="utf-8"?>
+<p:sld xmlns:a="http://schemas.openxmlformats.org/drawingml/2006/main" xmlns:r="http://schemas.openxmlformats.org/officeDocument/2006/relationships" xmlns:p="http://schemas.openxmlformats.org/presentationml/2006/main">
+  <p:cSld>
+    <p:spTree>
+      <p:nvGrpSpPr>
+        <p:cNvPr id="1" name=""/>
+        <p:cNvGrpSpPr/>
+        <p:nvPr/>
+      </p:nvGrpSpPr>
+      <p:grpSpPr>
+        <a:xfrm>
+          <a:off x="0" y="0"/>
+          <a:ext cx="0" cy="0"/>
+          <a:chOff x="0" y="0"/>
+          <a:chExt cx="0" cy="0"/>
+        </a:xfrm>
+      </p:grpSpPr>
+      <p:sp>
+        <p:nvSpPr>
+          <p:cNvPr id="2" name="Заголовок 1"/>
+          <p:cNvSpPr>
+            <a:spLocks noGrp="1"/>
+          </p:cNvSpPr>
+          <p:nvPr>
+            <p:ph type="title"/>
+          </p:nvPr>
+        </p:nvSpPr>
+        <p:spPr/>
+        <p:txBody>
+          <a:bodyPr/>
+          <a:lstStyle/>
+          <a:p>
+            <a:r>
+              <a:rPr lang="ru-RU" dirty="0" smtClean="0"/>
+              <a:t>Регрессия. Метрики производительности.</a:t>
+            </a:r>
+            <a:endParaRPr lang="ru-RU" dirty="0"/>
+          </a:p>
+        </p:txBody>
+      </p:sp>
+      <mc:AlternateContent xmlns:mc="http://schemas.openxmlformats.org/markup-compatibility/2006">
+        <mc:Choice xmlns:a14="http://schemas.microsoft.com/office/drawing/2010/main" Requires="a14">
+          <p:sp>
+            <p:nvSpPr>
+              <p:cNvPr id="3" name="Объект 2"/>
+              <p:cNvSpPr>
+                <a:spLocks noGrp="1"/>
+              </p:cNvSpPr>
+              <p:nvPr>
+                <p:ph idx="1"/>
+              </p:nvPr>
+            </p:nvSpPr>
+            <p:spPr/>
+            <p:txBody>
+              <a:bodyPr>
+                <a:normAutofit/>
+              </a:bodyPr>
+              <a:lstStyle/>
+              <a:p>
+                <a:pPr marL="0" indent="0">
+                  <a:buNone/>
+                </a:pPr>
+                <a:r>
+                  <a:rPr lang="ru-RU" dirty="0" smtClean="0"/>
+                  <a:t>Средняя абсолютная ошибка:</a:t>
+                </a:r>
+                <a:endParaRPr lang="en-US" dirty="0" smtClean="0"/>
+              </a:p>
+              <a:p>
+                <a:pPr marL="0" indent="0">
+                  <a:buNone/>
+                </a:pPr>
+                <a:endParaRPr lang="en-US" dirty="0" smtClean="0"/>
+              </a:p>
+              <a:p>
+                <a:pPr marL="0" indent="0">
+                  <a:buNone/>
+                </a:pPr>
+                <a14:m>
+                  <m:oMathPara xmlns:m="http://schemas.openxmlformats.org/officeDocument/2006/math">
+                    <m:oMathParaPr>
+                      <m:jc m:val="left"/>
+                    </m:oMathParaPr>
+                    <m:oMath xmlns:m="http://schemas.openxmlformats.org/officeDocument/2006/math">
+                      <m:r>
+                        <m:rPr>
+                          <m:sty m:val="p"/>
+                        </m:rPr>
+                        <a:rPr lang="en-US">
+                          <a:latin typeface="Cambria Math" panose="02040503050406030204" pitchFamily="18" charset="0"/>
+                        </a:rPr>
+                        <m:t>M</m:t>
+                      </m:r>
+                      <m:r>
+                        <m:rPr>
+                          <m:sty m:val="p"/>
+                        </m:rPr>
+                        <a:rPr lang="en-US" b="0" i="0" smtClean="0">
+                          <a:latin typeface="Cambria Math" panose="02040503050406030204" pitchFamily="18" charset="0"/>
+                        </a:rPr>
+                        <m:t>A</m:t>
+                      </m:r>
+                      <m:r>
+                        <m:rPr>
+                          <m:sty m:val="p"/>
+                        </m:rPr>
+                        <a:rPr lang="en-US">
+                          <a:latin typeface="Cambria Math" panose="02040503050406030204" pitchFamily="18" charset="0"/>
+                        </a:rPr>
+                        <m:t>E</m:t>
+                      </m:r>
+                      <m:r>
+                        <a:rPr lang="pt-BR" i="1">
+                          <a:latin typeface="Cambria Math" panose="02040503050406030204" pitchFamily="18" charset="0"/>
+                        </a:rPr>
+                        <m:t>=</m:t>
+                      </m:r>
+                      <m:f>
+                        <m:fPr>
+                          <m:ctrlPr>
+                            <a:rPr lang="pt-BR" i="1">
+                              <a:latin typeface="Cambria Math" panose="02040503050406030204" pitchFamily="18" charset="0"/>
+                            </a:rPr>
+                          </m:ctrlPr>
+                        </m:fPr>
+                        <m:num>
+                          <m:r>
+                            <a:rPr lang="en-US" i="1">
+                              <a:latin typeface="Cambria Math" panose="02040503050406030204" pitchFamily="18" charset="0"/>
+                            </a:rPr>
+                            <m:t>1</m:t>
+                          </m:r>
+                        </m:num>
+                        <m:den>
+                          <m:r>
+                            <a:rPr lang="en-US" i="1">
+                              <a:latin typeface="Cambria Math" panose="02040503050406030204" pitchFamily="18" charset="0"/>
+                            </a:rPr>
+                            <m:t>𝑁</m:t>
+                          </m:r>
+                        </m:den>
+                      </m:f>
+                      <m:nary>
+                        <m:naryPr>
+                          <m:chr m:val="∑"/>
+                          <m:ctrlPr>
+                            <a:rPr lang="pt-BR" i="1" smtClean="0">
+                              <a:latin typeface="Cambria Math" panose="02040503050406030204" pitchFamily="18" charset="0"/>
+                            </a:rPr>
+                          </m:ctrlPr>
+                        </m:naryPr>
+                        <m:sub>
+                          <m:r>
+                            <m:rPr>
+                              <m:brk m:alnAt="23"/>
+                            </m:rPr>
+                            <a:rPr lang="en-US" i="1">
+                              <a:latin typeface="Cambria Math" panose="02040503050406030204" pitchFamily="18" charset="0"/>
+                            </a:rPr>
+                            <m:t>𝑖</m:t>
+                          </m:r>
+                          <m:r>
+                            <a:rPr lang="pt-BR" i="1">
+                              <a:latin typeface="Cambria Math" panose="02040503050406030204" pitchFamily="18" charset="0"/>
+                            </a:rPr>
+                            <m:t>=</m:t>
+                          </m:r>
+                          <m:r>
+                            <a:rPr lang="en-US" i="1">
+                              <a:latin typeface="Cambria Math" panose="02040503050406030204" pitchFamily="18" charset="0"/>
+                            </a:rPr>
+                            <m:t>1</m:t>
+                          </m:r>
+                        </m:sub>
+                        <m:sup>
+                          <m:r>
+                            <a:rPr lang="en-US" i="1">
+                              <a:latin typeface="Cambria Math" panose="02040503050406030204" pitchFamily="18" charset="0"/>
+                            </a:rPr>
+                            <m:t>𝑁</m:t>
+                          </m:r>
+                        </m:sup>
+                        <m:e>
+                          <m:d>
+                            <m:dPr>
+                              <m:begChr m:val="|"/>
+                              <m:endChr m:val="|"/>
+                              <m:ctrlPr>
+                                <a:rPr lang="en-US" i="1" smtClean="0">
+                                  <a:latin typeface="Cambria Math" panose="02040503050406030204" pitchFamily="18" charset="0"/>
+                                </a:rPr>
+                              </m:ctrlPr>
+                            </m:dPr>
+                            <m:e>
+                              <m:sSub>
+                                <m:sSubPr>
+                                  <m:ctrlPr>
+                                    <a:rPr lang="en-US" i="1" smtClean="0">
+                                      <a:latin typeface="Cambria Math" panose="02040503050406030204" pitchFamily="18" charset="0"/>
+                                    </a:rPr>
+                                  </m:ctrlPr>
+                                </m:sSubPr>
+                                <m:e>
+                                  <m:r>
+                                    <a:rPr lang="en-US" b="0" i="1" smtClean="0">
+                                      <a:latin typeface="Cambria Math" panose="02040503050406030204" pitchFamily="18" charset="0"/>
+                                    </a:rPr>
+                                    <m:t>𝑦</m:t>
+                                  </m:r>
+                                </m:e>
+                                <m:sub>
+                                  <m:r>
+                                    <a:rPr lang="en-US" b="0" i="1" smtClean="0">
+                                      <a:latin typeface="Cambria Math" panose="02040503050406030204" pitchFamily="18" charset="0"/>
+                                    </a:rPr>
+                                    <m:t>𝑖</m:t>
+                                  </m:r>
+                                </m:sub>
+                              </m:sSub>
+                              <m:r>
+                                <a:rPr lang="en-US" b="0" i="1" smtClean="0">
+                                  <a:latin typeface="Cambria Math" panose="02040503050406030204" pitchFamily="18" charset="0"/>
+                                </a:rPr>
+                                <m:t>−</m:t>
+                              </m:r>
+                              <m:sSub>
+                                <m:sSubPr>
+                                  <m:ctrlPr>
+                                    <a:rPr lang="en-US" b="0" i="1" smtClean="0">
+                                      <a:latin typeface="Cambria Math" panose="02040503050406030204" pitchFamily="18" charset="0"/>
+                                    </a:rPr>
+                                  </m:ctrlPr>
+                                </m:sSubPr>
+                                <m:e>
+                                  <m:acc>
+                                    <m:accPr>
+                                      <m:chr m:val="̂"/>
+                                      <m:ctrlPr>
+                                        <a:rPr lang="en-US" b="0" i="1" smtClean="0">
+                                          <a:latin typeface="Cambria Math" panose="02040503050406030204" pitchFamily="18" charset="0"/>
+                                        </a:rPr>
+                                      </m:ctrlPr>
+                                    </m:accPr>
+                                    <m:e>
+                                      <m:r>
+                                        <a:rPr lang="en-US" b="0" i="1" smtClean="0">
+                                          <a:latin typeface="Cambria Math" panose="02040503050406030204" pitchFamily="18" charset="0"/>
+                                        </a:rPr>
+                                        <m:t>𝑦</m:t>
+                                      </m:r>
+                                    </m:e>
+                                  </m:acc>
+                                </m:e>
+                                <m:sub>
+                                  <m:r>
+                                    <a:rPr lang="en-US" b="0" i="1" smtClean="0">
+                                      <a:latin typeface="Cambria Math" panose="02040503050406030204" pitchFamily="18" charset="0"/>
+                                    </a:rPr>
+                                    <m:t>𝑖</m:t>
+                                  </m:r>
+                                </m:sub>
+                              </m:sSub>
+                            </m:e>
+                          </m:d>
+                        </m:e>
+                      </m:nary>
+                    </m:oMath>
+                  </m:oMathPara>
+                </a14:m>
+                <a:endParaRPr lang="en-US" dirty="0"/>
+              </a:p>
+              <a:p>
+                <a:pPr marL="0" indent="0">
+                  <a:buNone/>
+                </a:pPr>
+                <a:endParaRPr lang="en-US" dirty="0" smtClean="0"/>
+              </a:p>
+              <a:p>
+                <a:pPr marL="0" indent="0">
+                  <a:buNone/>
+                </a:pPr>
+                <a:r>
+                  <a:rPr lang="ru-RU" dirty="0" smtClean="0"/>
+                  <a:t>где </a:t>
+                </a:r>
+                <a14:m>
+                  <m:oMath xmlns:m="http://schemas.openxmlformats.org/officeDocument/2006/math">
+                    <m:sSub>
+                      <m:sSubPr>
+                        <m:ctrlPr>
+                          <a:rPr lang="ru-RU" i="1">
+                            <a:latin typeface="Cambria Math" panose="02040503050406030204" pitchFamily="18" charset="0"/>
+                          </a:rPr>
+                        </m:ctrlPr>
+                      </m:sSubPr>
+                      <m:e>
+                        <m:r>
+                          <a:rPr lang="en-US" i="1">
+                            <a:latin typeface="Cambria Math" panose="02040503050406030204" pitchFamily="18" charset="0"/>
+                          </a:rPr>
+                          <m:t>𝑦</m:t>
+                        </m:r>
+                      </m:e>
+                      <m:sub>
+                        <m:r>
+                          <a:rPr lang="en-US" i="1">
+                            <a:latin typeface="Cambria Math" panose="02040503050406030204" pitchFamily="18" charset="0"/>
+                          </a:rPr>
+                          <m:t>𝑖</m:t>
+                        </m:r>
+                      </m:sub>
+                    </m:sSub>
+                  </m:oMath>
+                </a14:m>
+                <a:r>
+                  <a:rPr lang="en-US" dirty="0"/>
+                  <a:t> - </a:t>
+                </a:r>
+                <a:r>
+                  <a:rPr lang="ru-RU" dirty="0"/>
+                  <a:t>значение из данных, </a:t>
+                </a:r>
+                <a14:m>
+                  <m:oMath xmlns:m="http://schemas.openxmlformats.org/officeDocument/2006/math">
+                    <m:sSub>
+                      <m:sSubPr>
+                        <m:ctrlPr>
+                          <a:rPr lang="ru-RU" i="1">
+                            <a:latin typeface="Cambria Math" panose="02040503050406030204" pitchFamily="18" charset="0"/>
+                          </a:rPr>
+                        </m:ctrlPr>
+                      </m:sSubPr>
+                      <m:e>
+                        <m:acc>
+                          <m:accPr>
+                            <m:chr m:val="̂"/>
+                            <m:ctrlPr>
+                              <a:rPr lang="ru-RU" i="1">
+                                <a:latin typeface="Cambria Math" panose="02040503050406030204" pitchFamily="18" charset="0"/>
+                              </a:rPr>
+                            </m:ctrlPr>
+                          </m:accPr>
+                          <m:e>
+                            <m:r>
+                              <a:rPr lang="en-US" i="1">
+                                <a:latin typeface="Cambria Math" panose="02040503050406030204" pitchFamily="18" charset="0"/>
+                              </a:rPr>
+                              <m:t>𝑦</m:t>
+                            </m:r>
+                          </m:e>
+                        </m:acc>
+                      </m:e>
+                      <m:sub>
+                        <m:r>
+                          <a:rPr lang="en-US" i="1">
+                            <a:latin typeface="Cambria Math" panose="02040503050406030204" pitchFamily="18" charset="0"/>
+                          </a:rPr>
+                          <m:t>𝑖</m:t>
+                        </m:r>
+                      </m:sub>
+                    </m:sSub>
+                  </m:oMath>
+                </a14:m>
+                <a:r>
+                  <a:rPr lang="ru-RU" dirty="0"/>
+                  <a:t> - результат работы модели.</a:t>
+                </a:r>
+                <a:endParaRPr lang="ru-RU" dirty="0" smtClean="0"/>
+              </a:p>
+            </p:txBody>
+          </p:sp>
+        </mc:Choice>
+        <mc:Fallback>
+          <p:sp>
+            <p:nvSpPr>
+              <p:cNvPr id="3" name="Объект 2"/>
+              <p:cNvSpPr>
+                <a:spLocks noGrp="1" noRot="1" noChangeAspect="1" noMove="1" noResize="1" noEditPoints="1" noAdjustHandles="1" noChangeArrowheads="1" noChangeShapeType="1" noTextEdit="1"/>
+              </p:cNvSpPr>
+              <p:nvPr>
+                <p:ph idx="1"/>
+              </p:nvPr>
+            </p:nvSpPr>
+            <p:spPr>
+              <a:blipFill rotWithShape="0">
+                <a:blip r:embed="rId2"/>
+                <a:stretch>
+                  <a:fillRect l="-1217" t="-2241"/>
+                </a:stretch>
+              </a:blipFill>
+            </p:spPr>
+            <p:txBody>
+              <a:bodyPr/>
+              <a:lstStyle/>
+              <a:p>
+                <a:r>
+                  <a:rPr lang="ru-RU">
+                    <a:noFill/>
+                  </a:rPr>
+                  <a:t> </a:t>
+                </a:r>
+              </a:p>
+            </p:txBody>
+          </p:sp>
+        </mc:Fallback>
+      </mc:AlternateContent>
+    </p:spTree>
+    <p:extLst>
+      <p:ext uri="{BB962C8B-B14F-4D97-AF65-F5344CB8AC3E}">
+        <p14:creationId xmlns:p14="http://schemas.microsoft.com/office/powerpoint/2010/main" val="602523751"/>
+      </p:ext>
+    </p:extLst>
+  </p:cSld>
+  <p:clrMapOvr>
+    <a:masterClrMapping/>
+  </p:clrMapOvr>
+  <p:timing>
+    <p:tnLst>
+      <p:par>
+        <p:cTn id="1" dur="indefinite" restart="never" nodeType="tmRoot"/>
+      </p:par>
+    </p:tnLst>
+  </p:timing>
+</p:sld>
+</file>
+
+<file path=ppt/slides/slide22.xml><?xml version="1.0" encoding="utf-8"?>
+<p:sld xmlns:a="http://schemas.openxmlformats.org/drawingml/2006/main" xmlns:r="http://schemas.openxmlformats.org/officeDocument/2006/relationships" xmlns:p="http://schemas.openxmlformats.org/presentationml/2006/main">
+  <p:cSld>
+    <p:spTree>
+      <p:nvGrpSpPr>
+        <p:cNvPr id="1" name=""/>
+        <p:cNvGrpSpPr/>
+        <p:nvPr/>
+      </p:nvGrpSpPr>
+      <p:grpSpPr>
+        <a:xfrm>
+          <a:off x="0" y="0"/>
+          <a:ext cx="0" cy="0"/>
+          <a:chOff x="0" y="0"/>
+          <a:chExt cx="0" cy="0"/>
+        </a:xfrm>
+      </p:grpSpPr>
+      <p:sp>
+        <p:nvSpPr>
+          <p:cNvPr id="2" name="Заголовок 1"/>
+          <p:cNvSpPr>
+            <a:spLocks noGrp="1"/>
+          </p:cNvSpPr>
+          <p:nvPr>
+            <p:ph type="title"/>
+          </p:nvPr>
+        </p:nvSpPr>
+        <p:spPr/>
+        <p:txBody>
+          <a:bodyPr/>
+          <a:lstStyle/>
+          <a:p>
+            <a:r>
+              <a:rPr lang="ru-RU" dirty="0" smtClean="0"/>
+              <a:t>Классификация</a:t>
+            </a:r>
+            <a:endParaRPr lang="ru-RU" dirty="0"/>
+          </a:p>
+        </p:txBody>
+      </p:sp>
+      <p:sp>
+        <p:nvSpPr>
+          <p:cNvPr id="3" name="Объект 2"/>
+          <p:cNvSpPr>
+            <a:spLocks noGrp="1"/>
+          </p:cNvSpPr>
+          <p:nvPr>
+            <p:ph idx="1"/>
+          </p:nvPr>
+        </p:nvSpPr>
+        <p:spPr/>
+        <p:txBody>
+          <a:bodyPr>
+            <a:normAutofit/>
+          </a:bodyPr>
+          <a:lstStyle/>
+          <a:p>
+            <a:pPr marL="0" indent="0">
+              <a:buNone/>
+            </a:pPr>
+            <a:r>
+              <a:rPr lang="en-US" i="1" dirty="0"/>
+              <a:t>D</a:t>
+            </a:r>
+            <a:r>
+              <a:rPr lang="en-US" dirty="0"/>
+              <a:t> = {(</a:t>
+            </a:r>
+            <a:r>
+              <a:rPr lang="en-US" i="1" dirty="0"/>
+              <a:t>x</a:t>
+            </a:r>
+            <a:r>
+              <a:rPr lang="en-US" baseline="-25000" dirty="0"/>
+              <a:t>1</a:t>
+            </a:r>
+            <a:r>
+              <a:rPr lang="en-US" dirty="0"/>
+              <a:t>, </a:t>
+            </a:r>
+            <a:r>
+              <a:rPr lang="en-US" i="1" dirty="0"/>
+              <a:t>y</a:t>
+            </a:r>
+            <a:r>
+              <a:rPr lang="en-US" baseline="-25000" dirty="0"/>
+              <a:t>1</a:t>
+            </a:r>
+            <a:r>
+              <a:rPr lang="en-US" dirty="0"/>
+              <a:t>), …, (</a:t>
+            </a:r>
+            <a:r>
+              <a:rPr lang="en-US" i="1" dirty="0" err="1"/>
+              <a:t>x</a:t>
+            </a:r>
+            <a:r>
+              <a:rPr lang="en-US" i="1" baseline="-25000" dirty="0" err="1"/>
+              <a:t>N</a:t>
+            </a:r>
+            <a:r>
+              <a:rPr lang="en-US" dirty="0"/>
+              <a:t>, </a:t>
+            </a:r>
+            <a:r>
+              <a:rPr lang="en-US" i="1" dirty="0" err="1"/>
+              <a:t>y</a:t>
+            </a:r>
+            <a:r>
+              <a:rPr lang="en-US" i="1" baseline="-25000" dirty="0" err="1"/>
+              <a:t>N</a:t>
+            </a:r>
+            <a:r>
+              <a:rPr lang="en-US" dirty="0"/>
+              <a:t>)}, </a:t>
+            </a:r>
+            <a:r>
+              <a:rPr lang="ru-RU" dirty="0"/>
+              <a:t>где </a:t>
+            </a:r>
+            <a:r>
+              <a:rPr lang="en-US" i="1" dirty="0"/>
+              <a:t>x</a:t>
+            </a:r>
+            <a:r>
+              <a:rPr lang="en-US" i="1" baseline="-25000" dirty="0"/>
+              <a:t>i</a:t>
+            </a:r>
+            <a:r>
+              <a:rPr lang="en-US" dirty="0"/>
+              <a:t> </a:t>
+            </a:r>
+            <a:r>
+              <a:rPr lang="en-US" dirty="0">
+                <a:sym typeface="Symbol" panose="05050102010706020507" pitchFamily="18" charset="2"/>
+              </a:rPr>
+              <a:t> </a:t>
+            </a:r>
+            <a:r>
+              <a:rPr lang="en-US" i="1" dirty="0">
+                <a:sym typeface="Symbol" panose="05050102010706020507" pitchFamily="18" charset="2"/>
+              </a:rPr>
+              <a:t>X</a:t>
+            </a:r>
+            <a:r>
+              <a:rPr lang="en-US" dirty="0">
+                <a:sym typeface="Symbol" panose="05050102010706020507" pitchFamily="18" charset="2"/>
+              </a:rPr>
+              <a:t>, </a:t>
+            </a:r>
+            <a:r>
+              <a:rPr lang="en-US" i="1" dirty="0" err="1">
+                <a:sym typeface="Symbol" panose="05050102010706020507" pitchFamily="18" charset="2"/>
+              </a:rPr>
+              <a:t>y</a:t>
+            </a:r>
+            <a:r>
+              <a:rPr lang="en-US" i="1" baseline="-25000" dirty="0" err="1">
+                <a:sym typeface="Symbol" panose="05050102010706020507" pitchFamily="18" charset="2"/>
+              </a:rPr>
+              <a:t>i</a:t>
+            </a:r>
+            <a:r>
+              <a:rPr lang="en-US" dirty="0">
+                <a:sym typeface="Symbol" panose="05050102010706020507" pitchFamily="18" charset="2"/>
+              </a:rPr>
+              <a:t>  </a:t>
+            </a:r>
+            <a:r>
+              <a:rPr lang="en-US" i="1" dirty="0">
+                <a:sym typeface="Symbol" panose="05050102010706020507" pitchFamily="18" charset="2"/>
+              </a:rPr>
+              <a:t>Y</a:t>
+            </a:r>
+            <a:r>
+              <a:rPr lang="en-US" dirty="0">
+                <a:sym typeface="Symbol" panose="05050102010706020507" pitchFamily="18" charset="2"/>
+              </a:rPr>
+              <a:t>.</a:t>
+            </a:r>
+            <a:endParaRPr lang="ru-RU" dirty="0">
+              <a:sym typeface="Symbol" panose="05050102010706020507" pitchFamily="18" charset="2"/>
+            </a:endParaRPr>
+          </a:p>
+          <a:p>
+            <a:pPr marL="0" indent="0">
+              <a:buNone/>
+            </a:pPr>
+            <a:r>
+              <a:rPr lang="en-US" i="1" dirty="0"/>
+              <a:t>F</a:t>
+            </a:r>
+            <a:r>
+              <a:rPr lang="en-US" dirty="0"/>
+              <a:t>(</a:t>
+            </a:r>
+            <a:r>
+              <a:rPr lang="en-US" i="1" dirty="0"/>
+              <a:t>x</a:t>
+            </a:r>
+            <a:r>
+              <a:rPr lang="en-US" i="1" baseline="-25000" dirty="0"/>
+              <a:t>i</a:t>
+            </a:r>
+            <a:r>
+              <a:rPr lang="en-US" dirty="0"/>
+              <a:t>) = </a:t>
+            </a:r>
+            <a:r>
+              <a:rPr lang="en-US" i="1" dirty="0" err="1">
+                <a:sym typeface="Symbol" panose="05050102010706020507" pitchFamily="18" charset="2"/>
+              </a:rPr>
+              <a:t>y</a:t>
+            </a:r>
+            <a:r>
+              <a:rPr lang="en-US" i="1" baseline="-25000" dirty="0" err="1">
+                <a:sym typeface="Symbol" panose="05050102010706020507" pitchFamily="18" charset="2"/>
+              </a:rPr>
+              <a:t>i</a:t>
+            </a:r>
+            <a:r>
+              <a:rPr lang="en-US" dirty="0"/>
+              <a:t>, </a:t>
+            </a:r>
+            <a:r>
+              <a:rPr lang="ru-RU" dirty="0"/>
+              <a:t>где </a:t>
+            </a:r>
+            <a:r>
+              <a:rPr lang="en-US" i="1" dirty="0"/>
+              <a:t>x</a:t>
+            </a:r>
+            <a:r>
+              <a:rPr lang="en-US" i="1" baseline="-25000" dirty="0"/>
+              <a:t>i</a:t>
+            </a:r>
+            <a:r>
+              <a:rPr lang="en-US" dirty="0"/>
+              <a:t> </a:t>
+            </a:r>
+            <a:r>
+              <a:rPr lang="en-US" dirty="0">
+                <a:sym typeface="Symbol" panose="05050102010706020507" pitchFamily="18" charset="2"/>
+              </a:rPr>
+              <a:t> </a:t>
+            </a:r>
+            <a:r>
+              <a:rPr lang="en-US" i="1" dirty="0">
+                <a:sym typeface="Symbol" panose="05050102010706020507" pitchFamily="18" charset="2"/>
+              </a:rPr>
+              <a:t>X</a:t>
+            </a:r>
+            <a:r>
+              <a:rPr lang="en-US" dirty="0">
+                <a:sym typeface="Symbol" panose="05050102010706020507" pitchFamily="18" charset="2"/>
+              </a:rPr>
+              <a:t>, </a:t>
+            </a:r>
+            <a:r>
+              <a:rPr lang="en-US" i="1" dirty="0" err="1">
+                <a:sym typeface="Symbol" panose="05050102010706020507" pitchFamily="18" charset="2"/>
+              </a:rPr>
+              <a:t>y</a:t>
+            </a:r>
+            <a:r>
+              <a:rPr lang="en-US" i="1" baseline="-25000" dirty="0" err="1">
+                <a:sym typeface="Symbol" panose="05050102010706020507" pitchFamily="18" charset="2"/>
+              </a:rPr>
+              <a:t>i</a:t>
+            </a:r>
+            <a:r>
+              <a:rPr lang="en-US" dirty="0">
+                <a:sym typeface="Symbol" panose="05050102010706020507" pitchFamily="18" charset="2"/>
+              </a:rPr>
+              <a:t>  </a:t>
+            </a:r>
+            <a:r>
+              <a:rPr lang="en-US" i="1" dirty="0">
+                <a:sym typeface="Symbol" panose="05050102010706020507" pitchFamily="18" charset="2"/>
+              </a:rPr>
+              <a:t>Y</a:t>
+            </a:r>
+            <a:r>
+              <a:rPr lang="en-US" dirty="0">
+                <a:sym typeface="Symbol" panose="05050102010706020507" pitchFamily="18" charset="2"/>
+              </a:rPr>
+              <a:t>.</a:t>
+            </a:r>
+            <a:endParaRPr lang="ru-RU" dirty="0">
+              <a:sym typeface="Symbol" panose="05050102010706020507" pitchFamily="18" charset="2"/>
+            </a:endParaRPr>
+          </a:p>
+          <a:p>
+            <a:pPr marL="0" indent="0">
+              <a:buNone/>
+            </a:pPr>
+            <a:endParaRPr lang="ru-RU" dirty="0">
+              <a:sym typeface="Symbol" panose="05050102010706020507" pitchFamily="18" charset="2"/>
+            </a:endParaRPr>
+          </a:p>
+          <a:p>
+            <a:pPr marL="0" indent="0">
+              <a:buNone/>
+            </a:pPr>
+            <a:r>
+              <a:rPr lang="en-US" i="1" dirty="0" err="1">
+                <a:sym typeface="Symbol" panose="05050102010706020507" pitchFamily="18" charset="2"/>
+              </a:rPr>
+              <a:t>y</a:t>
+            </a:r>
+            <a:r>
+              <a:rPr lang="en-US" i="1" baseline="-25000" dirty="0" err="1">
+                <a:sym typeface="Symbol" panose="05050102010706020507" pitchFamily="18" charset="2"/>
+              </a:rPr>
+              <a:t>i</a:t>
+            </a:r>
+            <a:r>
+              <a:rPr lang="ru-RU" dirty="0"/>
+              <a:t> </a:t>
+            </a:r>
+            <a:r>
+              <a:rPr lang="ru-RU" dirty="0" smtClean="0"/>
+              <a:t>– метка класса.</a:t>
+            </a:r>
+            <a:endParaRPr lang="ru-RU" dirty="0"/>
+          </a:p>
+          <a:p>
+            <a:pPr marL="0" indent="0">
+              <a:buNone/>
+            </a:pPr>
+            <a:endParaRPr lang="ru-RU" dirty="0"/>
+          </a:p>
+          <a:p>
+            <a:pPr marL="0" indent="0">
+              <a:buNone/>
+            </a:pPr>
+            <a:r>
+              <a:rPr lang="ru-RU" dirty="0" smtClean="0"/>
+              <a:t>Пытаемся найти распределение</a:t>
+            </a:r>
+            <a:r>
+              <a:rPr lang="en-US" i="1" dirty="0"/>
+              <a:t> x</a:t>
+            </a:r>
+            <a:r>
+              <a:rPr lang="en-US" i="1" baseline="-25000" dirty="0"/>
+              <a:t>i</a:t>
+            </a:r>
+            <a:r>
+              <a:rPr lang="ru-RU" dirty="0" smtClean="0"/>
+              <a:t> по классам.</a:t>
+            </a:r>
+          </a:p>
+          <a:p>
+            <a:pPr marL="0" indent="0">
+              <a:buNone/>
+            </a:pPr>
+            <a:endParaRPr lang="ru-RU" dirty="0" smtClean="0"/>
+          </a:p>
+          <a:p>
+            <a:pPr marL="0" indent="0">
+              <a:buNone/>
+            </a:pPr>
+            <a:r>
+              <a:rPr lang="ru-RU" dirty="0" smtClean="0"/>
+              <a:t>Разделяют бинарную и </a:t>
+            </a:r>
+            <a:r>
+              <a:rPr lang="ru-RU" dirty="0" err="1" smtClean="0"/>
+              <a:t>многоклассовую</a:t>
+            </a:r>
+            <a:r>
+              <a:rPr lang="ru-RU" dirty="0" smtClean="0"/>
+              <a:t> классификацию.</a:t>
+            </a:r>
+            <a:endParaRPr lang="ru-RU" dirty="0"/>
+          </a:p>
+        </p:txBody>
+      </p:sp>
+    </p:spTree>
+    <p:extLst>
+      <p:ext uri="{BB962C8B-B14F-4D97-AF65-F5344CB8AC3E}">
+        <p14:creationId xmlns:p14="http://schemas.microsoft.com/office/powerpoint/2010/main" val="1209062708"/>
+      </p:ext>
+    </p:extLst>
+  </p:cSld>
+  <p:clrMapOvr>
+    <a:masterClrMapping/>
+  </p:clrMapOvr>
+  <p:timing>
+    <p:tnLst>
+      <p:par>
+        <p:cTn id="1" dur="indefinite" restart="never" nodeType="tmRoot"/>
+      </p:par>
+    </p:tnLst>
+  </p:timing>
+</p:sld>
+</file>
+
+<file path=ppt/slides/slide23.xml><?xml version="1.0" encoding="utf-8"?>
+<p:sld xmlns:a="http://schemas.openxmlformats.org/drawingml/2006/main" xmlns:r="http://schemas.openxmlformats.org/officeDocument/2006/relationships" xmlns:p="http://schemas.openxmlformats.org/presentationml/2006/main">
+  <p:cSld>
+    <p:spTree>
+      <p:nvGrpSpPr>
+        <p:cNvPr id="1" name=""/>
+        <p:cNvGrpSpPr/>
+        <p:nvPr/>
+      </p:nvGrpSpPr>
+      <p:grpSpPr>
+        <a:xfrm>
+          <a:off x="0" y="0"/>
+          <a:ext cx="0" cy="0"/>
+          <a:chOff x="0" y="0"/>
+          <a:chExt cx="0" cy="0"/>
+        </a:xfrm>
+      </p:grpSpPr>
+      <p:sp>
+        <p:nvSpPr>
+          <p:cNvPr id="2" name="Заголовок 1"/>
+          <p:cNvSpPr>
+            <a:spLocks noGrp="1"/>
+          </p:cNvSpPr>
+          <p:nvPr>
+            <p:ph type="title"/>
+          </p:nvPr>
+        </p:nvSpPr>
+        <p:spPr/>
+        <p:txBody>
+          <a:bodyPr/>
+          <a:lstStyle/>
+          <a:p>
+            <a:r>
+              <a:rPr lang="ru-RU" dirty="0" smtClean="0"/>
+              <a:t>Классификация. </a:t>
+            </a:r>
+            <a:r>
+              <a:rPr lang="ru-RU" dirty="0"/>
+              <a:t>Метрики производительности.</a:t>
+            </a:r>
+            <a:endParaRPr lang="ru-RU" dirty="0"/>
+          </a:p>
+        </p:txBody>
+      </p:sp>
+      <p:sp>
+        <p:nvSpPr>
+          <p:cNvPr id="3" name="Объект 2"/>
+          <p:cNvSpPr>
+            <a:spLocks noGrp="1"/>
+          </p:cNvSpPr>
+          <p:nvPr>
+            <p:ph idx="1"/>
+          </p:nvPr>
+        </p:nvSpPr>
+        <p:spPr/>
+        <p:txBody>
+          <a:bodyPr>
+            <a:normAutofit/>
+          </a:bodyPr>
+          <a:lstStyle/>
+          <a:p>
+            <a:pPr marL="0" indent="0">
+              <a:buNone/>
+            </a:pPr>
+            <a:r>
+              <a:rPr lang="ru-RU" dirty="0" smtClean="0"/>
+              <a:t>Матрица путаницы (ошибок)</a:t>
+            </a:r>
+          </a:p>
+          <a:p>
+            <a:pPr marL="0" indent="0">
+              <a:buNone/>
+            </a:pPr>
+            <a:endParaRPr lang="ru-RU" dirty="0"/>
+          </a:p>
+        </p:txBody>
+      </p:sp>
+      <p:graphicFrame>
+        <p:nvGraphicFramePr>
+          <p:cNvPr id="4" name="Таблица 3"/>
+          <p:cNvGraphicFramePr>
+            <a:graphicFrameLocks noGrp="1"/>
+          </p:cNvGraphicFramePr>
+          <p:nvPr>
+            <p:extLst>
+              <p:ext uri="{D42A27DB-BD31-4B8C-83A1-F6EECF244321}">
+                <p14:modId xmlns:p14="http://schemas.microsoft.com/office/powerpoint/2010/main" val="3879914469"/>
+              </p:ext>
+            </p:extLst>
+          </p:nvPr>
+        </p:nvGraphicFramePr>
+        <p:xfrm>
+          <a:off x="939470" y="2512840"/>
+          <a:ext cx="6506358" cy="2379795"/>
+        </p:xfrm>
+        <a:graphic>
+          <a:graphicData uri="http://schemas.openxmlformats.org/drawingml/2006/table">
+            <a:tbl>
+              <a:tblPr firstRow="1" bandRow="1">
+                <a:tableStyleId>{5940675A-B579-460E-94D1-54222C63F5DA}</a:tableStyleId>
+              </a:tblPr>
+              <a:tblGrid>
+                <a:gridCol w="2168786"/>
+                <a:gridCol w="2168786"/>
+                <a:gridCol w="2168786"/>
+              </a:tblGrid>
+              <a:tr h="793265">
+                <a:tc>
+                  <a:txBody>
+                    <a:bodyPr/>
+                    <a:lstStyle/>
+                    <a:p>
+                      <a:endParaRPr lang="ru-RU" dirty="0"/>
+                    </a:p>
+                  </a:txBody>
+                  <a:tcPr/>
+                </a:tc>
+                <a:tc>
+                  <a:txBody>
+                    <a:bodyPr/>
+                    <a:lstStyle/>
+                    <a:p>
+                      <a:r>
+                        <a:rPr lang="en-US" dirty="0" smtClean="0"/>
+                        <a:t>y</a:t>
+                      </a:r>
+                      <a:r>
+                        <a:rPr lang="en-US" baseline="0" dirty="0" smtClean="0"/>
+                        <a:t> = 1 (</a:t>
+                      </a:r>
+                      <a:r>
+                        <a:rPr lang="ru-RU" baseline="0" dirty="0" smtClean="0"/>
+                        <a:t>выборка)</a:t>
+                      </a:r>
+                      <a:endParaRPr lang="ru-RU" dirty="0"/>
+                    </a:p>
+                  </a:txBody>
+                  <a:tcPr/>
+                </a:tc>
+                <a:tc>
+                  <a:txBody>
+                    <a:bodyPr/>
+                    <a:lstStyle/>
+                    <a:p>
+                      <a:r>
+                        <a:rPr lang="en-US" dirty="0" smtClean="0"/>
+                        <a:t>y = 2</a:t>
+                      </a:r>
+                      <a:r>
+                        <a:rPr lang="ru-RU" dirty="0" smtClean="0"/>
+                        <a:t> (выборка)</a:t>
+                      </a:r>
+                      <a:endParaRPr lang="ru-RU" dirty="0"/>
+                    </a:p>
+                  </a:txBody>
+                  <a:tcPr/>
+                </a:tc>
+              </a:tr>
+              <a:tr h="793265">
+                <a:tc>
+                  <a:txBody>
+                    <a:bodyPr/>
+                    <a:lstStyle/>
+                    <a:p>
+                      <a:pPr marL="0" marR="0" indent="0" algn="l" defTabSz="914400" rtl="0" eaLnBrk="1" fontAlgn="auto" latinLnBrk="0" hangingPunct="1">
+                        <a:lnSpc>
+                          <a:spcPct val="100000"/>
+                        </a:lnSpc>
+                        <a:spcBef>
+                          <a:spcPts val="0"/>
+                        </a:spcBef>
+                        <a:spcAft>
+                          <a:spcPts val="0"/>
+                        </a:spcAft>
+                        <a:buClrTx/>
+                        <a:buSzTx/>
+                        <a:buFontTx/>
+                        <a:buNone/>
+                        <a:tabLst/>
+                        <a:defRPr/>
+                      </a:pPr>
+                      <a:r>
+                        <a:rPr lang="en-US" dirty="0" smtClean="0"/>
+                        <a:t>y</a:t>
+                      </a:r>
+                      <a:r>
+                        <a:rPr lang="en-US" baseline="0" dirty="0" smtClean="0"/>
+                        <a:t> = 1</a:t>
+                      </a:r>
+                      <a:r>
+                        <a:rPr lang="ru-RU" baseline="0" dirty="0" smtClean="0"/>
+                        <a:t> (модель)</a:t>
+                      </a:r>
+                      <a:endParaRPr lang="ru-RU" dirty="0" smtClean="0"/>
+                    </a:p>
+                  </a:txBody>
+                  <a:tcPr/>
+                </a:tc>
+                <a:tc>
+                  <a:txBody>
+                    <a:bodyPr/>
+                    <a:lstStyle/>
+                    <a:p>
+                      <a:pPr algn="ctr"/>
+                      <a:r>
+                        <a:rPr lang="en-US" sz="3200" dirty="0" smtClean="0"/>
+                        <a:t>TP</a:t>
+                      </a:r>
+                      <a:endParaRPr lang="ru-RU" sz="3200" dirty="0"/>
+                    </a:p>
+                  </a:txBody>
+                  <a:tcPr/>
+                </a:tc>
+                <a:tc>
+                  <a:txBody>
+                    <a:bodyPr/>
+                    <a:lstStyle/>
+                    <a:p>
+                      <a:pPr algn="ctr"/>
+                      <a:r>
+                        <a:rPr lang="en-US" sz="3200" dirty="0" smtClean="0"/>
+                        <a:t>FP</a:t>
+                      </a:r>
+                      <a:endParaRPr lang="ru-RU" sz="3200" dirty="0"/>
+                    </a:p>
+                  </a:txBody>
+                  <a:tcPr/>
+                </a:tc>
+              </a:tr>
+              <a:tr h="793265">
+                <a:tc>
+                  <a:txBody>
+                    <a:bodyPr/>
+                    <a:lstStyle/>
+                    <a:p>
+                      <a:pPr marL="0" marR="0" indent="0" algn="l" defTabSz="914400" rtl="0" eaLnBrk="1" fontAlgn="auto" latinLnBrk="0" hangingPunct="1">
+                        <a:lnSpc>
+                          <a:spcPct val="100000"/>
+                        </a:lnSpc>
+                        <a:spcBef>
+                          <a:spcPts val="0"/>
+                        </a:spcBef>
+                        <a:spcAft>
+                          <a:spcPts val="0"/>
+                        </a:spcAft>
+                        <a:buClrTx/>
+                        <a:buSzTx/>
+                        <a:buFontTx/>
+                        <a:buNone/>
+                        <a:tabLst/>
+                        <a:defRPr/>
+                      </a:pPr>
+                      <a:r>
+                        <a:rPr lang="en-US" dirty="0" smtClean="0"/>
+                        <a:t>y = 2</a:t>
+                      </a:r>
+                      <a:r>
+                        <a:rPr lang="ru-RU" dirty="0" smtClean="0"/>
+                        <a:t> (модель)</a:t>
+                      </a:r>
+                    </a:p>
+                  </a:txBody>
+                  <a:tcPr/>
+                </a:tc>
+                <a:tc>
+                  <a:txBody>
+                    <a:bodyPr/>
+                    <a:lstStyle/>
+                    <a:p>
+                      <a:pPr algn="ctr"/>
+                      <a:r>
+                        <a:rPr lang="en-US" sz="3200" dirty="0" smtClean="0"/>
+                        <a:t>FN</a:t>
+                      </a:r>
+                      <a:endParaRPr lang="ru-RU" sz="3200" dirty="0"/>
+                    </a:p>
+                  </a:txBody>
+                  <a:tcPr/>
+                </a:tc>
+                <a:tc>
+                  <a:txBody>
+                    <a:bodyPr/>
+                    <a:lstStyle/>
+                    <a:p>
+                      <a:pPr algn="ctr"/>
+                      <a:r>
+                        <a:rPr lang="en-US" sz="3200" dirty="0" smtClean="0"/>
+                        <a:t>TN</a:t>
+                      </a:r>
+                      <a:endParaRPr lang="ru-RU" sz="3200" dirty="0"/>
+                    </a:p>
+                  </a:txBody>
+                  <a:tcPr/>
+                </a:tc>
+              </a:tr>
+            </a:tbl>
+          </a:graphicData>
+        </a:graphic>
+      </p:graphicFrame>
+    </p:spTree>
+    <p:extLst>
+      <p:ext uri="{BB962C8B-B14F-4D97-AF65-F5344CB8AC3E}">
+        <p14:creationId xmlns:p14="http://schemas.microsoft.com/office/powerpoint/2010/main" val="1055659840"/>
+      </p:ext>
+    </p:extLst>
+  </p:cSld>
+  <p:clrMapOvr>
+    <a:masterClrMapping/>
+  </p:clrMapOvr>
+  <p:timing>
+    <p:tnLst>
+      <p:par>
+        <p:cTn id="1" dur="indefinite" restart="never" nodeType="tmRoot"/>
+      </p:par>
+    </p:tnLst>
+  </p:timing>
+</p:sld>
+</file>
+
+<file path=ppt/slides/slide24.xml><?xml version="1.0" encoding="utf-8"?>
+<p:sld xmlns:a="http://schemas.openxmlformats.org/drawingml/2006/main" xmlns:r="http://schemas.openxmlformats.org/officeDocument/2006/relationships" xmlns:p="http://schemas.openxmlformats.org/presentationml/2006/main">
+  <p:cSld>
+    <p:spTree>
+      <p:nvGrpSpPr>
+        <p:cNvPr id="1" name=""/>
+        <p:cNvGrpSpPr/>
+        <p:nvPr/>
+      </p:nvGrpSpPr>
+      <p:grpSpPr>
+        <a:xfrm>
+          <a:off x="0" y="0"/>
+          <a:ext cx="0" cy="0"/>
+          <a:chOff x="0" y="0"/>
+          <a:chExt cx="0" cy="0"/>
+        </a:xfrm>
+      </p:grpSpPr>
+      <p:sp>
+        <p:nvSpPr>
+          <p:cNvPr id="2" name="Заголовок 1"/>
+          <p:cNvSpPr>
+            <a:spLocks noGrp="1"/>
+          </p:cNvSpPr>
+          <p:nvPr>
+            <p:ph type="title"/>
+          </p:nvPr>
+        </p:nvSpPr>
+        <p:spPr/>
+        <p:txBody>
+          <a:bodyPr/>
+          <a:lstStyle/>
+          <a:p>
+            <a:r>
+              <a:rPr lang="ru-RU" dirty="0" smtClean="0"/>
+              <a:t>Классификация. </a:t>
+            </a:r>
+            <a:r>
+              <a:rPr lang="ru-RU" dirty="0"/>
+              <a:t>Метрики производительности.</a:t>
+            </a:r>
+            <a:endParaRPr lang="ru-RU" dirty="0"/>
+          </a:p>
+        </p:txBody>
+      </p:sp>
+      <mc:AlternateContent xmlns:mc="http://schemas.openxmlformats.org/markup-compatibility/2006">
+        <mc:Choice xmlns:a14="http://schemas.microsoft.com/office/drawing/2010/main" Requires="a14">
+          <p:sp>
+            <p:nvSpPr>
+              <p:cNvPr id="3" name="Объект 2"/>
+              <p:cNvSpPr>
+                <a:spLocks noGrp="1"/>
+              </p:cNvSpPr>
+              <p:nvPr>
+                <p:ph idx="1"/>
+              </p:nvPr>
+            </p:nvSpPr>
+            <p:spPr/>
+            <p:txBody>
+              <a:bodyPr>
+                <a:normAutofit/>
+              </a:bodyPr>
+              <a:lstStyle/>
+              <a:p>
+                <a:pPr marL="0" indent="0">
+                  <a:buNone/>
+                </a:pPr>
+                <a:r>
+                  <a:rPr lang="en-US" i="1" dirty="0" smtClean="0"/>
+                  <a:t>accuracy</a:t>
+                </a:r>
+                <a:r>
+                  <a:rPr lang="en-US" dirty="0" smtClean="0"/>
+                  <a:t> = </a:t>
+                </a:r>
+                <a14:m>
+                  <m:oMath xmlns:m="http://schemas.openxmlformats.org/officeDocument/2006/math">
+                    <m:f>
+                      <m:fPr>
+                        <m:ctrlPr>
+                          <a:rPr lang="en-US" i="1" smtClean="0">
+                            <a:latin typeface="Cambria Math" panose="02040503050406030204" pitchFamily="18" charset="0"/>
+                          </a:rPr>
+                        </m:ctrlPr>
+                      </m:fPr>
+                      <m:num>
+                        <m:r>
+                          <a:rPr lang="en-US" b="0" i="1" smtClean="0">
+                            <a:latin typeface="Cambria Math" panose="02040503050406030204" pitchFamily="18" charset="0"/>
+                          </a:rPr>
+                          <m:t>𝑇𝑃</m:t>
+                        </m:r>
+                        <m:r>
+                          <a:rPr lang="en-US" b="0" i="1" smtClean="0">
+                            <a:latin typeface="Cambria Math" panose="02040503050406030204" pitchFamily="18" charset="0"/>
+                          </a:rPr>
+                          <m:t>+</m:t>
+                        </m:r>
+                        <m:r>
+                          <a:rPr lang="en-US" b="0" i="1" smtClean="0">
+                            <a:latin typeface="Cambria Math" panose="02040503050406030204" pitchFamily="18" charset="0"/>
+                          </a:rPr>
+                          <m:t>𝑇𝑁</m:t>
+                        </m:r>
+                      </m:num>
+                      <m:den>
+                        <m:r>
+                          <a:rPr lang="en-US" b="0" i="1" smtClean="0">
+                            <a:latin typeface="Cambria Math" panose="02040503050406030204" pitchFamily="18" charset="0"/>
+                          </a:rPr>
+                          <m:t>𝑇𝑃</m:t>
+                        </m:r>
+                        <m:r>
+                          <a:rPr lang="en-US" b="0" i="1" smtClean="0">
+                            <a:latin typeface="Cambria Math" panose="02040503050406030204" pitchFamily="18" charset="0"/>
+                          </a:rPr>
+                          <m:t>+</m:t>
+                        </m:r>
+                        <m:r>
+                          <a:rPr lang="en-US" b="0" i="1" smtClean="0">
+                            <a:latin typeface="Cambria Math" panose="02040503050406030204" pitchFamily="18" charset="0"/>
+                          </a:rPr>
+                          <m:t>𝐹𝑃</m:t>
+                        </m:r>
+                        <m:r>
+                          <a:rPr lang="en-US" b="0" i="1" smtClean="0">
+                            <a:latin typeface="Cambria Math" panose="02040503050406030204" pitchFamily="18" charset="0"/>
+                          </a:rPr>
+                          <m:t>+</m:t>
+                        </m:r>
+                        <m:r>
+                          <a:rPr lang="en-US" b="0" i="1" smtClean="0">
+                            <a:latin typeface="Cambria Math" panose="02040503050406030204" pitchFamily="18" charset="0"/>
+                          </a:rPr>
+                          <m:t>𝑇𝑁</m:t>
+                        </m:r>
+                        <m:r>
+                          <a:rPr lang="en-US" b="0" i="1" smtClean="0">
+                            <a:latin typeface="Cambria Math" panose="02040503050406030204" pitchFamily="18" charset="0"/>
+                          </a:rPr>
+                          <m:t>+</m:t>
+                        </m:r>
+                        <m:r>
+                          <a:rPr lang="en-US" b="0" i="1" smtClean="0">
+                            <a:latin typeface="Cambria Math" panose="02040503050406030204" pitchFamily="18" charset="0"/>
+                          </a:rPr>
+                          <m:t>𝐹𝑁</m:t>
+                        </m:r>
+                      </m:den>
+                    </m:f>
+                  </m:oMath>
+                </a14:m>
+                <a:endParaRPr lang="en-US" dirty="0" smtClean="0"/>
+              </a:p>
+              <a:p>
+                <a:pPr marL="0" indent="0">
+                  <a:buNone/>
+                </a:pPr>
+                <a:endParaRPr lang="en-US" dirty="0" smtClean="0"/>
+              </a:p>
+              <a:p>
+                <a:pPr marL="0" indent="0">
+                  <a:buNone/>
+                </a:pPr>
+                <a:r>
+                  <a:rPr lang="en-US" i="1" dirty="0" smtClean="0"/>
+                  <a:t>precision</a:t>
+                </a:r>
+                <a:r>
+                  <a:rPr lang="en-US" dirty="0" smtClean="0"/>
+                  <a:t> = </a:t>
+                </a:r>
+                <a14:m>
+                  <m:oMath xmlns:m="http://schemas.openxmlformats.org/officeDocument/2006/math">
+                    <m:f>
+                      <m:fPr>
+                        <m:ctrlPr>
+                          <a:rPr lang="en-US" i="1" smtClean="0">
+                            <a:latin typeface="Cambria Math" panose="02040503050406030204" pitchFamily="18" charset="0"/>
+                          </a:rPr>
+                        </m:ctrlPr>
+                      </m:fPr>
+                      <m:num>
+                        <m:r>
+                          <a:rPr lang="en-US" b="0" i="1" smtClean="0">
+                            <a:latin typeface="Cambria Math" panose="02040503050406030204" pitchFamily="18" charset="0"/>
+                          </a:rPr>
+                          <m:t>𝑇𝑃</m:t>
+                        </m:r>
+                      </m:num>
+                      <m:den>
+                        <m:r>
+                          <a:rPr lang="en-US" b="0" i="1" smtClean="0">
+                            <a:latin typeface="Cambria Math" panose="02040503050406030204" pitchFamily="18" charset="0"/>
+                          </a:rPr>
+                          <m:t>𝑇𝑃</m:t>
+                        </m:r>
+                        <m:r>
+                          <a:rPr lang="en-US" b="0" i="1" smtClean="0">
+                            <a:latin typeface="Cambria Math" panose="02040503050406030204" pitchFamily="18" charset="0"/>
+                          </a:rPr>
+                          <m:t>+</m:t>
+                        </m:r>
+                        <m:r>
+                          <a:rPr lang="en-US" b="0" i="1" smtClean="0">
+                            <a:latin typeface="Cambria Math" panose="02040503050406030204" pitchFamily="18" charset="0"/>
+                          </a:rPr>
+                          <m:t>𝐹𝑃</m:t>
+                        </m:r>
+                      </m:den>
+                    </m:f>
+                  </m:oMath>
+                </a14:m>
+                <a:endParaRPr lang="en-US" dirty="0" smtClean="0"/>
+              </a:p>
+              <a:p>
+                <a:pPr marL="0" indent="0">
+                  <a:buNone/>
+                </a:pPr>
+                <a:endParaRPr lang="en-US" dirty="0"/>
+              </a:p>
+              <a:p>
+                <a:pPr marL="0" indent="0">
+                  <a:buNone/>
+                </a:pPr>
+                <a:r>
+                  <a:rPr lang="en-US" i="1" dirty="0" smtClean="0"/>
+                  <a:t>recall</a:t>
+                </a:r>
+                <a:r>
+                  <a:rPr lang="en-US" dirty="0" smtClean="0"/>
+                  <a:t> = </a:t>
+                </a:r>
+                <a14:m>
+                  <m:oMath xmlns:m="http://schemas.openxmlformats.org/officeDocument/2006/math">
+                    <m:f>
+                      <m:fPr>
+                        <m:ctrlPr>
+                          <a:rPr lang="en-US" i="1" smtClean="0">
+                            <a:latin typeface="Cambria Math" panose="02040503050406030204" pitchFamily="18" charset="0"/>
+                          </a:rPr>
+                        </m:ctrlPr>
+                      </m:fPr>
+                      <m:num>
+                        <m:r>
+                          <a:rPr lang="en-US" b="0" i="1" smtClean="0">
+                            <a:latin typeface="Cambria Math" panose="02040503050406030204" pitchFamily="18" charset="0"/>
+                          </a:rPr>
+                          <m:t>𝑇𝑃</m:t>
+                        </m:r>
+                      </m:num>
+                      <m:den>
+                        <m:r>
+                          <a:rPr lang="en-US" b="0" i="1" smtClean="0">
+                            <a:latin typeface="Cambria Math" panose="02040503050406030204" pitchFamily="18" charset="0"/>
+                          </a:rPr>
+                          <m:t>𝑇𝑃</m:t>
+                        </m:r>
+                        <m:r>
+                          <a:rPr lang="en-US" b="0" i="1" smtClean="0">
+                            <a:latin typeface="Cambria Math" panose="02040503050406030204" pitchFamily="18" charset="0"/>
+                          </a:rPr>
+                          <m:t>+</m:t>
+                        </m:r>
+                        <m:r>
+                          <a:rPr lang="en-US" b="0" i="1" smtClean="0">
+                            <a:latin typeface="Cambria Math" panose="02040503050406030204" pitchFamily="18" charset="0"/>
+                          </a:rPr>
+                          <m:t>𝐹𝑁</m:t>
+                        </m:r>
+                      </m:den>
+                    </m:f>
+                  </m:oMath>
+                </a14:m>
+                <a:endParaRPr lang="en-US" dirty="0" smtClean="0"/>
+              </a:p>
+              <a:p>
+                <a:pPr marL="0" indent="0">
+                  <a:buNone/>
+                </a:pPr>
+                <a:endParaRPr lang="en-US" dirty="0" smtClean="0"/>
+              </a:p>
+              <a:p>
+                <a:pPr marL="0" indent="0">
+                  <a:buNone/>
+                </a:pPr>
+                <a:r>
+                  <a:rPr lang="en-US" i="1" dirty="0" smtClean="0"/>
+                  <a:t>F</a:t>
+                </a:r>
+                <a:r>
+                  <a:rPr lang="en-US" dirty="0" smtClean="0"/>
+                  <a:t>1 = </a:t>
+                </a:r>
+                <a14:m>
+                  <m:oMath xmlns:m="http://schemas.openxmlformats.org/officeDocument/2006/math">
+                    <m:r>
+                      <a:rPr lang="en-US" b="0" i="1" smtClean="0">
+                        <a:latin typeface="Cambria Math" panose="02040503050406030204" pitchFamily="18" charset="0"/>
+                      </a:rPr>
+                      <m:t>2 </m:t>
+                    </m:r>
+                    <m:f>
+                      <m:fPr>
+                        <m:ctrlPr>
+                          <a:rPr lang="en-US" b="0" i="1" smtClean="0">
+                            <a:latin typeface="Cambria Math" panose="02040503050406030204" pitchFamily="18" charset="0"/>
+                          </a:rPr>
+                        </m:ctrlPr>
+                      </m:fPr>
+                      <m:num>
+                        <m:r>
+                          <a:rPr lang="en-US" b="0" i="1" smtClean="0">
+                            <a:latin typeface="Cambria Math" panose="02040503050406030204" pitchFamily="18" charset="0"/>
+                          </a:rPr>
+                          <m:t>𝑝𝑟𝑒𝑐𝑖𝑠𝑖𝑜𝑛</m:t>
+                        </m:r>
+                        <m:r>
+                          <a:rPr lang="en-US" b="0" i="1" smtClean="0">
+                            <a:latin typeface="Cambria Math" panose="02040503050406030204" pitchFamily="18" charset="0"/>
+                          </a:rPr>
+                          <m:t>∗</m:t>
+                        </m:r>
+                        <m:r>
+                          <a:rPr lang="en-US" b="0" i="1" smtClean="0">
+                            <a:latin typeface="Cambria Math" panose="02040503050406030204" pitchFamily="18" charset="0"/>
+                          </a:rPr>
+                          <m:t>𝑟𝑒𝑐𝑎𝑙𝑙</m:t>
+                        </m:r>
+                      </m:num>
+                      <m:den>
+                        <m:r>
+                          <a:rPr lang="en-US" b="0" i="1" smtClean="0">
+                            <a:latin typeface="Cambria Math" panose="02040503050406030204" pitchFamily="18" charset="0"/>
+                          </a:rPr>
+                          <m:t>𝑝𝑟𝑒𝑐𝑖𝑠𝑖𝑜𝑛</m:t>
+                        </m:r>
+                        <m:r>
+                          <a:rPr lang="en-US" b="0" i="1" smtClean="0">
+                            <a:latin typeface="Cambria Math" panose="02040503050406030204" pitchFamily="18" charset="0"/>
+                          </a:rPr>
+                          <m:t>+</m:t>
+                        </m:r>
+                        <m:r>
+                          <a:rPr lang="en-US" b="0" i="1" smtClean="0">
+                            <a:latin typeface="Cambria Math" panose="02040503050406030204" pitchFamily="18" charset="0"/>
+                          </a:rPr>
+                          <m:t>𝑟𝑒𝑐𝑎𝑙𝑙</m:t>
+                        </m:r>
+                      </m:den>
+                    </m:f>
+                  </m:oMath>
+                </a14:m>
+                <a:endParaRPr lang="en-US" dirty="0"/>
+              </a:p>
+            </p:txBody>
+          </p:sp>
+        </mc:Choice>
+        <mc:Fallback>
+          <p:sp>
+            <p:nvSpPr>
+              <p:cNvPr id="3" name="Объект 2"/>
+              <p:cNvSpPr>
+                <a:spLocks noGrp="1" noRot="1" noChangeAspect="1" noMove="1" noResize="1" noEditPoints="1" noAdjustHandles="1" noChangeArrowheads="1" noChangeShapeType="1" noTextEdit="1"/>
+              </p:cNvSpPr>
+              <p:nvPr>
+                <p:ph idx="1"/>
+              </p:nvPr>
+            </p:nvSpPr>
+            <p:spPr>
+              <a:blipFill rotWithShape="0">
+                <a:blip r:embed="rId2"/>
+                <a:stretch>
+                  <a:fillRect l="-1217" t="-280"/>
+                </a:stretch>
+              </a:blipFill>
+            </p:spPr>
+            <p:txBody>
+              <a:bodyPr/>
+              <a:lstStyle/>
+              <a:p>
+                <a:r>
+                  <a:rPr lang="ru-RU">
+                    <a:noFill/>
+                  </a:rPr>
+                  <a:t> </a:t>
+                </a:r>
+              </a:p>
+            </p:txBody>
+          </p:sp>
+        </mc:Fallback>
+      </mc:AlternateContent>
+    </p:spTree>
+    <p:extLst>
+      <p:ext uri="{BB962C8B-B14F-4D97-AF65-F5344CB8AC3E}">
+        <p14:creationId xmlns:p14="http://schemas.microsoft.com/office/powerpoint/2010/main" val="37921575"/>
+      </p:ext>
+    </p:extLst>
+  </p:cSld>
+  <p:clrMapOvr>
+    <a:masterClrMapping/>
+  </p:clrMapOvr>
+  <p:timing>
+    <p:tnLst>
+      <p:par>
+        <p:cTn id="1" dur="indefinite" restart="never" nodeType="tmRoot"/>
+      </p:par>
+    </p:tnLst>
+  </p:timing>
+</p:sld>
+</file>
+
+<file path=ppt/slides/slide25.xml><?xml version="1.0" encoding="utf-8"?>
+<p:sld xmlns:a="http://schemas.openxmlformats.org/drawingml/2006/main" xmlns:r="http://schemas.openxmlformats.org/officeDocument/2006/relationships" xmlns:p="http://schemas.openxmlformats.org/presentationml/2006/main">
+  <p:cSld>
+    <p:spTree>
+      <p:nvGrpSpPr>
+        <p:cNvPr id="1" name=""/>
+        <p:cNvGrpSpPr/>
+        <p:nvPr/>
+      </p:nvGrpSpPr>
+      <p:grpSpPr>
+        <a:xfrm>
+          <a:off x="0" y="0"/>
+          <a:ext cx="0" cy="0"/>
+          <a:chOff x="0" y="0"/>
+          <a:chExt cx="0" cy="0"/>
+        </a:xfrm>
+      </p:grpSpPr>
+      <p:sp>
+        <p:nvSpPr>
+          <p:cNvPr id="2" name="Заголовок 1"/>
+          <p:cNvSpPr>
+            <a:spLocks noGrp="1"/>
+          </p:cNvSpPr>
+          <p:nvPr>
+            <p:ph type="title"/>
+          </p:nvPr>
+        </p:nvSpPr>
+        <p:spPr/>
+        <p:txBody>
+          <a:bodyPr/>
+          <a:lstStyle/>
+          <a:p>
+            <a:r>
+              <a:rPr lang="ru-RU" dirty="0" smtClean="0"/>
+              <a:t>Классификация. </a:t>
+            </a:r>
+            <a:r>
+              <a:rPr lang="ru-RU" dirty="0"/>
+              <a:t>Метрики производительности.</a:t>
+            </a:r>
+            <a:endParaRPr lang="ru-RU" dirty="0"/>
+          </a:p>
+        </p:txBody>
+      </p:sp>
+      <p:graphicFrame>
+        <p:nvGraphicFramePr>
+          <p:cNvPr id="5" name="Таблица 4"/>
+          <p:cNvGraphicFramePr>
+            <a:graphicFrameLocks noGrp="1"/>
+          </p:cNvGraphicFramePr>
+          <p:nvPr>
+            <p:extLst>
+              <p:ext uri="{D42A27DB-BD31-4B8C-83A1-F6EECF244321}">
+                <p14:modId xmlns:p14="http://schemas.microsoft.com/office/powerpoint/2010/main" val="250916037"/>
+              </p:ext>
+            </p:extLst>
+          </p:nvPr>
+        </p:nvGraphicFramePr>
+        <p:xfrm>
+          <a:off x="986971" y="1859697"/>
+          <a:ext cx="5675086" cy="3329820"/>
+        </p:xfrm>
+        <a:graphic>
+          <a:graphicData uri="http://schemas.openxmlformats.org/drawingml/2006/table">
+            <a:tbl>
+              <a:tblPr firstRow="1" bandRow="1">
+                <a:tableStyleId>{5940675A-B579-460E-94D1-54222C63F5DA}</a:tableStyleId>
+              </a:tblPr>
+              <a:tblGrid>
+                <a:gridCol w="4618182"/>
+                <a:gridCol w="1056904"/>
+              </a:tblGrid>
+              <a:tr h="2461764">
+                <a:tc>
+                  <a:txBody>
+                    <a:bodyPr/>
+                    <a:lstStyle/>
+                    <a:p>
+                      <a:pPr algn="ctr"/>
+                      <a:r>
+                        <a:rPr lang="en-US" sz="3200" dirty="0" smtClean="0"/>
+                        <a:t>TP</a:t>
+                      </a:r>
+                      <a:endParaRPr lang="ru-RU" sz="3200" dirty="0"/>
+                    </a:p>
+                  </a:txBody>
+                  <a:tcPr>
+                    <a:solidFill>
+                      <a:schemeClr val="accent6"/>
+                    </a:solidFill>
+                  </a:tcPr>
+                </a:tc>
+                <a:tc>
+                  <a:txBody>
+                    <a:bodyPr/>
+                    <a:lstStyle/>
+                    <a:p>
+                      <a:pPr algn="ctr"/>
+                      <a:r>
+                        <a:rPr lang="en-US" sz="3200" dirty="0" smtClean="0"/>
+                        <a:t>FP</a:t>
+                      </a:r>
+                      <a:endParaRPr lang="ru-RU" sz="3200" dirty="0"/>
+                    </a:p>
+                  </a:txBody>
+                  <a:tcPr>
+                    <a:solidFill>
+                      <a:schemeClr val="accent4">
+                        <a:lumMod val="40000"/>
+                        <a:lumOff val="60000"/>
+                      </a:schemeClr>
+                    </a:solidFill>
+                  </a:tcPr>
+                </a:tc>
+              </a:tr>
+              <a:tr h="868056">
+                <a:tc>
+                  <a:txBody>
+                    <a:bodyPr/>
+                    <a:lstStyle/>
+                    <a:p>
+                      <a:pPr algn="ctr"/>
+                      <a:r>
+                        <a:rPr lang="en-US" sz="3200" dirty="0" smtClean="0"/>
+                        <a:t>FN</a:t>
+                      </a:r>
+                      <a:endParaRPr lang="ru-RU" sz="3200" dirty="0"/>
+                    </a:p>
+                  </a:txBody>
+                  <a:tcPr>
+                    <a:solidFill>
+                      <a:schemeClr val="accent4">
+                        <a:lumMod val="40000"/>
+                        <a:lumOff val="60000"/>
+                      </a:schemeClr>
+                    </a:solidFill>
+                  </a:tcPr>
+                </a:tc>
+                <a:tc>
+                  <a:txBody>
+                    <a:bodyPr/>
+                    <a:lstStyle/>
+                    <a:p>
+                      <a:pPr algn="ctr"/>
+                      <a:r>
+                        <a:rPr lang="en-US" sz="3200" dirty="0" smtClean="0"/>
+                        <a:t>TN</a:t>
+                      </a:r>
+                      <a:endParaRPr lang="ru-RU" sz="3200" dirty="0"/>
+                    </a:p>
+                  </a:txBody>
+                  <a:tcPr>
+                    <a:solidFill>
+                      <a:schemeClr val="accent6"/>
+                    </a:solidFill>
+                  </a:tcPr>
+                </a:tc>
+              </a:tr>
+            </a:tbl>
+          </a:graphicData>
+        </a:graphic>
+      </p:graphicFrame>
+      <p:sp>
+        <p:nvSpPr>
+          <p:cNvPr id="6" name="Стрелка влево 5"/>
+          <p:cNvSpPr/>
+          <p:nvPr/>
+        </p:nvSpPr>
+        <p:spPr>
+          <a:xfrm>
+            <a:off x="7065819" y="2291938"/>
+            <a:ext cx="2909454" cy="1448790"/>
+          </a:xfrm>
+          <a:prstGeom prst="leftArrow">
+            <a:avLst/>
+          </a:prstGeom>
+        </p:spPr>
+        <p:style>
+          <a:lnRef idx="2">
+            <a:schemeClr val="accent1">
+              <a:shade val="50000"/>
+            </a:schemeClr>
+          </a:lnRef>
+          <a:fillRef idx="1">
+            <a:schemeClr val="accent1"/>
+          </a:fillRef>
+          <a:effectRef idx="0">
+            <a:schemeClr val="accent1"/>
+          </a:effectRef>
+          <a:fontRef idx="minor">
+            <a:schemeClr val="lt1"/>
+          </a:fontRef>
+        </p:style>
+        <p:txBody>
+          <a:bodyPr rtlCol="0" anchor="ctr"/>
+          <a:lstStyle/>
+          <a:p>
+            <a:pPr algn="ctr"/>
+            <a:r>
+              <a:rPr lang="en-US" i="1" dirty="0" smtClean="0"/>
+              <a:t>precision</a:t>
+            </a:r>
+            <a:endParaRPr lang="ru-RU" i="1" dirty="0"/>
+          </a:p>
+        </p:txBody>
+      </p:sp>
+      <p:sp>
+        <p:nvSpPr>
+          <p:cNvPr id="7" name="Стрелка вверх 6"/>
+          <p:cNvSpPr/>
+          <p:nvPr/>
+        </p:nvSpPr>
+        <p:spPr>
+          <a:xfrm>
+            <a:off x="1555667" y="5522026"/>
+            <a:ext cx="3420094" cy="978408"/>
+          </a:xfrm>
+          <a:prstGeom prst="upArrow">
+            <a:avLst/>
+          </a:prstGeom>
+        </p:spPr>
+        <p:style>
+          <a:lnRef idx="2">
+            <a:schemeClr val="accent1">
+              <a:shade val="50000"/>
+            </a:schemeClr>
+          </a:lnRef>
+          <a:fillRef idx="1">
+            <a:schemeClr val="accent1"/>
+          </a:fillRef>
+          <a:effectRef idx="0">
+            <a:schemeClr val="accent1"/>
+          </a:effectRef>
+          <a:fontRef idx="minor">
+            <a:schemeClr val="lt1"/>
+          </a:fontRef>
+        </p:style>
+        <p:txBody>
+          <a:bodyPr rtlCol="0" anchor="ctr"/>
+          <a:lstStyle/>
+          <a:p>
+            <a:pPr algn="ctr"/>
+            <a:r>
+              <a:rPr lang="en-US" i="1" dirty="0" smtClean="0"/>
+              <a:t>recall</a:t>
+            </a:r>
+            <a:endParaRPr lang="ru-RU" i="1" dirty="0"/>
+          </a:p>
+        </p:txBody>
+      </p:sp>
+    </p:spTree>
+    <p:extLst>
+      <p:ext uri="{BB962C8B-B14F-4D97-AF65-F5344CB8AC3E}">
+        <p14:creationId xmlns:p14="http://schemas.microsoft.com/office/powerpoint/2010/main" val="3625879970"/>
+      </p:ext>
+    </p:extLst>
+  </p:cSld>
+  <p:clrMapOvr>
+    <a:masterClrMapping/>
+  </p:clrMapOvr>
+  <p:timing>
+    <p:tnLst>
+      <p:par>
+        <p:cTn id="1" dur="indefinite" restart="never" nodeType="tmRoot"/>
+      </p:par>
+    </p:tnLst>
+  </p:timing>
+</p:sld>
+</file>
+
+<file path=ppt/slides/slide26.xml><?xml version="1.0" encoding="utf-8"?>
+<p:sld xmlns:a="http://schemas.openxmlformats.org/drawingml/2006/main" xmlns:r="http://schemas.openxmlformats.org/officeDocument/2006/relationships" xmlns:p="http://schemas.openxmlformats.org/presentationml/2006/main">
+  <p:cSld>
+    <p:spTree>
+      <p:nvGrpSpPr>
+        <p:cNvPr id="1" name=""/>
+        <p:cNvGrpSpPr/>
+        <p:nvPr/>
+      </p:nvGrpSpPr>
+      <p:grpSpPr>
+        <a:xfrm>
+          <a:off x="0" y="0"/>
+          <a:ext cx="0" cy="0"/>
+          <a:chOff x="0" y="0"/>
+          <a:chExt cx="0" cy="0"/>
+        </a:xfrm>
+      </p:grpSpPr>
+      <p:sp>
+        <p:nvSpPr>
+          <p:cNvPr id="2" name="Заголовок 1"/>
+          <p:cNvSpPr>
+            <a:spLocks noGrp="1"/>
+          </p:cNvSpPr>
+          <p:nvPr>
+            <p:ph type="title"/>
+          </p:nvPr>
+        </p:nvSpPr>
+        <p:spPr/>
+        <p:txBody>
+          <a:bodyPr/>
+          <a:lstStyle/>
+          <a:p>
+            <a:r>
+              <a:rPr lang="ru-RU" smtClean="0"/>
+              <a:t>Кластеризация</a:t>
+            </a:r>
+            <a:endParaRPr lang="ru-RU" dirty="0"/>
+          </a:p>
+        </p:txBody>
+      </p:sp>
+      <p:sp>
+        <p:nvSpPr>
+          <p:cNvPr id="3" name="Объект 2"/>
+          <p:cNvSpPr>
+            <a:spLocks noGrp="1"/>
+          </p:cNvSpPr>
+          <p:nvPr>
+            <p:ph idx="1"/>
+          </p:nvPr>
+        </p:nvSpPr>
+        <p:spPr/>
+        <p:txBody>
+          <a:bodyPr>
+            <a:normAutofit/>
+          </a:bodyPr>
+          <a:lstStyle/>
+          <a:p>
+            <a:pPr marL="0" indent="0">
+              <a:buNone/>
+            </a:pPr>
+            <a:r>
+              <a:rPr lang="en-US" i="1" dirty="0"/>
+              <a:t>D</a:t>
+            </a:r>
+            <a:r>
+              <a:rPr lang="en-US" dirty="0"/>
+              <a:t> = {</a:t>
+            </a:r>
+            <a:r>
+              <a:rPr lang="en-US" i="1" dirty="0"/>
+              <a:t>x</a:t>
+            </a:r>
+            <a:r>
+              <a:rPr lang="en-US" baseline="-25000" dirty="0"/>
+              <a:t>1</a:t>
+            </a:r>
+            <a:r>
+              <a:rPr lang="en-US" dirty="0"/>
+              <a:t>, …, </a:t>
+            </a:r>
+            <a:r>
+              <a:rPr lang="en-US" i="1" dirty="0" err="1"/>
+              <a:t>x</a:t>
+            </a:r>
+            <a:r>
+              <a:rPr lang="en-US" i="1" baseline="-25000" dirty="0" err="1"/>
+              <a:t>N</a:t>
+            </a:r>
+            <a:r>
+              <a:rPr lang="en-US" dirty="0"/>
+              <a:t>}, </a:t>
+            </a:r>
+            <a:r>
+              <a:rPr lang="ru-RU" dirty="0"/>
+              <a:t>где </a:t>
+            </a:r>
+            <a:r>
+              <a:rPr lang="en-US" i="1" dirty="0"/>
+              <a:t>x</a:t>
+            </a:r>
+            <a:r>
+              <a:rPr lang="en-US" i="1" baseline="-25000" dirty="0"/>
+              <a:t>i</a:t>
+            </a:r>
+            <a:r>
+              <a:rPr lang="en-US" dirty="0"/>
+              <a:t> </a:t>
+            </a:r>
+            <a:r>
+              <a:rPr lang="en-US" dirty="0">
+                <a:sym typeface="Symbol" panose="05050102010706020507" pitchFamily="18" charset="2"/>
+              </a:rPr>
+              <a:t> </a:t>
+            </a:r>
+            <a:r>
+              <a:rPr lang="en-US" i="1" dirty="0">
+                <a:sym typeface="Symbol" panose="05050102010706020507" pitchFamily="18" charset="2"/>
+              </a:rPr>
+              <a:t>X</a:t>
+            </a:r>
+            <a:r>
+              <a:rPr lang="en-US" dirty="0" smtClean="0">
+                <a:sym typeface="Symbol" panose="05050102010706020507" pitchFamily="18" charset="2"/>
+              </a:rPr>
+              <a:t>.</a:t>
+            </a:r>
+            <a:endParaRPr lang="ru-RU" dirty="0" smtClean="0">
+              <a:sym typeface="Symbol" panose="05050102010706020507" pitchFamily="18" charset="2"/>
+            </a:endParaRPr>
+          </a:p>
+          <a:p>
+            <a:pPr marL="0" indent="0">
+              <a:buNone/>
+            </a:pPr>
+            <a:endParaRPr lang="ru-RU" dirty="0" smtClean="0">
+              <a:sym typeface="Symbol" panose="05050102010706020507" pitchFamily="18" charset="2"/>
+            </a:endParaRPr>
+          </a:p>
+          <a:p>
+            <a:pPr marL="0" indent="0">
+              <a:buNone/>
+            </a:pPr>
+            <a:endParaRPr lang="ru-RU" dirty="0">
+              <a:sym typeface="Symbol" panose="05050102010706020507" pitchFamily="18" charset="2"/>
+            </a:endParaRPr>
+          </a:p>
+          <a:p>
+            <a:pPr marL="0" indent="0">
+              <a:buNone/>
+            </a:pPr>
+            <a:endParaRPr lang="ru-RU" dirty="0">
+              <a:sym typeface="Symbol" panose="05050102010706020507" pitchFamily="18" charset="2"/>
+            </a:endParaRPr>
+          </a:p>
+          <a:p>
+            <a:pPr marL="0" indent="0">
+              <a:buNone/>
+            </a:pPr>
+            <a:r>
+              <a:rPr lang="ru-RU" dirty="0" smtClean="0">
+                <a:sym typeface="Symbol" panose="05050102010706020507" pitchFamily="18" charset="2"/>
+              </a:rPr>
+              <a:t>Пытаемся найти такие подмножества-кластеры для заданной функции похожести </a:t>
+            </a:r>
+            <a:r>
+              <a:rPr lang="en-US" i="1" dirty="0"/>
+              <a:t>G</a:t>
+            </a:r>
+            <a:r>
+              <a:rPr lang="en-US" dirty="0"/>
+              <a:t>(</a:t>
+            </a:r>
+            <a:r>
+              <a:rPr lang="en-US" i="1" dirty="0"/>
+              <a:t>x</a:t>
+            </a:r>
+            <a:r>
+              <a:rPr lang="en-US" i="1" baseline="-25000" dirty="0"/>
+              <a:t>i</a:t>
+            </a:r>
+            <a:r>
+              <a:rPr lang="en-US" dirty="0"/>
+              <a:t>, </a:t>
+            </a:r>
+            <a:r>
+              <a:rPr lang="en-US" i="1" dirty="0" err="1"/>
+              <a:t>x</a:t>
+            </a:r>
+            <a:r>
+              <a:rPr lang="en-US" i="1" baseline="-25000" dirty="0" err="1"/>
+              <a:t>j</a:t>
+            </a:r>
+            <a:r>
+              <a:rPr lang="en-US" dirty="0"/>
+              <a:t>)</a:t>
+            </a:r>
+            <a:r>
+              <a:rPr lang="ru-RU" dirty="0" smtClean="0">
+                <a:sym typeface="Symbol" panose="05050102010706020507" pitchFamily="18" charset="2"/>
+              </a:rPr>
+              <a:t>, что элементы в одном кластере более похожи друг на друга, чем элементы из разных кластеров.</a:t>
+            </a:r>
+            <a:endParaRPr lang="ru-RU" dirty="0"/>
+          </a:p>
+          <a:p>
+            <a:pPr marL="0" indent="0">
+              <a:buNone/>
+            </a:pPr>
+            <a:endParaRPr lang="ru-RU" dirty="0" smtClean="0"/>
+          </a:p>
+        </p:txBody>
+      </p:sp>
+    </p:spTree>
+    <p:extLst>
+      <p:ext uri="{BB962C8B-B14F-4D97-AF65-F5344CB8AC3E}">
+        <p14:creationId xmlns:p14="http://schemas.microsoft.com/office/powerpoint/2010/main" val="1822232268"/>
+      </p:ext>
+    </p:extLst>
+  </p:cSld>
+  <p:clrMapOvr>
+    <a:masterClrMapping/>
+  </p:clrMapOvr>
+  <p:timing>
+    <p:tnLst>
+      <p:par>
+        <p:cTn id="1" dur="indefinite" restart="never" nodeType="tmRoot"/>
+      </p:par>
+    </p:tnLst>
+  </p:timing>
+</p:sld>
+</file>
+
+<file path=ppt/slides/slide27.xml><?xml version="1.0" encoding="utf-8"?>
+<p:sld xmlns:a="http://schemas.openxmlformats.org/drawingml/2006/main" xmlns:r="http://schemas.openxmlformats.org/officeDocument/2006/relationships" xmlns:p="http://schemas.openxmlformats.org/presentationml/2006/main">
+  <p:cSld>
+    <p:spTree>
+      <p:nvGrpSpPr>
+        <p:cNvPr id="1" name=""/>
+        <p:cNvGrpSpPr/>
+        <p:nvPr/>
+      </p:nvGrpSpPr>
+      <p:grpSpPr>
+        <a:xfrm>
+          <a:off x="0" y="0"/>
+          <a:ext cx="0" cy="0"/>
+          <a:chOff x="0" y="0"/>
+          <a:chExt cx="0" cy="0"/>
+        </a:xfrm>
+      </p:grpSpPr>
+      <p:sp>
+        <p:nvSpPr>
+          <p:cNvPr id="2" name="Заголовок 1"/>
+          <p:cNvSpPr>
+            <a:spLocks noGrp="1"/>
+          </p:cNvSpPr>
+          <p:nvPr>
+            <p:ph type="title"/>
+          </p:nvPr>
+        </p:nvSpPr>
+        <p:spPr/>
+        <p:txBody>
+          <a:bodyPr/>
+          <a:lstStyle/>
+          <a:p>
+            <a:r>
+              <a:rPr lang="ru-RU" dirty="0" smtClean="0"/>
+              <a:t>Кластеризация. </a:t>
+            </a:r>
+            <a:r>
+              <a:rPr lang="ru-RU" dirty="0"/>
+              <a:t>Метрики производительности.</a:t>
+            </a:r>
+            <a:endParaRPr lang="ru-RU" dirty="0"/>
+          </a:p>
+        </p:txBody>
+      </p:sp>
+      <p:sp>
+        <p:nvSpPr>
+          <p:cNvPr id="3" name="Объект 2"/>
+          <p:cNvSpPr>
+            <a:spLocks noGrp="1"/>
+          </p:cNvSpPr>
+          <p:nvPr>
+            <p:ph idx="1"/>
+          </p:nvPr>
+        </p:nvSpPr>
+        <p:spPr/>
+        <p:txBody>
+          <a:bodyPr>
+            <a:normAutofit/>
+          </a:bodyPr>
+          <a:lstStyle/>
+          <a:p>
+            <a:pPr marL="0" indent="0">
+              <a:buNone/>
+            </a:pPr>
+            <a:r>
+              <a:rPr lang="ru-RU" dirty="0" smtClean="0"/>
+              <a:t>1. Внешние метрики – есть истинные метки.</a:t>
+            </a:r>
+          </a:p>
+          <a:p>
+            <a:pPr marL="0" indent="0">
+              <a:buNone/>
+            </a:pPr>
+            <a:endParaRPr lang="ru-RU" dirty="0"/>
+          </a:p>
+          <a:p>
+            <a:pPr marL="0" indent="0">
+              <a:buNone/>
+            </a:pPr>
+            <a:r>
+              <a:rPr lang="ru-RU" dirty="0" smtClean="0"/>
+              <a:t>2. Внутренние метрики – нет истинных меток:</a:t>
+            </a:r>
+          </a:p>
+          <a:p>
+            <a:pPr lvl="1"/>
+            <a:r>
+              <a:rPr lang="ru-RU" dirty="0"/>
+              <a:t>	</a:t>
+            </a:r>
+            <a:r>
+              <a:rPr lang="ru-RU" dirty="0" smtClean="0"/>
+              <a:t>Коэффициент силуэта</a:t>
+            </a:r>
+          </a:p>
+          <a:p>
+            <a:pPr marL="0" indent="0">
+              <a:buNone/>
+            </a:pPr>
+            <a:endParaRPr lang="ru-RU" dirty="0"/>
+          </a:p>
+          <a:p>
+            <a:pPr marL="0" indent="0">
+              <a:buNone/>
+            </a:pPr>
+            <a:r>
+              <a:rPr lang="ru-RU" dirty="0" smtClean="0"/>
+              <a:t>3. Используем блок обучения с учителем для определения метрики производительности блока обучения без учителя.</a:t>
+            </a:r>
+            <a:endParaRPr lang="ru-RU" dirty="0" smtClean="0"/>
+          </a:p>
+        </p:txBody>
+      </p:sp>
+    </p:spTree>
+    <p:extLst>
+      <p:ext uri="{BB962C8B-B14F-4D97-AF65-F5344CB8AC3E}">
+        <p14:creationId xmlns:p14="http://schemas.microsoft.com/office/powerpoint/2010/main" val="1436204581"/>
+      </p:ext>
+    </p:extLst>
+  </p:cSld>
+  <p:clrMapOvr>
+    <a:masterClrMapping/>
+  </p:clrMapOvr>
+  <p:timing>
+    <p:tnLst>
+      <p:par>
+        <p:cTn id="1" dur="indefinite" restart="never" nodeType="tmRoot"/>
+      </p:par>
+    </p:tnLst>
+  </p:timing>
+</p:sld>
+</file>
+
+<file path=ppt/slides/slide28.xml><?xml version="1.0" encoding="utf-8"?>
+<p:sld xmlns:a="http://schemas.openxmlformats.org/drawingml/2006/main" xmlns:r="http://schemas.openxmlformats.org/officeDocument/2006/relationships" xmlns:p="http://schemas.openxmlformats.org/presentationml/2006/main">
+  <p:cSld>
+    <p:spTree>
+      <p:nvGrpSpPr>
+        <p:cNvPr id="1" name=""/>
+        <p:cNvGrpSpPr/>
+        <p:nvPr/>
+      </p:nvGrpSpPr>
+      <p:grpSpPr>
+        <a:xfrm>
+          <a:off x="0" y="0"/>
+          <a:ext cx="0" cy="0"/>
+          <a:chOff x="0" y="0"/>
+          <a:chExt cx="0" cy="0"/>
+        </a:xfrm>
+      </p:grpSpPr>
+      <p:sp>
+        <p:nvSpPr>
+          <p:cNvPr id="2" name="Заголовок 1"/>
+          <p:cNvSpPr>
+            <a:spLocks noGrp="1"/>
+          </p:cNvSpPr>
+          <p:nvPr>
+            <p:ph type="title"/>
+          </p:nvPr>
+        </p:nvSpPr>
+        <p:spPr/>
+        <p:txBody>
+          <a:bodyPr>
+            <a:normAutofit fontScale="90000"/>
+          </a:bodyPr>
+          <a:lstStyle/>
+          <a:p>
+            <a:r>
+              <a:rPr lang="ru-RU" dirty="0" smtClean="0"/>
+              <a:t>Кластеризация. </a:t>
+            </a:r>
+            <a:r>
+              <a:rPr lang="ru-RU" dirty="0"/>
+              <a:t>Метрики производительности</a:t>
+            </a:r>
+            <a:r>
+              <a:rPr lang="ru-RU" dirty="0" smtClean="0"/>
+              <a:t>. </a:t>
+            </a:r>
+            <a:r>
+              <a:rPr lang="ru-RU" dirty="0"/>
+              <a:t>Коэффициент </a:t>
+            </a:r>
+            <a:r>
+              <a:rPr lang="ru-RU" dirty="0" smtClean="0"/>
+              <a:t>силуэта.</a:t>
+            </a:r>
+            <a:endParaRPr lang="ru-RU" dirty="0"/>
+          </a:p>
+        </p:txBody>
+      </p:sp>
+      <mc:AlternateContent xmlns:mc="http://schemas.openxmlformats.org/markup-compatibility/2006">
+        <mc:Choice xmlns:a14="http://schemas.microsoft.com/office/drawing/2010/main" Requires="a14">
+          <p:sp>
+            <p:nvSpPr>
+              <p:cNvPr id="3" name="Объект 2"/>
+              <p:cNvSpPr>
+                <a:spLocks noGrp="1"/>
+              </p:cNvSpPr>
+              <p:nvPr>
+                <p:ph idx="1"/>
+              </p:nvPr>
+            </p:nvSpPr>
+            <p:spPr/>
+            <p:txBody>
+              <a:bodyPr>
+                <a:normAutofit/>
+              </a:bodyPr>
+              <a:lstStyle/>
+              <a:p>
+                <a:pPr marL="0" indent="0">
+                  <a:buNone/>
+                </a:pPr>
+                <a:r>
+                  <a:rPr lang="ru-RU" dirty="0" smtClean="0"/>
+                  <a:t>Пусть для </a:t>
+                </a:r>
+                <a14:m>
+                  <m:oMath xmlns:m="http://schemas.openxmlformats.org/officeDocument/2006/math">
+                    <m:sSub>
+                      <m:sSubPr>
+                        <m:ctrlPr>
+                          <a:rPr lang="ru-RU" i="1" smtClean="0">
+                            <a:latin typeface="Cambria Math" panose="02040503050406030204" pitchFamily="18" charset="0"/>
+                          </a:rPr>
+                        </m:ctrlPr>
+                      </m:sSubPr>
+                      <m:e>
+                        <m:r>
+                          <a:rPr lang="en-US" b="0" i="1" smtClean="0">
+                            <a:latin typeface="Cambria Math" panose="02040503050406030204" pitchFamily="18" charset="0"/>
+                          </a:rPr>
+                          <m:t>𝑥</m:t>
+                        </m:r>
+                      </m:e>
+                      <m:sub>
+                        <m:r>
+                          <a:rPr lang="en-US" b="0" i="1" smtClean="0">
+                            <a:latin typeface="Cambria Math" panose="02040503050406030204" pitchFamily="18" charset="0"/>
+                          </a:rPr>
+                          <m:t>𝑖</m:t>
+                        </m:r>
+                      </m:sub>
+                    </m:sSub>
+                  </m:oMath>
+                </a14:m>
+                <a:r>
+                  <a:rPr lang="ru-RU" dirty="0" smtClean="0"/>
+                  <a:t> среднее расстояние между элементами кластера равно </a:t>
+                </a:r>
+                <a14:m>
+                  <m:oMath xmlns:m="http://schemas.openxmlformats.org/officeDocument/2006/math">
+                    <m:sSub>
+                      <m:sSubPr>
+                        <m:ctrlPr>
+                          <a:rPr lang="ru-RU" i="1" smtClean="0">
+                            <a:latin typeface="Cambria Math" panose="02040503050406030204" pitchFamily="18" charset="0"/>
+                          </a:rPr>
+                        </m:ctrlPr>
+                      </m:sSubPr>
+                      <m:e>
+                        <m:r>
+                          <a:rPr lang="en-US" b="0" i="1" smtClean="0">
+                            <a:latin typeface="Cambria Math" panose="02040503050406030204" pitchFamily="18" charset="0"/>
+                          </a:rPr>
+                          <m:t>𝑎</m:t>
+                        </m:r>
+                      </m:e>
+                      <m:sub>
+                        <m:r>
+                          <a:rPr lang="en-US" b="0" i="1" smtClean="0">
+                            <a:latin typeface="Cambria Math" panose="02040503050406030204" pitchFamily="18" charset="0"/>
+                          </a:rPr>
+                          <m:t>𝑖</m:t>
+                        </m:r>
+                      </m:sub>
+                    </m:sSub>
+                  </m:oMath>
+                </a14:m>
+                <a:r>
+                  <a:rPr lang="ru-RU" dirty="0" smtClean="0"/>
+                  <a:t>, а среднее расстояние до ближайшего кластера равно </a:t>
+                </a:r>
+                <a14:m>
+                  <m:oMath xmlns:m="http://schemas.openxmlformats.org/officeDocument/2006/math">
+                    <m:sSub>
+                      <m:sSubPr>
+                        <m:ctrlPr>
+                          <a:rPr lang="ru-RU" i="1" smtClean="0">
+                            <a:latin typeface="Cambria Math" panose="02040503050406030204" pitchFamily="18" charset="0"/>
+                          </a:rPr>
+                        </m:ctrlPr>
+                      </m:sSubPr>
+                      <m:e>
+                        <m:r>
+                          <a:rPr lang="en-US" b="0" i="1" smtClean="0">
+                            <a:latin typeface="Cambria Math" panose="02040503050406030204" pitchFamily="18" charset="0"/>
+                          </a:rPr>
+                          <m:t>𝑏</m:t>
+                        </m:r>
+                      </m:e>
+                      <m:sub>
+                        <m:r>
+                          <a:rPr lang="en-US" b="0" i="1" smtClean="0">
+                            <a:latin typeface="Cambria Math" panose="02040503050406030204" pitchFamily="18" charset="0"/>
+                          </a:rPr>
+                          <m:t>𝑖</m:t>
+                        </m:r>
+                      </m:sub>
+                    </m:sSub>
+                  </m:oMath>
+                </a14:m>
+                <a:r>
+                  <a:rPr lang="ru-RU" dirty="0" smtClean="0"/>
+                  <a:t>.</a:t>
+                </a:r>
+              </a:p>
+              <a:p>
+                <a:pPr marL="0" indent="0">
+                  <a:buNone/>
+                </a:pPr>
+                <a:r>
+                  <a:rPr lang="ru-RU" dirty="0" smtClean="0"/>
+                  <a:t>Тогда коэффициент силуэта для </a:t>
+                </a:r>
+                <a14:m>
+                  <m:oMath xmlns:m="http://schemas.openxmlformats.org/officeDocument/2006/math">
+                    <m:sSub>
+                      <m:sSubPr>
+                        <m:ctrlPr>
+                          <a:rPr lang="ru-RU" i="1">
+                            <a:latin typeface="Cambria Math" panose="02040503050406030204" pitchFamily="18" charset="0"/>
+                          </a:rPr>
+                        </m:ctrlPr>
+                      </m:sSubPr>
+                      <m:e>
+                        <m:r>
+                          <a:rPr lang="en-US" i="1">
+                            <a:latin typeface="Cambria Math" panose="02040503050406030204" pitchFamily="18" charset="0"/>
+                          </a:rPr>
+                          <m:t>𝑥</m:t>
+                        </m:r>
+                      </m:e>
+                      <m:sub>
+                        <m:r>
+                          <a:rPr lang="en-US" i="1">
+                            <a:latin typeface="Cambria Math" panose="02040503050406030204" pitchFamily="18" charset="0"/>
+                          </a:rPr>
+                          <m:t>𝑖</m:t>
+                        </m:r>
+                      </m:sub>
+                    </m:sSub>
+                  </m:oMath>
+                </a14:m>
+                <a:r>
+                  <a:rPr lang="ru-RU" dirty="0" smtClean="0"/>
+                  <a:t> равен:</a:t>
+                </a:r>
+              </a:p>
+              <a:p>
+                <a:pPr marL="0" indent="0">
+                  <a:buNone/>
+                </a:pPr>
+                <a14:m>
+                  <m:oMathPara xmlns:m="http://schemas.openxmlformats.org/officeDocument/2006/math">
+                    <m:oMathParaPr>
+                      <m:jc m:val="left"/>
+                    </m:oMathParaPr>
+                    <m:oMath xmlns:m="http://schemas.openxmlformats.org/officeDocument/2006/math">
+                      <m:r>
+                        <a:rPr lang="en-US" b="0" i="1" smtClean="0">
+                          <a:latin typeface="Cambria Math" panose="02040503050406030204" pitchFamily="18" charset="0"/>
+                        </a:rPr>
+                        <m:t>𝑆</m:t>
+                      </m:r>
+                      <m:d>
+                        <m:dPr>
+                          <m:ctrlPr>
+                            <a:rPr lang="en-US" b="0" i="1" smtClean="0">
+                              <a:latin typeface="Cambria Math" panose="02040503050406030204" pitchFamily="18" charset="0"/>
+                            </a:rPr>
+                          </m:ctrlPr>
+                        </m:dPr>
+                        <m:e>
+                          <m:sSub>
+                            <m:sSubPr>
+                              <m:ctrlPr>
+                                <a:rPr lang="en-US" b="0" i="1" smtClean="0">
+                                  <a:latin typeface="Cambria Math" panose="02040503050406030204" pitchFamily="18" charset="0"/>
+                                </a:rPr>
+                              </m:ctrlPr>
+                            </m:sSubPr>
+                            <m:e>
+                              <m:r>
+                                <a:rPr lang="en-US" b="0" i="1" smtClean="0">
+                                  <a:latin typeface="Cambria Math" panose="02040503050406030204" pitchFamily="18" charset="0"/>
+                                </a:rPr>
+                                <m:t>𝑥</m:t>
+                              </m:r>
+                            </m:e>
+                            <m:sub>
+                              <m:r>
+                                <a:rPr lang="en-US" b="0" i="1" smtClean="0">
+                                  <a:latin typeface="Cambria Math" panose="02040503050406030204" pitchFamily="18" charset="0"/>
+                                </a:rPr>
+                                <m:t>𝑖</m:t>
+                              </m:r>
+                            </m:sub>
+                          </m:sSub>
+                        </m:e>
+                      </m:d>
+                      <m:r>
+                        <a:rPr lang="en-US" b="0" i="1" smtClean="0">
+                          <a:latin typeface="Cambria Math" panose="02040503050406030204" pitchFamily="18" charset="0"/>
+                        </a:rPr>
+                        <m:t>=</m:t>
+                      </m:r>
+                      <m:f>
+                        <m:fPr>
+                          <m:ctrlPr>
+                            <a:rPr lang="en-US" b="0" i="1" smtClean="0">
+                              <a:latin typeface="Cambria Math" panose="02040503050406030204" pitchFamily="18" charset="0"/>
+                            </a:rPr>
+                          </m:ctrlPr>
+                        </m:fPr>
+                        <m:num>
+                          <m:sSub>
+                            <m:sSubPr>
+                              <m:ctrlPr>
+                                <a:rPr lang="en-US" b="0" i="1" smtClean="0">
+                                  <a:latin typeface="Cambria Math" panose="02040503050406030204" pitchFamily="18" charset="0"/>
+                                </a:rPr>
+                              </m:ctrlPr>
+                            </m:sSubPr>
+                            <m:e>
+                              <m:r>
+                                <a:rPr lang="en-US" b="0" i="1" smtClean="0">
+                                  <a:latin typeface="Cambria Math" panose="02040503050406030204" pitchFamily="18" charset="0"/>
+                                </a:rPr>
+                                <m:t>𝑏</m:t>
+                              </m:r>
+                            </m:e>
+                            <m:sub>
+                              <m:r>
+                                <a:rPr lang="en-US" b="0" i="1" smtClean="0">
+                                  <a:latin typeface="Cambria Math" panose="02040503050406030204" pitchFamily="18" charset="0"/>
+                                </a:rPr>
+                                <m:t>𝑖</m:t>
+                              </m:r>
+                            </m:sub>
+                          </m:sSub>
+                          <m:r>
+                            <a:rPr lang="en-US" b="0" i="1" smtClean="0">
+                              <a:latin typeface="Cambria Math" panose="02040503050406030204" pitchFamily="18" charset="0"/>
+                            </a:rPr>
+                            <m:t>−</m:t>
+                          </m:r>
+                          <m:sSub>
+                            <m:sSubPr>
+                              <m:ctrlPr>
+                                <a:rPr lang="en-US" b="0" i="1" smtClean="0">
+                                  <a:latin typeface="Cambria Math" panose="02040503050406030204" pitchFamily="18" charset="0"/>
+                                </a:rPr>
+                              </m:ctrlPr>
+                            </m:sSubPr>
+                            <m:e>
+                              <m:r>
+                                <a:rPr lang="en-US" b="0" i="1" smtClean="0">
+                                  <a:latin typeface="Cambria Math" panose="02040503050406030204" pitchFamily="18" charset="0"/>
+                                </a:rPr>
+                                <m:t>𝑎</m:t>
+                              </m:r>
+                            </m:e>
+                            <m:sub>
+                              <m:r>
+                                <a:rPr lang="en-US" b="0" i="1" smtClean="0">
+                                  <a:latin typeface="Cambria Math" panose="02040503050406030204" pitchFamily="18" charset="0"/>
+                                </a:rPr>
+                                <m:t>𝑖</m:t>
+                              </m:r>
+                            </m:sub>
+                          </m:sSub>
+                        </m:num>
+                        <m:den>
+                          <m:r>
+                            <m:rPr>
+                              <m:sty m:val="p"/>
+                            </m:rPr>
+                            <a:rPr lang="en-US" b="0" i="0" smtClean="0">
+                              <a:latin typeface="Cambria Math" panose="02040503050406030204" pitchFamily="18" charset="0"/>
+                            </a:rPr>
+                            <m:t>max</m:t>
+                          </m:r>
+                          <m:r>
+                            <a:rPr lang="en-US" b="0" i="1" smtClean="0">
+                              <a:latin typeface="Cambria Math" panose="02040503050406030204" pitchFamily="18" charset="0"/>
+                            </a:rPr>
+                            <m:t>⁡(</m:t>
+                          </m:r>
+                          <m:sSub>
+                            <m:sSubPr>
+                              <m:ctrlPr>
+                                <a:rPr lang="en-US" b="0" i="1" smtClean="0">
+                                  <a:latin typeface="Cambria Math" panose="02040503050406030204" pitchFamily="18" charset="0"/>
+                                </a:rPr>
+                              </m:ctrlPr>
+                            </m:sSubPr>
+                            <m:e>
+                              <m:r>
+                                <a:rPr lang="en-US" b="0" i="1" smtClean="0">
+                                  <a:latin typeface="Cambria Math" panose="02040503050406030204" pitchFamily="18" charset="0"/>
+                                </a:rPr>
+                                <m:t>𝑎</m:t>
+                              </m:r>
+                            </m:e>
+                            <m:sub>
+                              <m:r>
+                                <a:rPr lang="en-US" b="0" i="1" smtClean="0">
+                                  <a:latin typeface="Cambria Math" panose="02040503050406030204" pitchFamily="18" charset="0"/>
+                                </a:rPr>
+                                <m:t>𝑖</m:t>
+                              </m:r>
+                            </m:sub>
+                          </m:sSub>
+                          <m:r>
+                            <a:rPr lang="en-US" b="0" i="1" smtClean="0">
+                              <a:latin typeface="Cambria Math" panose="02040503050406030204" pitchFamily="18" charset="0"/>
+                            </a:rPr>
+                            <m:t>,</m:t>
+                          </m:r>
+                          <m:sSub>
+                            <m:sSubPr>
+                              <m:ctrlPr>
+                                <a:rPr lang="en-US" b="0" i="1" smtClean="0">
+                                  <a:latin typeface="Cambria Math" panose="02040503050406030204" pitchFamily="18" charset="0"/>
+                                </a:rPr>
+                              </m:ctrlPr>
+                            </m:sSubPr>
+                            <m:e>
+                              <m:r>
+                                <a:rPr lang="en-US" b="0" i="1" smtClean="0">
+                                  <a:latin typeface="Cambria Math" panose="02040503050406030204" pitchFamily="18" charset="0"/>
+                                </a:rPr>
+                                <m:t>𝑏</m:t>
+                              </m:r>
+                            </m:e>
+                            <m:sub>
+                              <m:r>
+                                <a:rPr lang="en-US" b="0" i="1" smtClean="0">
+                                  <a:latin typeface="Cambria Math" panose="02040503050406030204" pitchFamily="18" charset="0"/>
+                                </a:rPr>
+                                <m:t>𝑖</m:t>
+                              </m:r>
+                            </m:sub>
+                          </m:sSub>
+                          <m:r>
+                            <a:rPr lang="en-US" b="0" i="1" smtClean="0">
+                              <a:latin typeface="Cambria Math" panose="02040503050406030204" pitchFamily="18" charset="0"/>
+                            </a:rPr>
+                            <m:t>)</m:t>
+                          </m:r>
+                        </m:den>
+                      </m:f>
+                    </m:oMath>
+                  </m:oMathPara>
+                </a14:m>
+                <a:endParaRPr lang="ru-RU" dirty="0" smtClean="0"/>
+              </a:p>
+              <a:p>
+                <a:pPr marL="0" indent="0">
+                  <a:buNone/>
+                </a:pPr>
+                <a:endParaRPr lang="en-US" dirty="0" smtClean="0"/>
+              </a:p>
+              <a:p>
+                <a:pPr marL="0" indent="0">
+                  <a:buNone/>
+                </a:pPr>
+                <a:r>
+                  <a:rPr lang="ru-RU" dirty="0" smtClean="0"/>
+                  <a:t>В качестве метрики используем среднее значение </a:t>
+                </a:r>
+                <a14:m>
+                  <m:oMath xmlns:m="http://schemas.openxmlformats.org/officeDocument/2006/math">
+                    <m:r>
+                      <a:rPr lang="en-US" i="1">
+                        <a:latin typeface="Cambria Math" panose="02040503050406030204" pitchFamily="18" charset="0"/>
+                      </a:rPr>
+                      <m:t>𝑆</m:t>
+                    </m:r>
+                    <m:d>
+                      <m:dPr>
+                        <m:ctrlPr>
+                          <a:rPr lang="en-US" i="1">
+                            <a:latin typeface="Cambria Math" panose="02040503050406030204" pitchFamily="18" charset="0"/>
+                          </a:rPr>
+                        </m:ctrlPr>
+                      </m:dPr>
+                      <m:e>
+                        <m:sSub>
+                          <m:sSubPr>
+                            <m:ctrlPr>
+                              <a:rPr lang="en-US" i="1">
+                                <a:latin typeface="Cambria Math" panose="02040503050406030204" pitchFamily="18" charset="0"/>
+                              </a:rPr>
+                            </m:ctrlPr>
+                          </m:sSubPr>
+                          <m:e>
+                            <m:r>
+                              <a:rPr lang="en-US" i="1">
+                                <a:latin typeface="Cambria Math" panose="02040503050406030204" pitchFamily="18" charset="0"/>
+                              </a:rPr>
+                              <m:t>𝑥</m:t>
+                            </m:r>
+                          </m:e>
+                          <m:sub>
+                            <m:r>
+                              <a:rPr lang="en-US" i="1">
+                                <a:latin typeface="Cambria Math" panose="02040503050406030204" pitchFamily="18" charset="0"/>
+                              </a:rPr>
+                              <m:t>𝑖</m:t>
+                            </m:r>
+                          </m:sub>
+                        </m:sSub>
+                      </m:e>
+                    </m:d>
+                  </m:oMath>
+                </a14:m>
+                <a:r>
+                  <a:rPr lang="ru-RU" dirty="0" smtClean="0"/>
+                  <a:t> по всем </a:t>
+                </a:r>
+                <a14:m>
+                  <m:oMath xmlns:m="http://schemas.openxmlformats.org/officeDocument/2006/math">
+                    <m:sSub>
+                      <m:sSubPr>
+                        <m:ctrlPr>
+                          <a:rPr lang="ru-RU" i="1">
+                            <a:latin typeface="Cambria Math" panose="02040503050406030204" pitchFamily="18" charset="0"/>
+                          </a:rPr>
+                        </m:ctrlPr>
+                      </m:sSubPr>
+                      <m:e>
+                        <m:r>
+                          <a:rPr lang="en-US" i="1">
+                            <a:latin typeface="Cambria Math" panose="02040503050406030204" pitchFamily="18" charset="0"/>
+                          </a:rPr>
+                          <m:t>𝑥</m:t>
+                        </m:r>
+                      </m:e>
+                      <m:sub>
+                        <m:r>
+                          <a:rPr lang="en-US" i="1">
+                            <a:latin typeface="Cambria Math" panose="02040503050406030204" pitchFamily="18" charset="0"/>
+                          </a:rPr>
+                          <m:t>𝑖</m:t>
+                        </m:r>
+                      </m:sub>
+                    </m:sSub>
+                  </m:oMath>
+                </a14:m>
+                <a:r>
+                  <a:rPr lang="ru-RU" dirty="0" smtClean="0"/>
+                  <a:t>.</a:t>
+                </a:r>
+                <a:endParaRPr lang="ru-RU" dirty="0"/>
+              </a:p>
+            </p:txBody>
+          </p:sp>
+        </mc:Choice>
+        <mc:Fallback>
+          <p:sp>
+            <p:nvSpPr>
+              <p:cNvPr id="3" name="Объект 2"/>
+              <p:cNvSpPr>
+                <a:spLocks noGrp="1" noRot="1" noChangeAspect="1" noMove="1" noResize="1" noEditPoints="1" noAdjustHandles="1" noChangeArrowheads="1" noChangeShapeType="1" noTextEdit="1"/>
+              </p:cNvSpPr>
+              <p:nvPr>
+                <p:ph idx="1"/>
+              </p:nvPr>
+            </p:nvSpPr>
+            <p:spPr>
+              <a:blipFill rotWithShape="0">
+                <a:blip r:embed="rId2"/>
+                <a:stretch>
+                  <a:fillRect l="-1217" t="-2241" r="-348"/>
+                </a:stretch>
+              </a:blipFill>
+            </p:spPr>
+            <p:txBody>
+              <a:bodyPr/>
+              <a:lstStyle/>
+              <a:p>
+                <a:r>
+                  <a:rPr lang="ru-RU">
+                    <a:noFill/>
+                  </a:rPr>
+                  <a:t> </a:t>
+                </a:r>
+              </a:p>
+            </p:txBody>
+          </p:sp>
+        </mc:Fallback>
+      </mc:AlternateContent>
+    </p:spTree>
+    <p:extLst>
+      <p:ext uri="{BB962C8B-B14F-4D97-AF65-F5344CB8AC3E}">
+        <p14:creationId xmlns:p14="http://schemas.microsoft.com/office/powerpoint/2010/main" val="310224991"/>
+      </p:ext>
+    </p:extLst>
+  </p:cSld>
+  <p:clrMapOvr>
+    <a:masterClrMapping/>
+  </p:clrMapOvr>
+  <p:timing>
+    <p:tnLst>
+      <p:par>
+        <p:cTn id="1" dur="indefinite" restart="never" nodeType="tmRoot"/>
+      </p:par>
+    </p:tnLst>
+  </p:timing>
+</p:sld>
+</file>
+
+<file path=ppt/slides/slide29.xml><?xml version="1.0" encoding="utf-8"?>
+<p:sld xmlns:a="http://schemas.openxmlformats.org/drawingml/2006/main" xmlns:r="http://schemas.openxmlformats.org/officeDocument/2006/relationships" xmlns:p="http://schemas.openxmlformats.org/presentationml/2006/main">
+  <p:cSld>
+    <p:spTree>
+      <p:nvGrpSpPr>
+        <p:cNvPr id="1" name=""/>
+        <p:cNvGrpSpPr/>
+        <p:nvPr/>
+      </p:nvGrpSpPr>
+      <p:grpSpPr>
+        <a:xfrm>
+          <a:off x="0" y="0"/>
+          <a:ext cx="0" cy="0"/>
+          <a:chOff x="0" y="0"/>
+          <a:chExt cx="0" cy="0"/>
+        </a:xfrm>
+      </p:grpSpPr>
+      <p:sp>
+        <p:nvSpPr>
+          <p:cNvPr id="2" name="Заголовок 1"/>
+          <p:cNvSpPr>
+            <a:spLocks noGrp="1"/>
+          </p:cNvSpPr>
+          <p:nvPr>
+            <p:ph type="title"/>
+          </p:nvPr>
+        </p:nvSpPr>
+        <p:spPr/>
+        <p:txBody>
+          <a:bodyPr/>
+          <a:lstStyle/>
+          <a:p>
+            <a:r>
+              <a:rPr lang="ru-RU" dirty="0" smtClean="0"/>
+              <a:t>Ссылки</a:t>
+            </a:r>
+            <a:endParaRPr lang="ru-RU" dirty="0"/>
+          </a:p>
+        </p:txBody>
+      </p:sp>
+      <p:sp>
+        <p:nvSpPr>
+          <p:cNvPr id="3" name="Объект 2"/>
+          <p:cNvSpPr>
+            <a:spLocks noGrp="1"/>
+          </p:cNvSpPr>
+          <p:nvPr>
+            <p:ph idx="1"/>
+          </p:nvPr>
+        </p:nvSpPr>
+        <p:spPr/>
+        <p:txBody>
+          <a:bodyPr/>
+          <a:lstStyle/>
+          <a:p>
+            <a:r>
+              <a:rPr lang="en-US" dirty="0" smtClean="0">
+                <a:hlinkClick r:id="rId2"/>
+              </a:rPr>
+              <a:t>https://ru.wikipedia.org/wiki/</a:t>
+            </a:r>
+            <a:r>
+              <a:rPr lang="ru-RU" dirty="0" err="1" smtClean="0">
+                <a:hlinkClick r:id="rId2"/>
+              </a:rPr>
+              <a:t>Машинное_обучение</a:t>
+            </a:r>
+            <a:endParaRPr lang="ru-RU" dirty="0" smtClean="0"/>
+          </a:p>
+          <a:p>
+            <a:r>
+              <a:rPr lang="en-US" dirty="0" smtClean="0">
+                <a:hlinkClick r:id="rId3"/>
+              </a:rPr>
+              <a:t>http</a:t>
+            </a:r>
+            <a:r>
+              <a:rPr lang="en-US" dirty="0">
+                <a:hlinkClick r:id="rId3"/>
+              </a:rPr>
+              <a:t>://www.machinelearning.ru</a:t>
+            </a:r>
+            <a:r>
+              <a:rPr lang="en-US" dirty="0" smtClean="0">
+                <a:hlinkClick r:id="rId3"/>
+              </a:rPr>
+              <a:t>/</a:t>
+            </a:r>
+            <a:endParaRPr lang="ru-RU" dirty="0" smtClean="0"/>
+          </a:p>
+          <a:p>
+            <a:r>
+              <a:rPr lang="en-US" dirty="0">
+                <a:hlinkClick r:id="rId4"/>
+              </a:rPr>
+              <a:t>https://vas3k.ru/blog/machine_learning</a:t>
+            </a:r>
+            <a:r>
+              <a:rPr lang="en-US" dirty="0" smtClean="0">
+                <a:hlinkClick r:id="rId4"/>
+              </a:rPr>
+              <a:t>/</a:t>
+            </a:r>
+            <a:endParaRPr lang="ru-RU" dirty="0" smtClean="0"/>
+          </a:p>
+        </p:txBody>
+      </p:sp>
+    </p:spTree>
+    <p:extLst>
+      <p:ext uri="{BB962C8B-B14F-4D97-AF65-F5344CB8AC3E}">
+        <p14:creationId xmlns:p14="http://schemas.microsoft.com/office/powerpoint/2010/main" val="2236621087"/>
       </p:ext>
     </p:extLst>
   </p:cSld>
@@ -6249,7 +10168,6 @@
               <a:rPr lang="ru-RU" sz="4000" dirty="0" smtClean="0"/>
               <a:t>Обучение с подкреплением.</a:t>
             </a:r>
-            <a:endParaRPr lang="ru-RU" sz="4000" dirty="0" smtClean="0"/>
           </a:p>
         </p:txBody>
       </p:sp>
@@ -6257,6 +10175,74 @@
     <p:extLst>
       <p:ext uri="{BB962C8B-B14F-4D97-AF65-F5344CB8AC3E}">
         <p14:creationId xmlns:p14="http://schemas.microsoft.com/office/powerpoint/2010/main" val="1707772854"/>
+      </p:ext>
+    </p:extLst>
+  </p:cSld>
+  <p:clrMapOvr>
+    <a:masterClrMapping/>
+  </p:clrMapOvr>
+  <p:timing>
+    <p:tnLst>
+      <p:par>
+        <p:cTn id="1" dur="indefinite" restart="never" nodeType="tmRoot"/>
+      </p:par>
+    </p:tnLst>
+  </p:timing>
+</p:sld>
+</file>
+
+<file path=ppt/slides/slide30.xml><?xml version="1.0" encoding="utf-8"?>
+<p:sld xmlns:a="http://schemas.openxmlformats.org/drawingml/2006/main" xmlns:r="http://schemas.openxmlformats.org/officeDocument/2006/relationships" xmlns:p="http://schemas.openxmlformats.org/presentationml/2006/main">
+  <p:cSld>
+    <p:spTree>
+      <p:nvGrpSpPr>
+        <p:cNvPr id="1" name=""/>
+        <p:cNvGrpSpPr/>
+        <p:nvPr/>
+      </p:nvGrpSpPr>
+      <p:grpSpPr>
+        <a:xfrm>
+          <a:off x="0" y="0"/>
+          <a:ext cx="0" cy="0"/>
+          <a:chOff x="0" y="0"/>
+          <a:chExt cx="0" cy="0"/>
+        </a:xfrm>
+      </p:grpSpPr>
+      <p:sp>
+        <p:nvSpPr>
+          <p:cNvPr id="2" name="Заголовок 1"/>
+          <p:cNvSpPr>
+            <a:spLocks noGrp="1"/>
+          </p:cNvSpPr>
+          <p:nvPr>
+            <p:ph type="title"/>
+          </p:nvPr>
+        </p:nvSpPr>
+        <p:spPr>
+          <a:xfrm>
+            <a:off x="838200" y="2585810"/>
+            <a:ext cx="10515600" cy="1325563"/>
+          </a:xfrm>
+        </p:spPr>
+        <p:txBody>
+          <a:bodyPr>
+            <a:normAutofit/>
+          </a:bodyPr>
+          <a:lstStyle/>
+          <a:p>
+            <a:pPr algn="ctr"/>
+            <a:r>
+              <a:rPr lang="ru-RU" sz="6000" dirty="0" smtClean="0"/>
+              <a:t>Спасибо за внимание</a:t>
+            </a:r>
+            <a:endParaRPr lang="ru-RU" sz="6000" dirty="0"/>
+          </a:p>
+        </p:txBody>
+      </p:sp>
+    </p:spTree>
+    <p:extLst>
+      <p:ext uri="{BB962C8B-B14F-4D97-AF65-F5344CB8AC3E}">
+        <p14:creationId xmlns:p14="http://schemas.microsoft.com/office/powerpoint/2010/main" val="3287438502"/>
       </p:ext>
     </p:extLst>
   </p:cSld>
@@ -6598,7 +10584,6 @@
               <a:rPr lang="ru-RU" sz="4000" dirty="0"/>
               <a:t>Что такое машинное обучение?</a:t>
             </a:r>
-            <a:endParaRPr lang="ru-RU" sz="4000" dirty="0"/>
           </a:p>
         </p:txBody>
       </p:sp>
@@ -6919,11 +10904,7 @@
             </a:r>
             <a:r>
               <a:rPr lang="ru-RU" dirty="0" smtClean="0"/>
-              <a:t> </a:t>
-            </a:r>
-            <a:r>
-              <a:rPr lang="ru-RU" dirty="0" smtClean="0"/>
-              <a:t>– решаемая задача,</a:t>
+              <a:t> – решаемая задача,</a:t>
             </a:r>
           </a:p>
           <a:p>
@@ -7479,11 +11460,7 @@
             </a:r>
             <a:r>
               <a:rPr lang="ru-RU" dirty="0" smtClean="0"/>
-              <a:t> имеет вид </a:t>
-            </a:r>
-            <a:r>
-              <a:rPr lang="ru-RU" dirty="0" smtClean="0"/>
-              <a:t>(описание объекта, ответ):</a:t>
+              <a:t> имеет вид (описание объекта, ответ):</a:t>
             </a:r>
           </a:p>
           <a:p>

--- a/Лекция 2 23_09_2020.pptx
+++ b/Лекция 2 23_09_2020.pptx
@@ -5,7 +5,7 @@
     <p:sldMasterId id="2147483648" r:id="rId1"/>
   </p:sldMasterIdLst>
   <p:notesMasterIdLst>
-    <p:notesMasterId r:id="rId32"/>
+    <p:notesMasterId r:id="rId46"/>
   </p:notesMasterIdLst>
   <p:sldIdLst>
     <p:sldId id="256" r:id="rId2"/>
@@ -36,8 +36,22 @@
     <p:sldId id="286" r:id="rId27"/>
     <p:sldId id="294" r:id="rId28"/>
     <p:sldId id="298" r:id="rId29"/>
-    <p:sldId id="259" r:id="rId30"/>
-    <p:sldId id="260" r:id="rId31"/>
+    <p:sldId id="299" r:id="rId30"/>
+    <p:sldId id="300" r:id="rId31"/>
+    <p:sldId id="301" r:id="rId32"/>
+    <p:sldId id="302" r:id="rId33"/>
+    <p:sldId id="303" r:id="rId34"/>
+    <p:sldId id="259" r:id="rId35"/>
+    <p:sldId id="260" r:id="rId36"/>
+    <p:sldId id="304" r:id="rId37"/>
+    <p:sldId id="305" r:id="rId38"/>
+    <p:sldId id="306" r:id="rId39"/>
+    <p:sldId id="307" r:id="rId40"/>
+    <p:sldId id="308" r:id="rId41"/>
+    <p:sldId id="309" r:id="rId42"/>
+    <p:sldId id="310" r:id="rId43"/>
+    <p:sldId id="311" r:id="rId44"/>
+    <p:sldId id="312" r:id="rId45"/>
   </p:sldIdLst>
   <p:sldSz cx="12192000" cy="6858000"/>
   <p:notesSz cx="6858000" cy="9144000"/>
@@ -238,7 +252,7 @@
           <a:p>
             <a:fld id="{44DBC884-B382-4302-8488-D4E467EB670D}" type="datetimeFigureOut">
               <a:rPr lang="ru-RU" smtClean="0"/>
-              <a:t>15.09.2020</a:t>
+              <a:t>18.09.2020</a:t>
             </a:fld>
             <a:endParaRPr lang="ru-RU"/>
           </a:p>
@@ -637,7 +651,7 @@
           <a:p>
             <a:fld id="{9F4DF3D0-C105-404D-A43B-7CBA1B97B744}" type="datetimeFigureOut">
               <a:rPr lang="ru-RU" smtClean="0"/>
-              <a:t>15.09.2020</a:t>
+              <a:t>18.09.2020</a:t>
             </a:fld>
             <a:endParaRPr lang="ru-RU"/>
           </a:p>
@@ -807,7 +821,7 @@
           <a:p>
             <a:fld id="{9F4DF3D0-C105-404D-A43B-7CBA1B97B744}" type="datetimeFigureOut">
               <a:rPr lang="ru-RU" smtClean="0"/>
-              <a:t>15.09.2020</a:t>
+              <a:t>18.09.2020</a:t>
             </a:fld>
             <a:endParaRPr lang="ru-RU"/>
           </a:p>
@@ -987,7 +1001,7 @@
           <a:p>
             <a:fld id="{9F4DF3D0-C105-404D-A43B-7CBA1B97B744}" type="datetimeFigureOut">
               <a:rPr lang="ru-RU" smtClean="0"/>
-              <a:t>15.09.2020</a:t>
+              <a:t>18.09.2020</a:t>
             </a:fld>
             <a:endParaRPr lang="ru-RU"/>
           </a:p>
@@ -1157,7 +1171,7 @@
           <a:p>
             <a:fld id="{9F4DF3D0-C105-404D-A43B-7CBA1B97B744}" type="datetimeFigureOut">
               <a:rPr lang="ru-RU" smtClean="0"/>
-              <a:t>15.09.2020</a:t>
+              <a:t>18.09.2020</a:t>
             </a:fld>
             <a:endParaRPr lang="ru-RU"/>
           </a:p>
@@ -1403,7 +1417,7 @@
           <a:p>
             <a:fld id="{9F4DF3D0-C105-404D-A43B-7CBA1B97B744}" type="datetimeFigureOut">
               <a:rPr lang="ru-RU" smtClean="0"/>
-              <a:t>15.09.2020</a:t>
+              <a:t>18.09.2020</a:t>
             </a:fld>
             <a:endParaRPr lang="ru-RU"/>
           </a:p>
@@ -1635,7 +1649,7 @@
           <a:p>
             <a:fld id="{9F4DF3D0-C105-404D-A43B-7CBA1B97B744}" type="datetimeFigureOut">
               <a:rPr lang="ru-RU" smtClean="0"/>
-              <a:t>15.09.2020</a:t>
+              <a:t>18.09.2020</a:t>
             </a:fld>
             <a:endParaRPr lang="ru-RU"/>
           </a:p>
@@ -2002,7 +2016,7 @@
           <a:p>
             <a:fld id="{9F4DF3D0-C105-404D-A43B-7CBA1B97B744}" type="datetimeFigureOut">
               <a:rPr lang="ru-RU" smtClean="0"/>
-              <a:t>15.09.2020</a:t>
+              <a:t>18.09.2020</a:t>
             </a:fld>
             <a:endParaRPr lang="ru-RU"/>
           </a:p>
@@ -2120,7 +2134,7 @@
           <a:p>
             <a:fld id="{9F4DF3D0-C105-404D-A43B-7CBA1B97B744}" type="datetimeFigureOut">
               <a:rPr lang="ru-RU" smtClean="0"/>
-              <a:t>15.09.2020</a:t>
+              <a:t>18.09.2020</a:t>
             </a:fld>
             <a:endParaRPr lang="ru-RU"/>
           </a:p>
@@ -2215,7 +2229,7 @@
           <a:p>
             <a:fld id="{9F4DF3D0-C105-404D-A43B-7CBA1B97B744}" type="datetimeFigureOut">
               <a:rPr lang="ru-RU" smtClean="0"/>
-              <a:t>15.09.2020</a:t>
+              <a:t>18.09.2020</a:t>
             </a:fld>
             <a:endParaRPr lang="ru-RU"/>
           </a:p>
@@ -2492,7 +2506,7 @@
           <a:p>
             <a:fld id="{9F4DF3D0-C105-404D-A43B-7CBA1B97B744}" type="datetimeFigureOut">
               <a:rPr lang="ru-RU" smtClean="0"/>
-              <a:t>15.09.2020</a:t>
+              <a:t>18.09.2020</a:t>
             </a:fld>
             <a:endParaRPr lang="ru-RU"/>
           </a:p>
@@ -2745,7 +2759,7 @@
           <a:p>
             <a:fld id="{9F4DF3D0-C105-404D-A43B-7CBA1B97B744}" type="datetimeFigureOut">
               <a:rPr lang="ru-RU" smtClean="0"/>
-              <a:t>15.09.2020</a:t>
+              <a:t>18.09.2020</a:t>
             </a:fld>
             <a:endParaRPr lang="ru-RU"/>
           </a:p>
@@ -2958,7 +2972,7 @@
           <a:p>
             <a:fld id="{9F4DF3D0-C105-404D-A43B-7CBA1B97B744}" type="datetimeFigureOut">
               <a:rPr lang="ru-RU" smtClean="0"/>
-              <a:t>15.09.2020</a:t>
+              <a:t>18.09.2020</a:t>
             </a:fld>
             <a:endParaRPr lang="ru-RU"/>
           </a:p>
@@ -3524,7 +3538,6 @@
               <a:rPr lang="ru-RU" sz="4000" dirty="0"/>
               <a:t>Обучение с учителем</a:t>
             </a:r>
-            <a:endParaRPr lang="ru-RU" sz="4000" dirty="0"/>
           </a:p>
         </p:txBody>
       </p:sp>
@@ -3817,11 +3830,7 @@
           <a:p>
             <a:r>
               <a:rPr lang="ru-RU" dirty="0" smtClean="0"/>
-              <a:t>Обучение без </a:t>
-            </a:r>
-            <a:r>
-              <a:rPr lang="ru-RU" dirty="0" smtClean="0"/>
-              <a:t>учителя. Определение</a:t>
+              <a:t>Обучение без учителя. Определение</a:t>
             </a:r>
             <a:endParaRPr lang="ru-RU" dirty="0"/>
           </a:p>
@@ -3967,11 +3976,7 @@
             </a:pPr>
             <a:r>
               <a:rPr lang="ru-RU" dirty="0" smtClean="0"/>
-              <a:t>Обнаружить </a:t>
-            </a:r>
-            <a:r>
-              <a:rPr lang="ru-RU" dirty="0" smtClean="0"/>
-              <a:t>зависимости</a:t>
+              <a:t>Обнаружить зависимости</a:t>
             </a:r>
             <a:r>
               <a:rPr lang="en-US" dirty="0" smtClean="0"/>
@@ -4466,9 +4471,6 @@
               </a:rPr>
               <a:t>.</a:t>
             </a:r>
-            <a:endParaRPr lang="en-US" dirty="0" smtClean="0">
-              <a:sym typeface="Symbol" panose="05050102010706020507" pitchFamily="18" charset="2"/>
-            </a:endParaRPr>
           </a:p>
         </p:txBody>
       </p:sp>
@@ -4590,11 +4592,7 @@
               <a:pPr algn="ctr"/>
               <a:r>
                 <a:rPr lang="ru-RU" dirty="0" smtClean="0"/>
-                <a:t>Обучение </a:t>
-              </a:r>
-              <a:r>
-                <a:rPr lang="ru-RU" dirty="0" smtClean="0"/>
-                <a:t>без учителя</a:t>
+                <a:t>Обучение без учителя</a:t>
               </a:r>
               <a:endParaRPr lang="ru-RU" dirty="0"/>
             </a:p>
@@ -4825,11 +4823,7 @@
           <a:p>
             <a:r>
               <a:rPr lang="ru-RU" dirty="0" smtClean="0"/>
-              <a:t>Обучение с </a:t>
-            </a:r>
-            <a:r>
-              <a:rPr lang="ru-RU" dirty="0" smtClean="0"/>
-              <a:t>подкреплением. Описание</a:t>
+              <a:t>Обучение с подкреплением. Описание</a:t>
             </a:r>
             <a:endParaRPr lang="ru-RU" dirty="0"/>
           </a:p>
@@ -5163,11 +5157,7 @@
           <a:p>
             <a:r>
               <a:rPr lang="ru-RU" dirty="0" smtClean="0"/>
-              <a:t>Обучение с подкреплением. </a:t>
-            </a:r>
-            <a:r>
-              <a:rPr lang="ru-RU" dirty="0" smtClean="0"/>
-              <a:t>Описание</a:t>
+              <a:t>Обучение с подкреплением. Описание</a:t>
             </a:r>
             <a:endParaRPr lang="ru-RU" dirty="0"/>
           </a:p>
@@ -5806,7 +5796,6 @@
               <a:rPr lang="ru-RU" sz="4000" dirty="0"/>
               <a:t>Обучение с подкреплением</a:t>
             </a:r>
-            <a:endParaRPr lang="ru-RU" sz="4000" dirty="0"/>
           </a:p>
         </p:txBody>
       </p:sp>
@@ -5862,11 +5851,7 @@
               <a:pPr algn="ctr"/>
               <a:r>
                 <a:rPr lang="ru-RU" dirty="0" smtClean="0"/>
-                <a:t>Обучение </a:t>
-              </a:r>
-              <a:r>
-                <a:rPr lang="ru-RU" dirty="0" smtClean="0"/>
-                <a:t>с подкреплением</a:t>
+                <a:t>Обучение с подкреплением</a:t>
               </a:r>
               <a:endParaRPr lang="ru-RU" dirty="0"/>
             </a:p>
@@ -6208,7 +6193,6 @@
               <a:rPr lang="ru-RU" dirty="0" smtClean="0"/>
               <a:t>Регрессия.</a:t>
             </a:r>
-            <a:endParaRPr lang="ru-RU" dirty="0" smtClean="0"/>
           </a:p>
           <a:p>
             <a:pPr marL="514350" indent="-514350">
@@ -6233,7 +6217,6 @@
               <a:rPr lang="ru-RU" dirty="0" smtClean="0"/>
               <a:t>Обучение без учителя:</a:t>
             </a:r>
-            <a:endParaRPr lang="ru-RU" dirty="0" smtClean="0"/>
           </a:p>
           <a:p>
             <a:pPr marL="514350" indent="-514350">
@@ -6306,7 +6289,6 @@
               <a:rPr lang="ru-RU" dirty="0"/>
               <a:t>Регрессия</a:t>
             </a:r>
-            <a:endParaRPr lang="ru-RU" dirty="0"/>
           </a:p>
         </p:txBody>
       </p:sp>
@@ -6625,7 +6607,6 @@
               <a:rPr lang="ru-RU" dirty="0" smtClean="0"/>
               <a:t>, и пытаемся найти эту зависимость.</a:t>
             </a:r>
-            <a:endParaRPr lang="ru-RU" dirty="0" smtClean="0"/>
           </a:p>
         </p:txBody>
       </p:sp>
@@ -6785,8 +6766,8 @@
           </a:p>
         </p:txBody>
       </p:sp>
-      <mc:AlternateContent xmlns:mc="http://schemas.openxmlformats.org/markup-compatibility/2006">
-        <mc:Choice xmlns:a14="http://schemas.microsoft.com/office/drawing/2010/main" Requires="a14">
+      <mc:AlternateContent xmlns:mc="http://schemas.openxmlformats.org/markup-compatibility/2006" xmlns:a14="http://schemas.microsoft.com/office/drawing/2010/main">
+        <mc:Choice Requires="a14">
           <p:sp>
             <p:nvSpPr>
               <p:cNvPr id="3" name="Объект 2"/>
@@ -7124,7 +7105,7 @@
             </p:txBody>
           </p:sp>
         </mc:Choice>
-        <mc:Fallback>
+        <mc:Fallback xmlns="">
           <p:sp>
             <p:nvSpPr>
               <p:cNvPr id="3" name="Объект 2"/>
@@ -7218,8 +7199,8 @@
           </a:p>
         </p:txBody>
       </p:sp>
-      <mc:AlternateContent xmlns:mc="http://schemas.openxmlformats.org/markup-compatibility/2006">
-        <mc:Choice xmlns:a14="http://schemas.microsoft.com/office/drawing/2010/main" Requires="a14">
+      <mc:AlternateContent xmlns:mc="http://schemas.openxmlformats.org/markup-compatibility/2006" xmlns:a14="http://schemas.microsoft.com/office/drawing/2010/main">
+        <mc:Choice Requires="a14">
           <p:sp>
             <p:nvSpPr>
               <p:cNvPr id="3" name="Объект 2"/>
@@ -7550,7 +7531,7 @@
             </p:txBody>
           </p:sp>
         </mc:Choice>
-        <mc:Fallback>
+        <mc:Fallback xmlns="">
           <p:sp>
             <p:nvSpPr>
               <p:cNvPr id="3" name="Объект 2"/>
@@ -8043,7 +8024,6 @@
               <a:rPr lang="ru-RU" dirty="0"/>
               <a:t>Метрики производительности.</a:t>
             </a:r>
-            <a:endParaRPr lang="ru-RU" dirty="0"/>
           </a:p>
         </p:txBody>
       </p:sp>
@@ -8362,12 +8342,11 @@
               <a:rPr lang="ru-RU" dirty="0"/>
               <a:t>Метрики производительности.</a:t>
             </a:r>
-            <a:endParaRPr lang="ru-RU" dirty="0"/>
-          </a:p>
-        </p:txBody>
-      </p:sp>
-      <mc:AlternateContent xmlns:mc="http://schemas.openxmlformats.org/markup-compatibility/2006">
-        <mc:Choice xmlns:a14="http://schemas.microsoft.com/office/drawing/2010/main" Requires="a14">
+          </a:p>
+        </p:txBody>
+      </p:sp>
+      <mc:AlternateContent xmlns:mc="http://schemas.openxmlformats.org/markup-compatibility/2006" xmlns:a14="http://schemas.microsoft.com/office/drawing/2010/main">
+        <mc:Choice Requires="a14">
           <p:sp>
             <p:nvSpPr>
               <p:cNvPr id="3" name="Объект 2"/>
@@ -8679,7 +8658,7 @@
             </p:txBody>
           </p:sp>
         </mc:Choice>
-        <mc:Fallback>
+        <mc:Fallback xmlns="">
           <p:sp>
             <p:nvSpPr>
               <p:cNvPr id="3" name="Объект 2"/>
@@ -8773,7 +8752,6 @@
               <a:rPr lang="ru-RU" dirty="0"/>
               <a:t>Метрики производительности.</a:t>
             </a:r>
-            <a:endParaRPr lang="ru-RU" dirty="0"/>
           </a:p>
         </p:txBody>
       </p:sp>
@@ -9275,7 +9253,6 @@
               <a:rPr lang="ru-RU" dirty="0"/>
               <a:t>Метрики производительности.</a:t>
             </a:r>
-            <a:endParaRPr lang="ru-RU" dirty="0"/>
           </a:p>
         </p:txBody>
       </p:sp>
@@ -9344,7 +9321,6 @@
               <a:rPr lang="ru-RU" dirty="0" smtClean="0"/>
               <a:t>3. Используем блок обучения с учителем для определения метрики производительности блока обучения без учителя.</a:t>
             </a:r>
-            <a:endParaRPr lang="ru-RU" dirty="0" smtClean="0"/>
           </a:p>
         </p:txBody>
       </p:sp>
@@ -9813,6 +9789,75 @@
                 <a:pPr marL="0" indent="0">
                   <a:buNone/>
                 </a:pPr>
+                <a14:m>
+                  <m:oMath xmlns:m="http://schemas.openxmlformats.org/officeDocument/2006/math">
+                    <m:r>
+                      <a:rPr lang="en-US" i="1">
+                        <a:latin typeface="Cambria Math" panose="02040503050406030204" pitchFamily="18" charset="0"/>
+                      </a:rPr>
+                      <m:t>𝑆</m:t>
+                    </m:r>
+                    <m:d>
+                      <m:dPr>
+                        <m:ctrlPr>
+                          <a:rPr lang="en-US" i="1">
+                            <a:latin typeface="Cambria Math" panose="02040503050406030204" pitchFamily="18" charset="0"/>
+                          </a:rPr>
+                        </m:ctrlPr>
+                      </m:dPr>
+                      <m:e>
+                        <m:sSub>
+                          <m:sSubPr>
+                            <m:ctrlPr>
+                              <a:rPr lang="en-US" i="1">
+                                <a:latin typeface="Cambria Math" panose="02040503050406030204" pitchFamily="18" charset="0"/>
+                              </a:rPr>
+                            </m:ctrlPr>
+                          </m:sSubPr>
+                          <m:e>
+                            <m:r>
+                              <a:rPr lang="en-US" i="1">
+                                <a:latin typeface="Cambria Math" panose="02040503050406030204" pitchFamily="18" charset="0"/>
+                              </a:rPr>
+                              <m:t>𝑥</m:t>
+                            </m:r>
+                          </m:e>
+                          <m:sub>
+                            <m:r>
+                              <a:rPr lang="en-US" i="1">
+                                <a:latin typeface="Cambria Math" panose="02040503050406030204" pitchFamily="18" charset="0"/>
+                              </a:rPr>
+                              <m:t>𝑖</m:t>
+                            </m:r>
+                          </m:sub>
+                        </m:sSub>
+                      </m:e>
+                    </m:d>
+                  </m:oMath>
+                </a14:m>
+                <a:r>
+                  <a:rPr lang="ru-RU" dirty="0" smtClean="0"/>
+                  <a:t> принимает значения из отрезка </a:t>
+                </a:r>
+                <a:r>
+                  <a:rPr lang="en-US" dirty="0" smtClean="0"/>
+                  <a:t>[-1, 1]</a:t>
+                </a:r>
+                <a:r>
+                  <a:rPr lang="ru-RU" dirty="0" smtClean="0"/>
+                  <a:t>.</a:t>
+                </a:r>
+              </a:p>
+              <a:p>
+                <a:pPr marL="0" indent="0">
+                  <a:buNone/>
+                </a:pPr>
+                <a:endParaRPr lang="en-US" dirty="0" smtClean="0"/>
+              </a:p>
+              <a:p>
+                <a:pPr marL="0" indent="0">
+                  <a:buNone/>
+                </a:pPr>
                 <a:r>
                   <a:rPr lang="ru-RU" dirty="0" smtClean="0"/>
                   <a:t>В качестве метрики используем среднее значение </a:t>
@@ -9920,7 +9965,7 @@
               <a:blipFill rotWithShape="0">
                 <a:blip r:embed="rId2"/>
                 <a:stretch>
-                  <a:fillRect l="-1217" t="-2241" r="-348"/>
+                  <a:fillRect l="-1217" t="-2241" r="-348" b="-840"/>
                 </a:stretch>
               </a:blipFill>
             </p:spPr>
@@ -9988,88 +10033,69 @@
         </p:nvSpPr>
         <p:spPr/>
         <p:txBody>
-          <a:bodyPr/>
+          <a:bodyPr>
+            <a:normAutofit fontScale="90000"/>
+          </a:bodyPr>
           <a:lstStyle/>
           <a:p>
             <a:r>
               <a:rPr lang="ru-RU" dirty="0" smtClean="0"/>
-              <a:t>Ссылки</a:t>
+              <a:t>Кластеризация. </a:t>
+            </a:r>
+            <a:r>
+              <a:rPr lang="ru-RU" dirty="0"/>
+              <a:t>Метрики производительности</a:t>
+            </a:r>
+            <a:r>
+              <a:rPr lang="ru-RU" dirty="0" smtClean="0"/>
+              <a:t>. </a:t>
+            </a:r>
+            <a:r>
+              <a:rPr lang="ru-RU" dirty="0"/>
+              <a:t>Коэффициент </a:t>
+            </a:r>
+            <a:r>
+              <a:rPr lang="ru-RU" dirty="0" smtClean="0"/>
+              <a:t>силуэта.</a:t>
             </a:r>
             <a:endParaRPr lang="ru-RU" dirty="0"/>
           </a:p>
         </p:txBody>
       </p:sp>
-      <p:sp>
-        <p:nvSpPr>
-          <p:cNvPr id="3" name="Объект 2"/>
-          <p:cNvSpPr>
-            <a:spLocks noGrp="1"/>
-          </p:cNvSpPr>
-          <p:nvPr>
-            <p:ph idx="1"/>
-          </p:nvPr>
-        </p:nvSpPr>
-        <p:spPr/>
-        <p:txBody>
-          <a:bodyPr/>
-          <a:lstStyle/>
-          <a:p>
-            <a:r>
-              <a:rPr lang="en-US" dirty="0" smtClean="0">
-                <a:hlinkClick r:id="rId2"/>
-              </a:rPr>
-              <a:t>https://ru.wikipedia.org/wiki/</a:t>
-            </a:r>
-            <a:r>
-              <a:rPr lang="ru-RU" dirty="0" err="1" smtClean="0">
-                <a:hlinkClick r:id="rId2"/>
-              </a:rPr>
-              <a:t>Машинное_обучение</a:t>
-            </a:r>
-            <a:endParaRPr lang="ru-RU" dirty="0" smtClean="0"/>
-          </a:p>
-          <a:p>
-            <a:r>
-              <a:rPr lang="en-US" dirty="0" smtClean="0">
-                <a:hlinkClick r:id="rId3"/>
-              </a:rPr>
-              <a:t>http</a:t>
-            </a:r>
-            <a:r>
-              <a:rPr lang="en-US" dirty="0">
-                <a:hlinkClick r:id="rId3"/>
-              </a:rPr>
-              <a:t>://www.machinelearning.ru</a:t>
-            </a:r>
-            <a:r>
-              <a:rPr lang="en-US" dirty="0" smtClean="0">
-                <a:hlinkClick r:id="rId3"/>
-              </a:rPr>
-              <a:t>/</a:t>
-            </a:r>
-            <a:endParaRPr lang="ru-RU" dirty="0" smtClean="0"/>
-          </a:p>
-          <a:p>
-            <a:r>
-              <a:rPr lang="en-US" dirty="0">
-                <a:hlinkClick r:id="rId4"/>
-              </a:rPr>
-              <a:t>https://vas3k.ru/blog/machine_learning</a:t>
-            </a:r>
-            <a:r>
-              <a:rPr lang="en-US" dirty="0" smtClean="0">
-                <a:hlinkClick r:id="rId4"/>
-              </a:rPr>
-              <a:t>/</a:t>
-            </a:r>
-            <a:endParaRPr lang="ru-RU" dirty="0" smtClean="0"/>
-          </a:p>
-        </p:txBody>
-      </p:sp>
+      <p:pic>
+        <p:nvPicPr>
+          <p:cNvPr id="5" name="Рисунок 4"/>
+          <p:cNvPicPr>
+            <a:picLocks noChangeAspect="1"/>
+          </p:cNvPicPr>
+          <p:nvPr/>
+        </p:nvPicPr>
+        <p:blipFill>
+          <a:blip r:embed="rId2">
+            <a:extLst>
+              <a:ext uri="{28A0092B-C50C-407E-A947-70E740481C1C}">
+                <a14:useLocalDpi xmlns:a14="http://schemas.microsoft.com/office/drawing/2010/main" val="0"/>
+              </a:ext>
+            </a:extLst>
+          </a:blip>
+          <a:stretch>
+            <a:fillRect/>
+          </a:stretch>
+        </p:blipFill>
+        <p:spPr>
+          <a:xfrm>
+            <a:off x="0" y="1830231"/>
+            <a:ext cx="12192000" cy="4741333"/>
+          </a:xfrm>
+          <a:prstGeom prst="rect">
+            <a:avLst/>
+          </a:prstGeom>
+        </p:spPr>
+      </p:pic>
     </p:spTree>
     <p:extLst>
       <p:ext uri="{BB962C8B-B14F-4D97-AF65-F5344CB8AC3E}">
-        <p14:creationId xmlns:p14="http://schemas.microsoft.com/office/powerpoint/2010/main" val="2236621087"/>
+        <p14:creationId xmlns:p14="http://schemas.microsoft.com/office/powerpoint/2010/main" val="3164652397"/>
       </p:ext>
     </p:extLst>
   </p:cSld>
@@ -10218,6 +10244,580 @@
             <p:ph type="title"/>
           </p:nvPr>
         </p:nvSpPr>
+        <p:spPr/>
+        <p:txBody>
+          <a:bodyPr>
+            <a:normAutofit fontScale="90000"/>
+          </a:bodyPr>
+          <a:lstStyle/>
+          <a:p>
+            <a:r>
+              <a:rPr lang="ru-RU" dirty="0" smtClean="0"/>
+              <a:t>Кластеризация. </a:t>
+            </a:r>
+            <a:r>
+              <a:rPr lang="ru-RU" dirty="0"/>
+              <a:t>Метрики производительности</a:t>
+            </a:r>
+            <a:r>
+              <a:rPr lang="ru-RU" dirty="0" smtClean="0"/>
+              <a:t>. </a:t>
+            </a:r>
+            <a:r>
+              <a:rPr lang="ru-RU" dirty="0"/>
+              <a:t>Коэффициент </a:t>
+            </a:r>
+            <a:r>
+              <a:rPr lang="ru-RU" dirty="0" smtClean="0"/>
+              <a:t>силуэта.</a:t>
+            </a:r>
+            <a:endParaRPr lang="ru-RU" dirty="0"/>
+          </a:p>
+        </p:txBody>
+      </p:sp>
+      <p:pic>
+        <p:nvPicPr>
+          <p:cNvPr id="3" name="Рисунок 2"/>
+          <p:cNvPicPr>
+            <a:picLocks noChangeAspect="1"/>
+          </p:cNvPicPr>
+          <p:nvPr/>
+        </p:nvPicPr>
+        <p:blipFill>
+          <a:blip r:embed="rId2">
+            <a:extLst>
+              <a:ext uri="{28A0092B-C50C-407E-A947-70E740481C1C}">
+                <a14:useLocalDpi xmlns:a14="http://schemas.microsoft.com/office/drawing/2010/main" val="0"/>
+              </a:ext>
+            </a:extLst>
+          </a:blip>
+          <a:stretch>
+            <a:fillRect/>
+          </a:stretch>
+        </p:blipFill>
+        <p:spPr>
+          <a:xfrm>
+            <a:off x="0" y="1830224"/>
+            <a:ext cx="12192000" cy="4741333"/>
+          </a:xfrm>
+          <a:prstGeom prst="rect">
+            <a:avLst/>
+          </a:prstGeom>
+        </p:spPr>
+      </p:pic>
+    </p:spTree>
+    <p:extLst>
+      <p:ext uri="{BB962C8B-B14F-4D97-AF65-F5344CB8AC3E}">
+        <p14:creationId xmlns:p14="http://schemas.microsoft.com/office/powerpoint/2010/main" val="3459595678"/>
+      </p:ext>
+    </p:extLst>
+  </p:cSld>
+  <p:clrMapOvr>
+    <a:masterClrMapping/>
+  </p:clrMapOvr>
+  <p:timing>
+    <p:tnLst>
+      <p:par>
+        <p:cTn id="1" dur="indefinite" restart="never" nodeType="tmRoot"/>
+      </p:par>
+    </p:tnLst>
+  </p:timing>
+</p:sld>
+</file>
+
+<file path=ppt/slides/slide31.xml><?xml version="1.0" encoding="utf-8"?>
+<p:sld xmlns:a="http://schemas.openxmlformats.org/drawingml/2006/main" xmlns:r="http://schemas.openxmlformats.org/officeDocument/2006/relationships" xmlns:p="http://schemas.openxmlformats.org/presentationml/2006/main">
+  <p:cSld>
+    <p:spTree>
+      <p:nvGrpSpPr>
+        <p:cNvPr id="1" name=""/>
+        <p:cNvGrpSpPr/>
+        <p:nvPr/>
+      </p:nvGrpSpPr>
+      <p:grpSpPr>
+        <a:xfrm>
+          <a:off x="0" y="0"/>
+          <a:ext cx="0" cy="0"/>
+          <a:chOff x="0" y="0"/>
+          <a:chExt cx="0" cy="0"/>
+        </a:xfrm>
+      </p:grpSpPr>
+      <p:sp>
+        <p:nvSpPr>
+          <p:cNvPr id="2" name="Заголовок 1"/>
+          <p:cNvSpPr>
+            <a:spLocks noGrp="1"/>
+          </p:cNvSpPr>
+          <p:nvPr>
+            <p:ph type="title"/>
+          </p:nvPr>
+        </p:nvSpPr>
+        <p:spPr/>
+        <p:txBody>
+          <a:bodyPr>
+            <a:normAutofit fontScale="90000"/>
+          </a:bodyPr>
+          <a:lstStyle/>
+          <a:p>
+            <a:r>
+              <a:rPr lang="ru-RU" dirty="0" smtClean="0"/>
+              <a:t>Кластеризация. </a:t>
+            </a:r>
+            <a:r>
+              <a:rPr lang="ru-RU" dirty="0"/>
+              <a:t>Метрики производительности</a:t>
+            </a:r>
+            <a:r>
+              <a:rPr lang="ru-RU" dirty="0" smtClean="0"/>
+              <a:t>. </a:t>
+            </a:r>
+            <a:r>
+              <a:rPr lang="ru-RU" dirty="0"/>
+              <a:t>Коэффициент </a:t>
+            </a:r>
+            <a:r>
+              <a:rPr lang="ru-RU" dirty="0" smtClean="0"/>
+              <a:t>силуэта.</a:t>
+            </a:r>
+            <a:endParaRPr lang="ru-RU" dirty="0"/>
+          </a:p>
+        </p:txBody>
+      </p:sp>
+      <p:pic>
+        <p:nvPicPr>
+          <p:cNvPr id="3" name="Рисунок 2"/>
+          <p:cNvPicPr>
+            <a:picLocks noChangeAspect="1"/>
+          </p:cNvPicPr>
+          <p:nvPr/>
+        </p:nvPicPr>
+        <p:blipFill>
+          <a:blip r:embed="rId2">
+            <a:extLst>
+              <a:ext uri="{28A0092B-C50C-407E-A947-70E740481C1C}">
+                <a14:useLocalDpi xmlns:a14="http://schemas.microsoft.com/office/drawing/2010/main" val="0"/>
+              </a:ext>
+            </a:extLst>
+          </a:blip>
+          <a:stretch>
+            <a:fillRect/>
+          </a:stretch>
+        </p:blipFill>
+        <p:spPr>
+          <a:xfrm>
+            <a:off x="0" y="1821318"/>
+            <a:ext cx="12192000" cy="4741333"/>
+          </a:xfrm>
+          <a:prstGeom prst="rect">
+            <a:avLst/>
+          </a:prstGeom>
+        </p:spPr>
+      </p:pic>
+    </p:spTree>
+    <p:extLst>
+      <p:ext uri="{BB962C8B-B14F-4D97-AF65-F5344CB8AC3E}">
+        <p14:creationId xmlns:p14="http://schemas.microsoft.com/office/powerpoint/2010/main" val="725275145"/>
+      </p:ext>
+    </p:extLst>
+  </p:cSld>
+  <p:clrMapOvr>
+    <a:masterClrMapping/>
+  </p:clrMapOvr>
+  <p:timing>
+    <p:tnLst>
+      <p:par>
+        <p:cTn id="1" dur="indefinite" restart="never" nodeType="tmRoot"/>
+      </p:par>
+    </p:tnLst>
+  </p:timing>
+</p:sld>
+</file>
+
+<file path=ppt/slides/slide32.xml><?xml version="1.0" encoding="utf-8"?>
+<p:sld xmlns:a="http://schemas.openxmlformats.org/drawingml/2006/main" xmlns:r="http://schemas.openxmlformats.org/officeDocument/2006/relationships" xmlns:p="http://schemas.openxmlformats.org/presentationml/2006/main">
+  <p:cSld>
+    <p:spTree>
+      <p:nvGrpSpPr>
+        <p:cNvPr id="1" name=""/>
+        <p:cNvGrpSpPr/>
+        <p:nvPr/>
+      </p:nvGrpSpPr>
+      <p:grpSpPr>
+        <a:xfrm>
+          <a:off x="0" y="0"/>
+          <a:ext cx="0" cy="0"/>
+          <a:chOff x="0" y="0"/>
+          <a:chExt cx="0" cy="0"/>
+        </a:xfrm>
+      </p:grpSpPr>
+      <p:sp>
+        <p:nvSpPr>
+          <p:cNvPr id="2" name="Заголовок 1"/>
+          <p:cNvSpPr>
+            <a:spLocks noGrp="1"/>
+          </p:cNvSpPr>
+          <p:nvPr>
+            <p:ph type="title"/>
+          </p:nvPr>
+        </p:nvSpPr>
+        <p:spPr/>
+        <p:txBody>
+          <a:bodyPr>
+            <a:normAutofit fontScale="90000"/>
+          </a:bodyPr>
+          <a:lstStyle/>
+          <a:p>
+            <a:r>
+              <a:rPr lang="ru-RU" dirty="0" smtClean="0"/>
+              <a:t>Кластеризация. </a:t>
+            </a:r>
+            <a:r>
+              <a:rPr lang="ru-RU" dirty="0"/>
+              <a:t>Метрики производительности</a:t>
+            </a:r>
+            <a:r>
+              <a:rPr lang="ru-RU" dirty="0" smtClean="0"/>
+              <a:t>. </a:t>
+            </a:r>
+            <a:r>
+              <a:rPr lang="ru-RU" dirty="0"/>
+              <a:t>Коэффициент </a:t>
+            </a:r>
+            <a:r>
+              <a:rPr lang="ru-RU" dirty="0" smtClean="0"/>
+              <a:t>силуэта.</a:t>
+            </a:r>
+            <a:endParaRPr lang="ru-RU" dirty="0"/>
+          </a:p>
+        </p:txBody>
+      </p:sp>
+      <p:pic>
+        <p:nvPicPr>
+          <p:cNvPr id="3" name="Рисунок 2"/>
+          <p:cNvPicPr>
+            <a:picLocks noChangeAspect="1"/>
+          </p:cNvPicPr>
+          <p:nvPr/>
+        </p:nvPicPr>
+        <p:blipFill>
+          <a:blip r:embed="rId2">
+            <a:extLst>
+              <a:ext uri="{28A0092B-C50C-407E-A947-70E740481C1C}">
+                <a14:useLocalDpi xmlns:a14="http://schemas.microsoft.com/office/drawing/2010/main" val="0"/>
+              </a:ext>
+            </a:extLst>
+          </a:blip>
+          <a:stretch>
+            <a:fillRect/>
+          </a:stretch>
+        </p:blipFill>
+        <p:spPr>
+          <a:xfrm>
+            <a:off x="0" y="1830231"/>
+            <a:ext cx="12192000" cy="4741333"/>
+          </a:xfrm>
+          <a:prstGeom prst="rect">
+            <a:avLst/>
+          </a:prstGeom>
+        </p:spPr>
+      </p:pic>
+    </p:spTree>
+    <p:extLst>
+      <p:ext uri="{BB962C8B-B14F-4D97-AF65-F5344CB8AC3E}">
+        <p14:creationId xmlns:p14="http://schemas.microsoft.com/office/powerpoint/2010/main" val="2217662007"/>
+      </p:ext>
+    </p:extLst>
+  </p:cSld>
+  <p:clrMapOvr>
+    <a:masterClrMapping/>
+  </p:clrMapOvr>
+  <p:timing>
+    <p:tnLst>
+      <p:par>
+        <p:cTn id="1" dur="indefinite" restart="never" nodeType="tmRoot"/>
+      </p:par>
+    </p:tnLst>
+  </p:timing>
+</p:sld>
+</file>
+
+<file path=ppt/slides/slide33.xml><?xml version="1.0" encoding="utf-8"?>
+<p:sld xmlns:a="http://schemas.openxmlformats.org/drawingml/2006/main" xmlns:r="http://schemas.openxmlformats.org/officeDocument/2006/relationships" xmlns:p="http://schemas.openxmlformats.org/presentationml/2006/main">
+  <p:cSld>
+    <p:spTree>
+      <p:nvGrpSpPr>
+        <p:cNvPr id="1" name=""/>
+        <p:cNvGrpSpPr/>
+        <p:nvPr/>
+      </p:nvGrpSpPr>
+      <p:grpSpPr>
+        <a:xfrm>
+          <a:off x="0" y="0"/>
+          <a:ext cx="0" cy="0"/>
+          <a:chOff x="0" y="0"/>
+          <a:chExt cx="0" cy="0"/>
+        </a:xfrm>
+      </p:grpSpPr>
+      <p:sp>
+        <p:nvSpPr>
+          <p:cNvPr id="2" name="Заголовок 1"/>
+          <p:cNvSpPr>
+            <a:spLocks noGrp="1"/>
+          </p:cNvSpPr>
+          <p:nvPr>
+            <p:ph type="title"/>
+          </p:nvPr>
+        </p:nvSpPr>
+        <p:spPr/>
+        <p:txBody>
+          <a:bodyPr>
+            <a:normAutofit fontScale="90000"/>
+          </a:bodyPr>
+          <a:lstStyle/>
+          <a:p>
+            <a:r>
+              <a:rPr lang="ru-RU" dirty="0" smtClean="0"/>
+              <a:t>Кластеризация. </a:t>
+            </a:r>
+            <a:r>
+              <a:rPr lang="ru-RU" dirty="0"/>
+              <a:t>Метрики производительности</a:t>
+            </a:r>
+            <a:r>
+              <a:rPr lang="ru-RU" dirty="0" smtClean="0"/>
+              <a:t>. </a:t>
+            </a:r>
+            <a:r>
+              <a:rPr lang="ru-RU" dirty="0"/>
+              <a:t>Коэффициент </a:t>
+            </a:r>
+            <a:r>
+              <a:rPr lang="ru-RU" dirty="0" smtClean="0"/>
+              <a:t>силуэта.</a:t>
+            </a:r>
+            <a:endParaRPr lang="ru-RU" dirty="0"/>
+          </a:p>
+        </p:txBody>
+      </p:sp>
+      <p:pic>
+        <p:nvPicPr>
+          <p:cNvPr id="3" name="Рисунок 2"/>
+          <p:cNvPicPr>
+            <a:picLocks noChangeAspect="1"/>
+          </p:cNvPicPr>
+          <p:nvPr/>
+        </p:nvPicPr>
+        <p:blipFill>
+          <a:blip r:embed="rId2">
+            <a:extLst>
+              <a:ext uri="{28A0092B-C50C-407E-A947-70E740481C1C}">
+                <a14:useLocalDpi xmlns:a14="http://schemas.microsoft.com/office/drawing/2010/main" val="0"/>
+              </a:ext>
+            </a:extLst>
+          </a:blip>
+          <a:stretch>
+            <a:fillRect/>
+          </a:stretch>
+        </p:blipFill>
+        <p:spPr>
+          <a:xfrm>
+            <a:off x="0" y="1830229"/>
+            <a:ext cx="12192000" cy="4741333"/>
+          </a:xfrm>
+          <a:prstGeom prst="rect">
+            <a:avLst/>
+          </a:prstGeom>
+        </p:spPr>
+      </p:pic>
+    </p:spTree>
+    <p:extLst>
+      <p:ext uri="{BB962C8B-B14F-4D97-AF65-F5344CB8AC3E}">
+        <p14:creationId xmlns:p14="http://schemas.microsoft.com/office/powerpoint/2010/main" val="257083332"/>
+      </p:ext>
+    </p:extLst>
+  </p:cSld>
+  <p:clrMapOvr>
+    <a:masterClrMapping/>
+  </p:clrMapOvr>
+  <p:timing>
+    <p:tnLst>
+      <p:par>
+        <p:cTn id="1" dur="indefinite" restart="never" nodeType="tmRoot"/>
+      </p:par>
+    </p:tnLst>
+  </p:timing>
+</p:sld>
+</file>
+
+<file path=ppt/slides/slide34.xml><?xml version="1.0" encoding="utf-8"?>
+<p:sld xmlns:a="http://schemas.openxmlformats.org/drawingml/2006/main" xmlns:r="http://schemas.openxmlformats.org/officeDocument/2006/relationships" xmlns:p="http://schemas.openxmlformats.org/presentationml/2006/main">
+  <p:cSld>
+    <p:spTree>
+      <p:nvGrpSpPr>
+        <p:cNvPr id="1" name=""/>
+        <p:cNvGrpSpPr/>
+        <p:nvPr/>
+      </p:nvGrpSpPr>
+      <p:grpSpPr>
+        <a:xfrm>
+          <a:off x="0" y="0"/>
+          <a:ext cx="0" cy="0"/>
+          <a:chOff x="0" y="0"/>
+          <a:chExt cx="0" cy="0"/>
+        </a:xfrm>
+      </p:grpSpPr>
+      <p:sp>
+        <p:nvSpPr>
+          <p:cNvPr id="2" name="Заголовок 1"/>
+          <p:cNvSpPr>
+            <a:spLocks noGrp="1"/>
+          </p:cNvSpPr>
+          <p:nvPr>
+            <p:ph type="title"/>
+          </p:nvPr>
+        </p:nvSpPr>
+        <p:spPr/>
+        <p:txBody>
+          <a:bodyPr/>
+          <a:lstStyle/>
+          <a:p>
+            <a:r>
+              <a:rPr lang="ru-RU" dirty="0" smtClean="0"/>
+              <a:t>Ссылки</a:t>
+            </a:r>
+            <a:endParaRPr lang="ru-RU" dirty="0"/>
+          </a:p>
+        </p:txBody>
+      </p:sp>
+      <p:sp>
+        <p:nvSpPr>
+          <p:cNvPr id="3" name="Объект 2"/>
+          <p:cNvSpPr>
+            <a:spLocks noGrp="1"/>
+          </p:cNvSpPr>
+          <p:nvPr>
+            <p:ph idx="1"/>
+          </p:nvPr>
+        </p:nvSpPr>
+        <p:spPr/>
+        <p:txBody>
+          <a:bodyPr/>
+          <a:lstStyle/>
+          <a:p>
+            <a:r>
+              <a:rPr lang="en-US" dirty="0" smtClean="0">
+                <a:hlinkClick r:id="rId2"/>
+              </a:rPr>
+              <a:t>https://ru.wikipedia.org/wiki/</a:t>
+            </a:r>
+            <a:r>
+              <a:rPr lang="ru-RU" dirty="0" err="1" smtClean="0">
+                <a:hlinkClick r:id="rId2"/>
+              </a:rPr>
+              <a:t>Машинное_обучение</a:t>
+            </a:r>
+            <a:endParaRPr lang="ru-RU" dirty="0" smtClean="0"/>
+          </a:p>
+          <a:p>
+            <a:r>
+              <a:rPr lang="en-US" dirty="0" smtClean="0">
+                <a:hlinkClick r:id="rId3"/>
+              </a:rPr>
+              <a:t>http</a:t>
+            </a:r>
+            <a:r>
+              <a:rPr lang="en-US" dirty="0">
+                <a:hlinkClick r:id="rId3"/>
+              </a:rPr>
+              <a:t>://www.machinelearning.ru</a:t>
+            </a:r>
+            <a:r>
+              <a:rPr lang="en-US" dirty="0" smtClean="0">
+                <a:hlinkClick r:id="rId3"/>
+              </a:rPr>
+              <a:t>/</a:t>
+            </a:r>
+            <a:endParaRPr lang="ru-RU" dirty="0" smtClean="0"/>
+          </a:p>
+          <a:p>
+            <a:r>
+              <a:rPr lang="en-US" dirty="0">
+                <a:hlinkClick r:id="rId4"/>
+              </a:rPr>
+              <a:t>https://vas3k.ru/blog/machine_learning</a:t>
+            </a:r>
+            <a:r>
+              <a:rPr lang="en-US" dirty="0" smtClean="0">
+                <a:hlinkClick r:id="rId4"/>
+              </a:rPr>
+              <a:t>/</a:t>
+            </a:r>
+            <a:endParaRPr lang="en-US" dirty="0" smtClean="0"/>
+          </a:p>
+          <a:p>
+            <a:r>
+              <a:rPr lang="en-US" dirty="0">
+                <a:hlinkClick r:id="rId5"/>
+              </a:rPr>
+              <a:t>https://</a:t>
+            </a:r>
+            <a:r>
+              <a:rPr lang="en-US" dirty="0" smtClean="0">
+                <a:hlinkClick r:id="rId5"/>
+              </a:rPr>
+              <a:t>scikit-learn.org/stable/auto_examples/cluster/plot_kmeans_silhouette_analysis.html</a:t>
+            </a:r>
+            <a:endParaRPr lang="en-US" dirty="0" smtClean="0"/>
+          </a:p>
+        </p:txBody>
+      </p:sp>
+    </p:spTree>
+    <p:extLst>
+      <p:ext uri="{BB962C8B-B14F-4D97-AF65-F5344CB8AC3E}">
+        <p14:creationId xmlns:p14="http://schemas.microsoft.com/office/powerpoint/2010/main" val="2236621087"/>
+      </p:ext>
+    </p:extLst>
+  </p:cSld>
+  <p:clrMapOvr>
+    <a:masterClrMapping/>
+  </p:clrMapOvr>
+  <p:timing>
+    <p:tnLst>
+      <p:par>
+        <p:cTn id="1" dur="indefinite" restart="never" nodeType="tmRoot"/>
+      </p:par>
+    </p:tnLst>
+  </p:timing>
+</p:sld>
+</file>
+
+<file path=ppt/slides/slide35.xml><?xml version="1.0" encoding="utf-8"?>
+<p:sld xmlns:a="http://schemas.openxmlformats.org/drawingml/2006/main" xmlns:r="http://schemas.openxmlformats.org/officeDocument/2006/relationships" xmlns:p="http://schemas.openxmlformats.org/presentationml/2006/main">
+  <p:cSld>
+    <p:spTree>
+      <p:nvGrpSpPr>
+        <p:cNvPr id="1" name=""/>
+        <p:cNvGrpSpPr/>
+        <p:nvPr/>
+      </p:nvGrpSpPr>
+      <p:grpSpPr>
+        <a:xfrm>
+          <a:off x="0" y="0"/>
+          <a:ext cx="0" cy="0"/>
+          <a:chOff x="0" y="0"/>
+          <a:chExt cx="0" cy="0"/>
+        </a:xfrm>
+      </p:grpSpPr>
+      <p:sp>
+        <p:nvSpPr>
+          <p:cNvPr id="2" name="Заголовок 1"/>
+          <p:cNvSpPr>
+            <a:spLocks noGrp="1"/>
+          </p:cNvSpPr>
+          <p:nvPr>
+            <p:ph type="title"/>
+          </p:nvPr>
+        </p:nvSpPr>
         <p:spPr>
           <a:xfrm>
             <a:off x="838200" y="2585810"/>
@@ -10256,6 +10856,502 @@
       </p:par>
     </p:tnLst>
   </p:timing>
+</p:sld>
+</file>
+
+<file path=ppt/slides/slide36.xml><?xml version="1.0" encoding="utf-8"?>
+<p:sld xmlns:a="http://schemas.openxmlformats.org/drawingml/2006/main" xmlns:r="http://schemas.openxmlformats.org/officeDocument/2006/relationships" xmlns:p="http://schemas.openxmlformats.org/presentationml/2006/main">
+  <p:cSld>
+    <p:spTree>
+      <p:nvGrpSpPr>
+        <p:cNvPr id="1" name=""/>
+        <p:cNvGrpSpPr/>
+        <p:nvPr/>
+      </p:nvGrpSpPr>
+      <p:grpSpPr>
+        <a:xfrm>
+          <a:off x="0" y="0"/>
+          <a:ext cx="0" cy="0"/>
+          <a:chOff x="0" y="0"/>
+          <a:chExt cx="0" cy="0"/>
+        </a:xfrm>
+      </p:grpSpPr>
+      <p:sp>
+        <p:nvSpPr>
+          <p:cNvPr id="2" name="Заголовок 1"/>
+          <p:cNvSpPr>
+            <a:spLocks noGrp="1"/>
+          </p:cNvSpPr>
+          <p:nvPr>
+            <p:ph type="title"/>
+          </p:nvPr>
+        </p:nvSpPr>
+        <p:spPr/>
+        <p:txBody>
+          <a:bodyPr/>
+          <a:lstStyle/>
+          <a:p>
+            <a:r>
+              <a:rPr lang="ru-RU" dirty="0" smtClean="0"/>
+              <a:t>Контрольные вопросы</a:t>
+            </a:r>
+            <a:endParaRPr lang="ru-RU" dirty="0"/>
+          </a:p>
+        </p:txBody>
+      </p:sp>
+      <p:sp>
+        <p:nvSpPr>
+          <p:cNvPr id="3" name="Объект 2"/>
+          <p:cNvSpPr>
+            <a:spLocks noGrp="1"/>
+          </p:cNvSpPr>
+          <p:nvPr>
+            <p:ph idx="1"/>
+          </p:nvPr>
+        </p:nvSpPr>
+        <p:spPr/>
+        <p:txBody>
+          <a:bodyPr>
+            <a:normAutofit/>
+          </a:bodyPr>
+          <a:lstStyle/>
+          <a:p>
+            <a:pPr marL="0" lvl="0" indent="0">
+              <a:buNone/>
+            </a:pPr>
+            <a:r>
+              <a:rPr lang="ru-RU" dirty="0" smtClean="0"/>
+              <a:t>Что </a:t>
+            </a:r>
+            <a:r>
+              <a:rPr lang="ru-RU" dirty="0"/>
+              <a:t>из перечисленного не является способом машинного обучения</a:t>
+            </a:r>
+            <a:r>
+              <a:rPr lang="ru-RU" dirty="0" smtClean="0"/>
+              <a:t>?</a:t>
+            </a:r>
+          </a:p>
+          <a:p>
+            <a:pPr marL="0" lvl="0" indent="0">
+              <a:buNone/>
+            </a:pPr>
+            <a:endParaRPr lang="ru-RU" dirty="0"/>
+          </a:p>
+          <a:p>
+            <a:pPr lvl="0"/>
+            <a:r>
+              <a:rPr lang="ru-RU" dirty="0"/>
+              <a:t>Обучение без учителя.</a:t>
+            </a:r>
+          </a:p>
+          <a:p>
+            <a:pPr lvl="0"/>
+            <a:r>
+              <a:rPr lang="ru-RU" dirty="0"/>
+              <a:t>Обучение с учителем.</a:t>
+            </a:r>
+          </a:p>
+          <a:p>
+            <a:pPr lvl="0"/>
+            <a:r>
+              <a:rPr lang="ru-RU" dirty="0"/>
+              <a:t>Обучение без подкрепления.</a:t>
+            </a:r>
+          </a:p>
+          <a:p>
+            <a:pPr lvl="0"/>
+            <a:r>
+              <a:rPr lang="ru-RU" dirty="0"/>
+              <a:t>Обучение с подкреплением</a:t>
+            </a:r>
+            <a:r>
+              <a:rPr lang="ru-RU" dirty="0" smtClean="0"/>
+              <a:t>.</a:t>
+            </a:r>
+            <a:endParaRPr lang="ru-RU" dirty="0"/>
+          </a:p>
+        </p:txBody>
+      </p:sp>
+    </p:spTree>
+    <p:extLst>
+      <p:ext uri="{BB962C8B-B14F-4D97-AF65-F5344CB8AC3E}">
+        <p14:creationId xmlns:p14="http://schemas.microsoft.com/office/powerpoint/2010/main" val="851561172"/>
+      </p:ext>
+    </p:extLst>
+  </p:cSld>
+  <p:clrMapOvr>
+    <a:masterClrMapping/>
+  </p:clrMapOvr>
+</p:sld>
+</file>
+
+<file path=ppt/slides/slide37.xml><?xml version="1.0" encoding="utf-8"?>
+<p:sld xmlns:a="http://schemas.openxmlformats.org/drawingml/2006/main" xmlns:r="http://schemas.openxmlformats.org/officeDocument/2006/relationships" xmlns:p="http://schemas.openxmlformats.org/presentationml/2006/main">
+  <p:cSld>
+    <p:spTree>
+      <p:nvGrpSpPr>
+        <p:cNvPr id="1" name=""/>
+        <p:cNvGrpSpPr/>
+        <p:nvPr/>
+      </p:nvGrpSpPr>
+      <p:grpSpPr>
+        <a:xfrm>
+          <a:off x="0" y="0"/>
+          <a:ext cx="0" cy="0"/>
+          <a:chOff x="0" y="0"/>
+          <a:chExt cx="0" cy="0"/>
+        </a:xfrm>
+      </p:grpSpPr>
+      <p:sp>
+        <p:nvSpPr>
+          <p:cNvPr id="2" name="Заголовок 1"/>
+          <p:cNvSpPr>
+            <a:spLocks noGrp="1"/>
+          </p:cNvSpPr>
+          <p:nvPr>
+            <p:ph type="title"/>
+          </p:nvPr>
+        </p:nvSpPr>
+        <p:spPr/>
+        <p:txBody>
+          <a:bodyPr/>
+          <a:lstStyle/>
+          <a:p>
+            <a:r>
+              <a:rPr lang="ru-RU" dirty="0" smtClean="0"/>
+              <a:t>Контрольные вопросы</a:t>
+            </a:r>
+            <a:endParaRPr lang="ru-RU" dirty="0"/>
+          </a:p>
+        </p:txBody>
+      </p:sp>
+      <p:sp>
+        <p:nvSpPr>
+          <p:cNvPr id="3" name="Объект 2"/>
+          <p:cNvSpPr>
+            <a:spLocks noGrp="1"/>
+          </p:cNvSpPr>
+          <p:nvPr>
+            <p:ph idx="1"/>
+          </p:nvPr>
+        </p:nvSpPr>
+        <p:spPr/>
+        <p:txBody>
+          <a:bodyPr>
+            <a:normAutofit lnSpcReduction="10000"/>
+          </a:bodyPr>
+          <a:lstStyle/>
+          <a:p>
+            <a:pPr marL="0" lvl="0" indent="0">
+              <a:buNone/>
+            </a:pPr>
+            <a:r>
+              <a:rPr lang="ru-RU" dirty="0"/>
+              <a:t>Какая ключевая особенность данных, используемых в обучении с учителем</a:t>
+            </a:r>
+            <a:r>
+              <a:rPr lang="ru-RU" dirty="0" smtClean="0"/>
+              <a:t>?</a:t>
+            </a:r>
+          </a:p>
+          <a:p>
+            <a:pPr marL="0" lvl="0" indent="0">
+              <a:buNone/>
+            </a:pPr>
+            <a:endParaRPr lang="ru-RU" dirty="0"/>
+          </a:p>
+          <a:p>
+            <a:pPr lvl="0"/>
+            <a:r>
+              <a:rPr lang="ru-RU" dirty="0"/>
+              <a:t>Описание объекта содержит значения характеристик объекта.</a:t>
+            </a:r>
+          </a:p>
+          <a:p>
+            <a:pPr lvl="0"/>
+            <a:r>
+              <a:rPr lang="ru-RU" dirty="0"/>
+              <a:t>Для каждого описания объекта известен ожидаемый ответ модели.</a:t>
+            </a:r>
+          </a:p>
+          <a:p>
+            <a:pPr lvl="0"/>
+            <a:r>
+              <a:rPr lang="ru-RU" dirty="0"/>
+              <a:t>Различные описания объектов не могут иметь одинаковый ожидаемый ответ.</a:t>
+            </a:r>
+          </a:p>
+          <a:p>
+            <a:pPr lvl="0"/>
+            <a:r>
+              <a:rPr lang="ru-RU" dirty="0"/>
+              <a:t>Количество различных ожидаемых ответов должно быть значительно меньше количества описаний объектов</a:t>
+            </a:r>
+            <a:r>
+              <a:rPr lang="ru-RU" dirty="0" smtClean="0"/>
+              <a:t>.</a:t>
+            </a:r>
+            <a:endParaRPr lang="ru-RU" dirty="0"/>
+          </a:p>
+        </p:txBody>
+      </p:sp>
+    </p:spTree>
+    <p:extLst>
+      <p:ext uri="{BB962C8B-B14F-4D97-AF65-F5344CB8AC3E}">
+        <p14:creationId xmlns:p14="http://schemas.microsoft.com/office/powerpoint/2010/main" val="917439193"/>
+      </p:ext>
+    </p:extLst>
+  </p:cSld>
+  <p:clrMapOvr>
+    <a:masterClrMapping/>
+  </p:clrMapOvr>
+</p:sld>
+</file>
+
+<file path=ppt/slides/slide38.xml><?xml version="1.0" encoding="utf-8"?>
+<p:sld xmlns:a="http://schemas.openxmlformats.org/drawingml/2006/main" xmlns:r="http://schemas.openxmlformats.org/officeDocument/2006/relationships" xmlns:p="http://schemas.openxmlformats.org/presentationml/2006/main">
+  <p:cSld>
+    <p:spTree>
+      <p:nvGrpSpPr>
+        <p:cNvPr id="1" name=""/>
+        <p:cNvGrpSpPr/>
+        <p:nvPr/>
+      </p:nvGrpSpPr>
+      <p:grpSpPr>
+        <a:xfrm>
+          <a:off x="0" y="0"/>
+          <a:ext cx="0" cy="0"/>
+          <a:chOff x="0" y="0"/>
+          <a:chExt cx="0" cy="0"/>
+        </a:xfrm>
+      </p:grpSpPr>
+      <p:sp>
+        <p:nvSpPr>
+          <p:cNvPr id="2" name="Заголовок 1"/>
+          <p:cNvSpPr>
+            <a:spLocks noGrp="1"/>
+          </p:cNvSpPr>
+          <p:nvPr>
+            <p:ph type="title"/>
+          </p:nvPr>
+        </p:nvSpPr>
+        <p:spPr/>
+        <p:txBody>
+          <a:bodyPr/>
+          <a:lstStyle/>
+          <a:p>
+            <a:r>
+              <a:rPr lang="ru-RU" dirty="0" smtClean="0"/>
+              <a:t>Контрольные вопросы</a:t>
+            </a:r>
+            <a:endParaRPr lang="ru-RU" dirty="0"/>
+          </a:p>
+        </p:txBody>
+      </p:sp>
+      <p:sp>
+        <p:nvSpPr>
+          <p:cNvPr id="3" name="Объект 2"/>
+          <p:cNvSpPr>
+            <a:spLocks noGrp="1"/>
+          </p:cNvSpPr>
+          <p:nvPr>
+            <p:ph idx="1"/>
+          </p:nvPr>
+        </p:nvSpPr>
+        <p:spPr/>
+        <p:txBody>
+          <a:bodyPr>
+            <a:normAutofit/>
+          </a:bodyPr>
+          <a:lstStyle/>
+          <a:p>
+            <a:pPr marL="0" lvl="0" indent="0">
+              <a:buNone/>
+            </a:pPr>
+            <a:r>
+              <a:rPr lang="ru-RU" dirty="0"/>
+              <a:t>В чём состоит задача, решаемая обучением без учителя</a:t>
+            </a:r>
+            <a:r>
+              <a:rPr lang="ru-RU" dirty="0" smtClean="0"/>
+              <a:t>?</a:t>
+            </a:r>
+          </a:p>
+          <a:p>
+            <a:pPr marL="0" lvl="0" indent="0">
+              <a:buNone/>
+            </a:pPr>
+            <a:endParaRPr lang="ru-RU" dirty="0"/>
+          </a:p>
+          <a:p>
+            <a:pPr lvl="0"/>
+            <a:r>
+              <a:rPr lang="ru-RU" dirty="0"/>
+              <a:t>Обнаружить неизвестные зависимости между данными.</a:t>
+            </a:r>
+          </a:p>
+          <a:p>
+            <a:pPr lvl="0"/>
+            <a:r>
+              <a:rPr lang="ru-RU" dirty="0"/>
+              <a:t>Оценить качество данных.</a:t>
+            </a:r>
+          </a:p>
+          <a:p>
+            <a:pPr lvl="0"/>
+            <a:r>
+              <a:rPr lang="ru-RU" dirty="0"/>
+              <a:t>Предсказать значение некоторой величины для каждого элемента данных.</a:t>
+            </a:r>
+          </a:p>
+          <a:p>
+            <a:pPr lvl="0"/>
+            <a:r>
+              <a:rPr lang="ru-RU" dirty="0"/>
+              <a:t>Уменьшить размерность данных</a:t>
+            </a:r>
+            <a:r>
+              <a:rPr lang="ru-RU" dirty="0" smtClean="0"/>
+              <a:t>.</a:t>
+            </a:r>
+            <a:endParaRPr lang="ru-RU" dirty="0"/>
+          </a:p>
+        </p:txBody>
+      </p:sp>
+    </p:spTree>
+    <p:extLst>
+      <p:ext uri="{BB962C8B-B14F-4D97-AF65-F5344CB8AC3E}">
+        <p14:creationId xmlns:p14="http://schemas.microsoft.com/office/powerpoint/2010/main" val="1435971305"/>
+      </p:ext>
+    </p:extLst>
+  </p:cSld>
+  <p:clrMapOvr>
+    <a:masterClrMapping/>
+  </p:clrMapOvr>
+</p:sld>
+</file>
+
+<file path=ppt/slides/slide39.xml><?xml version="1.0" encoding="utf-8"?>
+<p:sld xmlns:a="http://schemas.openxmlformats.org/drawingml/2006/main" xmlns:r="http://schemas.openxmlformats.org/officeDocument/2006/relationships" xmlns:p="http://schemas.openxmlformats.org/presentationml/2006/main">
+  <p:cSld>
+    <p:spTree>
+      <p:nvGrpSpPr>
+        <p:cNvPr id="1" name=""/>
+        <p:cNvGrpSpPr/>
+        <p:nvPr/>
+      </p:nvGrpSpPr>
+      <p:grpSpPr>
+        <a:xfrm>
+          <a:off x="0" y="0"/>
+          <a:ext cx="0" cy="0"/>
+          <a:chOff x="0" y="0"/>
+          <a:chExt cx="0" cy="0"/>
+        </a:xfrm>
+      </p:grpSpPr>
+      <p:sp>
+        <p:nvSpPr>
+          <p:cNvPr id="2" name="Заголовок 1"/>
+          <p:cNvSpPr>
+            <a:spLocks noGrp="1"/>
+          </p:cNvSpPr>
+          <p:nvPr>
+            <p:ph type="title"/>
+          </p:nvPr>
+        </p:nvSpPr>
+        <p:spPr/>
+        <p:txBody>
+          <a:bodyPr/>
+          <a:lstStyle/>
+          <a:p>
+            <a:r>
+              <a:rPr lang="ru-RU" dirty="0" smtClean="0"/>
+              <a:t>Контрольные вопросы</a:t>
+            </a:r>
+            <a:endParaRPr lang="ru-RU" dirty="0"/>
+          </a:p>
+        </p:txBody>
+      </p:sp>
+      <p:sp>
+        <p:nvSpPr>
+          <p:cNvPr id="3" name="Объект 2"/>
+          <p:cNvSpPr>
+            <a:spLocks noGrp="1"/>
+          </p:cNvSpPr>
+          <p:nvPr>
+            <p:ph idx="1"/>
+          </p:nvPr>
+        </p:nvSpPr>
+        <p:spPr/>
+        <p:txBody>
+          <a:bodyPr>
+            <a:normAutofit/>
+          </a:bodyPr>
+          <a:lstStyle/>
+          <a:p>
+            <a:pPr marL="0" lvl="0" indent="0">
+              <a:buNone/>
+            </a:pPr>
+            <a:r>
+              <a:rPr lang="ru-RU" dirty="0"/>
+              <a:t>С помощью чего обучается агент при использовании обучения с подкреплением</a:t>
+            </a:r>
+            <a:r>
+              <a:rPr lang="ru-RU" dirty="0" smtClean="0"/>
+              <a:t>?</a:t>
+            </a:r>
+          </a:p>
+          <a:p>
+            <a:pPr marL="0" lvl="0" indent="0">
+              <a:buNone/>
+            </a:pPr>
+            <a:endParaRPr lang="ru-RU" dirty="0"/>
+          </a:p>
+          <a:p>
+            <a:pPr lvl="0"/>
+            <a:r>
+              <a:rPr lang="ru-RU" dirty="0"/>
+              <a:t>Заранее известные ожидаемые ответы.</a:t>
+            </a:r>
+          </a:p>
+          <a:p>
+            <a:pPr lvl="0"/>
+            <a:r>
+              <a:rPr lang="ru-RU" dirty="0"/>
+              <a:t>Информация о реакции внешней среды на действия агента.</a:t>
+            </a:r>
+          </a:p>
+          <a:p>
+            <a:pPr lvl="0"/>
+            <a:r>
+              <a:rPr lang="ru-RU" dirty="0"/>
+              <a:t>Информация о предыдущих действиях агента.</a:t>
+            </a:r>
+          </a:p>
+          <a:p>
+            <a:pPr lvl="0"/>
+            <a:r>
+              <a:rPr lang="ru-RU" dirty="0"/>
+              <a:t>Экспертная оценка действий агента</a:t>
+            </a:r>
+            <a:r>
+              <a:rPr lang="ru-RU" dirty="0" smtClean="0"/>
+              <a:t>.</a:t>
+            </a:r>
+            <a:endParaRPr lang="ru-RU" dirty="0"/>
+          </a:p>
+        </p:txBody>
+      </p:sp>
+    </p:spTree>
+    <p:extLst>
+      <p:ext uri="{BB962C8B-B14F-4D97-AF65-F5344CB8AC3E}">
+        <p14:creationId xmlns:p14="http://schemas.microsoft.com/office/powerpoint/2010/main" val="2104349926"/>
+      </p:ext>
+    </p:extLst>
+  </p:cSld>
+  <p:clrMapOvr>
+    <a:masterClrMapping/>
+  </p:clrMapOvr>
 </p:sld>
 </file>
 
@@ -10543,6 +11639,626 @@
       </p:par>
     </p:tnLst>
   </p:timing>
+</p:sld>
+</file>
+
+<file path=ppt/slides/slide40.xml><?xml version="1.0" encoding="utf-8"?>
+<p:sld xmlns:a="http://schemas.openxmlformats.org/drawingml/2006/main" xmlns:r="http://schemas.openxmlformats.org/officeDocument/2006/relationships" xmlns:p="http://schemas.openxmlformats.org/presentationml/2006/main">
+  <p:cSld>
+    <p:spTree>
+      <p:nvGrpSpPr>
+        <p:cNvPr id="1" name=""/>
+        <p:cNvGrpSpPr/>
+        <p:nvPr/>
+      </p:nvGrpSpPr>
+      <p:grpSpPr>
+        <a:xfrm>
+          <a:off x="0" y="0"/>
+          <a:ext cx="0" cy="0"/>
+          <a:chOff x="0" y="0"/>
+          <a:chExt cx="0" cy="0"/>
+        </a:xfrm>
+      </p:grpSpPr>
+      <p:sp>
+        <p:nvSpPr>
+          <p:cNvPr id="2" name="Заголовок 1"/>
+          <p:cNvSpPr>
+            <a:spLocks noGrp="1"/>
+          </p:cNvSpPr>
+          <p:nvPr>
+            <p:ph type="title"/>
+          </p:nvPr>
+        </p:nvSpPr>
+        <p:spPr/>
+        <p:txBody>
+          <a:bodyPr/>
+          <a:lstStyle/>
+          <a:p>
+            <a:r>
+              <a:rPr lang="ru-RU" dirty="0" smtClean="0"/>
+              <a:t>Контрольные вопросы</a:t>
+            </a:r>
+            <a:endParaRPr lang="ru-RU" dirty="0"/>
+          </a:p>
+        </p:txBody>
+      </p:sp>
+      <p:sp>
+        <p:nvSpPr>
+          <p:cNvPr id="3" name="Объект 2"/>
+          <p:cNvSpPr>
+            <a:spLocks noGrp="1"/>
+          </p:cNvSpPr>
+          <p:nvPr>
+            <p:ph idx="1"/>
+          </p:nvPr>
+        </p:nvSpPr>
+        <p:spPr/>
+        <p:txBody>
+          <a:bodyPr>
+            <a:normAutofit/>
+          </a:bodyPr>
+          <a:lstStyle/>
+          <a:p>
+            <a:pPr marL="0" lvl="0" indent="0">
+              <a:buNone/>
+            </a:pPr>
+            <a:r>
+              <a:rPr lang="ru-RU" dirty="0"/>
+              <a:t>Что из перечисленного не является задачей машинного обучения</a:t>
+            </a:r>
+            <a:r>
+              <a:rPr lang="ru-RU" dirty="0" smtClean="0"/>
+              <a:t>?</a:t>
+            </a:r>
+          </a:p>
+          <a:p>
+            <a:pPr marL="0" lvl="0" indent="0">
+              <a:buNone/>
+            </a:pPr>
+            <a:endParaRPr lang="ru-RU" dirty="0"/>
+          </a:p>
+          <a:p>
+            <a:pPr lvl="0"/>
+            <a:r>
+              <a:rPr lang="ru-RU" dirty="0"/>
+              <a:t>Регрессия.</a:t>
+            </a:r>
+          </a:p>
+          <a:p>
+            <a:pPr lvl="0"/>
+            <a:r>
+              <a:rPr lang="ru-RU" dirty="0"/>
+              <a:t>Кластеризация.</a:t>
+            </a:r>
+          </a:p>
+          <a:p>
+            <a:pPr lvl="0"/>
+            <a:r>
+              <a:rPr lang="ru-RU" dirty="0"/>
+              <a:t>Прогрессия.</a:t>
+            </a:r>
+          </a:p>
+          <a:p>
+            <a:pPr lvl="0"/>
+            <a:r>
+              <a:rPr lang="ru-RU" dirty="0"/>
+              <a:t>Классификация</a:t>
+            </a:r>
+            <a:r>
+              <a:rPr lang="ru-RU" dirty="0" smtClean="0"/>
+              <a:t>.</a:t>
+            </a:r>
+            <a:endParaRPr lang="ru-RU" dirty="0"/>
+          </a:p>
+        </p:txBody>
+      </p:sp>
+    </p:spTree>
+    <p:extLst>
+      <p:ext uri="{BB962C8B-B14F-4D97-AF65-F5344CB8AC3E}">
+        <p14:creationId xmlns:p14="http://schemas.microsoft.com/office/powerpoint/2010/main" val="644282685"/>
+      </p:ext>
+    </p:extLst>
+  </p:cSld>
+  <p:clrMapOvr>
+    <a:masterClrMapping/>
+  </p:clrMapOvr>
+</p:sld>
+</file>
+
+<file path=ppt/slides/slide41.xml><?xml version="1.0" encoding="utf-8"?>
+<p:sld xmlns:a="http://schemas.openxmlformats.org/drawingml/2006/main" xmlns:r="http://schemas.openxmlformats.org/officeDocument/2006/relationships" xmlns:p="http://schemas.openxmlformats.org/presentationml/2006/main">
+  <p:cSld>
+    <p:spTree>
+      <p:nvGrpSpPr>
+        <p:cNvPr id="1" name=""/>
+        <p:cNvGrpSpPr/>
+        <p:nvPr/>
+      </p:nvGrpSpPr>
+      <p:grpSpPr>
+        <a:xfrm>
+          <a:off x="0" y="0"/>
+          <a:ext cx="0" cy="0"/>
+          <a:chOff x="0" y="0"/>
+          <a:chExt cx="0" cy="0"/>
+        </a:xfrm>
+      </p:grpSpPr>
+      <p:sp>
+        <p:nvSpPr>
+          <p:cNvPr id="2" name="Заголовок 1"/>
+          <p:cNvSpPr>
+            <a:spLocks noGrp="1"/>
+          </p:cNvSpPr>
+          <p:nvPr>
+            <p:ph type="title"/>
+          </p:nvPr>
+        </p:nvSpPr>
+        <p:spPr/>
+        <p:txBody>
+          <a:bodyPr/>
+          <a:lstStyle/>
+          <a:p>
+            <a:r>
+              <a:rPr lang="ru-RU" dirty="0" smtClean="0"/>
+              <a:t>Контрольные вопросы</a:t>
+            </a:r>
+            <a:endParaRPr lang="ru-RU" dirty="0"/>
+          </a:p>
+        </p:txBody>
+      </p:sp>
+      <p:sp>
+        <p:nvSpPr>
+          <p:cNvPr id="3" name="Объект 2"/>
+          <p:cNvSpPr>
+            <a:spLocks noGrp="1"/>
+          </p:cNvSpPr>
+          <p:nvPr>
+            <p:ph idx="1"/>
+          </p:nvPr>
+        </p:nvSpPr>
+        <p:spPr/>
+        <p:txBody>
+          <a:bodyPr>
+            <a:normAutofit/>
+          </a:bodyPr>
+          <a:lstStyle/>
+          <a:p>
+            <a:pPr marL="0" lvl="0" indent="0">
+              <a:buNone/>
+            </a:pPr>
+            <a:r>
+              <a:rPr lang="ru-RU" dirty="0"/>
+              <a:t>Что представляет собой задача регрессии</a:t>
+            </a:r>
+            <a:r>
+              <a:rPr lang="ru-RU" dirty="0" smtClean="0"/>
+              <a:t>?</a:t>
+            </a:r>
+          </a:p>
+          <a:p>
+            <a:pPr marL="0" lvl="0" indent="0">
+              <a:buNone/>
+            </a:pPr>
+            <a:endParaRPr lang="ru-RU" dirty="0"/>
+          </a:p>
+          <a:p>
+            <a:pPr lvl="0"/>
+            <a:r>
+              <a:rPr lang="ru-RU" dirty="0"/>
+              <a:t>Разбивка множества объектов на группы исходя из их похожести.</a:t>
+            </a:r>
+          </a:p>
+          <a:p>
+            <a:pPr lvl="0"/>
+            <a:r>
+              <a:rPr lang="ru-RU" dirty="0"/>
+              <a:t>Определение принадлежности объекта к одной из заранее известных групп объектов.</a:t>
+            </a:r>
+          </a:p>
+          <a:p>
+            <a:pPr lvl="0"/>
+            <a:r>
+              <a:rPr lang="ru-RU" dirty="0"/>
+              <a:t>Вычисление уникального идентификатора на основании описания объекта. </a:t>
+            </a:r>
+          </a:p>
+          <a:p>
+            <a:pPr lvl="0"/>
+            <a:r>
+              <a:rPr lang="ru-RU" dirty="0"/>
+              <a:t>Вычисление числа или числового вектора на основании описания объекта</a:t>
+            </a:r>
+            <a:r>
+              <a:rPr lang="ru-RU" dirty="0" smtClean="0"/>
+              <a:t>.</a:t>
+            </a:r>
+            <a:endParaRPr lang="ru-RU" dirty="0"/>
+          </a:p>
+        </p:txBody>
+      </p:sp>
+    </p:spTree>
+    <p:extLst>
+      <p:ext uri="{BB962C8B-B14F-4D97-AF65-F5344CB8AC3E}">
+        <p14:creationId xmlns:p14="http://schemas.microsoft.com/office/powerpoint/2010/main" val="4098277938"/>
+      </p:ext>
+    </p:extLst>
+  </p:cSld>
+  <p:clrMapOvr>
+    <a:masterClrMapping/>
+  </p:clrMapOvr>
+</p:sld>
+</file>
+
+<file path=ppt/slides/slide42.xml><?xml version="1.0" encoding="utf-8"?>
+<p:sld xmlns:a="http://schemas.openxmlformats.org/drawingml/2006/main" xmlns:r="http://schemas.openxmlformats.org/officeDocument/2006/relationships" xmlns:p="http://schemas.openxmlformats.org/presentationml/2006/main">
+  <p:cSld>
+    <p:spTree>
+      <p:nvGrpSpPr>
+        <p:cNvPr id="1" name=""/>
+        <p:cNvGrpSpPr/>
+        <p:nvPr/>
+      </p:nvGrpSpPr>
+      <p:grpSpPr>
+        <a:xfrm>
+          <a:off x="0" y="0"/>
+          <a:ext cx="0" cy="0"/>
+          <a:chOff x="0" y="0"/>
+          <a:chExt cx="0" cy="0"/>
+        </a:xfrm>
+      </p:grpSpPr>
+      <p:sp>
+        <p:nvSpPr>
+          <p:cNvPr id="2" name="Заголовок 1"/>
+          <p:cNvSpPr>
+            <a:spLocks noGrp="1"/>
+          </p:cNvSpPr>
+          <p:nvPr>
+            <p:ph type="title"/>
+          </p:nvPr>
+        </p:nvSpPr>
+        <p:spPr/>
+        <p:txBody>
+          <a:bodyPr/>
+          <a:lstStyle/>
+          <a:p>
+            <a:r>
+              <a:rPr lang="ru-RU" dirty="0" smtClean="0"/>
+              <a:t>Контрольные вопросы</a:t>
+            </a:r>
+            <a:endParaRPr lang="ru-RU" dirty="0"/>
+          </a:p>
+        </p:txBody>
+      </p:sp>
+      <p:sp>
+        <p:nvSpPr>
+          <p:cNvPr id="3" name="Объект 2"/>
+          <p:cNvSpPr>
+            <a:spLocks noGrp="1"/>
+          </p:cNvSpPr>
+          <p:nvPr>
+            <p:ph idx="1"/>
+          </p:nvPr>
+        </p:nvSpPr>
+        <p:spPr/>
+        <p:txBody>
+          <a:bodyPr>
+            <a:normAutofit/>
+          </a:bodyPr>
+          <a:lstStyle/>
+          <a:p>
+            <a:pPr marL="0" lvl="0" indent="0">
+              <a:buNone/>
+            </a:pPr>
+            <a:r>
+              <a:rPr lang="ru-RU" dirty="0"/>
+              <a:t>Что из перечисленного неверно при решении задачи классификации</a:t>
+            </a:r>
+            <a:r>
+              <a:rPr lang="ru-RU" dirty="0" smtClean="0"/>
+              <a:t>?</a:t>
+            </a:r>
+          </a:p>
+          <a:p>
+            <a:pPr marL="0" lvl="0" indent="0">
+              <a:buNone/>
+            </a:pPr>
+            <a:endParaRPr lang="ru-RU" dirty="0"/>
+          </a:p>
+          <a:p>
+            <a:pPr lvl="0"/>
+            <a:r>
+              <a:rPr lang="ru-RU" dirty="0"/>
+              <a:t>Все классы должны быть известны заранее.</a:t>
+            </a:r>
+          </a:p>
+          <a:p>
+            <a:pPr lvl="0"/>
+            <a:r>
+              <a:rPr lang="ru-RU" dirty="0"/>
+              <a:t>Количество классов может быть бесконечно.</a:t>
+            </a:r>
+          </a:p>
+          <a:p>
+            <a:pPr lvl="0"/>
+            <a:r>
+              <a:rPr lang="ru-RU" dirty="0"/>
+              <a:t>Классификация – это задача обучения с учителем.</a:t>
+            </a:r>
+          </a:p>
+          <a:p>
+            <a:pPr lvl="0"/>
+            <a:r>
+              <a:rPr lang="ru-RU" dirty="0"/>
+              <a:t>Каждый объект должен относиться хотя бы к одному классу</a:t>
+            </a:r>
+            <a:r>
+              <a:rPr lang="ru-RU" dirty="0" smtClean="0"/>
+              <a:t>.</a:t>
+            </a:r>
+            <a:endParaRPr lang="ru-RU" dirty="0"/>
+          </a:p>
+        </p:txBody>
+      </p:sp>
+    </p:spTree>
+    <p:extLst>
+      <p:ext uri="{BB962C8B-B14F-4D97-AF65-F5344CB8AC3E}">
+        <p14:creationId xmlns:p14="http://schemas.microsoft.com/office/powerpoint/2010/main" val="198324158"/>
+      </p:ext>
+    </p:extLst>
+  </p:cSld>
+  <p:clrMapOvr>
+    <a:masterClrMapping/>
+  </p:clrMapOvr>
+</p:sld>
+</file>
+
+<file path=ppt/slides/slide43.xml><?xml version="1.0" encoding="utf-8"?>
+<p:sld xmlns:a="http://schemas.openxmlformats.org/drawingml/2006/main" xmlns:r="http://schemas.openxmlformats.org/officeDocument/2006/relationships" xmlns:p="http://schemas.openxmlformats.org/presentationml/2006/main">
+  <p:cSld>
+    <p:spTree>
+      <p:nvGrpSpPr>
+        <p:cNvPr id="1" name=""/>
+        <p:cNvGrpSpPr/>
+        <p:nvPr/>
+      </p:nvGrpSpPr>
+      <p:grpSpPr>
+        <a:xfrm>
+          <a:off x="0" y="0"/>
+          <a:ext cx="0" cy="0"/>
+          <a:chOff x="0" y="0"/>
+          <a:chExt cx="0" cy="0"/>
+        </a:xfrm>
+      </p:grpSpPr>
+      <p:sp>
+        <p:nvSpPr>
+          <p:cNvPr id="2" name="Заголовок 1"/>
+          <p:cNvSpPr>
+            <a:spLocks noGrp="1"/>
+          </p:cNvSpPr>
+          <p:nvPr>
+            <p:ph type="title"/>
+          </p:nvPr>
+        </p:nvSpPr>
+        <p:spPr/>
+        <p:txBody>
+          <a:bodyPr/>
+          <a:lstStyle/>
+          <a:p>
+            <a:r>
+              <a:rPr lang="ru-RU" dirty="0" smtClean="0"/>
+              <a:t>Контрольные вопросы</a:t>
+            </a:r>
+            <a:endParaRPr lang="ru-RU" dirty="0"/>
+          </a:p>
+        </p:txBody>
+      </p:sp>
+      <p:sp>
+        <p:nvSpPr>
+          <p:cNvPr id="3" name="Объект 2"/>
+          <p:cNvSpPr>
+            <a:spLocks noGrp="1"/>
+          </p:cNvSpPr>
+          <p:nvPr>
+            <p:ph idx="1"/>
+          </p:nvPr>
+        </p:nvSpPr>
+        <p:spPr/>
+        <p:txBody>
+          <a:bodyPr>
+            <a:normAutofit/>
+          </a:bodyPr>
+          <a:lstStyle/>
+          <a:p>
+            <a:pPr marL="0" lvl="0" indent="0">
+              <a:buNone/>
+            </a:pPr>
+            <a:r>
+              <a:rPr lang="ru-RU" dirty="0"/>
+              <a:t>Что из перечисленного не применяется в качестве метрики производительности задачи классификации</a:t>
+            </a:r>
+            <a:r>
+              <a:rPr lang="ru-RU" dirty="0" smtClean="0"/>
+              <a:t>?</a:t>
+            </a:r>
+          </a:p>
+          <a:p>
+            <a:pPr marL="0" lvl="0" indent="0">
+              <a:buNone/>
+            </a:pPr>
+            <a:endParaRPr lang="ru-RU" dirty="0"/>
+          </a:p>
+          <a:p>
+            <a:pPr lvl="0"/>
+            <a:r>
+              <a:rPr lang="ru-RU" dirty="0" err="1"/>
+              <a:t>Precision</a:t>
+            </a:r>
+            <a:r>
+              <a:rPr lang="en-US" dirty="0"/>
+              <a:t>.</a:t>
+            </a:r>
+            <a:endParaRPr lang="ru-RU" dirty="0"/>
+          </a:p>
+          <a:p>
+            <a:pPr lvl="0"/>
+            <a:r>
+              <a:rPr lang="en-US" dirty="0"/>
+              <a:t>Reward.</a:t>
+            </a:r>
+            <a:endParaRPr lang="ru-RU" dirty="0"/>
+          </a:p>
+          <a:p>
+            <a:pPr lvl="0"/>
+            <a:r>
+              <a:rPr lang="en-US" dirty="0"/>
+              <a:t>Accuracy.</a:t>
+            </a:r>
+            <a:endParaRPr lang="ru-RU" dirty="0"/>
+          </a:p>
+          <a:p>
+            <a:pPr lvl="0"/>
+            <a:r>
+              <a:rPr lang="en-US" dirty="0"/>
+              <a:t>Recall</a:t>
+            </a:r>
+            <a:r>
+              <a:rPr lang="en-US" dirty="0" smtClean="0"/>
+              <a:t>.</a:t>
+            </a:r>
+            <a:endParaRPr lang="ru-RU" dirty="0"/>
+          </a:p>
+        </p:txBody>
+      </p:sp>
+    </p:spTree>
+    <p:extLst>
+      <p:ext uri="{BB962C8B-B14F-4D97-AF65-F5344CB8AC3E}">
+        <p14:creationId xmlns:p14="http://schemas.microsoft.com/office/powerpoint/2010/main" val="2514151517"/>
+      </p:ext>
+    </p:extLst>
+  </p:cSld>
+  <p:clrMapOvr>
+    <a:masterClrMapping/>
+  </p:clrMapOvr>
+</p:sld>
+</file>
+
+<file path=ppt/slides/slide44.xml><?xml version="1.0" encoding="utf-8"?>
+<p:sld xmlns:a="http://schemas.openxmlformats.org/drawingml/2006/main" xmlns:r="http://schemas.openxmlformats.org/officeDocument/2006/relationships" xmlns:p="http://schemas.openxmlformats.org/presentationml/2006/main">
+  <p:cSld>
+    <p:spTree>
+      <p:nvGrpSpPr>
+        <p:cNvPr id="1" name=""/>
+        <p:cNvGrpSpPr/>
+        <p:nvPr/>
+      </p:nvGrpSpPr>
+      <p:grpSpPr>
+        <a:xfrm>
+          <a:off x="0" y="0"/>
+          <a:ext cx="0" cy="0"/>
+          <a:chOff x="0" y="0"/>
+          <a:chExt cx="0" cy="0"/>
+        </a:xfrm>
+      </p:grpSpPr>
+      <p:sp>
+        <p:nvSpPr>
+          <p:cNvPr id="2" name="Заголовок 1"/>
+          <p:cNvSpPr>
+            <a:spLocks noGrp="1"/>
+          </p:cNvSpPr>
+          <p:nvPr>
+            <p:ph type="title"/>
+          </p:nvPr>
+        </p:nvSpPr>
+        <p:spPr/>
+        <p:txBody>
+          <a:bodyPr/>
+          <a:lstStyle/>
+          <a:p>
+            <a:r>
+              <a:rPr lang="ru-RU" dirty="0" smtClean="0"/>
+              <a:t>Контрольные вопросы</a:t>
+            </a:r>
+            <a:endParaRPr lang="ru-RU" dirty="0"/>
+          </a:p>
+        </p:txBody>
+      </p:sp>
+      <p:sp>
+        <p:nvSpPr>
+          <p:cNvPr id="3" name="Объект 2"/>
+          <p:cNvSpPr>
+            <a:spLocks noGrp="1"/>
+          </p:cNvSpPr>
+          <p:nvPr>
+            <p:ph idx="1"/>
+          </p:nvPr>
+        </p:nvSpPr>
+        <p:spPr/>
+        <p:txBody>
+          <a:bodyPr/>
+          <a:lstStyle/>
+          <a:p>
+            <a:pPr marL="0" lvl="0" indent="0">
+              <a:buNone/>
+            </a:pPr>
+            <a:r>
+              <a:rPr lang="ru-RU" dirty="0"/>
+              <a:t>Что из перечисленного верно при решении задачи кластеризации</a:t>
+            </a:r>
+            <a:r>
+              <a:rPr lang="ru-RU" dirty="0" smtClean="0"/>
+              <a:t>?</a:t>
+            </a:r>
+          </a:p>
+          <a:p>
+            <a:pPr marL="0" lvl="0" indent="0">
+              <a:buNone/>
+            </a:pPr>
+            <a:endParaRPr lang="ru-RU" dirty="0"/>
+          </a:p>
+          <a:p>
+            <a:pPr lvl="0"/>
+            <a:r>
+              <a:rPr lang="ru-RU" dirty="0"/>
+              <a:t>Элементы данных должны иметь заранее известные метки.</a:t>
+            </a:r>
+          </a:p>
+          <a:p>
+            <a:pPr lvl="0"/>
+            <a:r>
+              <a:rPr lang="ru-RU" dirty="0"/>
+              <a:t>Все метрики основаны на экспертной информации.</a:t>
+            </a:r>
+          </a:p>
+          <a:p>
+            <a:pPr lvl="0"/>
+            <a:r>
+              <a:rPr lang="ru-RU" dirty="0"/>
+              <a:t>Количество кластеров определяется в процессе решения задачи.</a:t>
+            </a:r>
+          </a:p>
+          <a:p>
+            <a:pPr lvl="0"/>
+            <a:r>
+              <a:rPr lang="ru-RU" dirty="0"/>
+              <a:t>Необходимо задать функцию похожести элементов</a:t>
+            </a:r>
+            <a:r>
+              <a:rPr lang="ru-RU" dirty="0" smtClean="0"/>
+              <a:t>.</a:t>
+            </a:r>
+            <a:endParaRPr lang="ru-RU" dirty="0"/>
+          </a:p>
+        </p:txBody>
+      </p:sp>
+    </p:spTree>
+    <p:extLst>
+      <p:ext uri="{BB962C8B-B14F-4D97-AF65-F5344CB8AC3E}">
+        <p14:creationId xmlns:p14="http://schemas.microsoft.com/office/powerpoint/2010/main" val="3905752890"/>
+      </p:ext>
+    </p:extLst>
+  </p:cSld>
+  <p:clrMapOvr>
+    <a:masterClrMapping/>
+  </p:clrMapOvr>
 </p:sld>
 </file>
 

--- a/Лекция 2 23_09_2020.pptx
+++ b/Лекция 2 23_09_2020.pptx
@@ -5,13 +5,13 @@
     <p:sldMasterId id="2147483648" r:id="rId1"/>
   </p:sldMasterIdLst>
   <p:notesMasterIdLst>
-    <p:notesMasterId r:id="rId46"/>
+    <p:notesMasterId r:id="rId47"/>
   </p:notesMasterIdLst>
   <p:sldIdLst>
     <p:sldId id="256" r:id="rId2"/>
     <p:sldId id="257" r:id="rId3"/>
     <p:sldId id="269" r:id="rId4"/>
-    <p:sldId id="258" r:id="rId5"/>
+    <p:sldId id="313" r:id="rId5"/>
     <p:sldId id="283" r:id="rId6"/>
     <p:sldId id="281" r:id="rId7"/>
     <p:sldId id="282" r:id="rId8"/>
@@ -26,32 +26,33 @@
     <p:sldId id="289" r:id="rId17"/>
     <p:sldId id="290" r:id="rId18"/>
     <p:sldId id="278" r:id="rId19"/>
-    <p:sldId id="262" r:id="rId20"/>
-    <p:sldId id="292" r:id="rId21"/>
-    <p:sldId id="295" r:id="rId22"/>
-    <p:sldId id="291" r:id="rId23"/>
-    <p:sldId id="293" r:id="rId24"/>
-    <p:sldId id="296" r:id="rId25"/>
-    <p:sldId id="297" r:id="rId26"/>
-    <p:sldId id="286" r:id="rId27"/>
-    <p:sldId id="294" r:id="rId28"/>
-    <p:sldId id="298" r:id="rId29"/>
-    <p:sldId id="299" r:id="rId30"/>
-    <p:sldId id="300" r:id="rId31"/>
-    <p:sldId id="301" r:id="rId32"/>
-    <p:sldId id="302" r:id="rId33"/>
-    <p:sldId id="303" r:id="rId34"/>
-    <p:sldId id="259" r:id="rId35"/>
-    <p:sldId id="260" r:id="rId36"/>
-    <p:sldId id="304" r:id="rId37"/>
-    <p:sldId id="305" r:id="rId38"/>
-    <p:sldId id="306" r:id="rId39"/>
-    <p:sldId id="307" r:id="rId40"/>
-    <p:sldId id="308" r:id="rId41"/>
-    <p:sldId id="309" r:id="rId42"/>
-    <p:sldId id="310" r:id="rId43"/>
-    <p:sldId id="311" r:id="rId44"/>
-    <p:sldId id="312" r:id="rId45"/>
+    <p:sldId id="258" r:id="rId20"/>
+    <p:sldId id="262" r:id="rId21"/>
+    <p:sldId id="292" r:id="rId22"/>
+    <p:sldId id="295" r:id="rId23"/>
+    <p:sldId id="291" r:id="rId24"/>
+    <p:sldId id="293" r:id="rId25"/>
+    <p:sldId id="296" r:id="rId26"/>
+    <p:sldId id="297" r:id="rId27"/>
+    <p:sldId id="286" r:id="rId28"/>
+    <p:sldId id="294" r:id="rId29"/>
+    <p:sldId id="298" r:id="rId30"/>
+    <p:sldId id="299" r:id="rId31"/>
+    <p:sldId id="300" r:id="rId32"/>
+    <p:sldId id="301" r:id="rId33"/>
+    <p:sldId id="302" r:id="rId34"/>
+    <p:sldId id="303" r:id="rId35"/>
+    <p:sldId id="259" r:id="rId36"/>
+    <p:sldId id="260" r:id="rId37"/>
+    <p:sldId id="304" r:id="rId38"/>
+    <p:sldId id="305" r:id="rId39"/>
+    <p:sldId id="306" r:id="rId40"/>
+    <p:sldId id="307" r:id="rId41"/>
+    <p:sldId id="308" r:id="rId42"/>
+    <p:sldId id="309" r:id="rId43"/>
+    <p:sldId id="310" r:id="rId44"/>
+    <p:sldId id="311" r:id="rId45"/>
+    <p:sldId id="312" r:id="rId46"/>
   </p:sldIdLst>
   <p:sldSz cx="12192000" cy="6858000"/>
   <p:notesSz cx="6858000" cy="9144000"/>
@@ -252,7 +253,7 @@
           <a:p>
             <a:fld id="{44DBC884-B382-4302-8488-D4E467EB670D}" type="datetimeFigureOut">
               <a:rPr lang="ru-RU" smtClean="0"/>
-              <a:t>18.09.2020</a:t>
+              <a:t>21.09.2020</a:t>
             </a:fld>
             <a:endParaRPr lang="ru-RU"/>
           </a:p>
@@ -651,7 +652,7 @@
           <a:p>
             <a:fld id="{9F4DF3D0-C105-404D-A43B-7CBA1B97B744}" type="datetimeFigureOut">
               <a:rPr lang="ru-RU" smtClean="0"/>
-              <a:t>18.09.2020</a:t>
+              <a:t>21.09.2020</a:t>
             </a:fld>
             <a:endParaRPr lang="ru-RU"/>
           </a:p>
@@ -821,7 +822,7 @@
           <a:p>
             <a:fld id="{9F4DF3D0-C105-404D-A43B-7CBA1B97B744}" type="datetimeFigureOut">
               <a:rPr lang="ru-RU" smtClean="0"/>
-              <a:t>18.09.2020</a:t>
+              <a:t>21.09.2020</a:t>
             </a:fld>
             <a:endParaRPr lang="ru-RU"/>
           </a:p>
@@ -1001,7 +1002,7 @@
           <a:p>
             <a:fld id="{9F4DF3D0-C105-404D-A43B-7CBA1B97B744}" type="datetimeFigureOut">
               <a:rPr lang="ru-RU" smtClean="0"/>
-              <a:t>18.09.2020</a:t>
+              <a:t>21.09.2020</a:t>
             </a:fld>
             <a:endParaRPr lang="ru-RU"/>
           </a:p>
@@ -1171,7 +1172,7 @@
           <a:p>
             <a:fld id="{9F4DF3D0-C105-404D-A43B-7CBA1B97B744}" type="datetimeFigureOut">
               <a:rPr lang="ru-RU" smtClean="0"/>
-              <a:t>18.09.2020</a:t>
+              <a:t>21.09.2020</a:t>
             </a:fld>
             <a:endParaRPr lang="ru-RU"/>
           </a:p>
@@ -1417,7 +1418,7 @@
           <a:p>
             <a:fld id="{9F4DF3D0-C105-404D-A43B-7CBA1B97B744}" type="datetimeFigureOut">
               <a:rPr lang="ru-RU" smtClean="0"/>
-              <a:t>18.09.2020</a:t>
+              <a:t>21.09.2020</a:t>
             </a:fld>
             <a:endParaRPr lang="ru-RU"/>
           </a:p>
@@ -1649,7 +1650,7 @@
           <a:p>
             <a:fld id="{9F4DF3D0-C105-404D-A43B-7CBA1B97B744}" type="datetimeFigureOut">
               <a:rPr lang="ru-RU" smtClean="0"/>
-              <a:t>18.09.2020</a:t>
+              <a:t>21.09.2020</a:t>
             </a:fld>
             <a:endParaRPr lang="ru-RU"/>
           </a:p>
@@ -2016,7 +2017,7 @@
           <a:p>
             <a:fld id="{9F4DF3D0-C105-404D-A43B-7CBA1B97B744}" type="datetimeFigureOut">
               <a:rPr lang="ru-RU" smtClean="0"/>
-              <a:t>18.09.2020</a:t>
+              <a:t>21.09.2020</a:t>
             </a:fld>
             <a:endParaRPr lang="ru-RU"/>
           </a:p>
@@ -2134,7 +2135,7 @@
           <a:p>
             <a:fld id="{9F4DF3D0-C105-404D-A43B-7CBA1B97B744}" type="datetimeFigureOut">
               <a:rPr lang="ru-RU" smtClean="0"/>
-              <a:t>18.09.2020</a:t>
+              <a:t>21.09.2020</a:t>
             </a:fld>
             <a:endParaRPr lang="ru-RU"/>
           </a:p>
@@ -2229,7 +2230,7 @@
           <a:p>
             <a:fld id="{9F4DF3D0-C105-404D-A43B-7CBA1B97B744}" type="datetimeFigureOut">
               <a:rPr lang="ru-RU" smtClean="0"/>
-              <a:t>18.09.2020</a:t>
+              <a:t>21.09.2020</a:t>
             </a:fld>
             <a:endParaRPr lang="ru-RU"/>
           </a:p>
@@ -2506,7 +2507,7 @@
           <a:p>
             <a:fld id="{9F4DF3D0-C105-404D-A43B-7CBA1B97B744}" type="datetimeFigureOut">
               <a:rPr lang="ru-RU" smtClean="0"/>
-              <a:t>18.09.2020</a:t>
+              <a:t>21.09.2020</a:t>
             </a:fld>
             <a:endParaRPr lang="ru-RU"/>
           </a:p>
@@ -2759,7 +2760,7 @@
           <a:p>
             <a:fld id="{9F4DF3D0-C105-404D-A43B-7CBA1B97B744}" type="datetimeFigureOut">
               <a:rPr lang="ru-RU" smtClean="0"/>
-              <a:t>18.09.2020</a:t>
+              <a:t>21.09.2020</a:t>
             </a:fld>
             <a:endParaRPr lang="ru-RU"/>
           </a:p>
@@ -2972,7 +2973,7 @@
           <a:p>
             <a:fld id="{9F4DF3D0-C105-404D-A43B-7CBA1B97B744}" type="datetimeFigureOut">
               <a:rPr lang="ru-RU" smtClean="0"/>
-              <a:t>18.09.2020</a:t>
+              <a:t>21.09.2020</a:t>
             </a:fld>
             <a:endParaRPr lang="ru-RU"/>
           </a:p>
@@ -6285,335 +6286,374 @@
           <a:bodyPr/>
           <a:lstStyle/>
           <a:p>
-            <a:r>
-              <a:rPr lang="ru-RU" dirty="0"/>
+            <a:pPr algn="ctr"/>
+            <a:r>
+              <a:rPr lang="ru-RU" dirty="0" smtClean="0"/>
+              <a:t>Способы машинного обучения</a:t>
+            </a:r>
+            <a:endParaRPr lang="ru-RU" dirty="0"/>
+          </a:p>
+        </p:txBody>
+      </p:sp>
+      <p:sp>
+        <p:nvSpPr>
+          <p:cNvPr id="5" name="Скругленный прямоугольник 4"/>
+          <p:cNvSpPr/>
+          <p:nvPr/>
+        </p:nvSpPr>
+        <p:spPr>
+          <a:xfrm>
+            <a:off x="285008" y="1781299"/>
+            <a:ext cx="11578441" cy="4845132"/>
+          </a:xfrm>
+          <a:prstGeom prst="roundRect">
+            <a:avLst/>
+          </a:prstGeom>
+        </p:spPr>
+        <p:style>
+          <a:lnRef idx="2">
+            <a:schemeClr val="accent1">
+              <a:shade val="50000"/>
+            </a:schemeClr>
+          </a:lnRef>
+          <a:fillRef idx="1">
+            <a:schemeClr val="accent1"/>
+          </a:fillRef>
+          <a:effectRef idx="0">
+            <a:schemeClr val="accent1"/>
+          </a:effectRef>
+          <a:fontRef idx="minor">
+            <a:schemeClr val="lt1"/>
+          </a:fontRef>
+        </p:style>
+        <p:txBody>
+          <a:bodyPr rtlCol="0" anchor="t" anchorCtr="0"/>
+          <a:lstStyle/>
+          <a:p>
+            <a:r>
+              <a:rPr lang="ru-RU" dirty="0" smtClean="0"/>
+              <a:t>Искусственный интеллект</a:t>
+            </a:r>
+            <a:endParaRPr lang="ru-RU" dirty="0"/>
+          </a:p>
+        </p:txBody>
+      </p:sp>
+      <p:sp>
+        <p:nvSpPr>
+          <p:cNvPr id="6" name="Скругленный прямоугольник 5"/>
+          <p:cNvSpPr/>
+          <p:nvPr/>
+        </p:nvSpPr>
+        <p:spPr>
+          <a:xfrm>
+            <a:off x="838200" y="2543695"/>
+            <a:ext cx="10849495" cy="3956858"/>
+          </a:xfrm>
+          <a:prstGeom prst="roundRect">
+            <a:avLst/>
+          </a:prstGeom>
+        </p:spPr>
+        <p:style>
+          <a:lnRef idx="2">
+            <a:schemeClr val="accent6"/>
+          </a:lnRef>
+          <a:fillRef idx="1">
+            <a:schemeClr val="lt1"/>
+          </a:fillRef>
+          <a:effectRef idx="0">
+            <a:schemeClr val="accent6"/>
+          </a:effectRef>
+          <a:fontRef idx="minor">
+            <a:schemeClr val="dk1"/>
+          </a:fontRef>
+        </p:style>
+        <p:txBody>
+          <a:bodyPr rtlCol="0" anchor="t"/>
+          <a:lstStyle/>
+          <a:p>
+            <a:r>
+              <a:rPr lang="ru-RU" dirty="0" smtClean="0"/>
+              <a:t>Машинное обучение</a:t>
+            </a:r>
+            <a:endParaRPr lang="ru-RU" dirty="0"/>
+          </a:p>
+        </p:txBody>
+      </p:sp>
+      <p:sp>
+        <p:nvSpPr>
+          <p:cNvPr id="3" name="Скругленный прямоугольник 2"/>
+          <p:cNvSpPr/>
+          <p:nvPr/>
+        </p:nvSpPr>
+        <p:spPr>
+          <a:xfrm>
+            <a:off x="1242204" y="3312543"/>
+            <a:ext cx="3148641" cy="2915729"/>
+          </a:xfrm>
+          <a:prstGeom prst="roundRect">
+            <a:avLst/>
+          </a:prstGeom>
+        </p:spPr>
+        <p:style>
+          <a:lnRef idx="1">
+            <a:schemeClr val="accent1"/>
+          </a:lnRef>
+          <a:fillRef idx="2">
+            <a:schemeClr val="accent1"/>
+          </a:fillRef>
+          <a:effectRef idx="1">
+            <a:schemeClr val="accent1"/>
+          </a:effectRef>
+          <a:fontRef idx="minor">
+            <a:schemeClr val="dk1"/>
+          </a:fontRef>
+        </p:style>
+        <p:txBody>
+          <a:bodyPr rtlCol="0" anchor="t"/>
+          <a:lstStyle/>
+          <a:p>
+            <a:r>
+              <a:rPr lang="ru-RU" dirty="0" smtClean="0"/>
+              <a:t>Обучение с учителем</a:t>
+            </a:r>
+            <a:endParaRPr lang="ru-RU" dirty="0"/>
+          </a:p>
+        </p:txBody>
+      </p:sp>
+      <p:sp>
+        <p:nvSpPr>
+          <p:cNvPr id="7" name="Скругленный прямоугольник 6"/>
+          <p:cNvSpPr/>
+          <p:nvPr/>
+        </p:nvSpPr>
+        <p:spPr>
+          <a:xfrm>
+            <a:off x="4794849" y="3312543"/>
+            <a:ext cx="3148641" cy="2915729"/>
+          </a:xfrm>
+          <a:prstGeom prst="roundRect">
+            <a:avLst/>
+          </a:prstGeom>
+        </p:spPr>
+        <p:style>
+          <a:lnRef idx="1">
+            <a:schemeClr val="accent1"/>
+          </a:lnRef>
+          <a:fillRef idx="2">
+            <a:schemeClr val="accent1"/>
+          </a:fillRef>
+          <a:effectRef idx="1">
+            <a:schemeClr val="accent1"/>
+          </a:effectRef>
+          <a:fontRef idx="minor">
+            <a:schemeClr val="dk1"/>
+          </a:fontRef>
+        </p:style>
+        <p:txBody>
+          <a:bodyPr rtlCol="0" anchor="t"/>
+          <a:lstStyle/>
+          <a:p>
+            <a:r>
+              <a:rPr lang="ru-RU" dirty="0" smtClean="0">
+                <a:solidFill>
+                  <a:schemeClr val="dk1"/>
+                </a:solidFill>
+              </a:rPr>
+              <a:t>Обучение без учителя</a:t>
+            </a:r>
+            <a:endParaRPr lang="ru-RU" dirty="0">
+              <a:solidFill>
+                <a:schemeClr val="dk1"/>
+              </a:solidFill>
+            </a:endParaRPr>
+          </a:p>
+        </p:txBody>
+      </p:sp>
+      <p:sp>
+        <p:nvSpPr>
+          <p:cNvPr id="8" name="Скругленный прямоугольник 7"/>
+          <p:cNvSpPr/>
+          <p:nvPr/>
+        </p:nvSpPr>
+        <p:spPr>
+          <a:xfrm>
+            <a:off x="8347494" y="3312542"/>
+            <a:ext cx="3148641" cy="2915729"/>
+          </a:xfrm>
+          <a:prstGeom prst="roundRect">
+            <a:avLst/>
+          </a:prstGeom>
+        </p:spPr>
+        <p:style>
+          <a:lnRef idx="1">
+            <a:schemeClr val="accent1"/>
+          </a:lnRef>
+          <a:fillRef idx="2">
+            <a:schemeClr val="accent1"/>
+          </a:fillRef>
+          <a:effectRef idx="1">
+            <a:schemeClr val="accent1"/>
+          </a:effectRef>
+          <a:fontRef idx="minor">
+            <a:schemeClr val="dk1"/>
+          </a:fontRef>
+        </p:style>
+        <p:txBody>
+          <a:bodyPr rtlCol="0" anchor="t"/>
+          <a:lstStyle/>
+          <a:p>
+            <a:r>
+              <a:rPr lang="ru-RU" dirty="0" smtClean="0">
+                <a:solidFill>
+                  <a:schemeClr val="dk1"/>
+                </a:solidFill>
+              </a:rPr>
+              <a:t>Обучение с подкреплением</a:t>
+            </a:r>
+            <a:endParaRPr lang="ru-RU" dirty="0">
+              <a:solidFill>
+                <a:schemeClr val="dk1"/>
+              </a:solidFill>
+            </a:endParaRPr>
+          </a:p>
+        </p:txBody>
+      </p:sp>
+      <p:sp>
+        <p:nvSpPr>
+          <p:cNvPr id="4" name="Скругленный прямоугольник 3"/>
+          <p:cNvSpPr/>
+          <p:nvPr/>
+        </p:nvSpPr>
+        <p:spPr>
+          <a:xfrm>
+            <a:off x="1426271" y="3915383"/>
+            <a:ext cx="2813220" cy="855023"/>
+          </a:xfrm>
+          <a:prstGeom prst="roundRect">
+            <a:avLst/>
+          </a:prstGeom>
+        </p:spPr>
+        <p:style>
+          <a:lnRef idx="2">
+            <a:schemeClr val="accent6">
+              <a:shade val="50000"/>
+            </a:schemeClr>
+          </a:lnRef>
+          <a:fillRef idx="1">
+            <a:schemeClr val="accent6"/>
+          </a:fillRef>
+          <a:effectRef idx="0">
+            <a:schemeClr val="accent6"/>
+          </a:effectRef>
+          <a:fontRef idx="minor">
+            <a:schemeClr val="lt1"/>
+          </a:fontRef>
+        </p:style>
+        <p:txBody>
+          <a:bodyPr rtlCol="0" anchor="ctr"/>
+          <a:lstStyle/>
+          <a:p>
+            <a:pPr algn="ctr"/>
+            <a:r>
+              <a:rPr lang="ru-RU" dirty="0" smtClean="0"/>
               <a:t>Регрессия</a:t>
             </a:r>
-          </a:p>
-        </p:txBody>
-      </p:sp>
-      <p:sp>
-        <p:nvSpPr>
-          <p:cNvPr id="3" name="Объект 2"/>
-          <p:cNvSpPr>
-            <a:spLocks noGrp="1"/>
-          </p:cNvSpPr>
-          <p:nvPr>
-            <p:ph idx="1"/>
-          </p:nvPr>
-        </p:nvSpPr>
-        <p:spPr/>
-        <p:txBody>
-          <a:bodyPr>
-            <a:normAutofit/>
-          </a:bodyPr>
+            <a:endParaRPr lang="ru-RU" dirty="0"/>
+          </a:p>
+        </p:txBody>
+      </p:sp>
+      <p:sp>
+        <p:nvSpPr>
+          <p:cNvPr id="10" name="Скругленный прямоугольник 9"/>
+          <p:cNvSpPr/>
+          <p:nvPr/>
+        </p:nvSpPr>
+        <p:spPr>
+          <a:xfrm>
+            <a:off x="1426271" y="5081878"/>
+            <a:ext cx="2813220" cy="855023"/>
+          </a:xfrm>
+          <a:prstGeom prst="roundRect">
+            <a:avLst/>
+          </a:prstGeom>
+        </p:spPr>
+        <p:style>
+          <a:lnRef idx="2">
+            <a:schemeClr val="accent6">
+              <a:shade val="50000"/>
+            </a:schemeClr>
+          </a:lnRef>
+          <a:fillRef idx="1">
+            <a:schemeClr val="accent6"/>
+          </a:fillRef>
+          <a:effectRef idx="0">
+            <a:schemeClr val="accent6"/>
+          </a:effectRef>
+          <a:fontRef idx="minor">
+            <a:schemeClr val="lt1"/>
+          </a:fontRef>
+        </p:style>
+        <p:txBody>
+          <a:bodyPr rtlCol="0" anchor="ctr"/>
           <a:lstStyle/>
           <a:p>
-            <a:pPr marL="0" indent="0">
-              <a:buNone/>
-            </a:pPr>
-            <a:r>
-              <a:rPr lang="en-US" i="1" dirty="0"/>
-              <a:t>D</a:t>
-            </a:r>
-            <a:r>
-              <a:rPr lang="en-US" dirty="0"/>
-              <a:t> = {(</a:t>
-            </a:r>
-            <a:r>
-              <a:rPr lang="en-US" i="1" dirty="0"/>
-              <a:t>x</a:t>
-            </a:r>
-            <a:r>
-              <a:rPr lang="en-US" baseline="-25000" dirty="0"/>
-              <a:t>1</a:t>
-            </a:r>
-            <a:r>
-              <a:rPr lang="en-US" dirty="0"/>
-              <a:t>, </a:t>
-            </a:r>
-            <a:r>
-              <a:rPr lang="en-US" i="1" dirty="0"/>
-              <a:t>y</a:t>
-            </a:r>
-            <a:r>
-              <a:rPr lang="en-US" baseline="-25000" dirty="0"/>
-              <a:t>1</a:t>
-            </a:r>
-            <a:r>
-              <a:rPr lang="en-US" dirty="0"/>
-              <a:t>), …, (</a:t>
-            </a:r>
-            <a:r>
-              <a:rPr lang="en-US" i="1" dirty="0" err="1"/>
-              <a:t>x</a:t>
-            </a:r>
-            <a:r>
-              <a:rPr lang="en-US" i="1" baseline="-25000" dirty="0" err="1"/>
-              <a:t>N</a:t>
-            </a:r>
-            <a:r>
-              <a:rPr lang="en-US" dirty="0"/>
-              <a:t>, </a:t>
-            </a:r>
-            <a:r>
-              <a:rPr lang="en-US" i="1" dirty="0" err="1"/>
-              <a:t>y</a:t>
-            </a:r>
-            <a:r>
-              <a:rPr lang="en-US" i="1" baseline="-25000" dirty="0" err="1"/>
-              <a:t>N</a:t>
-            </a:r>
-            <a:r>
-              <a:rPr lang="en-US" dirty="0"/>
-              <a:t>)}, </a:t>
-            </a:r>
-            <a:r>
-              <a:rPr lang="ru-RU" dirty="0"/>
-              <a:t>где </a:t>
-            </a:r>
-            <a:r>
-              <a:rPr lang="en-US" i="1" dirty="0"/>
-              <a:t>x</a:t>
-            </a:r>
-            <a:r>
-              <a:rPr lang="en-US" i="1" baseline="-25000" dirty="0"/>
-              <a:t>i</a:t>
-            </a:r>
-            <a:r>
-              <a:rPr lang="en-US" dirty="0"/>
-              <a:t> </a:t>
-            </a:r>
-            <a:r>
-              <a:rPr lang="en-US" dirty="0">
-                <a:sym typeface="Symbol" panose="05050102010706020507" pitchFamily="18" charset="2"/>
-              </a:rPr>
-              <a:t> </a:t>
-            </a:r>
-            <a:r>
-              <a:rPr lang="en-US" i="1" dirty="0">
-                <a:sym typeface="Symbol" panose="05050102010706020507" pitchFamily="18" charset="2"/>
-              </a:rPr>
-              <a:t>X</a:t>
-            </a:r>
-            <a:r>
-              <a:rPr lang="en-US" dirty="0">
-                <a:sym typeface="Symbol" panose="05050102010706020507" pitchFamily="18" charset="2"/>
-              </a:rPr>
-              <a:t>, </a:t>
-            </a:r>
-            <a:r>
-              <a:rPr lang="en-US" i="1" dirty="0" err="1">
-                <a:sym typeface="Symbol" panose="05050102010706020507" pitchFamily="18" charset="2"/>
-              </a:rPr>
-              <a:t>y</a:t>
-            </a:r>
-            <a:r>
-              <a:rPr lang="en-US" i="1" baseline="-25000" dirty="0" err="1">
-                <a:sym typeface="Symbol" panose="05050102010706020507" pitchFamily="18" charset="2"/>
-              </a:rPr>
-              <a:t>i</a:t>
-            </a:r>
-            <a:r>
-              <a:rPr lang="en-US" dirty="0">
-                <a:sym typeface="Symbol" panose="05050102010706020507" pitchFamily="18" charset="2"/>
-              </a:rPr>
-              <a:t>  </a:t>
-            </a:r>
-            <a:r>
-              <a:rPr lang="en-US" i="1" dirty="0">
-                <a:sym typeface="Symbol" panose="05050102010706020507" pitchFamily="18" charset="2"/>
-              </a:rPr>
-              <a:t>Y</a:t>
-            </a:r>
-            <a:r>
-              <a:rPr lang="en-US" dirty="0" smtClean="0">
-                <a:sym typeface="Symbol" panose="05050102010706020507" pitchFamily="18" charset="2"/>
-              </a:rPr>
-              <a:t>.</a:t>
-            </a:r>
-            <a:endParaRPr lang="ru-RU" dirty="0" smtClean="0">
-              <a:sym typeface="Symbol" panose="05050102010706020507" pitchFamily="18" charset="2"/>
-            </a:endParaRPr>
-          </a:p>
-          <a:p>
-            <a:pPr marL="0" indent="0">
-              <a:buNone/>
-            </a:pPr>
-            <a:r>
-              <a:rPr lang="en-US" i="1" dirty="0"/>
-              <a:t>F</a:t>
-            </a:r>
-            <a:r>
-              <a:rPr lang="en-US" dirty="0"/>
-              <a:t>(</a:t>
-            </a:r>
-            <a:r>
-              <a:rPr lang="en-US" i="1" dirty="0"/>
-              <a:t>x</a:t>
-            </a:r>
-            <a:r>
-              <a:rPr lang="en-US" i="1" baseline="-25000" dirty="0"/>
-              <a:t>i</a:t>
-            </a:r>
-            <a:r>
-              <a:rPr lang="en-US" dirty="0"/>
-              <a:t>) = </a:t>
-            </a:r>
-            <a:r>
-              <a:rPr lang="en-US" i="1" dirty="0" err="1">
-                <a:sym typeface="Symbol" panose="05050102010706020507" pitchFamily="18" charset="2"/>
-              </a:rPr>
-              <a:t>y</a:t>
-            </a:r>
-            <a:r>
-              <a:rPr lang="en-US" i="1" baseline="-25000" dirty="0" err="1">
-                <a:sym typeface="Symbol" panose="05050102010706020507" pitchFamily="18" charset="2"/>
-              </a:rPr>
-              <a:t>i</a:t>
-            </a:r>
-            <a:r>
-              <a:rPr lang="en-US" dirty="0"/>
-              <a:t>, </a:t>
-            </a:r>
-            <a:r>
-              <a:rPr lang="ru-RU" dirty="0"/>
-              <a:t>где </a:t>
-            </a:r>
-            <a:r>
-              <a:rPr lang="en-US" i="1" dirty="0"/>
-              <a:t>x</a:t>
-            </a:r>
-            <a:r>
-              <a:rPr lang="en-US" i="1" baseline="-25000" dirty="0"/>
-              <a:t>i</a:t>
-            </a:r>
-            <a:r>
-              <a:rPr lang="en-US" dirty="0"/>
-              <a:t> </a:t>
-            </a:r>
-            <a:r>
-              <a:rPr lang="en-US" dirty="0">
-                <a:sym typeface="Symbol" panose="05050102010706020507" pitchFamily="18" charset="2"/>
-              </a:rPr>
-              <a:t> </a:t>
-            </a:r>
-            <a:r>
-              <a:rPr lang="en-US" i="1" dirty="0">
-                <a:sym typeface="Symbol" panose="05050102010706020507" pitchFamily="18" charset="2"/>
-              </a:rPr>
-              <a:t>X</a:t>
-            </a:r>
-            <a:r>
-              <a:rPr lang="en-US" dirty="0">
-                <a:sym typeface="Symbol" panose="05050102010706020507" pitchFamily="18" charset="2"/>
-              </a:rPr>
-              <a:t>, </a:t>
-            </a:r>
-            <a:r>
-              <a:rPr lang="en-US" i="1" dirty="0" err="1">
-                <a:sym typeface="Symbol" panose="05050102010706020507" pitchFamily="18" charset="2"/>
-              </a:rPr>
-              <a:t>y</a:t>
-            </a:r>
-            <a:r>
-              <a:rPr lang="en-US" i="1" baseline="-25000" dirty="0" err="1">
-                <a:sym typeface="Symbol" panose="05050102010706020507" pitchFamily="18" charset="2"/>
-              </a:rPr>
-              <a:t>i</a:t>
-            </a:r>
-            <a:r>
-              <a:rPr lang="en-US" dirty="0">
-                <a:sym typeface="Symbol" panose="05050102010706020507" pitchFamily="18" charset="2"/>
-              </a:rPr>
-              <a:t>  </a:t>
-            </a:r>
-            <a:r>
-              <a:rPr lang="en-US" i="1" dirty="0">
-                <a:sym typeface="Symbol" panose="05050102010706020507" pitchFamily="18" charset="2"/>
-              </a:rPr>
-              <a:t>Y</a:t>
-            </a:r>
-            <a:r>
-              <a:rPr lang="en-US" dirty="0" smtClean="0">
-                <a:sym typeface="Symbol" panose="05050102010706020507" pitchFamily="18" charset="2"/>
-              </a:rPr>
-              <a:t>.</a:t>
-            </a:r>
-            <a:endParaRPr lang="ru-RU" dirty="0" smtClean="0">
-              <a:sym typeface="Symbol" panose="05050102010706020507" pitchFamily="18" charset="2"/>
-            </a:endParaRPr>
-          </a:p>
-          <a:p>
-            <a:pPr marL="0" indent="0">
-              <a:buNone/>
-            </a:pPr>
-            <a:endParaRPr lang="ru-RU" dirty="0">
-              <a:sym typeface="Symbol" panose="05050102010706020507" pitchFamily="18" charset="2"/>
-            </a:endParaRPr>
-          </a:p>
-          <a:p>
-            <a:pPr marL="0" indent="0">
-              <a:buNone/>
-            </a:pPr>
-            <a:r>
-              <a:rPr lang="en-US" i="1" dirty="0" err="1">
-                <a:sym typeface="Symbol" panose="05050102010706020507" pitchFamily="18" charset="2"/>
-              </a:rPr>
-              <a:t>y</a:t>
-            </a:r>
-            <a:r>
-              <a:rPr lang="en-US" i="1" baseline="-25000" dirty="0" err="1">
-                <a:sym typeface="Symbol" panose="05050102010706020507" pitchFamily="18" charset="2"/>
-              </a:rPr>
-              <a:t>i</a:t>
-            </a:r>
+            <a:pPr algn="ctr"/>
             <a:r>
               <a:rPr lang="ru-RU" dirty="0" smtClean="0"/>
-              <a:t> - </a:t>
-            </a:r>
-            <a:r>
-              <a:rPr lang="ru-RU" dirty="0"/>
-              <a:t>ч</a:t>
-            </a:r>
+              <a:t>Классификация</a:t>
+            </a:r>
+            <a:endParaRPr lang="ru-RU" dirty="0"/>
+          </a:p>
+        </p:txBody>
+      </p:sp>
+      <p:sp>
+        <p:nvSpPr>
+          <p:cNvPr id="11" name="Скругленный прямоугольник 10"/>
+          <p:cNvSpPr/>
+          <p:nvPr/>
+        </p:nvSpPr>
+        <p:spPr>
+          <a:xfrm>
+            <a:off x="4962560" y="3915383"/>
+            <a:ext cx="2813220" cy="855023"/>
+          </a:xfrm>
+          <a:prstGeom prst="roundRect">
+            <a:avLst/>
+          </a:prstGeom>
+        </p:spPr>
+        <p:style>
+          <a:lnRef idx="2">
+            <a:schemeClr val="accent6">
+              <a:shade val="50000"/>
+            </a:schemeClr>
+          </a:lnRef>
+          <a:fillRef idx="1">
+            <a:schemeClr val="accent6"/>
+          </a:fillRef>
+          <a:effectRef idx="0">
+            <a:schemeClr val="accent6"/>
+          </a:effectRef>
+          <a:fontRef idx="minor">
+            <a:schemeClr val="lt1"/>
+          </a:fontRef>
+        </p:style>
+        <p:txBody>
+          <a:bodyPr rtlCol="0" anchor="ctr"/>
+          <a:lstStyle/>
+          <a:p>
+            <a:pPr algn="ctr"/>
             <a:r>
               <a:rPr lang="ru-RU" dirty="0" smtClean="0"/>
-              <a:t>исло или вектор, состоящий из чисел.</a:t>
-            </a:r>
-          </a:p>
-          <a:p>
-            <a:pPr marL="0" indent="0">
-              <a:buNone/>
-            </a:pPr>
+              <a:t>Кластеризация</a:t>
+            </a:r>
             <a:endParaRPr lang="ru-RU" dirty="0"/>
-          </a:p>
-          <a:p>
-            <a:pPr marL="0" indent="0">
-              <a:buNone/>
-            </a:pPr>
-            <a:r>
-              <a:rPr lang="ru-RU" dirty="0" smtClean="0"/>
-              <a:t>Предполагаем, что существует зависимость, задаваемая </a:t>
-            </a:r>
-            <a:r>
-              <a:rPr lang="en-US" i="1" dirty="0" smtClean="0"/>
-              <a:t>F</a:t>
-            </a:r>
-            <a:r>
-              <a:rPr lang="en-US" dirty="0" smtClean="0"/>
-              <a:t>()</a:t>
-            </a:r>
-            <a:r>
-              <a:rPr lang="ru-RU" dirty="0" smtClean="0"/>
-              <a:t>, и пытаемся найти эту зависимость.</a:t>
-            </a:r>
           </a:p>
         </p:txBody>
       </p:sp>
     </p:spTree>
     <p:extLst>
       <p:ext uri="{BB962C8B-B14F-4D97-AF65-F5344CB8AC3E}">
-        <p14:creationId xmlns:p14="http://schemas.microsoft.com/office/powerpoint/2010/main" val="1087335680"/>
+        <p14:creationId xmlns:p14="http://schemas.microsoft.com/office/powerpoint/2010/main" val="3047881195"/>
       </p:ext>
     </p:extLst>
   </p:cSld>
@@ -6727,6 +6767,383 @@
 </file>
 
 <file path=ppt/slides/slide20.xml><?xml version="1.0" encoding="utf-8"?>
+<p:sld xmlns:a="http://schemas.openxmlformats.org/drawingml/2006/main" xmlns:r="http://schemas.openxmlformats.org/officeDocument/2006/relationships" xmlns:p="http://schemas.openxmlformats.org/presentationml/2006/main">
+  <p:cSld>
+    <p:spTree>
+      <p:nvGrpSpPr>
+        <p:cNvPr id="1" name=""/>
+        <p:cNvGrpSpPr/>
+        <p:nvPr/>
+      </p:nvGrpSpPr>
+      <p:grpSpPr>
+        <a:xfrm>
+          <a:off x="0" y="0"/>
+          <a:ext cx="0" cy="0"/>
+          <a:chOff x="0" y="0"/>
+          <a:chExt cx="0" cy="0"/>
+        </a:xfrm>
+      </p:grpSpPr>
+      <p:sp>
+        <p:nvSpPr>
+          <p:cNvPr id="2" name="Заголовок 1"/>
+          <p:cNvSpPr>
+            <a:spLocks noGrp="1"/>
+          </p:cNvSpPr>
+          <p:nvPr>
+            <p:ph type="title"/>
+          </p:nvPr>
+        </p:nvSpPr>
+        <p:spPr/>
+        <p:txBody>
+          <a:bodyPr/>
+          <a:lstStyle/>
+          <a:p>
+            <a:r>
+              <a:rPr lang="ru-RU" dirty="0"/>
+              <a:t>Регрессия</a:t>
+            </a:r>
+          </a:p>
+        </p:txBody>
+      </p:sp>
+      <p:sp>
+        <p:nvSpPr>
+          <p:cNvPr id="3" name="Объект 2"/>
+          <p:cNvSpPr>
+            <a:spLocks noGrp="1"/>
+          </p:cNvSpPr>
+          <p:nvPr>
+            <p:ph idx="1"/>
+          </p:nvPr>
+        </p:nvSpPr>
+        <p:spPr/>
+        <p:txBody>
+          <a:bodyPr>
+            <a:normAutofit/>
+          </a:bodyPr>
+          <a:lstStyle/>
+          <a:p>
+            <a:pPr marL="0" indent="0">
+              <a:buNone/>
+            </a:pPr>
+            <a:r>
+              <a:rPr lang="en-US" i="1" dirty="0"/>
+              <a:t>D</a:t>
+            </a:r>
+            <a:r>
+              <a:rPr lang="en-US" dirty="0"/>
+              <a:t> = {(</a:t>
+            </a:r>
+            <a:r>
+              <a:rPr lang="en-US" i="1" dirty="0"/>
+              <a:t>x</a:t>
+            </a:r>
+            <a:r>
+              <a:rPr lang="en-US" baseline="-25000" dirty="0"/>
+              <a:t>1</a:t>
+            </a:r>
+            <a:r>
+              <a:rPr lang="en-US" dirty="0"/>
+              <a:t>, </a:t>
+            </a:r>
+            <a:r>
+              <a:rPr lang="en-US" i="1" dirty="0"/>
+              <a:t>y</a:t>
+            </a:r>
+            <a:r>
+              <a:rPr lang="en-US" baseline="-25000" dirty="0"/>
+              <a:t>1</a:t>
+            </a:r>
+            <a:r>
+              <a:rPr lang="en-US" dirty="0"/>
+              <a:t>), …, (</a:t>
+            </a:r>
+            <a:r>
+              <a:rPr lang="en-US" i="1" dirty="0" err="1"/>
+              <a:t>x</a:t>
+            </a:r>
+            <a:r>
+              <a:rPr lang="en-US" i="1" baseline="-25000" dirty="0" err="1"/>
+              <a:t>N</a:t>
+            </a:r>
+            <a:r>
+              <a:rPr lang="en-US" dirty="0"/>
+              <a:t>, </a:t>
+            </a:r>
+            <a:r>
+              <a:rPr lang="en-US" i="1" dirty="0" err="1"/>
+              <a:t>y</a:t>
+            </a:r>
+            <a:r>
+              <a:rPr lang="en-US" i="1" baseline="-25000" dirty="0" err="1"/>
+              <a:t>N</a:t>
+            </a:r>
+            <a:r>
+              <a:rPr lang="en-US" dirty="0"/>
+              <a:t>)}, </a:t>
+            </a:r>
+            <a:r>
+              <a:rPr lang="ru-RU" dirty="0"/>
+              <a:t>где </a:t>
+            </a:r>
+            <a:r>
+              <a:rPr lang="en-US" i="1" dirty="0"/>
+              <a:t>x</a:t>
+            </a:r>
+            <a:r>
+              <a:rPr lang="en-US" i="1" baseline="-25000" dirty="0"/>
+              <a:t>i</a:t>
+            </a:r>
+            <a:r>
+              <a:rPr lang="en-US" dirty="0"/>
+              <a:t> </a:t>
+            </a:r>
+            <a:r>
+              <a:rPr lang="en-US" dirty="0">
+                <a:sym typeface="Symbol" panose="05050102010706020507" pitchFamily="18" charset="2"/>
+              </a:rPr>
+              <a:t> </a:t>
+            </a:r>
+            <a:r>
+              <a:rPr lang="en-US" i="1" dirty="0">
+                <a:sym typeface="Symbol" panose="05050102010706020507" pitchFamily="18" charset="2"/>
+              </a:rPr>
+              <a:t>X</a:t>
+            </a:r>
+            <a:r>
+              <a:rPr lang="en-US" dirty="0">
+                <a:sym typeface="Symbol" panose="05050102010706020507" pitchFamily="18" charset="2"/>
+              </a:rPr>
+              <a:t>, </a:t>
+            </a:r>
+            <a:r>
+              <a:rPr lang="en-US" i="1" dirty="0" err="1">
+                <a:sym typeface="Symbol" panose="05050102010706020507" pitchFamily="18" charset="2"/>
+              </a:rPr>
+              <a:t>y</a:t>
+            </a:r>
+            <a:r>
+              <a:rPr lang="en-US" i="1" baseline="-25000" dirty="0" err="1">
+                <a:sym typeface="Symbol" panose="05050102010706020507" pitchFamily="18" charset="2"/>
+              </a:rPr>
+              <a:t>i</a:t>
+            </a:r>
+            <a:r>
+              <a:rPr lang="en-US" dirty="0">
+                <a:sym typeface="Symbol" panose="05050102010706020507" pitchFamily="18" charset="2"/>
+              </a:rPr>
+              <a:t>  </a:t>
+            </a:r>
+            <a:r>
+              <a:rPr lang="en-US" i="1" dirty="0">
+                <a:sym typeface="Symbol" panose="05050102010706020507" pitchFamily="18" charset="2"/>
+              </a:rPr>
+              <a:t>Y</a:t>
+            </a:r>
+            <a:r>
+              <a:rPr lang="en-US" dirty="0" smtClean="0">
+                <a:sym typeface="Symbol" panose="05050102010706020507" pitchFamily="18" charset="2"/>
+              </a:rPr>
+              <a:t>.</a:t>
+            </a:r>
+            <a:endParaRPr lang="ru-RU" dirty="0" smtClean="0">
+              <a:sym typeface="Symbol" panose="05050102010706020507" pitchFamily="18" charset="2"/>
+            </a:endParaRPr>
+          </a:p>
+          <a:p>
+            <a:pPr marL="0" indent="0">
+              <a:buNone/>
+            </a:pPr>
+            <a:r>
+              <a:rPr lang="en-US" i="1" dirty="0"/>
+              <a:t>F</a:t>
+            </a:r>
+            <a:r>
+              <a:rPr lang="en-US" dirty="0"/>
+              <a:t>(</a:t>
+            </a:r>
+            <a:r>
+              <a:rPr lang="en-US" i="1" dirty="0"/>
+              <a:t>x</a:t>
+            </a:r>
+            <a:r>
+              <a:rPr lang="en-US" i="1" baseline="-25000" dirty="0"/>
+              <a:t>i</a:t>
+            </a:r>
+            <a:r>
+              <a:rPr lang="en-US" dirty="0"/>
+              <a:t>) = </a:t>
+            </a:r>
+            <a:r>
+              <a:rPr lang="en-US" i="1" dirty="0" err="1">
+                <a:sym typeface="Symbol" panose="05050102010706020507" pitchFamily="18" charset="2"/>
+              </a:rPr>
+              <a:t>y</a:t>
+            </a:r>
+            <a:r>
+              <a:rPr lang="en-US" i="1" baseline="-25000" dirty="0" err="1">
+                <a:sym typeface="Symbol" panose="05050102010706020507" pitchFamily="18" charset="2"/>
+              </a:rPr>
+              <a:t>i</a:t>
+            </a:r>
+            <a:r>
+              <a:rPr lang="en-US" dirty="0"/>
+              <a:t>, </a:t>
+            </a:r>
+            <a:r>
+              <a:rPr lang="ru-RU" dirty="0"/>
+              <a:t>где </a:t>
+            </a:r>
+            <a:r>
+              <a:rPr lang="en-US" i="1" dirty="0"/>
+              <a:t>x</a:t>
+            </a:r>
+            <a:r>
+              <a:rPr lang="en-US" i="1" baseline="-25000" dirty="0"/>
+              <a:t>i</a:t>
+            </a:r>
+            <a:r>
+              <a:rPr lang="en-US" dirty="0"/>
+              <a:t> </a:t>
+            </a:r>
+            <a:r>
+              <a:rPr lang="en-US" dirty="0">
+                <a:sym typeface="Symbol" panose="05050102010706020507" pitchFamily="18" charset="2"/>
+              </a:rPr>
+              <a:t> </a:t>
+            </a:r>
+            <a:r>
+              <a:rPr lang="en-US" i="1" dirty="0">
+                <a:sym typeface="Symbol" panose="05050102010706020507" pitchFamily="18" charset="2"/>
+              </a:rPr>
+              <a:t>X</a:t>
+            </a:r>
+            <a:r>
+              <a:rPr lang="en-US" dirty="0">
+                <a:sym typeface="Symbol" panose="05050102010706020507" pitchFamily="18" charset="2"/>
+              </a:rPr>
+              <a:t>, </a:t>
+            </a:r>
+            <a:r>
+              <a:rPr lang="en-US" i="1" dirty="0" err="1">
+                <a:sym typeface="Symbol" panose="05050102010706020507" pitchFamily="18" charset="2"/>
+              </a:rPr>
+              <a:t>y</a:t>
+            </a:r>
+            <a:r>
+              <a:rPr lang="en-US" i="1" baseline="-25000" dirty="0" err="1">
+                <a:sym typeface="Symbol" panose="05050102010706020507" pitchFamily="18" charset="2"/>
+              </a:rPr>
+              <a:t>i</a:t>
+            </a:r>
+            <a:r>
+              <a:rPr lang="en-US" dirty="0">
+                <a:sym typeface="Symbol" panose="05050102010706020507" pitchFamily="18" charset="2"/>
+              </a:rPr>
+              <a:t>  </a:t>
+            </a:r>
+            <a:r>
+              <a:rPr lang="en-US" i="1" dirty="0">
+                <a:sym typeface="Symbol" panose="05050102010706020507" pitchFamily="18" charset="2"/>
+              </a:rPr>
+              <a:t>Y</a:t>
+            </a:r>
+            <a:r>
+              <a:rPr lang="en-US" dirty="0" smtClean="0">
+                <a:sym typeface="Symbol" panose="05050102010706020507" pitchFamily="18" charset="2"/>
+              </a:rPr>
+              <a:t>.</a:t>
+            </a:r>
+            <a:endParaRPr lang="ru-RU" dirty="0" smtClean="0">
+              <a:sym typeface="Symbol" panose="05050102010706020507" pitchFamily="18" charset="2"/>
+            </a:endParaRPr>
+          </a:p>
+          <a:p>
+            <a:pPr marL="0" indent="0">
+              <a:buNone/>
+            </a:pPr>
+            <a:endParaRPr lang="ru-RU" dirty="0">
+              <a:sym typeface="Symbol" panose="05050102010706020507" pitchFamily="18" charset="2"/>
+            </a:endParaRPr>
+          </a:p>
+          <a:p>
+            <a:pPr marL="0" indent="0">
+              <a:buNone/>
+            </a:pPr>
+            <a:r>
+              <a:rPr lang="en-US" i="1" dirty="0" err="1">
+                <a:sym typeface="Symbol" panose="05050102010706020507" pitchFamily="18" charset="2"/>
+              </a:rPr>
+              <a:t>y</a:t>
+            </a:r>
+            <a:r>
+              <a:rPr lang="en-US" i="1" baseline="-25000" dirty="0" err="1">
+                <a:sym typeface="Symbol" panose="05050102010706020507" pitchFamily="18" charset="2"/>
+              </a:rPr>
+              <a:t>i</a:t>
+            </a:r>
+            <a:r>
+              <a:rPr lang="ru-RU" dirty="0" smtClean="0"/>
+              <a:t> - </a:t>
+            </a:r>
+            <a:r>
+              <a:rPr lang="ru-RU" dirty="0"/>
+              <a:t>ч</a:t>
+            </a:r>
+            <a:r>
+              <a:rPr lang="ru-RU" dirty="0" smtClean="0"/>
+              <a:t>исло или вектор, состоящий из чисел.</a:t>
+            </a:r>
+          </a:p>
+          <a:p>
+            <a:pPr marL="0" indent="0">
+              <a:buNone/>
+            </a:pPr>
+            <a:endParaRPr lang="ru-RU" dirty="0"/>
+          </a:p>
+          <a:p>
+            <a:pPr marL="0" indent="0">
+              <a:buNone/>
+            </a:pPr>
+            <a:r>
+              <a:rPr lang="ru-RU" dirty="0" smtClean="0"/>
+              <a:t>Предполагаем, что существует зависимость, задаваемая </a:t>
+            </a:r>
+            <a:r>
+              <a:rPr lang="en-US" i="1" dirty="0" smtClean="0"/>
+              <a:t>F</a:t>
+            </a:r>
+            <a:r>
+              <a:rPr lang="en-US" dirty="0" smtClean="0"/>
+              <a:t>()</a:t>
+            </a:r>
+            <a:r>
+              <a:rPr lang="ru-RU" dirty="0" smtClean="0"/>
+              <a:t>, и пытаемся найти эту зависимость.</a:t>
+            </a:r>
+          </a:p>
+        </p:txBody>
+      </p:sp>
+    </p:spTree>
+    <p:extLst>
+      <p:ext uri="{BB962C8B-B14F-4D97-AF65-F5344CB8AC3E}">
+        <p14:creationId xmlns:p14="http://schemas.microsoft.com/office/powerpoint/2010/main" val="1087335680"/>
+      </p:ext>
+    </p:extLst>
+  </p:cSld>
+  <p:clrMapOvr>
+    <a:masterClrMapping/>
+  </p:clrMapOvr>
+  <p:timing>
+    <p:tnLst>
+      <p:par>
+        <p:cTn id="1" dur="indefinite" restart="never" nodeType="tmRoot"/>
+      </p:par>
+    </p:tnLst>
+  </p:timing>
+</p:sld>
+</file>
+
+<file path=ppt/slides/slide21.xml><?xml version="1.0" encoding="utf-8"?>
 <p:sld xmlns:a="http://schemas.openxmlformats.org/drawingml/2006/main" xmlns:r="http://schemas.openxmlformats.org/officeDocument/2006/relationships" xmlns:p="http://schemas.openxmlformats.org/presentationml/2006/main">
   <p:cSld>
     <p:spTree>
@@ -7159,7 +7576,7 @@
 </p:sld>
 </file>
 
-<file path=ppt/slides/slide21.xml><?xml version="1.0" encoding="utf-8"?>
+<file path=ppt/slides/slide22.xml><?xml version="1.0" encoding="utf-8"?>
 <p:sld xmlns:a="http://schemas.openxmlformats.org/drawingml/2006/main" xmlns:r="http://schemas.openxmlformats.org/officeDocument/2006/relationships" xmlns:p="http://schemas.openxmlformats.org/presentationml/2006/main">
   <p:cSld>
     <p:spTree>
@@ -7585,7 +8002,7 @@
 </p:sld>
 </file>
 
-<file path=ppt/slides/slide22.xml><?xml version="1.0" encoding="utf-8"?>
+<file path=ppt/slides/slide23.xml><?xml version="1.0" encoding="utf-8"?>
 <p:sld xmlns:a="http://schemas.openxmlformats.org/drawingml/2006/main" xmlns:r="http://schemas.openxmlformats.org/officeDocument/2006/relationships" xmlns:p="http://schemas.openxmlformats.org/presentationml/2006/main">
   <p:cSld>
     <p:spTree>
@@ -7984,7 +8401,7 @@
 </p:sld>
 </file>
 
-<file path=ppt/slides/slide23.xml><?xml version="1.0" encoding="utf-8"?>
+<file path=ppt/slides/slide24.xml><?xml version="1.0" encoding="utf-8"?>
 <p:sld xmlns:a="http://schemas.openxmlformats.org/drawingml/2006/main" xmlns:r="http://schemas.openxmlformats.org/officeDocument/2006/relationships" xmlns:p="http://schemas.openxmlformats.org/presentationml/2006/main">
   <p:cSld>
     <p:spTree>
@@ -8302,7 +8719,7 @@
 </p:sld>
 </file>
 
-<file path=ppt/slides/slide24.xml><?xml version="1.0" encoding="utf-8"?>
+<file path=ppt/slides/slide25.xml><?xml version="1.0" encoding="utf-8"?>
 <p:sld xmlns:a="http://schemas.openxmlformats.org/drawingml/2006/main" xmlns:r="http://schemas.openxmlformats.org/officeDocument/2006/relationships" xmlns:p="http://schemas.openxmlformats.org/presentationml/2006/main">
   <p:cSld>
     <p:spTree>
@@ -8712,7 +9129,7 @@
 </p:sld>
 </file>
 
-<file path=ppt/slides/slide25.xml><?xml version="1.0" encoding="utf-8"?>
+<file path=ppt/slides/slide26.xml><?xml version="1.0" encoding="utf-8"?>
 <p:sld xmlns:a="http://schemas.openxmlformats.org/drawingml/2006/main" xmlns:r="http://schemas.openxmlformats.org/officeDocument/2006/relationships" xmlns:p="http://schemas.openxmlformats.org/presentationml/2006/main">
   <p:cSld>
     <p:spTree>
@@ -8981,238 +9398,6 @@
 </p:sld>
 </file>
 
-<file path=ppt/slides/slide26.xml><?xml version="1.0" encoding="utf-8"?>
-<p:sld xmlns:a="http://schemas.openxmlformats.org/drawingml/2006/main" xmlns:r="http://schemas.openxmlformats.org/officeDocument/2006/relationships" xmlns:p="http://schemas.openxmlformats.org/presentationml/2006/main">
-  <p:cSld>
-    <p:spTree>
-      <p:nvGrpSpPr>
-        <p:cNvPr id="1" name=""/>
-        <p:cNvGrpSpPr/>
-        <p:nvPr/>
-      </p:nvGrpSpPr>
-      <p:grpSpPr>
-        <a:xfrm>
-          <a:off x="0" y="0"/>
-          <a:ext cx="0" cy="0"/>
-          <a:chOff x="0" y="0"/>
-          <a:chExt cx="0" cy="0"/>
-        </a:xfrm>
-      </p:grpSpPr>
-      <p:sp>
-        <p:nvSpPr>
-          <p:cNvPr id="2" name="Заголовок 1"/>
-          <p:cNvSpPr>
-            <a:spLocks noGrp="1"/>
-          </p:cNvSpPr>
-          <p:nvPr>
-            <p:ph type="title"/>
-          </p:nvPr>
-        </p:nvSpPr>
-        <p:spPr/>
-        <p:txBody>
-          <a:bodyPr/>
-          <a:lstStyle/>
-          <a:p>
-            <a:r>
-              <a:rPr lang="ru-RU" smtClean="0"/>
-              <a:t>Кластеризация</a:t>
-            </a:r>
-            <a:endParaRPr lang="ru-RU" dirty="0"/>
-          </a:p>
-        </p:txBody>
-      </p:sp>
-      <p:sp>
-        <p:nvSpPr>
-          <p:cNvPr id="3" name="Объект 2"/>
-          <p:cNvSpPr>
-            <a:spLocks noGrp="1"/>
-          </p:cNvSpPr>
-          <p:nvPr>
-            <p:ph idx="1"/>
-          </p:nvPr>
-        </p:nvSpPr>
-        <p:spPr/>
-        <p:txBody>
-          <a:bodyPr>
-            <a:normAutofit/>
-          </a:bodyPr>
-          <a:lstStyle/>
-          <a:p>
-            <a:pPr marL="0" indent="0">
-              <a:buNone/>
-            </a:pPr>
-            <a:r>
-              <a:rPr lang="en-US" i="1" dirty="0"/>
-              <a:t>D</a:t>
-            </a:r>
-            <a:r>
-              <a:rPr lang="en-US" dirty="0"/>
-              <a:t> = {</a:t>
-            </a:r>
-            <a:r>
-              <a:rPr lang="en-US" i="1" dirty="0"/>
-              <a:t>x</a:t>
-            </a:r>
-            <a:r>
-              <a:rPr lang="en-US" baseline="-25000" dirty="0"/>
-              <a:t>1</a:t>
-            </a:r>
-            <a:r>
-              <a:rPr lang="en-US" dirty="0"/>
-              <a:t>, …, </a:t>
-            </a:r>
-            <a:r>
-              <a:rPr lang="en-US" i="1" dirty="0" err="1"/>
-              <a:t>x</a:t>
-            </a:r>
-            <a:r>
-              <a:rPr lang="en-US" i="1" baseline="-25000" dirty="0" err="1"/>
-              <a:t>N</a:t>
-            </a:r>
-            <a:r>
-              <a:rPr lang="en-US" dirty="0"/>
-              <a:t>}, </a:t>
-            </a:r>
-            <a:r>
-              <a:rPr lang="ru-RU" dirty="0"/>
-              <a:t>где </a:t>
-            </a:r>
-            <a:r>
-              <a:rPr lang="en-US" i="1" dirty="0"/>
-              <a:t>x</a:t>
-            </a:r>
-            <a:r>
-              <a:rPr lang="en-US" i="1" baseline="-25000" dirty="0"/>
-              <a:t>i</a:t>
-            </a:r>
-            <a:r>
-              <a:rPr lang="en-US" dirty="0"/>
-              <a:t> </a:t>
-            </a:r>
-            <a:r>
-              <a:rPr lang="en-US" dirty="0">
-                <a:sym typeface="Symbol" panose="05050102010706020507" pitchFamily="18" charset="2"/>
-              </a:rPr>
-              <a:t> </a:t>
-            </a:r>
-            <a:r>
-              <a:rPr lang="en-US" i="1" dirty="0">
-                <a:sym typeface="Symbol" panose="05050102010706020507" pitchFamily="18" charset="2"/>
-              </a:rPr>
-              <a:t>X</a:t>
-            </a:r>
-            <a:r>
-              <a:rPr lang="en-US" dirty="0" smtClean="0">
-                <a:sym typeface="Symbol" panose="05050102010706020507" pitchFamily="18" charset="2"/>
-              </a:rPr>
-              <a:t>.</a:t>
-            </a:r>
-            <a:endParaRPr lang="ru-RU" dirty="0" smtClean="0">
-              <a:sym typeface="Symbol" panose="05050102010706020507" pitchFamily="18" charset="2"/>
-            </a:endParaRPr>
-          </a:p>
-          <a:p>
-            <a:pPr marL="0" indent="0">
-              <a:buNone/>
-            </a:pPr>
-            <a:endParaRPr lang="ru-RU" dirty="0" smtClean="0">
-              <a:sym typeface="Symbol" panose="05050102010706020507" pitchFamily="18" charset="2"/>
-            </a:endParaRPr>
-          </a:p>
-          <a:p>
-            <a:pPr marL="0" indent="0">
-              <a:buNone/>
-            </a:pPr>
-            <a:endParaRPr lang="ru-RU" dirty="0">
-              <a:sym typeface="Symbol" panose="05050102010706020507" pitchFamily="18" charset="2"/>
-            </a:endParaRPr>
-          </a:p>
-          <a:p>
-            <a:pPr marL="0" indent="0">
-              <a:buNone/>
-            </a:pPr>
-            <a:endParaRPr lang="ru-RU" dirty="0">
-              <a:sym typeface="Symbol" panose="05050102010706020507" pitchFamily="18" charset="2"/>
-            </a:endParaRPr>
-          </a:p>
-          <a:p>
-            <a:pPr marL="0" indent="0">
-              <a:buNone/>
-            </a:pPr>
-            <a:r>
-              <a:rPr lang="ru-RU" dirty="0" smtClean="0">
-                <a:sym typeface="Symbol" panose="05050102010706020507" pitchFamily="18" charset="2"/>
-              </a:rPr>
-              <a:t>Пытаемся найти такие подмножества-кластеры для заданной функции похожести </a:t>
-            </a:r>
-            <a:r>
-              <a:rPr lang="en-US" i="1" dirty="0"/>
-              <a:t>G</a:t>
-            </a:r>
-            <a:r>
-              <a:rPr lang="en-US" dirty="0"/>
-              <a:t>(</a:t>
-            </a:r>
-            <a:r>
-              <a:rPr lang="en-US" i="1" dirty="0"/>
-              <a:t>x</a:t>
-            </a:r>
-            <a:r>
-              <a:rPr lang="en-US" i="1" baseline="-25000" dirty="0"/>
-              <a:t>i</a:t>
-            </a:r>
-            <a:r>
-              <a:rPr lang="en-US" dirty="0"/>
-              <a:t>, </a:t>
-            </a:r>
-            <a:r>
-              <a:rPr lang="en-US" i="1" dirty="0" err="1"/>
-              <a:t>x</a:t>
-            </a:r>
-            <a:r>
-              <a:rPr lang="en-US" i="1" baseline="-25000" dirty="0" err="1"/>
-              <a:t>j</a:t>
-            </a:r>
-            <a:r>
-              <a:rPr lang="en-US" dirty="0"/>
-              <a:t>)</a:t>
-            </a:r>
-            <a:r>
-              <a:rPr lang="ru-RU" dirty="0" smtClean="0">
-                <a:sym typeface="Symbol" panose="05050102010706020507" pitchFamily="18" charset="2"/>
-              </a:rPr>
-              <a:t>, что элементы в одном кластере более похожи друг на друга, чем элементы из разных кластеров.</a:t>
-            </a:r>
-            <a:endParaRPr lang="ru-RU" dirty="0"/>
-          </a:p>
-          <a:p>
-            <a:pPr marL="0" indent="0">
-              <a:buNone/>
-            </a:pPr>
-            <a:endParaRPr lang="ru-RU" dirty="0" smtClean="0"/>
-          </a:p>
-        </p:txBody>
-      </p:sp>
-    </p:spTree>
-    <p:extLst>
-      <p:ext uri="{BB962C8B-B14F-4D97-AF65-F5344CB8AC3E}">
-        <p14:creationId xmlns:p14="http://schemas.microsoft.com/office/powerpoint/2010/main" val="1822232268"/>
-      </p:ext>
-    </p:extLst>
-  </p:cSld>
-  <p:clrMapOvr>
-    <a:masterClrMapping/>
-  </p:clrMapOvr>
-  <p:timing>
-    <p:tnLst>
-      <p:par>
-        <p:cTn id="1" dur="indefinite" restart="never" nodeType="tmRoot"/>
-      </p:par>
-    </p:tnLst>
-  </p:timing>
-</p:sld>
-</file>
-
 <file path=ppt/slides/slide27.xml><?xml version="1.0" encoding="utf-8"?>
 <p:sld xmlns:a="http://schemas.openxmlformats.org/drawingml/2006/main" xmlns:r="http://schemas.openxmlformats.org/officeDocument/2006/relationships" xmlns:p="http://schemas.openxmlformats.org/presentationml/2006/main">
   <p:cSld>
@@ -9246,13 +9431,10 @@
           <a:lstStyle/>
           <a:p>
             <a:r>
-              <a:rPr lang="ru-RU" dirty="0" smtClean="0"/>
-              <a:t>Кластеризация. </a:t>
-            </a:r>
-            <a:r>
-              <a:rPr lang="ru-RU" dirty="0"/>
-              <a:t>Метрики производительности.</a:t>
-            </a:r>
+              <a:rPr lang="ru-RU" smtClean="0"/>
+              <a:t>Кластеризация</a:t>
+            </a:r>
+            <a:endParaRPr lang="ru-RU" dirty="0"/>
           </a:p>
         </p:txBody>
       </p:sp>
@@ -9277,57 +9459,161 @@
               <a:buNone/>
             </a:pPr>
             <a:r>
-              <a:rPr lang="ru-RU" dirty="0" smtClean="0"/>
-              <a:t>1. Внешние метрики – есть истинные метки.</a:t>
-            </a:r>
+              <a:rPr lang="en-US" i="1" dirty="0"/>
+              <a:t>D</a:t>
+            </a:r>
+            <a:r>
+              <a:rPr lang="en-US" dirty="0"/>
+              <a:t> = {</a:t>
+            </a:r>
+            <a:r>
+              <a:rPr lang="en-US" i="1" dirty="0"/>
+              <a:t>x</a:t>
+            </a:r>
+            <a:r>
+              <a:rPr lang="en-US" baseline="-25000" dirty="0"/>
+              <a:t>1</a:t>
+            </a:r>
+            <a:r>
+              <a:rPr lang="en-US" dirty="0"/>
+              <a:t>, …, </a:t>
+            </a:r>
+            <a:r>
+              <a:rPr lang="en-US" i="1" dirty="0" err="1"/>
+              <a:t>x</a:t>
+            </a:r>
+            <a:r>
+              <a:rPr lang="en-US" i="1" baseline="-25000" dirty="0" err="1"/>
+              <a:t>N</a:t>
+            </a:r>
+            <a:r>
+              <a:rPr lang="en-US" dirty="0"/>
+              <a:t>}, </a:t>
+            </a:r>
+            <a:r>
+              <a:rPr lang="ru-RU" dirty="0"/>
+              <a:t>где </a:t>
+            </a:r>
+            <a:r>
+              <a:rPr lang="en-US" i="1" dirty="0"/>
+              <a:t>x</a:t>
+            </a:r>
+            <a:r>
+              <a:rPr lang="en-US" i="1" baseline="-25000" dirty="0"/>
+              <a:t>i</a:t>
+            </a:r>
+            <a:r>
+              <a:rPr lang="en-US" dirty="0"/>
+              <a:t> </a:t>
+            </a:r>
+            <a:r>
+              <a:rPr lang="en-US" dirty="0">
+                <a:sym typeface="Symbol" panose="05050102010706020507" pitchFamily="18" charset="2"/>
+              </a:rPr>
+              <a:t> </a:t>
+            </a:r>
+            <a:r>
+              <a:rPr lang="en-US" i="1" dirty="0">
+                <a:sym typeface="Symbol" panose="05050102010706020507" pitchFamily="18" charset="2"/>
+              </a:rPr>
+              <a:t>X</a:t>
+            </a:r>
+            <a:r>
+              <a:rPr lang="en-US" dirty="0" smtClean="0">
+                <a:sym typeface="Symbol" panose="05050102010706020507" pitchFamily="18" charset="2"/>
+              </a:rPr>
+              <a:t>.</a:t>
+            </a:r>
+            <a:endParaRPr lang="ru-RU" dirty="0" smtClean="0">
+              <a:sym typeface="Symbol" panose="05050102010706020507" pitchFamily="18" charset="2"/>
+            </a:endParaRPr>
           </a:p>
           <a:p>
             <a:pPr marL="0" indent="0">
               <a:buNone/>
             </a:pPr>
+            <a:endParaRPr lang="ru-RU" dirty="0" smtClean="0">
+              <a:sym typeface="Symbol" panose="05050102010706020507" pitchFamily="18" charset="2"/>
+            </a:endParaRPr>
+          </a:p>
+          <a:p>
+            <a:pPr marL="0" indent="0">
+              <a:buNone/>
+            </a:pPr>
+            <a:endParaRPr lang="ru-RU" dirty="0">
+              <a:sym typeface="Symbol" panose="05050102010706020507" pitchFamily="18" charset="2"/>
+            </a:endParaRPr>
+          </a:p>
+          <a:p>
+            <a:pPr marL="0" indent="0">
+              <a:buNone/>
+            </a:pPr>
+            <a:endParaRPr lang="ru-RU" dirty="0">
+              <a:sym typeface="Symbol" panose="05050102010706020507" pitchFamily="18" charset="2"/>
+            </a:endParaRPr>
+          </a:p>
+          <a:p>
+            <a:pPr marL="0" indent="0">
+              <a:buNone/>
+            </a:pPr>
+            <a:r>
+              <a:rPr lang="ru-RU" dirty="0" smtClean="0">
+                <a:sym typeface="Symbol" panose="05050102010706020507" pitchFamily="18" charset="2"/>
+              </a:rPr>
+              <a:t>Пытаемся найти такие подмножества-кластеры для заданной функции похожести </a:t>
+            </a:r>
+            <a:r>
+              <a:rPr lang="en-US" i="1" dirty="0"/>
+              <a:t>G</a:t>
+            </a:r>
+            <a:r>
+              <a:rPr lang="en-US" dirty="0"/>
+              <a:t>(</a:t>
+            </a:r>
+            <a:r>
+              <a:rPr lang="en-US" i="1" dirty="0"/>
+              <a:t>x</a:t>
+            </a:r>
+            <a:r>
+              <a:rPr lang="en-US" i="1" baseline="-25000" dirty="0"/>
+              <a:t>i</a:t>
+            </a:r>
+            <a:r>
+              <a:rPr lang="en-US" dirty="0"/>
+              <a:t>, </a:t>
+            </a:r>
+            <a:r>
+              <a:rPr lang="en-US" i="1" dirty="0" err="1"/>
+              <a:t>x</a:t>
+            </a:r>
+            <a:r>
+              <a:rPr lang="en-US" i="1" baseline="-25000" dirty="0" err="1"/>
+              <a:t>j</a:t>
+            </a:r>
+            <a:r>
+              <a:rPr lang="en-US" dirty="0"/>
+              <a:t>)</a:t>
+            </a:r>
+            <a:r>
+              <a:rPr lang="ru-RU" dirty="0" smtClean="0">
+                <a:sym typeface="Symbol" panose="05050102010706020507" pitchFamily="18" charset="2"/>
+              </a:rPr>
+              <a:t>, что элементы в одном кластере более похожи друг на друга, чем элементы из разных кластеров.</a:t>
+            </a:r>
             <a:endParaRPr lang="ru-RU" dirty="0"/>
           </a:p>
           <a:p>
             <a:pPr marL="0" indent="0">
               <a:buNone/>
             </a:pPr>
-            <a:r>
-              <a:rPr lang="ru-RU" dirty="0" smtClean="0"/>
-              <a:t>2. Внутренние метрики – нет истинных меток:</a:t>
-            </a:r>
-          </a:p>
-          <a:p>
-            <a:pPr lvl="1"/>
-            <a:r>
-              <a:rPr lang="ru-RU" dirty="0"/>
-              <a:t>	</a:t>
-            </a:r>
-            <a:r>
-              <a:rPr lang="ru-RU" dirty="0" smtClean="0"/>
-              <a:t>Коэффициент силуэта</a:t>
-            </a:r>
-          </a:p>
-          <a:p>
-            <a:pPr marL="0" indent="0">
-              <a:buNone/>
-            </a:pPr>
-            <a:endParaRPr lang="ru-RU" dirty="0"/>
-          </a:p>
-          <a:p>
-            <a:pPr marL="0" indent="0">
-              <a:buNone/>
-            </a:pPr>
-            <a:r>
-              <a:rPr lang="ru-RU" dirty="0" smtClean="0"/>
-              <a:t>3. Используем блок обучения с учителем для определения метрики производительности блока обучения без учителя.</a:t>
-            </a:r>
+            <a:endParaRPr lang="ru-RU" dirty="0" smtClean="0"/>
           </a:p>
         </p:txBody>
       </p:sp>
     </p:spTree>
     <p:extLst>
       <p:ext uri="{BB962C8B-B14F-4D97-AF65-F5344CB8AC3E}">
-        <p14:creationId xmlns:p14="http://schemas.microsoft.com/office/powerpoint/2010/main" val="1436204581"/>
+        <p14:creationId xmlns:p14="http://schemas.microsoft.com/office/powerpoint/2010/main" val="1822232268"/>
       </p:ext>
     </p:extLst>
   </p:cSld>
@@ -9373,6 +9659,137 @@
         </p:nvSpPr>
         <p:spPr/>
         <p:txBody>
+          <a:bodyPr/>
+          <a:lstStyle/>
+          <a:p>
+            <a:r>
+              <a:rPr lang="ru-RU" dirty="0" smtClean="0"/>
+              <a:t>Кластеризация. </a:t>
+            </a:r>
+            <a:r>
+              <a:rPr lang="ru-RU" dirty="0"/>
+              <a:t>Метрики производительности.</a:t>
+            </a:r>
+          </a:p>
+        </p:txBody>
+      </p:sp>
+      <p:sp>
+        <p:nvSpPr>
+          <p:cNvPr id="3" name="Объект 2"/>
+          <p:cNvSpPr>
+            <a:spLocks noGrp="1"/>
+          </p:cNvSpPr>
+          <p:nvPr>
+            <p:ph idx="1"/>
+          </p:nvPr>
+        </p:nvSpPr>
+        <p:spPr/>
+        <p:txBody>
+          <a:bodyPr>
+            <a:normAutofit/>
+          </a:bodyPr>
+          <a:lstStyle/>
+          <a:p>
+            <a:pPr marL="0" indent="0">
+              <a:buNone/>
+            </a:pPr>
+            <a:r>
+              <a:rPr lang="ru-RU" dirty="0" smtClean="0"/>
+              <a:t>1. Внешние метрики – есть истинные метки.</a:t>
+            </a:r>
+          </a:p>
+          <a:p>
+            <a:pPr marL="0" indent="0">
+              <a:buNone/>
+            </a:pPr>
+            <a:endParaRPr lang="ru-RU" dirty="0"/>
+          </a:p>
+          <a:p>
+            <a:pPr marL="0" indent="0">
+              <a:buNone/>
+            </a:pPr>
+            <a:r>
+              <a:rPr lang="ru-RU" dirty="0" smtClean="0"/>
+              <a:t>2. Внутренние метрики – нет истинных меток:</a:t>
+            </a:r>
+          </a:p>
+          <a:p>
+            <a:pPr lvl="1"/>
+            <a:r>
+              <a:rPr lang="ru-RU" dirty="0"/>
+              <a:t>	</a:t>
+            </a:r>
+            <a:r>
+              <a:rPr lang="ru-RU" dirty="0" smtClean="0"/>
+              <a:t>Коэффициент силуэта</a:t>
+            </a:r>
+          </a:p>
+          <a:p>
+            <a:pPr marL="0" indent="0">
+              <a:buNone/>
+            </a:pPr>
+            <a:endParaRPr lang="ru-RU" dirty="0"/>
+          </a:p>
+          <a:p>
+            <a:pPr marL="0" indent="0">
+              <a:buNone/>
+            </a:pPr>
+            <a:r>
+              <a:rPr lang="ru-RU" dirty="0" smtClean="0"/>
+              <a:t>3. Используем блок обучения с учителем для определения метрики производительности блока обучения без учителя.</a:t>
+            </a:r>
+          </a:p>
+        </p:txBody>
+      </p:sp>
+    </p:spTree>
+    <p:extLst>
+      <p:ext uri="{BB962C8B-B14F-4D97-AF65-F5344CB8AC3E}">
+        <p14:creationId xmlns:p14="http://schemas.microsoft.com/office/powerpoint/2010/main" val="1436204581"/>
+      </p:ext>
+    </p:extLst>
+  </p:cSld>
+  <p:clrMapOvr>
+    <a:masterClrMapping/>
+  </p:clrMapOvr>
+  <p:timing>
+    <p:tnLst>
+      <p:par>
+        <p:cTn id="1" dur="indefinite" restart="never" nodeType="tmRoot"/>
+      </p:par>
+    </p:tnLst>
+  </p:timing>
+</p:sld>
+</file>
+
+<file path=ppt/slides/slide29.xml><?xml version="1.0" encoding="utf-8"?>
+<p:sld xmlns:a="http://schemas.openxmlformats.org/drawingml/2006/main" xmlns:r="http://schemas.openxmlformats.org/officeDocument/2006/relationships" xmlns:p="http://schemas.openxmlformats.org/presentationml/2006/main">
+  <p:cSld>
+    <p:spTree>
+      <p:nvGrpSpPr>
+        <p:cNvPr id="1" name=""/>
+        <p:cNvGrpSpPr/>
+        <p:nvPr/>
+      </p:nvGrpSpPr>
+      <p:grpSpPr>
+        <a:xfrm>
+          <a:off x="0" y="0"/>
+          <a:ext cx="0" cy="0"/>
+          <a:chOff x="0" y="0"/>
+          <a:chExt cx="0" cy="0"/>
+        </a:xfrm>
+      </p:grpSpPr>
+      <p:sp>
+        <p:nvSpPr>
+          <p:cNvPr id="2" name="Заголовок 1"/>
+          <p:cNvSpPr>
+            <a:spLocks noGrp="1"/>
+          </p:cNvSpPr>
+          <p:nvPr>
+            <p:ph type="title"/>
+          </p:nvPr>
+        </p:nvSpPr>
+        <p:spPr/>
+        <p:txBody>
           <a:bodyPr>
             <a:normAutofit fontScale="90000"/>
           </a:bodyPr>
@@ -9402,8 +9819,8 @@
           </a:p>
         </p:txBody>
       </p:sp>
-      <mc:AlternateContent xmlns:mc="http://schemas.openxmlformats.org/markup-compatibility/2006">
-        <mc:Choice xmlns:a14="http://schemas.microsoft.com/office/drawing/2010/main" Requires="a14">
+      <mc:AlternateContent xmlns:mc="http://schemas.openxmlformats.org/markup-compatibility/2006" xmlns:a14="http://schemas.microsoft.com/office/drawing/2010/main">
+        <mc:Choice Requires="a14">
           <p:sp>
             <p:nvSpPr>
               <p:cNvPr id="3" name="Объект 2"/>
@@ -9950,7 +10367,7 @@
             </p:txBody>
           </p:sp>
         </mc:Choice>
-        <mc:Fallback>
+        <mc:Fallback xmlns="">
           <p:sp>
             <p:nvSpPr>
               <p:cNvPr id="3" name="Объект 2"/>
@@ -10004,7 +10421,112 @@
 </p:sld>
 </file>
 
-<file path=ppt/slides/slide29.xml><?xml version="1.0" encoding="utf-8"?>
+<file path=ppt/slides/slide3.xml><?xml version="1.0" encoding="utf-8"?>
+<p:sld xmlns:a="http://schemas.openxmlformats.org/drawingml/2006/main" xmlns:r="http://schemas.openxmlformats.org/officeDocument/2006/relationships" xmlns:p="http://schemas.openxmlformats.org/presentationml/2006/main">
+  <p:cSld>
+    <p:spTree>
+      <p:nvGrpSpPr>
+        <p:cNvPr id="1" name=""/>
+        <p:cNvGrpSpPr/>
+        <p:nvPr/>
+      </p:nvGrpSpPr>
+      <p:grpSpPr>
+        <a:xfrm>
+          <a:off x="0" y="0"/>
+          <a:ext cx="0" cy="0"/>
+          <a:chOff x="0" y="0"/>
+          <a:chExt cx="0" cy="0"/>
+        </a:xfrm>
+      </p:grpSpPr>
+      <p:sp>
+        <p:nvSpPr>
+          <p:cNvPr id="2" name="Заголовок 1"/>
+          <p:cNvSpPr>
+            <a:spLocks noGrp="1"/>
+          </p:cNvSpPr>
+          <p:nvPr>
+            <p:ph type="title"/>
+          </p:nvPr>
+        </p:nvSpPr>
+        <p:spPr/>
+        <p:txBody>
+          <a:bodyPr/>
+          <a:lstStyle/>
+          <a:p>
+            <a:r>
+              <a:rPr lang="ru-RU" dirty="0" smtClean="0"/>
+              <a:t>Способы машинного обучения</a:t>
+            </a:r>
+            <a:endParaRPr lang="ru-RU" dirty="0"/>
+          </a:p>
+        </p:txBody>
+      </p:sp>
+      <p:sp>
+        <p:nvSpPr>
+          <p:cNvPr id="3" name="Объект 2"/>
+          <p:cNvSpPr>
+            <a:spLocks noGrp="1"/>
+          </p:cNvSpPr>
+          <p:nvPr>
+            <p:ph idx="1"/>
+          </p:nvPr>
+        </p:nvSpPr>
+        <p:spPr/>
+        <p:txBody>
+          <a:bodyPr>
+            <a:normAutofit/>
+          </a:bodyPr>
+          <a:lstStyle/>
+          <a:p>
+            <a:pPr marL="742950" indent="-742950">
+              <a:buAutoNum type="arabicPeriod"/>
+            </a:pPr>
+            <a:r>
+              <a:rPr lang="ru-RU" sz="4000" dirty="0" smtClean="0"/>
+              <a:t>Обучение с учителем.</a:t>
+            </a:r>
+          </a:p>
+          <a:p>
+            <a:pPr marL="742950" indent="-742950">
+              <a:buAutoNum type="arabicPeriod"/>
+            </a:pPr>
+            <a:r>
+              <a:rPr lang="ru-RU" sz="4000" dirty="0" smtClean="0"/>
+              <a:t>Обучение без учителя.</a:t>
+            </a:r>
+          </a:p>
+          <a:p>
+            <a:pPr marL="742950" indent="-742950">
+              <a:buAutoNum type="arabicPeriod"/>
+            </a:pPr>
+            <a:r>
+              <a:rPr lang="ru-RU" sz="4000" dirty="0" smtClean="0"/>
+              <a:t>Обучение с подкреплением.</a:t>
+            </a:r>
+          </a:p>
+        </p:txBody>
+      </p:sp>
+    </p:spTree>
+    <p:extLst>
+      <p:ext uri="{BB962C8B-B14F-4D97-AF65-F5344CB8AC3E}">
+        <p14:creationId xmlns:p14="http://schemas.microsoft.com/office/powerpoint/2010/main" val="1707772854"/>
+      </p:ext>
+    </p:extLst>
+  </p:cSld>
+  <p:clrMapOvr>
+    <a:masterClrMapping/>
+  </p:clrMapOvr>
+  <p:timing>
+    <p:tnLst>
+      <p:par>
+        <p:cTn id="1" dur="indefinite" restart="never" nodeType="tmRoot"/>
+      </p:par>
+    </p:tnLst>
+  </p:timing>
+</p:sld>
+</file>
+
+<file path=ppt/slides/slide30.xml><?xml version="1.0" encoding="utf-8"?>
 <p:sld xmlns:a="http://schemas.openxmlformats.org/drawingml/2006/main" xmlns:r="http://schemas.openxmlformats.org/officeDocument/2006/relationships" xmlns:p="http://schemas.openxmlformats.org/presentationml/2006/main">
   <p:cSld>
     <p:spTree>
@@ -10112,112 +10634,7 @@
 </p:sld>
 </file>
 
-<file path=ppt/slides/slide3.xml><?xml version="1.0" encoding="utf-8"?>
-<p:sld xmlns:a="http://schemas.openxmlformats.org/drawingml/2006/main" xmlns:r="http://schemas.openxmlformats.org/officeDocument/2006/relationships" xmlns:p="http://schemas.openxmlformats.org/presentationml/2006/main">
-  <p:cSld>
-    <p:spTree>
-      <p:nvGrpSpPr>
-        <p:cNvPr id="1" name=""/>
-        <p:cNvGrpSpPr/>
-        <p:nvPr/>
-      </p:nvGrpSpPr>
-      <p:grpSpPr>
-        <a:xfrm>
-          <a:off x="0" y="0"/>
-          <a:ext cx="0" cy="0"/>
-          <a:chOff x="0" y="0"/>
-          <a:chExt cx="0" cy="0"/>
-        </a:xfrm>
-      </p:grpSpPr>
-      <p:sp>
-        <p:nvSpPr>
-          <p:cNvPr id="2" name="Заголовок 1"/>
-          <p:cNvSpPr>
-            <a:spLocks noGrp="1"/>
-          </p:cNvSpPr>
-          <p:nvPr>
-            <p:ph type="title"/>
-          </p:nvPr>
-        </p:nvSpPr>
-        <p:spPr/>
-        <p:txBody>
-          <a:bodyPr/>
-          <a:lstStyle/>
-          <a:p>
-            <a:r>
-              <a:rPr lang="ru-RU" dirty="0" smtClean="0"/>
-              <a:t>Способы машинного обучения</a:t>
-            </a:r>
-            <a:endParaRPr lang="ru-RU" dirty="0"/>
-          </a:p>
-        </p:txBody>
-      </p:sp>
-      <p:sp>
-        <p:nvSpPr>
-          <p:cNvPr id="3" name="Объект 2"/>
-          <p:cNvSpPr>
-            <a:spLocks noGrp="1"/>
-          </p:cNvSpPr>
-          <p:nvPr>
-            <p:ph idx="1"/>
-          </p:nvPr>
-        </p:nvSpPr>
-        <p:spPr/>
-        <p:txBody>
-          <a:bodyPr>
-            <a:normAutofit/>
-          </a:bodyPr>
-          <a:lstStyle/>
-          <a:p>
-            <a:pPr marL="742950" indent="-742950">
-              <a:buAutoNum type="arabicPeriod"/>
-            </a:pPr>
-            <a:r>
-              <a:rPr lang="ru-RU" sz="4000" dirty="0" smtClean="0"/>
-              <a:t>Обучение с учителем.</a:t>
-            </a:r>
-          </a:p>
-          <a:p>
-            <a:pPr marL="742950" indent="-742950">
-              <a:buAutoNum type="arabicPeriod"/>
-            </a:pPr>
-            <a:r>
-              <a:rPr lang="ru-RU" sz="4000" dirty="0" smtClean="0"/>
-              <a:t>Обучение без учителя.</a:t>
-            </a:r>
-          </a:p>
-          <a:p>
-            <a:pPr marL="742950" indent="-742950">
-              <a:buAutoNum type="arabicPeriod"/>
-            </a:pPr>
-            <a:r>
-              <a:rPr lang="ru-RU" sz="4000" dirty="0" smtClean="0"/>
-              <a:t>Обучение с подкреплением.</a:t>
-            </a:r>
-          </a:p>
-        </p:txBody>
-      </p:sp>
-    </p:spTree>
-    <p:extLst>
-      <p:ext uri="{BB962C8B-B14F-4D97-AF65-F5344CB8AC3E}">
-        <p14:creationId xmlns:p14="http://schemas.microsoft.com/office/powerpoint/2010/main" val="1707772854"/>
-      </p:ext>
-    </p:extLst>
-  </p:cSld>
-  <p:clrMapOvr>
-    <a:masterClrMapping/>
-  </p:clrMapOvr>
-  <p:timing>
-    <p:tnLst>
-      <p:par>
-        <p:cTn id="1" dur="indefinite" restart="never" nodeType="tmRoot"/>
-      </p:par>
-    </p:tnLst>
-  </p:timing>
-</p:sld>
-</file>
-
-<file path=ppt/slides/slide30.xml><?xml version="1.0" encoding="utf-8"?>
+<file path=ppt/slides/slide31.xml><?xml version="1.0" encoding="utf-8"?>
 <p:sld xmlns:a="http://schemas.openxmlformats.org/drawingml/2006/main" xmlns:r="http://schemas.openxmlformats.org/officeDocument/2006/relationships" xmlns:p="http://schemas.openxmlformats.org/presentationml/2006/main">
   <p:cSld>
     <p:spTree>
@@ -10325,7 +10742,7 @@
 </p:sld>
 </file>
 
-<file path=ppt/slides/slide31.xml><?xml version="1.0" encoding="utf-8"?>
+<file path=ppt/slides/slide32.xml><?xml version="1.0" encoding="utf-8"?>
 <p:sld xmlns:a="http://schemas.openxmlformats.org/drawingml/2006/main" xmlns:r="http://schemas.openxmlformats.org/officeDocument/2006/relationships" xmlns:p="http://schemas.openxmlformats.org/presentationml/2006/main">
   <p:cSld>
     <p:spTree>
@@ -10433,7 +10850,7 @@
 </p:sld>
 </file>
 
-<file path=ppt/slides/slide32.xml><?xml version="1.0" encoding="utf-8"?>
+<file path=ppt/slides/slide33.xml><?xml version="1.0" encoding="utf-8"?>
 <p:sld xmlns:a="http://schemas.openxmlformats.org/drawingml/2006/main" xmlns:r="http://schemas.openxmlformats.org/officeDocument/2006/relationships" xmlns:p="http://schemas.openxmlformats.org/presentationml/2006/main">
   <p:cSld>
     <p:spTree>
@@ -10541,7 +10958,7 @@
 </p:sld>
 </file>
 
-<file path=ppt/slides/slide33.xml><?xml version="1.0" encoding="utf-8"?>
+<file path=ppt/slides/slide34.xml><?xml version="1.0" encoding="utf-8"?>
 <p:sld xmlns:a="http://schemas.openxmlformats.org/drawingml/2006/main" xmlns:r="http://schemas.openxmlformats.org/officeDocument/2006/relationships" xmlns:p="http://schemas.openxmlformats.org/presentationml/2006/main">
   <p:cSld>
     <p:spTree>
@@ -10649,148 +11066,6 @@
 </p:sld>
 </file>
 
-<file path=ppt/slides/slide34.xml><?xml version="1.0" encoding="utf-8"?>
-<p:sld xmlns:a="http://schemas.openxmlformats.org/drawingml/2006/main" xmlns:r="http://schemas.openxmlformats.org/officeDocument/2006/relationships" xmlns:p="http://schemas.openxmlformats.org/presentationml/2006/main">
-  <p:cSld>
-    <p:spTree>
-      <p:nvGrpSpPr>
-        <p:cNvPr id="1" name=""/>
-        <p:cNvGrpSpPr/>
-        <p:nvPr/>
-      </p:nvGrpSpPr>
-      <p:grpSpPr>
-        <a:xfrm>
-          <a:off x="0" y="0"/>
-          <a:ext cx="0" cy="0"/>
-          <a:chOff x="0" y="0"/>
-          <a:chExt cx="0" cy="0"/>
-        </a:xfrm>
-      </p:grpSpPr>
-      <p:sp>
-        <p:nvSpPr>
-          <p:cNvPr id="2" name="Заголовок 1"/>
-          <p:cNvSpPr>
-            <a:spLocks noGrp="1"/>
-          </p:cNvSpPr>
-          <p:nvPr>
-            <p:ph type="title"/>
-          </p:nvPr>
-        </p:nvSpPr>
-        <p:spPr/>
-        <p:txBody>
-          <a:bodyPr/>
-          <a:lstStyle/>
-          <a:p>
-            <a:r>
-              <a:rPr lang="ru-RU" dirty="0" smtClean="0"/>
-              <a:t>Ссылки</a:t>
-            </a:r>
-            <a:endParaRPr lang="ru-RU" dirty="0"/>
-          </a:p>
-        </p:txBody>
-      </p:sp>
-      <p:sp>
-        <p:nvSpPr>
-          <p:cNvPr id="3" name="Объект 2"/>
-          <p:cNvSpPr>
-            <a:spLocks noGrp="1"/>
-          </p:cNvSpPr>
-          <p:nvPr>
-            <p:ph idx="1"/>
-          </p:nvPr>
-        </p:nvSpPr>
-        <p:spPr/>
-        <p:txBody>
-          <a:bodyPr/>
-          <a:lstStyle/>
-          <a:p>
-            <a:r>
-              <a:rPr lang="en-US" dirty="0" smtClean="0">
-                <a:hlinkClick r:id="rId2"/>
-              </a:rPr>
-              <a:t>https://ru.wikipedia.org/wiki/</a:t>
-            </a:r>
-            <a:r>
-              <a:rPr lang="ru-RU" dirty="0" err="1" smtClean="0">
-                <a:hlinkClick r:id="rId2"/>
-              </a:rPr>
-              <a:t>Машинное_обучение</a:t>
-            </a:r>
-            <a:endParaRPr lang="ru-RU" dirty="0" smtClean="0"/>
-          </a:p>
-          <a:p>
-            <a:r>
-              <a:rPr lang="en-US" dirty="0" smtClean="0">
-                <a:hlinkClick r:id="rId3"/>
-              </a:rPr>
-              <a:t>http</a:t>
-            </a:r>
-            <a:r>
-              <a:rPr lang="en-US" dirty="0">
-                <a:hlinkClick r:id="rId3"/>
-              </a:rPr>
-              <a:t>://www.machinelearning.ru</a:t>
-            </a:r>
-            <a:r>
-              <a:rPr lang="en-US" dirty="0" smtClean="0">
-                <a:hlinkClick r:id="rId3"/>
-              </a:rPr>
-              <a:t>/</a:t>
-            </a:r>
-            <a:endParaRPr lang="ru-RU" dirty="0" smtClean="0"/>
-          </a:p>
-          <a:p>
-            <a:r>
-              <a:rPr lang="en-US" dirty="0">
-                <a:hlinkClick r:id="rId4"/>
-              </a:rPr>
-              <a:t>https://vas3k.ru/blog/machine_learning</a:t>
-            </a:r>
-            <a:r>
-              <a:rPr lang="en-US" dirty="0" smtClean="0">
-                <a:hlinkClick r:id="rId4"/>
-              </a:rPr>
-              <a:t>/</a:t>
-            </a:r>
-            <a:endParaRPr lang="en-US" dirty="0" smtClean="0"/>
-          </a:p>
-          <a:p>
-            <a:r>
-              <a:rPr lang="en-US" dirty="0">
-                <a:hlinkClick r:id="rId5"/>
-              </a:rPr>
-              <a:t>https://</a:t>
-            </a:r>
-            <a:r>
-              <a:rPr lang="en-US" dirty="0" smtClean="0">
-                <a:hlinkClick r:id="rId5"/>
-              </a:rPr>
-              <a:t>scikit-learn.org/stable/auto_examples/cluster/plot_kmeans_silhouette_analysis.html</a:t>
-            </a:r>
-            <a:endParaRPr lang="en-US" dirty="0" smtClean="0"/>
-          </a:p>
-        </p:txBody>
-      </p:sp>
-    </p:spTree>
-    <p:extLst>
-      <p:ext uri="{BB962C8B-B14F-4D97-AF65-F5344CB8AC3E}">
-        <p14:creationId xmlns:p14="http://schemas.microsoft.com/office/powerpoint/2010/main" val="2236621087"/>
-      </p:ext>
-    </p:extLst>
-  </p:cSld>
-  <p:clrMapOvr>
-    <a:masterClrMapping/>
-  </p:clrMapOvr>
-  <p:timing>
-    <p:tnLst>
-      <p:par>
-        <p:cTn id="1" dur="indefinite" restart="never" nodeType="tmRoot"/>
-      </p:par>
-    </p:tnLst>
-  </p:timing>
-</p:sld>
-</file>
-
 <file path=ppt/slides/slide35.xml><?xml version="1.0" encoding="utf-8"?>
 <p:sld xmlns:a="http://schemas.openxmlformats.org/drawingml/2006/main" xmlns:r="http://schemas.openxmlformats.org/officeDocument/2006/relationships" xmlns:p="http://schemas.openxmlformats.org/presentationml/2006/main">
   <p:cSld>
@@ -10818,31 +11093,105 @@
             <p:ph type="title"/>
           </p:nvPr>
         </p:nvSpPr>
-        <p:spPr>
-          <a:xfrm>
-            <a:off x="838200" y="2585810"/>
-            <a:ext cx="10515600" cy="1325563"/>
-          </a:xfrm>
-        </p:spPr>
-        <p:txBody>
-          <a:bodyPr>
-            <a:normAutofit/>
-          </a:bodyPr>
+        <p:spPr/>
+        <p:txBody>
+          <a:bodyPr/>
           <a:lstStyle/>
           <a:p>
-            <a:pPr algn="ctr"/>
-            <a:r>
-              <a:rPr lang="ru-RU" sz="6000" dirty="0" smtClean="0"/>
-              <a:t>Спасибо за внимание</a:t>
-            </a:r>
-            <a:endParaRPr lang="ru-RU" sz="6000" dirty="0"/>
+            <a:r>
+              <a:rPr lang="ru-RU" dirty="0" smtClean="0"/>
+              <a:t>Ссылки</a:t>
+            </a:r>
+            <a:endParaRPr lang="ru-RU" dirty="0"/>
+          </a:p>
+        </p:txBody>
+      </p:sp>
+      <p:sp>
+        <p:nvSpPr>
+          <p:cNvPr id="3" name="Объект 2"/>
+          <p:cNvSpPr>
+            <a:spLocks noGrp="1"/>
+          </p:cNvSpPr>
+          <p:nvPr>
+            <p:ph idx="1"/>
+          </p:nvPr>
+        </p:nvSpPr>
+        <p:spPr/>
+        <p:txBody>
+          <a:bodyPr/>
+          <a:lstStyle/>
+          <a:p>
+            <a:r>
+              <a:rPr lang="en-US" dirty="0" smtClean="0">
+                <a:hlinkClick r:id="rId2"/>
+              </a:rPr>
+              <a:t>https://ru.wikipedia.org/wiki/</a:t>
+            </a:r>
+            <a:r>
+              <a:rPr lang="ru-RU" dirty="0" err="1" smtClean="0">
+                <a:hlinkClick r:id="rId2"/>
+              </a:rPr>
+              <a:t>Машинное_обучение</a:t>
+            </a:r>
+            <a:endParaRPr lang="ru-RU" dirty="0" smtClean="0"/>
+          </a:p>
+          <a:p>
+            <a:r>
+              <a:rPr lang="en-US" dirty="0" smtClean="0">
+                <a:hlinkClick r:id="rId3"/>
+              </a:rPr>
+              <a:t>http</a:t>
+            </a:r>
+            <a:r>
+              <a:rPr lang="en-US" dirty="0">
+                <a:hlinkClick r:id="rId3"/>
+              </a:rPr>
+              <a:t>://www.machinelearning.ru</a:t>
+            </a:r>
+            <a:r>
+              <a:rPr lang="en-US" dirty="0" smtClean="0">
+                <a:hlinkClick r:id="rId3"/>
+              </a:rPr>
+              <a:t>/</a:t>
+            </a:r>
+            <a:endParaRPr lang="ru-RU" dirty="0" smtClean="0"/>
+          </a:p>
+          <a:p>
+            <a:r>
+              <a:rPr lang="en-US" dirty="0">
+                <a:hlinkClick r:id="rId4"/>
+              </a:rPr>
+              <a:t>https://vas3k.ru/blog/machine_learning</a:t>
+            </a:r>
+            <a:r>
+              <a:rPr lang="en-US" dirty="0" smtClean="0">
+                <a:hlinkClick r:id="rId4"/>
+              </a:rPr>
+              <a:t>/</a:t>
+            </a:r>
+            <a:endParaRPr lang="en-US" dirty="0" smtClean="0"/>
+          </a:p>
+          <a:p>
+            <a:r>
+              <a:rPr lang="en-US" dirty="0">
+                <a:hlinkClick r:id="rId5"/>
+              </a:rPr>
+              <a:t>https://</a:t>
+            </a:r>
+            <a:r>
+              <a:rPr lang="en-US" dirty="0" smtClean="0">
+                <a:hlinkClick r:id="rId5"/>
+              </a:rPr>
+              <a:t>scikit-learn.org/stable/auto_examples/cluster/plot_kmeans_silhouette_analysis.html</a:t>
+            </a:r>
+            <a:endParaRPr lang="en-US" dirty="0" smtClean="0"/>
           </a:p>
         </p:txBody>
       </p:sp>
     </p:spTree>
     <p:extLst>
       <p:ext uri="{BB962C8B-B14F-4D97-AF65-F5344CB8AC3E}">
-        <p14:creationId xmlns:p14="http://schemas.microsoft.com/office/powerpoint/2010/main" val="3287438502"/>
+        <p14:creationId xmlns:p14="http://schemas.microsoft.com/office/powerpoint/2010/main" val="2236621087"/>
       </p:ext>
     </p:extLst>
   </p:cSld>
@@ -10886,103 +11235,44 @@
             <p:ph type="title"/>
           </p:nvPr>
         </p:nvSpPr>
-        <p:spPr/>
-        <p:txBody>
-          <a:bodyPr/>
-          <a:lstStyle/>
-          <a:p>
-            <a:r>
-              <a:rPr lang="ru-RU" dirty="0" smtClean="0"/>
-              <a:t>Контрольные вопросы</a:t>
-            </a:r>
-            <a:endParaRPr lang="ru-RU" dirty="0"/>
-          </a:p>
-        </p:txBody>
-      </p:sp>
-      <p:sp>
-        <p:nvSpPr>
-          <p:cNvPr id="3" name="Объект 2"/>
-          <p:cNvSpPr>
-            <a:spLocks noGrp="1"/>
-          </p:cNvSpPr>
-          <p:nvPr>
-            <p:ph idx="1"/>
-          </p:nvPr>
-        </p:nvSpPr>
-        <p:spPr/>
+        <p:spPr>
+          <a:xfrm>
+            <a:off x="838200" y="2585810"/>
+            <a:ext cx="10515600" cy="1325563"/>
+          </a:xfrm>
+        </p:spPr>
         <p:txBody>
           <a:bodyPr>
             <a:normAutofit/>
           </a:bodyPr>
           <a:lstStyle/>
           <a:p>
-            <a:pPr marL="0" lvl="0" indent="0">
-              <a:buNone/>
-            </a:pPr>
-            <a:r>
-              <a:rPr lang="ru-RU" dirty="0" smtClean="0"/>
-              <a:t>Что </a:t>
-            </a:r>
-            <a:r>
-              <a:rPr lang="ru-RU" dirty="0"/>
-              <a:t>из перечисленного не является способом машинного обучения</a:t>
-            </a:r>
-            <a:r>
-              <a:rPr lang="ru-RU" dirty="0" smtClean="0"/>
-              <a:t>?</a:t>
-            </a:r>
-          </a:p>
-          <a:p>
-            <a:pPr marL="0" lvl="0" indent="0">
-              <a:buNone/>
-            </a:pPr>
-            <a:endParaRPr lang="ru-RU" dirty="0"/>
-          </a:p>
-          <a:p>
-            <a:pPr lvl="0"/>
-            <a:r>
-              <a:rPr lang="ru-RU" dirty="0"/>
-              <a:t>Обучение без учителя.</a:t>
-            </a:r>
-          </a:p>
-          <a:p>
-            <a:pPr lvl="0"/>
-            <a:r>
-              <a:rPr lang="ru-RU" dirty="0"/>
-              <a:t>Обучение с учителем.</a:t>
-            </a:r>
-          </a:p>
-          <a:p>
-            <a:pPr lvl="0"/>
-            <a:r>
-              <a:rPr lang="ru-RU" dirty="0"/>
-              <a:t>Обучение без подкрепления.</a:t>
-            </a:r>
-          </a:p>
-          <a:p>
-            <a:pPr lvl="0"/>
-            <a:r>
-              <a:rPr lang="ru-RU" dirty="0"/>
-              <a:t>Обучение с подкреплением</a:t>
-            </a:r>
-            <a:r>
-              <a:rPr lang="ru-RU" dirty="0" smtClean="0"/>
-              <a:t>.</a:t>
-            </a:r>
-            <a:endParaRPr lang="ru-RU" dirty="0"/>
+            <a:pPr algn="ctr"/>
+            <a:r>
+              <a:rPr lang="ru-RU" sz="6000" dirty="0" smtClean="0"/>
+              <a:t>Спасибо за внимание</a:t>
+            </a:r>
+            <a:endParaRPr lang="ru-RU" sz="6000" dirty="0"/>
           </a:p>
         </p:txBody>
       </p:sp>
     </p:spTree>
     <p:extLst>
       <p:ext uri="{BB962C8B-B14F-4D97-AF65-F5344CB8AC3E}">
-        <p14:creationId xmlns:p14="http://schemas.microsoft.com/office/powerpoint/2010/main" val="851561172"/>
+        <p14:creationId xmlns:p14="http://schemas.microsoft.com/office/powerpoint/2010/main" val="3287438502"/>
       </p:ext>
     </p:extLst>
   </p:cSld>
   <p:clrMapOvr>
     <a:masterClrMapping/>
   </p:clrMapOvr>
+  <p:timing>
+    <p:tnLst>
+      <p:par>
+        <p:cTn id="1" dur="indefinite" restart="never" nodeType="tmRoot"/>
+      </p:par>
+    </p:tnLst>
+  </p:timing>
 </p:sld>
 </file>
 
@@ -11039,7 +11329,7 @@
         <p:spPr/>
         <p:txBody>
           <a:bodyPr>
-            <a:normAutofit lnSpcReduction="10000"/>
+            <a:normAutofit/>
           </a:bodyPr>
           <a:lstStyle/>
           <a:p>
@@ -11047,8 +11337,12 @@
               <a:buNone/>
             </a:pPr>
             <a:r>
+              <a:rPr lang="ru-RU" dirty="0" smtClean="0"/>
+              <a:t>Что </a:t>
+            </a:r>
+            <a:r>
               <a:rPr lang="ru-RU" dirty="0"/>
-              <a:t>Какая ключевая особенность данных, используемых в обучении с учителем</a:t>
+              <a:t>из перечисленного не является способом машинного обучения</a:t>
             </a:r>
             <a:r>
               <a:rPr lang="ru-RU" dirty="0" smtClean="0"/>
@@ -11065,28 +11359,28 @@
             <a:pPr lvl="0"/>
             <a:r>
               <a:rPr lang="ru-RU" dirty="0"/>
-              <a:t>Описание объекта содержит значения характеристик объекта.</a:t>
+              <a:t>Обучение без учителя.</a:t>
             </a:r>
           </a:p>
           <a:p>
             <a:pPr lvl="0"/>
             <a:r>
               <a:rPr lang="ru-RU" dirty="0"/>
-              <a:t>Для каждого описания объекта известен ожидаемый ответ модели.</a:t>
+              <a:t>Обучение с учителем.</a:t>
             </a:r>
           </a:p>
           <a:p>
             <a:pPr lvl="0"/>
             <a:r>
               <a:rPr lang="ru-RU" dirty="0"/>
-              <a:t>Различные описания объектов не могут иметь одинаковый ожидаемый ответ.</a:t>
+              <a:t>Обучение без подкрепления.</a:t>
             </a:r>
           </a:p>
           <a:p>
             <a:pPr lvl="0"/>
             <a:r>
               <a:rPr lang="ru-RU" dirty="0"/>
-              <a:t>Количество различных ожидаемых ответов должно быть значительно меньше количества описаний объектов</a:t>
+              <a:t>Обучение с подкреплением</a:t>
             </a:r>
             <a:r>
               <a:rPr lang="ru-RU" dirty="0" smtClean="0"/>
@@ -11099,7 +11393,7 @@
     </p:spTree>
     <p:extLst>
       <p:ext uri="{BB962C8B-B14F-4D97-AF65-F5344CB8AC3E}">
-        <p14:creationId xmlns:p14="http://schemas.microsoft.com/office/powerpoint/2010/main" val="917439193"/>
+        <p14:creationId xmlns:p14="http://schemas.microsoft.com/office/powerpoint/2010/main" val="851561172"/>
       </p:ext>
     </p:extLst>
   </p:cSld>
@@ -11162,7 +11456,7 @@
         <p:spPr/>
         <p:txBody>
           <a:bodyPr>
-            <a:normAutofit/>
+            <a:normAutofit lnSpcReduction="10000"/>
           </a:bodyPr>
           <a:lstStyle/>
           <a:p>
@@ -11171,7 +11465,7 @@
             </a:pPr>
             <a:r>
               <a:rPr lang="ru-RU" dirty="0"/>
-              <a:t>В чём состоит задача, решаемая обучением без учителя</a:t>
+              <a:t>Какая ключевая особенность данных, используемых в обучении с учителем</a:t>
             </a:r>
             <a:r>
               <a:rPr lang="ru-RU" dirty="0" smtClean="0"/>
@@ -11188,28 +11482,28 @@
             <a:pPr lvl="0"/>
             <a:r>
               <a:rPr lang="ru-RU" dirty="0"/>
-              <a:t>Обнаружить неизвестные зависимости между данными.</a:t>
+              <a:t>Описание объекта содержит значения характеристик объекта.</a:t>
             </a:r>
           </a:p>
           <a:p>
             <a:pPr lvl="0"/>
             <a:r>
               <a:rPr lang="ru-RU" dirty="0"/>
-              <a:t>Оценить качество данных.</a:t>
+              <a:t>Для каждого описания объекта известен ожидаемый ответ модели.</a:t>
             </a:r>
           </a:p>
           <a:p>
             <a:pPr lvl="0"/>
             <a:r>
               <a:rPr lang="ru-RU" dirty="0"/>
-              <a:t>Предсказать значение некоторой величины для каждого элемента данных.</a:t>
+              <a:t>Различные описания объектов не могут иметь одинаковый ожидаемый ответ.</a:t>
             </a:r>
           </a:p>
           <a:p>
             <a:pPr lvl="0"/>
             <a:r>
               <a:rPr lang="ru-RU" dirty="0"/>
-              <a:t>Уменьшить размерность данных</a:t>
+              <a:t>Количество различных ожидаемых ответов должно быть значительно меньше количества описаний объектов</a:t>
             </a:r>
             <a:r>
               <a:rPr lang="ru-RU" dirty="0" smtClean="0"/>
@@ -11222,7 +11516,7 @@
     </p:spTree>
     <p:extLst>
       <p:ext uri="{BB962C8B-B14F-4D97-AF65-F5344CB8AC3E}">
-        <p14:creationId xmlns:p14="http://schemas.microsoft.com/office/powerpoint/2010/main" val="1435971305"/>
+        <p14:creationId xmlns:p14="http://schemas.microsoft.com/office/powerpoint/2010/main" val="917439193"/>
       </p:ext>
     </p:extLst>
   </p:cSld>
@@ -11294,7 +11588,7 @@
             </a:pPr>
             <a:r>
               <a:rPr lang="ru-RU" dirty="0"/>
-              <a:t>С помощью чего обучается агент при использовании обучения с подкреплением</a:t>
+              <a:t>В чём состоит задача, решаемая обучением без учителя</a:t>
             </a:r>
             <a:r>
               <a:rPr lang="ru-RU" dirty="0" smtClean="0"/>
@@ -11311,28 +11605,28 @@
             <a:pPr lvl="0"/>
             <a:r>
               <a:rPr lang="ru-RU" dirty="0"/>
-              <a:t>Заранее известные ожидаемые ответы.</a:t>
+              <a:t>Обнаружить неизвестные зависимости между данными.</a:t>
             </a:r>
           </a:p>
           <a:p>
             <a:pPr lvl="0"/>
             <a:r>
               <a:rPr lang="ru-RU" dirty="0"/>
-              <a:t>Информация о реакции внешней среды на действия агента.</a:t>
+              <a:t>Оценить качество данных.</a:t>
             </a:r>
           </a:p>
           <a:p>
             <a:pPr lvl="0"/>
             <a:r>
               <a:rPr lang="ru-RU" dirty="0"/>
-              <a:t>Информация о предыдущих действиях агента.</a:t>
+              <a:t>Предсказать значение некоторой величины для каждого элемента данных.</a:t>
             </a:r>
           </a:p>
           <a:p>
             <a:pPr lvl="0"/>
             <a:r>
               <a:rPr lang="ru-RU" dirty="0"/>
-              <a:t>Экспертная оценка действий агента</a:t>
+              <a:t>Уменьшить размерность данных</a:t>
             </a:r>
             <a:r>
               <a:rPr lang="ru-RU" dirty="0" smtClean="0"/>
@@ -11345,7 +11639,7 @@
     </p:spTree>
     <p:extLst>
       <p:ext uri="{BB962C8B-B14F-4D97-AF65-F5344CB8AC3E}">
-        <p14:creationId xmlns:p14="http://schemas.microsoft.com/office/powerpoint/2010/main" val="2104349926"/>
+        <p14:creationId xmlns:p14="http://schemas.microsoft.com/office/powerpoint/2010/main" val="1435971305"/>
       </p:ext>
     </p:extLst>
   </p:cSld>
@@ -11625,7 +11919,7 @@
     </p:spTree>
     <p:extLst>
       <p:ext uri="{BB962C8B-B14F-4D97-AF65-F5344CB8AC3E}">
-        <p14:creationId xmlns:p14="http://schemas.microsoft.com/office/powerpoint/2010/main" val="3047881195"/>
+        <p14:creationId xmlns:p14="http://schemas.microsoft.com/office/powerpoint/2010/main" val="73849557"/>
       </p:ext>
     </p:extLst>
   </p:cSld>
@@ -11704,7 +11998,7 @@
             </a:pPr>
             <a:r>
               <a:rPr lang="ru-RU" dirty="0"/>
-              <a:t>Что из перечисленного не является задачей машинного обучения</a:t>
+              <a:t>С помощью чего обучается агент при использовании обучения с подкреплением</a:t>
             </a:r>
             <a:r>
               <a:rPr lang="ru-RU" dirty="0" smtClean="0"/>
@@ -11721,28 +12015,28 @@
             <a:pPr lvl="0"/>
             <a:r>
               <a:rPr lang="ru-RU" dirty="0"/>
-              <a:t>Регрессия.</a:t>
+              <a:t>Заранее известные ожидаемые ответы.</a:t>
             </a:r>
           </a:p>
           <a:p>
             <a:pPr lvl="0"/>
             <a:r>
               <a:rPr lang="ru-RU" dirty="0"/>
-              <a:t>Кластеризация.</a:t>
+              <a:t>Информация о реакции внешней среды на действия агента.</a:t>
             </a:r>
           </a:p>
           <a:p>
             <a:pPr lvl="0"/>
             <a:r>
               <a:rPr lang="ru-RU" dirty="0"/>
-              <a:t>Прогрессия.</a:t>
+              <a:t>Информация о предыдущих действиях агента.</a:t>
             </a:r>
           </a:p>
           <a:p>
             <a:pPr lvl="0"/>
             <a:r>
               <a:rPr lang="ru-RU" dirty="0"/>
-              <a:t>Классификация</a:t>
+              <a:t>Экспертная оценка действий агента</a:t>
             </a:r>
             <a:r>
               <a:rPr lang="ru-RU" dirty="0" smtClean="0"/>
@@ -11755,7 +12049,7 @@
     </p:spTree>
     <p:extLst>
       <p:ext uri="{BB962C8B-B14F-4D97-AF65-F5344CB8AC3E}">
-        <p14:creationId xmlns:p14="http://schemas.microsoft.com/office/powerpoint/2010/main" val="644282685"/>
+        <p14:creationId xmlns:p14="http://schemas.microsoft.com/office/powerpoint/2010/main" val="2104349926"/>
       </p:ext>
     </p:extLst>
   </p:cSld>
@@ -11827,7 +12121,7 @@
             </a:pPr>
             <a:r>
               <a:rPr lang="ru-RU" dirty="0"/>
-              <a:t>Что представляет собой задача регрессии</a:t>
+              <a:t>Что из перечисленного не является задачей машинного обучения</a:t>
             </a:r>
             <a:r>
               <a:rPr lang="ru-RU" dirty="0" smtClean="0"/>
@@ -11844,28 +12138,28 @@
             <a:pPr lvl="0"/>
             <a:r>
               <a:rPr lang="ru-RU" dirty="0"/>
-              <a:t>Разбивка множества объектов на группы исходя из их похожести.</a:t>
+              <a:t>Регрессия.</a:t>
             </a:r>
           </a:p>
           <a:p>
             <a:pPr lvl="0"/>
             <a:r>
               <a:rPr lang="ru-RU" dirty="0"/>
-              <a:t>Определение принадлежности объекта к одной из заранее известных групп объектов.</a:t>
+              <a:t>Кластеризация.</a:t>
             </a:r>
           </a:p>
           <a:p>
             <a:pPr lvl="0"/>
             <a:r>
               <a:rPr lang="ru-RU" dirty="0"/>
-              <a:t>Вычисление уникального идентификатора на основании описания объекта. </a:t>
+              <a:t>Прогрессия.</a:t>
             </a:r>
           </a:p>
           <a:p>
             <a:pPr lvl="0"/>
             <a:r>
               <a:rPr lang="ru-RU" dirty="0"/>
-              <a:t>Вычисление числа или числового вектора на основании описания объекта</a:t>
+              <a:t>Классификация</a:t>
             </a:r>
             <a:r>
               <a:rPr lang="ru-RU" dirty="0" smtClean="0"/>
@@ -11878,7 +12172,7 @@
     </p:spTree>
     <p:extLst>
       <p:ext uri="{BB962C8B-B14F-4D97-AF65-F5344CB8AC3E}">
-        <p14:creationId xmlns:p14="http://schemas.microsoft.com/office/powerpoint/2010/main" val="4098277938"/>
+        <p14:creationId xmlns:p14="http://schemas.microsoft.com/office/powerpoint/2010/main" val="644282685"/>
       </p:ext>
     </p:extLst>
   </p:cSld>
@@ -11950,7 +12244,7 @@
             </a:pPr>
             <a:r>
               <a:rPr lang="ru-RU" dirty="0"/>
-              <a:t>Что из перечисленного неверно при решении задачи классификации</a:t>
+              <a:t>Что представляет собой задача регрессии</a:t>
             </a:r>
             <a:r>
               <a:rPr lang="ru-RU" dirty="0" smtClean="0"/>
@@ -11967,28 +12261,28 @@
             <a:pPr lvl="0"/>
             <a:r>
               <a:rPr lang="ru-RU" dirty="0"/>
-              <a:t>Все классы должны быть известны заранее.</a:t>
+              <a:t>Разбивка множества объектов на группы исходя из их похожести.</a:t>
             </a:r>
           </a:p>
           <a:p>
             <a:pPr lvl="0"/>
             <a:r>
               <a:rPr lang="ru-RU" dirty="0"/>
-              <a:t>Количество классов может быть бесконечно.</a:t>
+              <a:t>Определение принадлежности объекта к одной из заранее известных групп объектов.</a:t>
             </a:r>
           </a:p>
           <a:p>
             <a:pPr lvl="0"/>
             <a:r>
               <a:rPr lang="ru-RU" dirty="0"/>
-              <a:t>Классификация – это задача обучения с учителем.</a:t>
+              <a:t>Вычисление уникального идентификатора на основании описания объекта. </a:t>
             </a:r>
           </a:p>
           <a:p>
             <a:pPr lvl="0"/>
             <a:r>
               <a:rPr lang="ru-RU" dirty="0"/>
-              <a:t>Каждый объект должен относиться хотя бы к одному классу</a:t>
+              <a:t>Вычисление числа или числового вектора на основании описания объекта</a:t>
             </a:r>
             <a:r>
               <a:rPr lang="ru-RU" dirty="0" smtClean="0"/>
@@ -12001,7 +12295,7 @@
     </p:spTree>
     <p:extLst>
       <p:ext uri="{BB962C8B-B14F-4D97-AF65-F5344CB8AC3E}">
-        <p14:creationId xmlns:p14="http://schemas.microsoft.com/office/powerpoint/2010/main" val="198324158"/>
+        <p14:creationId xmlns:p14="http://schemas.microsoft.com/office/powerpoint/2010/main" val="4098277938"/>
       </p:ext>
     </p:extLst>
   </p:cSld>
@@ -12073,6 +12367,129 @@
             </a:pPr>
             <a:r>
               <a:rPr lang="ru-RU" dirty="0"/>
+              <a:t>Что из перечисленного неверно при решении задачи классификации</a:t>
+            </a:r>
+            <a:r>
+              <a:rPr lang="ru-RU" dirty="0" smtClean="0"/>
+              <a:t>?</a:t>
+            </a:r>
+          </a:p>
+          <a:p>
+            <a:pPr marL="0" lvl="0" indent="0">
+              <a:buNone/>
+            </a:pPr>
+            <a:endParaRPr lang="ru-RU" dirty="0"/>
+          </a:p>
+          <a:p>
+            <a:pPr lvl="0"/>
+            <a:r>
+              <a:rPr lang="ru-RU" dirty="0"/>
+              <a:t>Все классы должны быть известны заранее.</a:t>
+            </a:r>
+          </a:p>
+          <a:p>
+            <a:pPr lvl="0"/>
+            <a:r>
+              <a:rPr lang="ru-RU" dirty="0"/>
+              <a:t>Количество классов может быть бесконечно.</a:t>
+            </a:r>
+          </a:p>
+          <a:p>
+            <a:pPr lvl="0"/>
+            <a:r>
+              <a:rPr lang="ru-RU" dirty="0"/>
+              <a:t>Классификация – это задача обучения с учителем.</a:t>
+            </a:r>
+          </a:p>
+          <a:p>
+            <a:pPr lvl="0"/>
+            <a:r>
+              <a:rPr lang="ru-RU" dirty="0"/>
+              <a:t>Каждый объект должен относиться хотя бы к одному классу</a:t>
+            </a:r>
+            <a:r>
+              <a:rPr lang="ru-RU" dirty="0" smtClean="0"/>
+              <a:t>.</a:t>
+            </a:r>
+            <a:endParaRPr lang="ru-RU" dirty="0"/>
+          </a:p>
+        </p:txBody>
+      </p:sp>
+    </p:spTree>
+    <p:extLst>
+      <p:ext uri="{BB962C8B-B14F-4D97-AF65-F5344CB8AC3E}">
+        <p14:creationId xmlns:p14="http://schemas.microsoft.com/office/powerpoint/2010/main" val="198324158"/>
+      </p:ext>
+    </p:extLst>
+  </p:cSld>
+  <p:clrMapOvr>
+    <a:masterClrMapping/>
+  </p:clrMapOvr>
+</p:sld>
+</file>
+
+<file path=ppt/slides/slide44.xml><?xml version="1.0" encoding="utf-8"?>
+<p:sld xmlns:a="http://schemas.openxmlformats.org/drawingml/2006/main" xmlns:r="http://schemas.openxmlformats.org/officeDocument/2006/relationships" xmlns:p="http://schemas.openxmlformats.org/presentationml/2006/main">
+  <p:cSld>
+    <p:spTree>
+      <p:nvGrpSpPr>
+        <p:cNvPr id="1" name=""/>
+        <p:cNvGrpSpPr/>
+        <p:nvPr/>
+      </p:nvGrpSpPr>
+      <p:grpSpPr>
+        <a:xfrm>
+          <a:off x="0" y="0"/>
+          <a:ext cx="0" cy="0"/>
+          <a:chOff x="0" y="0"/>
+          <a:chExt cx="0" cy="0"/>
+        </a:xfrm>
+      </p:grpSpPr>
+      <p:sp>
+        <p:nvSpPr>
+          <p:cNvPr id="2" name="Заголовок 1"/>
+          <p:cNvSpPr>
+            <a:spLocks noGrp="1"/>
+          </p:cNvSpPr>
+          <p:nvPr>
+            <p:ph type="title"/>
+          </p:nvPr>
+        </p:nvSpPr>
+        <p:spPr/>
+        <p:txBody>
+          <a:bodyPr/>
+          <a:lstStyle/>
+          <a:p>
+            <a:r>
+              <a:rPr lang="ru-RU" dirty="0" smtClean="0"/>
+              <a:t>Контрольные вопросы</a:t>
+            </a:r>
+            <a:endParaRPr lang="ru-RU" dirty="0"/>
+          </a:p>
+        </p:txBody>
+      </p:sp>
+      <p:sp>
+        <p:nvSpPr>
+          <p:cNvPr id="3" name="Объект 2"/>
+          <p:cNvSpPr>
+            <a:spLocks noGrp="1"/>
+          </p:cNvSpPr>
+          <p:nvPr>
+            <p:ph idx="1"/>
+          </p:nvPr>
+        </p:nvSpPr>
+        <p:spPr/>
+        <p:txBody>
+          <a:bodyPr>
+            <a:normAutofit/>
+          </a:bodyPr>
+          <a:lstStyle/>
+          <a:p>
+            <a:pPr marL="0" lvl="0" indent="0">
+              <a:buNone/>
+            </a:pPr>
+            <a:r>
+              <a:rPr lang="ru-RU" dirty="0"/>
               <a:t>Что из перечисленного не применяется в качестве метрики производительности задачи классификации</a:t>
             </a:r>
             <a:r>
@@ -12141,7 +12558,7 @@
 </p:sld>
 </file>
 
-<file path=ppt/slides/slide44.xml><?xml version="1.0" encoding="utf-8"?>
+<file path=ppt/slides/slide45.xml><?xml version="1.0" encoding="utf-8"?>
 <p:sld xmlns:a="http://schemas.openxmlformats.org/drawingml/2006/main" xmlns:r="http://schemas.openxmlformats.org/officeDocument/2006/relationships" xmlns:p="http://schemas.openxmlformats.org/presentationml/2006/main">
   <p:cSld>
     <p:spTree>

--- a/Лекция 2 23_09_2020.pptx
+++ b/Лекция 2 23_09_2020.pptx
@@ -253,7 +253,7 @@
           <a:p>
             <a:fld id="{44DBC884-B382-4302-8488-D4E467EB670D}" type="datetimeFigureOut">
               <a:rPr lang="ru-RU" smtClean="0"/>
-              <a:t>21.09.2020</a:t>
+              <a:t>30.09.2020</a:t>
             </a:fld>
             <a:endParaRPr lang="ru-RU"/>
           </a:p>
@@ -652,7 +652,7 @@
           <a:p>
             <a:fld id="{9F4DF3D0-C105-404D-A43B-7CBA1B97B744}" type="datetimeFigureOut">
               <a:rPr lang="ru-RU" smtClean="0"/>
-              <a:t>21.09.2020</a:t>
+              <a:t>30.09.2020</a:t>
             </a:fld>
             <a:endParaRPr lang="ru-RU"/>
           </a:p>
@@ -822,7 +822,7 @@
           <a:p>
             <a:fld id="{9F4DF3D0-C105-404D-A43B-7CBA1B97B744}" type="datetimeFigureOut">
               <a:rPr lang="ru-RU" smtClean="0"/>
-              <a:t>21.09.2020</a:t>
+              <a:t>30.09.2020</a:t>
             </a:fld>
             <a:endParaRPr lang="ru-RU"/>
           </a:p>
@@ -1002,7 +1002,7 @@
           <a:p>
             <a:fld id="{9F4DF3D0-C105-404D-A43B-7CBA1B97B744}" type="datetimeFigureOut">
               <a:rPr lang="ru-RU" smtClean="0"/>
-              <a:t>21.09.2020</a:t>
+              <a:t>30.09.2020</a:t>
             </a:fld>
             <a:endParaRPr lang="ru-RU"/>
           </a:p>
@@ -1172,7 +1172,7 @@
           <a:p>
             <a:fld id="{9F4DF3D0-C105-404D-A43B-7CBA1B97B744}" type="datetimeFigureOut">
               <a:rPr lang="ru-RU" smtClean="0"/>
-              <a:t>21.09.2020</a:t>
+              <a:t>30.09.2020</a:t>
             </a:fld>
             <a:endParaRPr lang="ru-RU"/>
           </a:p>
@@ -1418,7 +1418,7 @@
           <a:p>
             <a:fld id="{9F4DF3D0-C105-404D-A43B-7CBA1B97B744}" type="datetimeFigureOut">
               <a:rPr lang="ru-RU" smtClean="0"/>
-              <a:t>21.09.2020</a:t>
+              <a:t>30.09.2020</a:t>
             </a:fld>
             <a:endParaRPr lang="ru-RU"/>
           </a:p>
@@ -1650,7 +1650,7 @@
           <a:p>
             <a:fld id="{9F4DF3D0-C105-404D-A43B-7CBA1B97B744}" type="datetimeFigureOut">
               <a:rPr lang="ru-RU" smtClean="0"/>
-              <a:t>21.09.2020</a:t>
+              <a:t>30.09.2020</a:t>
             </a:fld>
             <a:endParaRPr lang="ru-RU"/>
           </a:p>
@@ -2017,7 +2017,7 @@
           <a:p>
             <a:fld id="{9F4DF3D0-C105-404D-A43B-7CBA1B97B744}" type="datetimeFigureOut">
               <a:rPr lang="ru-RU" smtClean="0"/>
-              <a:t>21.09.2020</a:t>
+              <a:t>30.09.2020</a:t>
             </a:fld>
             <a:endParaRPr lang="ru-RU"/>
           </a:p>
@@ -2135,7 +2135,7 @@
           <a:p>
             <a:fld id="{9F4DF3D0-C105-404D-A43B-7CBA1B97B744}" type="datetimeFigureOut">
               <a:rPr lang="ru-RU" smtClean="0"/>
-              <a:t>21.09.2020</a:t>
+              <a:t>30.09.2020</a:t>
             </a:fld>
             <a:endParaRPr lang="ru-RU"/>
           </a:p>
@@ -2230,7 +2230,7 @@
           <a:p>
             <a:fld id="{9F4DF3D0-C105-404D-A43B-7CBA1B97B744}" type="datetimeFigureOut">
               <a:rPr lang="ru-RU" smtClean="0"/>
-              <a:t>21.09.2020</a:t>
+              <a:t>30.09.2020</a:t>
             </a:fld>
             <a:endParaRPr lang="ru-RU"/>
           </a:p>
@@ -2507,7 +2507,7 @@
           <a:p>
             <a:fld id="{9F4DF3D0-C105-404D-A43B-7CBA1B97B744}" type="datetimeFigureOut">
               <a:rPr lang="ru-RU" smtClean="0"/>
-              <a:t>21.09.2020</a:t>
+              <a:t>30.09.2020</a:t>
             </a:fld>
             <a:endParaRPr lang="ru-RU"/>
           </a:p>
@@ -2760,7 +2760,7 @@
           <a:p>
             <a:fld id="{9F4DF3D0-C105-404D-A43B-7CBA1B97B744}" type="datetimeFigureOut">
               <a:rPr lang="ru-RU" smtClean="0"/>
-              <a:t>21.09.2020</a:t>
+              <a:t>30.09.2020</a:t>
             </a:fld>
             <a:endParaRPr lang="ru-RU"/>
           </a:p>
@@ -2973,7 +2973,7 @@
           <a:p>
             <a:fld id="{9F4DF3D0-C105-404D-A43B-7CBA1B97B744}" type="datetimeFigureOut">
               <a:rPr lang="ru-RU" smtClean="0"/>
-              <a:t>21.09.2020</a:t>
+              <a:t>30.09.2020</a:t>
             </a:fld>
             <a:endParaRPr lang="ru-RU"/>
           </a:p>
@@ -9819,8 +9819,8 @@
           </a:p>
         </p:txBody>
       </p:sp>
-      <mc:AlternateContent xmlns:mc="http://schemas.openxmlformats.org/markup-compatibility/2006" xmlns:a14="http://schemas.microsoft.com/office/drawing/2010/main">
-        <mc:Choice Requires="a14">
+      <mc:AlternateContent xmlns:mc="http://schemas.openxmlformats.org/markup-compatibility/2006">
+        <mc:Choice xmlns:a14="http://schemas.microsoft.com/office/drawing/2010/main" Requires="a14">
           <p:sp>
             <p:nvSpPr>
               <p:cNvPr id="3" name="Объект 2"/>
@@ -9834,7 +9834,7 @@
             <p:spPr/>
             <p:txBody>
               <a:bodyPr>
-                <a:normAutofit/>
+                <a:normAutofit fontScale="92500" lnSpcReduction="10000"/>
               </a:bodyPr>
               <a:lstStyle/>
               <a:p>
@@ -9984,8 +9984,19 @@
                 </a14:m>
                 <a:r>
                   <a:rPr lang="ru-RU" dirty="0" smtClean="0"/>
-                  <a:t> равен:</a:t>
+                  <a:t> равен</a:t>
                 </a:r>
+                <a:r>
+                  <a:rPr lang="ru-RU" dirty="0" smtClean="0"/>
+                  <a:t>:</a:t>
+                </a:r>
+                <a:endParaRPr lang="en-US" dirty="0" smtClean="0"/>
+              </a:p>
+              <a:p>
+                <a:pPr marL="0" indent="0">
+                  <a:buNone/>
+                </a:pPr>
+                <a:endParaRPr lang="ru-RU" dirty="0" smtClean="0"/>
               </a:p>
               <a:p>
                 <a:pPr marL="0" indent="0">
@@ -10367,7 +10378,7 @@
             </p:txBody>
           </p:sp>
         </mc:Choice>
-        <mc:Fallback xmlns="">
+        <mc:Fallback>
           <p:sp>
             <p:nvSpPr>
               <p:cNvPr id="3" name="Объект 2"/>
@@ -10382,7 +10393,7 @@
               <a:blipFill rotWithShape="0">
                 <a:blip r:embed="rId2"/>
                 <a:stretch>
-                  <a:fillRect l="-1217" t="-2241" r="-348" b="-840"/>
+                  <a:fillRect l="-1043" t="-2801" r="-1681"/>
                 </a:stretch>
               </a:blipFill>
             </p:spPr>
@@ -11400,6 +11411,13 @@
   <p:clrMapOvr>
     <a:masterClrMapping/>
   </p:clrMapOvr>
+  <p:timing>
+    <p:tnLst>
+      <p:par>
+        <p:cTn id="1" dur="indefinite" restart="never" nodeType="tmRoot"/>
+      </p:par>
+    </p:tnLst>
+  </p:timing>
 </p:sld>
 </file>
 
@@ -11523,6 +11541,13 @@
   <p:clrMapOvr>
     <a:masterClrMapping/>
   </p:clrMapOvr>
+  <p:timing>
+    <p:tnLst>
+      <p:par>
+        <p:cTn id="1" dur="indefinite" restart="never" nodeType="tmRoot"/>
+      </p:par>
+    </p:tnLst>
+  </p:timing>
 </p:sld>
 </file>
 
